--- a/lending_club_case_study.pptx
+++ b/lending_club_case_study.pptx
@@ -4204,7 +4204,7 @@
             </a:pPr>
             <a:r>
               <a:rPr lang="en-US" sz="1400"/>
-              <a:t>Chance of non-verified Loan getting defaulted is 12 %</a:t>
+              <a:t>Chance of non-verified loan getting defaulted is 12 %</a:t>
             </a:r>
             <a:endParaRPr lang="en-US" sz="1400"/>
           </a:p>
@@ -4343,173 +4343,16 @@
           </a:p>
         </p:txBody>
       </p:sp>
-    </p:spTree>
-  </p:cSld>
-  <p:clrMapOvr>
-    <a:masterClrMapping/>
-  </p:clrMapOvr>
-</p:sld>
-</file>
-
-<file path=ppt/slides/slide11.xml><?xml version="1.0" encoding="utf-8"?>
-<p:sld xmlns:a="http://schemas.openxmlformats.org/drawingml/2006/main" xmlns:r="http://schemas.openxmlformats.org/officeDocument/2006/relationships" xmlns:p="http://schemas.openxmlformats.org/presentationml/2006/main">
-  <p:cSld>
-    <p:spTree>
-      <p:nvGrpSpPr>
-        <p:cNvPr id="1" name=""/>
-        <p:cNvGrpSpPr/>
-        <p:nvPr/>
-      </p:nvGrpSpPr>
-      <p:grpSpPr/>
-      <p:sp>
-        <p:nvSpPr>
-          <p:cNvPr id="2" name="Title 1"/>
-          <p:cNvSpPr>
-            <a:spLocks noGrp="1"/>
-          </p:cNvSpPr>
-          <p:nvPr>
-            <p:ph type="title"/>
-          </p:nvPr>
-        </p:nvSpPr>
-        <p:spPr/>
-        <p:txBody>
-          <a:bodyPr/>
-          <a:p>
-            <a:r>
-              <a:rPr lang="en-US"/>
-              <a:t>Purpose</a:t>
-            </a:r>
-            <a:endParaRPr lang="en-US"/>
-          </a:p>
-        </p:txBody>
-      </p:sp>
-      <p:pic>
-        <p:nvPicPr>
-          <p:cNvPr id="4" name="Content Placeholder 3"/>
-          <p:cNvPicPr>
-            <a:picLocks noChangeAspect="1"/>
-          </p:cNvPicPr>
-          <p:nvPr>
-            <p:ph idx="1"/>
-          </p:nvPr>
-        </p:nvPicPr>
-        <p:blipFill>
-          <a:blip r:embed="rId1"/>
-          <a:stretch>
-            <a:fillRect/>
-          </a:stretch>
-        </p:blipFill>
-        <p:spPr>
-          <a:xfrm>
-            <a:off x="609600" y="1050290"/>
-            <a:ext cx="5344160" cy="2343150"/>
-          </a:xfrm>
-          <a:prstGeom prst="rect">
-            <a:avLst/>
-          </a:prstGeom>
-        </p:spPr>
-      </p:pic>
-      <p:pic>
-        <p:nvPicPr>
-          <p:cNvPr id="5" name="Picture 4"/>
-          <p:cNvPicPr>
-            <a:picLocks noChangeAspect="1"/>
-          </p:cNvPicPr>
-          <p:nvPr/>
-        </p:nvPicPr>
-        <p:blipFill>
-          <a:blip r:embed="rId2"/>
-          <a:stretch>
-            <a:fillRect/>
-          </a:stretch>
-        </p:blipFill>
-        <p:spPr>
-          <a:xfrm>
-            <a:off x="610235" y="3914775"/>
-            <a:ext cx="5343525" cy="2207260"/>
-          </a:xfrm>
-          <a:prstGeom prst="rect">
-            <a:avLst/>
-          </a:prstGeom>
-        </p:spPr>
-      </p:pic>
-      <p:sp>
-        <p:nvSpPr>
-          <p:cNvPr id="6" name="Text Box 5"/>
-          <p:cNvSpPr txBox="1"/>
-          <p:nvPr/>
-        </p:nvSpPr>
-        <p:spPr>
-          <a:xfrm>
-            <a:off x="6762750" y="1638300"/>
-            <a:ext cx="3781425" cy="2461260"/>
-          </a:xfrm>
-          <a:prstGeom prst="rect">
-            <a:avLst/>
-          </a:prstGeom>
-          <a:noFill/>
-        </p:spPr>
-        <p:txBody>
-          <a:bodyPr wrap="square" rtlCol="0">
-            <a:spAutoFit/>
-          </a:bodyPr>
-          <a:p>
-            <a:pPr marL="285750" indent="-285750">
-              <a:buFont typeface="Arial" panose="02080604020202020204" pitchFamily="34" charset="0"/>
-              <a:buChar char="•"/>
-            </a:pPr>
-            <a:r>
-              <a:rPr lang="en-US" sz="1400" b="1"/>
-              <a:t>Debt_consolidation</a:t>
-            </a:r>
-            <a:r>
-              <a:rPr lang="en-US" sz="1400"/>
-              <a:t> is the most common pupose of the loan (47%) and has </a:t>
-            </a:r>
-            <a:r>
-              <a:rPr lang="en-US" sz="1400" b="1"/>
-              <a:t>14.8%</a:t>
-            </a:r>
-            <a:r>
-              <a:rPr lang="en-US" sz="1400"/>
-              <a:t> chances of getting </a:t>
-            </a:r>
-            <a:r>
-              <a:rPr lang="en-US" sz="1400" b="1"/>
-              <a:t>default.</a:t>
-            </a:r>
-            <a:endParaRPr lang="en-US" sz="1400"/>
-          </a:p>
-          <a:p>
-            <a:pPr marL="285750" indent="-285750">
-              <a:buFont typeface="Arial" panose="02080604020202020204" pitchFamily="34" charset="0"/>
-              <a:buChar char="•"/>
-            </a:pPr>
-            <a:endParaRPr lang="en-US" sz="1400"/>
-          </a:p>
-          <a:p>
-            <a:pPr marL="285750" indent="-285750">
-              <a:buFont typeface="Arial" panose="02080604020202020204" pitchFamily="34" charset="0"/>
-              <a:buChar char="•"/>
-            </a:pPr>
-            <a:r>
-              <a:rPr lang="en-US" sz="1400"/>
-              <a:t>Loans with small business purpose have highest chances (26%) of getting defaulted. Whereas loans for wedding, car or major purchase have lowest chances (only 10%) of getting defaulted.</a:t>
-            </a:r>
-            <a:endParaRPr lang="en-US" sz="1400"/>
-          </a:p>
-        </p:txBody>
-      </p:sp>
-      <p:sp>
-        <p:nvSpPr>
-          <p:cNvPr id="8" name="Rectangles 7"/>
+      <p:sp>
+        <p:nvSpPr>
+          <p:cNvPr id="3" name="Rectangles 2"/>
           <p:cNvSpPr/>
           <p:nvPr/>
         </p:nvSpPr>
         <p:spPr>
           <a:xfrm>
-            <a:off x="2819400" y="1267460"/>
-            <a:ext cx="352425" cy="2056765"/>
+            <a:off x="1230630" y="3585210"/>
+            <a:ext cx="514350" cy="485775"/>
           </a:xfrm>
           <a:prstGeom prst="rect">
             <a:avLst/>
@@ -4574,16 +4417,227 @@
           </a:p>
         </p:txBody>
       </p:sp>
-      <p:sp>
-        <p:nvSpPr>
-          <p:cNvPr id="9" name="Rectangles 8"/>
+      <p:cxnSp>
+        <p:nvCxnSpPr>
+          <p:cNvPr id="7" name="Straight Arrow Connector 6"/>
+          <p:cNvCxnSpPr/>
+          <p:nvPr/>
+        </p:nvCxnSpPr>
+        <p:spPr>
+          <a:xfrm flipH="1">
+            <a:off x="10725150" y="4625340"/>
+            <a:ext cx="614680" cy="510540"/>
+          </a:xfrm>
+          <a:prstGeom prst="straightConnector1">
+            <a:avLst/>
+          </a:prstGeom>
+          <a:gradFill rotWithShape="0">
+            <a:gsLst>
+              <a:gs pos="0">
+                <a:schemeClr val="accent1"/>
+              </a:gs>
+              <a:gs pos="100000">
+                <a:schemeClr val="accent2"/>
+              </a:gs>
+            </a:gsLst>
+            <a:lin ang="5400000" scaled="1"/>
+          </a:gradFill>
+          <a:ln w="19050" cap="flat" cmpd="sng" algn="ctr">
+            <a:solidFill>
+              <a:srgbClr val="FF0000"/>
+            </a:solidFill>
+            <a:prstDash val="solid"/>
+            <a:round/>
+            <a:headEnd type="none" w="med" len="med"/>
+            <a:tailEnd type="arrow" w="med" len="med"/>
+          </a:ln>
+        </p:spPr>
+      </p:cxnSp>
+    </p:spTree>
+  </p:cSld>
+  <p:clrMapOvr>
+    <a:masterClrMapping/>
+  </p:clrMapOvr>
+</p:sld>
+</file>
+
+<file path=ppt/slides/slide11.xml><?xml version="1.0" encoding="utf-8"?>
+<p:sld xmlns:a="http://schemas.openxmlformats.org/drawingml/2006/main" xmlns:r="http://schemas.openxmlformats.org/officeDocument/2006/relationships" xmlns:p="http://schemas.openxmlformats.org/presentationml/2006/main">
+  <p:cSld>
+    <p:spTree>
+      <p:nvGrpSpPr>
+        <p:cNvPr id="1" name=""/>
+        <p:cNvGrpSpPr/>
+        <p:nvPr/>
+      </p:nvGrpSpPr>
+      <p:grpSpPr/>
+      <p:sp>
+        <p:nvSpPr>
+          <p:cNvPr id="2" name="Title 1"/>
+          <p:cNvSpPr>
+            <a:spLocks noGrp="1"/>
+          </p:cNvSpPr>
+          <p:nvPr>
+            <p:ph type="title"/>
+          </p:nvPr>
+        </p:nvSpPr>
+        <p:spPr/>
+        <p:txBody>
+          <a:bodyPr/>
+          <a:p>
+            <a:r>
+              <a:rPr lang="en-US"/>
+              <a:t>Purpose</a:t>
+            </a:r>
+            <a:endParaRPr lang="en-US"/>
+          </a:p>
+        </p:txBody>
+      </p:sp>
+      <p:pic>
+        <p:nvPicPr>
+          <p:cNvPr id="4" name="Content Placeholder 3"/>
+          <p:cNvPicPr>
+            <a:picLocks noChangeAspect="1"/>
+          </p:cNvPicPr>
+          <p:nvPr>
+            <p:ph idx="1"/>
+          </p:nvPr>
+        </p:nvPicPr>
+        <p:blipFill>
+          <a:blip r:embed="rId1"/>
+          <a:stretch>
+            <a:fillRect/>
+          </a:stretch>
+        </p:blipFill>
+        <p:spPr>
+          <a:xfrm>
+            <a:off x="609600" y="1050290"/>
+            <a:ext cx="5344160" cy="2343150"/>
+          </a:xfrm>
+          <a:prstGeom prst="rect">
+            <a:avLst/>
+          </a:prstGeom>
+        </p:spPr>
+      </p:pic>
+      <p:pic>
+        <p:nvPicPr>
+          <p:cNvPr id="5" name="Picture 4"/>
+          <p:cNvPicPr>
+            <a:picLocks noChangeAspect="1"/>
+          </p:cNvPicPr>
+          <p:nvPr/>
+        </p:nvPicPr>
+        <p:blipFill>
+          <a:blip r:embed="rId2"/>
+          <a:stretch>
+            <a:fillRect/>
+          </a:stretch>
+        </p:blipFill>
+        <p:spPr>
+          <a:xfrm>
+            <a:off x="610235" y="3914775"/>
+            <a:ext cx="5343525" cy="2207260"/>
+          </a:xfrm>
+          <a:prstGeom prst="rect">
+            <a:avLst/>
+          </a:prstGeom>
+        </p:spPr>
+      </p:pic>
+      <p:sp>
+        <p:nvSpPr>
+          <p:cNvPr id="6" name="Text Box 5"/>
+          <p:cNvSpPr txBox="1"/>
+          <p:nvPr/>
+        </p:nvSpPr>
+        <p:spPr>
+          <a:xfrm>
+            <a:off x="6762750" y="1638300"/>
+            <a:ext cx="3781425" cy="2676525"/>
+          </a:xfrm>
+          <a:prstGeom prst="rect">
+            <a:avLst/>
+          </a:prstGeom>
+          <a:noFill/>
+        </p:spPr>
+        <p:txBody>
+          <a:bodyPr wrap="square" rtlCol="0">
+            <a:spAutoFit/>
+          </a:bodyPr>
+          <a:p>
+            <a:pPr marL="285750" indent="-285750">
+              <a:buFont typeface="Arial" panose="02080604020202020204" pitchFamily="34" charset="0"/>
+              <a:buChar char="•"/>
+            </a:pPr>
+            <a:r>
+              <a:rPr lang="en-US" sz="1400" b="1"/>
+              <a:t>Debt_consolidation</a:t>
+            </a:r>
+            <a:r>
+              <a:rPr lang="en-US" sz="1400"/>
+              <a:t> is the most common pupose of the loan (47%) and has </a:t>
+            </a:r>
+            <a:r>
+              <a:rPr lang="en-US" sz="1400" b="1"/>
+              <a:t>14.8%</a:t>
+            </a:r>
+            <a:r>
+              <a:rPr lang="en-US" sz="1400"/>
+              <a:t> chances of getting </a:t>
+            </a:r>
+            <a:r>
+              <a:rPr lang="en-US" sz="1400" b="1"/>
+              <a:t>default.</a:t>
+            </a:r>
+            <a:endParaRPr lang="en-US" sz="1400"/>
+          </a:p>
+          <a:p>
+            <a:pPr marL="285750" indent="-285750">
+              <a:buFont typeface="Arial" panose="02080604020202020204" pitchFamily="34" charset="0"/>
+              <a:buChar char="•"/>
+            </a:pPr>
+            <a:endParaRPr lang="en-US" sz="1400"/>
+          </a:p>
+          <a:p>
+            <a:pPr marL="285750" indent="-285750">
+              <a:buFont typeface="Arial" panose="02080604020202020204" pitchFamily="34" charset="0"/>
+              <a:buChar char="•"/>
+            </a:pPr>
+            <a:r>
+              <a:rPr lang="en-US" sz="1400"/>
+              <a:t>Loans with small business purpose have highest chances (26%) of getting defaulted. </a:t>
+            </a:r>
+            <a:endParaRPr lang="en-US" sz="1400"/>
+          </a:p>
+          <a:p>
+            <a:pPr marL="285750" indent="-285750">
+              <a:buFont typeface="Arial" panose="02080604020202020204" pitchFamily="34" charset="0"/>
+              <a:buChar char="•"/>
+            </a:pPr>
+            <a:endParaRPr lang="en-US" sz="1400"/>
+          </a:p>
+          <a:p>
+            <a:pPr marL="285750" indent="-285750">
+              <a:buFont typeface="Arial" panose="02080604020202020204" pitchFamily="34" charset="0"/>
+              <a:buChar char="•"/>
+            </a:pPr>
+            <a:r>
+              <a:rPr lang="en-US" sz="1400"/>
+              <a:t>Whereas loans for wedding, car or major purchase have lowest chances (only 10%) of getting defaulted.</a:t>
+            </a:r>
+            <a:endParaRPr lang="en-US" sz="1400"/>
+          </a:p>
+        </p:txBody>
+      </p:sp>
+      <p:sp>
+        <p:nvSpPr>
+          <p:cNvPr id="8" name="Rectangles 7"/>
           <p:cNvSpPr/>
           <p:nvPr/>
         </p:nvSpPr>
         <p:spPr>
           <a:xfrm>
-            <a:off x="1651000" y="4361815"/>
-            <a:ext cx="352425" cy="1609725"/>
+            <a:off x="2819400" y="1267460"/>
+            <a:ext cx="352425" cy="2056765"/>
           </a:xfrm>
           <a:prstGeom prst="rect">
             <a:avLst/>
@@ -4650,6 +4704,80 @@
       </p:sp>
       <p:sp>
         <p:nvSpPr>
+          <p:cNvPr id="9" name="Rectangles 8"/>
+          <p:cNvSpPr/>
+          <p:nvPr/>
+        </p:nvSpPr>
+        <p:spPr>
+          <a:xfrm>
+            <a:off x="1651000" y="4361815"/>
+            <a:ext cx="352425" cy="1609725"/>
+          </a:xfrm>
+          <a:prstGeom prst="rect">
+            <a:avLst/>
+          </a:prstGeom>
+          <a:noFill/>
+          <a:ln w="19050" cap="flat" cmpd="sng" algn="ctr">
+            <a:solidFill>
+              <a:srgbClr val="FF0000"/>
+            </a:solidFill>
+            <a:prstDash val="solid"/>
+            <a:round/>
+            <a:headEnd type="none" w="med" len="med"/>
+            <a:tailEnd type="none" w="med" len="med"/>
+          </a:ln>
+          <a:extLst>
+            <a:ext uri="{909E8E84-426E-40DD-AFC4-6F175D3DCCD1}">
+              <a14:hiddenFill xmlns:a14="http://schemas.microsoft.com/office/drawing/2010/main">
+                <a:gradFill rotWithShape="0">
+                  <a:gsLst>
+                    <a:gs pos="0">
+                      <a:schemeClr val="accent1"/>
+                    </a:gs>
+                    <a:gs pos="100000">
+                      <a:schemeClr val="accent2"/>
+                    </a:gs>
+                  </a:gsLst>
+                  <a:lin ang="5400000" scaled="1"/>
+                </a:gradFill>
+              </a14:hiddenFill>
+            </a:ext>
+          </a:extLst>
+        </p:spPr>
+        <p:txBody>
+          <a:bodyPr vert="horz" wrap="none" lIns="91440" tIns="45720" rIns="91440" bIns="45720" numCol="1" anchor="ctr" anchorCtr="0" compatLnSpc="1"/>
+          <a:p>
+            <a:pPr marL="0" marR="0" indent="0" algn="l" defTabSz="914400" rtl="0" eaLnBrk="1" fontAlgn="base" latinLnBrk="0" hangingPunct="1">
+              <a:lnSpc>
+                <a:spcPct val="100000"/>
+              </a:lnSpc>
+              <a:spcBef>
+                <a:spcPct val="0"/>
+              </a:spcBef>
+              <a:spcAft>
+                <a:spcPct val="0"/>
+              </a:spcAft>
+              <a:buClrTx/>
+              <a:buSzTx/>
+              <a:buFontTx/>
+              <a:buNone/>
+            </a:pPr>
+            <a:endParaRPr kumimoji="0" lang="zh-CN" altLang="en-US" sz="1800" b="0" i="0" u="none" strike="noStrike" cap="none" normalizeH="0" baseline="0" smtClean="0">
+              <a:ln>
+                <a:noFill/>
+              </a:ln>
+              <a:solidFill>
+                <a:schemeClr val="tx1"/>
+              </a:solidFill>
+              <a:effectLst/>
+              <a:latin typeface="Arial" panose="02080604020202020204" pitchFamily="34" charset="0"/>
+              <a:ea typeface="SimSun" pitchFamily="2" charset="-122"/>
+            </a:endParaRPr>
+          </a:p>
+        </p:txBody>
+      </p:sp>
+      <p:sp>
+        <p:nvSpPr>
           <p:cNvPr id="10" name="Rectangles 9"/>
           <p:cNvSpPr/>
           <p:nvPr/>
@@ -5279,7 +5407,7 @@
             </a:pPr>
             <a:r>
               <a:rPr lang="en-US" sz="1200"/>
-              <a:t>Number </a:t>
+              <a:t>Number of </a:t>
             </a:r>
             <a:r>
               <a:rPr lang="en-US" sz="1200" b="1"/>
@@ -6508,7 +6636,7 @@
             </a:pPr>
             <a:r>
               <a:rPr lang="en-US" sz="1400"/>
-              <a:t>The company has only 0.1% of total loans with 36 months tenure and G grade. And these loans have highest risk of 37.5% of default rate. This is also positive sign for the company</a:t>
+              <a:t>The company has only 0.1% of total loans with 36 months tenure and G grade. And these loans have highest risk of 37.5% of default rate. </a:t>
             </a:r>
             <a:endParaRPr lang="en-US" sz="1400"/>
           </a:p>
@@ -7891,6 +8019,10 @@
           </a:p>
           <a:p>
             <a:pPr lvl="1"/>
+            <a:endParaRPr lang="en-US" sz="1200"/>
+          </a:p>
+          <a:p>
+            <a:pPr lvl="1"/>
             <a:r>
               <a:rPr lang="en-US" sz="1200"/>
               <a:t>Fully paid: Applicant has fully paid the loan (the principal and the interest rate)</a:t>
@@ -7900,23 +8032,23 @@
           <a:p>
             <a:pPr lvl="1"/>
             <a:r>
-              <a:rPr lang="en-US" sz="1400"/>
+              <a:rPr lang="en-US" sz="1200"/>
               <a:t>Current: Applicant is in the process of paying the instalments, i.e. the tenure of the loan is not yet completed. These candidates are not labelled as 'defaulted'.</a:t>
             </a:r>
+            <a:endParaRPr lang="en-US" sz="1200"/>
+          </a:p>
+          <a:p>
+            <a:pPr lvl="1"/>
+            <a:r>
+              <a:rPr lang="en-US" sz="1200"/>
+              <a:t>Charged-off: Applicant has not paid the instalments in due time for a long period of time, i.e. he/she has defaulted on the loan</a:t>
+            </a:r>
+            <a:endParaRPr lang="en-US" sz="1200"/>
+          </a:p>
+          <a:p>
             <a:endParaRPr lang="en-US" sz="1400"/>
           </a:p>
           <a:p>
-            <a:pPr lvl="1"/>
-            <a:r>
-              <a:rPr lang="en-US" sz="1400"/>
-              <a:t>Charged-off: Applicant has not paid the instalments in due time for a long period of time, i.e. he/she has defaulted on the loan</a:t>
-            </a:r>
-            <a:endParaRPr lang="en-US" sz="1400"/>
-          </a:p>
-          <a:p>
-            <a:pPr marL="0" indent="0">
-              <a:buNone/>
-            </a:pPr>
             <a:endParaRPr lang="en-US" sz="1400"/>
           </a:p>
           <a:p>
@@ -8130,7 +8262,7 @@
             </a:r>
             <a:r>
               <a:rPr lang="en-US" sz="1400"/>
-              <a:t> which wont help in analysis : Removed 14 fiels like “title”, “zip_code”</a:t>
+              <a:t> which wont help in analysis : Removed 14 fields like “title”, “zip_code”</a:t>
             </a:r>
             <a:endParaRPr lang="en-US" sz="1400"/>
           </a:p>
@@ -8302,6 +8434,80 @@
           </a:p>
         </p:txBody>
       </p:sp>
+      <p:sp>
+        <p:nvSpPr>
+          <p:cNvPr id="3" name="Rectangles 2"/>
+          <p:cNvSpPr/>
+          <p:nvPr/>
+        </p:nvSpPr>
+        <p:spPr>
+          <a:xfrm>
+            <a:off x="8237220" y="2979420"/>
+            <a:ext cx="624205" cy="1702435"/>
+          </a:xfrm>
+          <a:prstGeom prst="rect">
+            <a:avLst/>
+          </a:prstGeom>
+          <a:noFill/>
+          <a:ln w="28575" cap="flat" cmpd="sng" algn="ctr">
+            <a:solidFill>
+              <a:srgbClr val="FF0000"/>
+            </a:solidFill>
+            <a:prstDash val="solid"/>
+            <a:round/>
+            <a:headEnd type="none" w="med" len="med"/>
+            <a:tailEnd type="none" w="med" len="med"/>
+          </a:ln>
+          <a:extLst>
+            <a:ext uri="{909E8E84-426E-40DD-AFC4-6F175D3DCCD1}">
+              <a14:hiddenFill xmlns:a14="http://schemas.microsoft.com/office/drawing/2010/main">
+                <a:gradFill rotWithShape="0">
+                  <a:gsLst>
+                    <a:gs pos="0">
+                      <a:schemeClr val="accent1"/>
+                    </a:gs>
+                    <a:gs pos="100000">
+                      <a:schemeClr val="accent2"/>
+                    </a:gs>
+                  </a:gsLst>
+                  <a:lin ang="5400000" scaled="1"/>
+                </a:gradFill>
+              </a14:hiddenFill>
+            </a:ext>
+          </a:extLst>
+        </p:spPr>
+        <p:txBody>
+          <a:bodyPr vert="horz" wrap="none" lIns="91440" tIns="45720" rIns="91440" bIns="45720" numCol="1" anchor="ctr" anchorCtr="0" compatLnSpc="1"/>
+          <a:p>
+            <a:pPr marL="0" marR="0" indent="0" algn="l" defTabSz="914400" rtl="0" eaLnBrk="1" fontAlgn="base" latinLnBrk="0" hangingPunct="1">
+              <a:lnSpc>
+                <a:spcPct val="100000"/>
+              </a:lnSpc>
+              <a:spcBef>
+                <a:spcPct val="0"/>
+              </a:spcBef>
+              <a:spcAft>
+                <a:spcPct val="0"/>
+              </a:spcAft>
+              <a:buClrTx/>
+              <a:buSzTx/>
+              <a:buFontTx/>
+              <a:buNone/>
+            </a:pPr>
+            <a:endParaRPr kumimoji="0" lang="zh-CN" altLang="en-US" sz="1800" b="0" i="0" u="none" strike="noStrike" cap="none" normalizeH="0" baseline="0" smtClean="0">
+              <a:ln>
+                <a:noFill/>
+              </a:ln>
+              <a:solidFill>
+                <a:schemeClr val="tx1"/>
+              </a:solidFill>
+              <a:effectLst/>
+              <a:latin typeface="Arial" panose="02080604020202020204" pitchFamily="34" charset="0"/>
+              <a:ea typeface="SimSun" pitchFamily="2" charset="-122"/>
+            </a:endParaRPr>
+          </a:p>
+        </p:txBody>
+      </p:sp>
     </p:spTree>
   </p:cSld>
   <p:clrMapOvr>
@@ -8425,7 +8631,7 @@
         <p:spPr>
           <a:xfrm>
             <a:off x="6861175" y="1642745"/>
-            <a:ext cx="3991610" cy="3046095"/>
+            <a:ext cx="3991610" cy="2461260"/>
           </a:xfrm>
           <a:prstGeom prst="rect">
             <a:avLst/>
@@ -8442,17 +8648,17 @@
               <a:buChar char="•"/>
             </a:pPr>
             <a:r>
-              <a:rPr lang="en-US" sz="1600"/>
+              <a:rPr lang="en-US" sz="1400"/>
               <a:t>Most of the loans (73%) have 36 months tenure where as only 26% loans have 60 months tenure.</a:t>
             </a:r>
-            <a:endParaRPr lang="en-US" sz="1600"/>
+            <a:endParaRPr lang="en-US" sz="1400"/>
           </a:p>
           <a:p>
             <a:pPr marL="285750" indent="-285750">
               <a:buFont typeface="Arial" panose="02080604020202020204" pitchFamily="34" charset="0"/>
               <a:buChar char="•"/>
             </a:pPr>
-            <a:endParaRPr lang="en-US" sz="1600"/>
+            <a:endParaRPr lang="en-US" sz="1400"/>
           </a:p>
           <a:p>
             <a:pPr marL="285750" indent="-285750">
@@ -8460,17 +8666,17 @@
               <a:buChar char="•"/>
             </a:pPr>
             <a:r>
-              <a:rPr lang="en-US" sz="1600"/>
+              <a:rPr lang="en-US" sz="1400"/>
               <a:t>Interest rate for 60 months tenure loans is higher than that of 36 months loan.</a:t>
             </a:r>
-            <a:endParaRPr lang="en-US" sz="1600"/>
+            <a:endParaRPr lang="en-US" sz="1400"/>
           </a:p>
           <a:p>
             <a:pPr marL="285750" indent="-285750">
               <a:buFont typeface="Arial" panose="02080604020202020204" pitchFamily="34" charset="0"/>
               <a:buChar char="•"/>
             </a:pPr>
-            <a:endParaRPr lang="en-US" sz="1600"/>
+            <a:endParaRPr lang="en-US" sz="1400"/>
           </a:p>
           <a:p>
             <a:pPr marL="285750" indent="-285750">
@@ -8478,18 +8684,18 @@
               <a:buChar char="•"/>
             </a:pPr>
             <a:r>
-              <a:rPr lang="en-US" sz="1600"/>
+              <a:rPr lang="en-US" sz="1400"/>
               <a:t>And </a:t>
             </a:r>
             <a:r>
-              <a:rPr lang="en-US" sz="1600" b="1"/>
+              <a:rPr lang="en-US" sz="1400" b="1"/>
               <a:t>chances of 60 months loan getting default is double</a:t>
             </a:r>
             <a:r>
-              <a:rPr lang="en-US" sz="1600"/>
+              <a:rPr lang="en-US" sz="1400"/>
               <a:t> (22.6%) that of 36 months loans (11.1%)</a:t>
             </a:r>
-            <a:endParaRPr lang="en-US" sz="1600"/>
+            <a:endParaRPr lang="en-US" sz="1400"/>
           </a:p>
         </p:txBody>
       </p:sp>
@@ -8638,7 +8844,7 @@
           <a:p>
             <a:r>
               <a:rPr lang="en-US" sz="1400"/>
-              <a:t>Interest rate is gradually incrasing for the A, B, C, D, E, F, G grade loans</a:t>
+              <a:t>Interest rate is gradually increasing for the A, B, C, D, E, F, G grade loans</a:t>
             </a:r>
             <a:endParaRPr lang="en-US" sz="1400"/>
           </a:p>
@@ -8909,7 +9115,7 @@
         <p:spPr>
           <a:xfrm>
             <a:off x="5861050" y="1909445"/>
-            <a:ext cx="4371340" cy="3630930"/>
+            <a:ext cx="5231765" cy="3322955"/>
           </a:xfrm>
           <a:prstGeom prst="rect">
             <a:avLst/>
@@ -8945,7 +9151,17 @@
             </a:pPr>
             <a:r>
               <a:rPr lang="en-US" sz="1400"/>
-              <a:t>Upper grade loans (D, E, F, G) - Borrower is using very high amount of credit relative to all amount of available revolving credit he has.  </a:t>
+              <a:t>Upper grade loans (D, E, F, G) - Borrower is taking high amount of loan and also has very high revolving line utilization rate (</a:t>
+            </a:r>
+            <a:r>
+              <a:rPr lang="en-US" sz="1400">
+                <a:sym typeface="+mn-ea"/>
+              </a:rPr>
+              <a:t>amount of credit relative to all amount of available revolving credit he has</a:t>
+            </a:r>
+            <a:r>
+              <a:rPr lang="en-US" sz="1400"/>
+              <a:t>).  </a:t>
             </a:r>
             <a:endParaRPr lang="en-US" sz="1400"/>
           </a:p>
@@ -8954,7 +9170,7 @@
               <a:buFont typeface="Arial" panose="02080604020202020204" pitchFamily="34" charset="0"/>
               <a:buChar char="•"/>
             </a:pPr>
-            <a:endParaRPr lang="en-US" sz="1600"/>
+            <a:endParaRPr lang="en-US" sz="1400"/>
           </a:p>
           <a:p>
             <a:pPr marL="285750" indent="-285750">
@@ -8997,19 +9213,41 @@
             </a:r>
             <a:r>
               <a:rPr lang="en-US" sz="1400"/>
-              <a:t> - Also </a:t>
+              <a:t>  - </a:t>
             </a:r>
             <a:r>
               <a:rPr lang="en-US" sz="1400" b="1"/>
+              <a:t>high chance of Default loan </a:t>
+            </a:r>
+            <a:r>
+              <a:rPr lang="en-US" sz="1400">
+                <a:sym typeface="+mn-ea"/>
+              </a:rPr>
+              <a:t>- Also </a:t>
+            </a:r>
+            <a:r>
+              <a:rPr lang="en-US" sz="1400" b="1">
+                <a:sym typeface="+mn-ea"/>
+              </a:rPr>
               <a:t>high loan amount</a:t>
             </a:r>
             <a:r>
-              <a:rPr lang="en-US" sz="1400"/>
+              <a:rPr lang="en-US" sz="1400">
+                <a:sym typeface="+mn-ea"/>
+              </a:rPr>
               <a:t> applied by borrowers - </a:t>
             </a:r>
             <a:r>
-              <a:rPr lang="en-US" sz="1400" b="1"/>
-              <a:t>high chance of Default loan</a:t>
+              <a:rPr lang="en-US" sz="1400" b="1">
+                <a:sym typeface="+mn-ea"/>
+              </a:rPr>
+              <a:t>loss is high </a:t>
+            </a:r>
+            <a:r>
+              <a:rPr lang="en-US" sz="1400">
+                <a:sym typeface="+mn-ea"/>
+              </a:rPr>
+              <a:t>if a loan is defaulted</a:t>
             </a:r>
             <a:endParaRPr lang="en-US" sz="1400" b="1"/>
           </a:p>
@@ -9018,14 +9256,14 @@
               <a:buFont typeface="Arial" panose="02080604020202020204" pitchFamily="34" charset="0"/>
               <a:buChar char="•"/>
             </a:pPr>
-            <a:endParaRPr lang="en-US" sz="1600"/>
+            <a:endParaRPr lang="en-US" sz="1400"/>
           </a:p>
           <a:p>
             <a:pPr marL="285750" indent="-285750">
               <a:buFont typeface="Arial" panose="02080604020202020204" pitchFamily="34" charset="0"/>
               <a:buChar char="•"/>
             </a:pPr>
-            <a:endParaRPr lang="en-US" sz="1600"/>
+            <a:endParaRPr lang="en-US" sz="1400"/>
           </a:p>
         </p:txBody>
       </p:sp>
@@ -9281,7 +9519,23 @@
             </a:pPr>
             <a:r>
               <a:rPr lang="en-US" sz="1400"/>
-              <a:t>But only 1% borrowers''purpose' of the loan is 'house'. And 47% borrowers' purpose is 'debt_consolidation'. </a:t>
+              <a:t>But only 1% borrowers''purpose' of the loan is 'house'. And </a:t>
+            </a:r>
+            <a:r>
+              <a:rPr lang="en-US" sz="1400" b="1"/>
+              <a:t>47%</a:t>
+            </a:r>
+            <a:r>
+              <a:rPr lang="en-US" sz="1400"/>
+              <a:t> borrowers' purpose is </a:t>
+            </a:r>
+            <a:r>
+              <a:rPr lang="en-US" sz="1400" b="1"/>
+              <a:t>'debt_consolidation'</a:t>
+            </a:r>
+            <a:r>
+              <a:rPr lang="en-US" sz="1400"/>
+              <a:t>. </a:t>
             </a:r>
             <a:endParaRPr lang="en-US" sz="1400"/>
           </a:p>

--- a/lending_club_case_study.pptx
+++ b/lending_club_case_study.pptx
@@ -5,10 +5,10 @@
     <p:sldMasterId id="2147483648" r:id="rId1"/>
   </p:sldMasterIdLst>
   <p:notesMasterIdLst>
-    <p:notesMasterId r:id="rId12"/>
+    <p:notesMasterId r:id="rId13"/>
   </p:notesMasterIdLst>
   <p:handoutMasterIdLst>
-    <p:handoutMasterId r:id="rId24"/>
+    <p:handoutMasterId r:id="rId25"/>
   </p:handoutMasterIdLst>
   <p:sldIdLst>
     <p:sldId id="256" r:id="rId3"/>
@@ -16,21 +16,22 @@
     <p:sldId id="258" r:id="rId5"/>
     <p:sldId id="259" r:id="rId6"/>
     <p:sldId id="270" r:id="rId7"/>
-    <p:sldId id="261" r:id="rId8"/>
-    <p:sldId id="262" r:id="rId9"/>
-    <p:sldId id="269" r:id="rId10"/>
-    <p:sldId id="264" r:id="rId11"/>
-    <p:sldId id="265" r:id="rId13"/>
-    <p:sldId id="271" r:id="rId14"/>
-    <p:sldId id="272" r:id="rId15"/>
-    <p:sldId id="267" r:id="rId16"/>
-    <p:sldId id="268" r:id="rId17"/>
-    <p:sldId id="279" r:id="rId18"/>
-    <p:sldId id="280" r:id="rId19"/>
-    <p:sldId id="273" r:id="rId20"/>
-    <p:sldId id="274" r:id="rId21"/>
-    <p:sldId id="275" r:id="rId22"/>
-    <p:sldId id="277" r:id="rId23"/>
+    <p:sldId id="286" r:id="rId8"/>
+    <p:sldId id="261" r:id="rId9"/>
+    <p:sldId id="262" r:id="rId10"/>
+    <p:sldId id="269" r:id="rId11"/>
+    <p:sldId id="264" r:id="rId12"/>
+    <p:sldId id="265" r:id="rId14"/>
+    <p:sldId id="271" r:id="rId15"/>
+    <p:sldId id="272" r:id="rId16"/>
+    <p:sldId id="267" r:id="rId17"/>
+    <p:sldId id="268" r:id="rId18"/>
+    <p:sldId id="279" r:id="rId19"/>
+    <p:sldId id="280" r:id="rId20"/>
+    <p:sldId id="273" r:id="rId21"/>
+    <p:sldId id="274" r:id="rId22"/>
+    <p:sldId id="275" r:id="rId23"/>
+    <p:sldId id="277" r:id="rId24"/>
   </p:sldIdLst>
   <p:sldSz cx="12192000" cy="6858000"/>
   <p:notesSz cx="7103745" cy="10234295"/>
@@ -4130,6 +4131,413 @@
           <a:p>
             <a:r>
               <a:rPr lang="en-US"/>
+              <a:t>Home Ownership</a:t>
+            </a:r>
+            <a:endParaRPr lang="en-US"/>
+          </a:p>
+        </p:txBody>
+      </p:sp>
+      <p:pic>
+        <p:nvPicPr>
+          <p:cNvPr id="4" name="Content Placeholder 3"/>
+          <p:cNvPicPr>
+            <a:picLocks noChangeAspect="1"/>
+          </p:cNvPicPr>
+          <p:nvPr>
+            <p:ph idx="1"/>
+          </p:nvPr>
+        </p:nvPicPr>
+        <p:blipFill>
+          <a:blip r:embed="rId1"/>
+          <a:stretch>
+            <a:fillRect/>
+          </a:stretch>
+        </p:blipFill>
+        <p:spPr>
+          <a:xfrm>
+            <a:off x="490855" y="1000760"/>
+            <a:ext cx="3744595" cy="1991360"/>
+          </a:xfrm>
+          <a:prstGeom prst="rect">
+            <a:avLst/>
+          </a:prstGeom>
+        </p:spPr>
+      </p:pic>
+      <p:sp>
+        <p:nvSpPr>
+          <p:cNvPr id="8" name="Text Box 7"/>
+          <p:cNvSpPr txBox="1"/>
+          <p:nvPr/>
+        </p:nvSpPr>
+        <p:spPr>
+          <a:xfrm>
+            <a:off x="5104130" y="1347470"/>
+            <a:ext cx="6478270" cy="1168400"/>
+          </a:xfrm>
+          <a:prstGeom prst="rect">
+            <a:avLst/>
+          </a:prstGeom>
+          <a:noFill/>
+        </p:spPr>
+        <p:txBody>
+          <a:bodyPr wrap="square" rtlCol="0">
+            <a:spAutoFit/>
+          </a:bodyPr>
+          <a:p>
+            <a:pPr marL="285750" indent="-285750">
+              <a:buFont typeface="Arial" panose="02080604020202020204" pitchFamily="34" charset="0"/>
+              <a:buChar char="•"/>
+            </a:pPr>
+            <a:r>
+              <a:rPr lang="en-US" sz="1400"/>
+              <a:t>Most of the borrowers dont have their own house. 92% (47% + 45%) borrowers either pay "Rent" or "Mortgage" their house. </a:t>
+            </a:r>
+            <a:endParaRPr lang="en-US" sz="1400"/>
+          </a:p>
+          <a:p>
+            <a:pPr marL="285750" indent="-285750">
+              <a:buFont typeface="Arial" panose="02080604020202020204" pitchFamily="34" charset="0"/>
+              <a:buChar char="•"/>
+            </a:pPr>
+            <a:r>
+              <a:rPr lang="en-US" sz="1400"/>
+              <a:t>But only 1% borrowers''purpose' of the loan is 'house'. And </a:t>
+            </a:r>
+            <a:r>
+              <a:rPr lang="en-US" sz="1400" b="1"/>
+              <a:t>47%</a:t>
+            </a:r>
+            <a:r>
+              <a:rPr lang="en-US" sz="1400"/>
+              <a:t> borrowers' purpose is </a:t>
+            </a:r>
+            <a:r>
+              <a:rPr lang="en-US" sz="1400" b="1"/>
+              <a:t>'debt_consolidation'</a:t>
+            </a:r>
+            <a:r>
+              <a:rPr lang="en-US" sz="1400"/>
+              <a:t>. </a:t>
+            </a:r>
+            <a:endParaRPr lang="en-US" sz="1400"/>
+          </a:p>
+          <a:p>
+            <a:pPr marL="285750" indent="-285750">
+              <a:buFont typeface="Arial" panose="02080604020202020204" pitchFamily="34" charset="0"/>
+              <a:buChar char="•"/>
+            </a:pPr>
+            <a:r>
+              <a:rPr lang="en-US" sz="1400"/>
+              <a:t>May be because home loan interest rate is high</a:t>
+            </a:r>
+            <a:endParaRPr lang="en-US" sz="1400"/>
+          </a:p>
+        </p:txBody>
+      </p:sp>
+      <p:pic>
+        <p:nvPicPr>
+          <p:cNvPr id="9" name="Picture 8"/>
+          <p:cNvPicPr>
+            <a:picLocks noChangeAspect="1"/>
+          </p:cNvPicPr>
+          <p:nvPr/>
+        </p:nvPicPr>
+        <p:blipFill>
+          <a:blip r:embed="rId2"/>
+          <a:stretch>
+            <a:fillRect/>
+          </a:stretch>
+        </p:blipFill>
+        <p:spPr>
+          <a:xfrm>
+            <a:off x="540385" y="3522345"/>
+            <a:ext cx="4875530" cy="3035300"/>
+          </a:xfrm>
+          <a:prstGeom prst="rect">
+            <a:avLst/>
+          </a:prstGeom>
+        </p:spPr>
+      </p:pic>
+      <p:sp>
+        <p:nvSpPr>
+          <p:cNvPr id="10" name="Rectangles 9"/>
+          <p:cNvSpPr/>
+          <p:nvPr/>
+        </p:nvSpPr>
+        <p:spPr>
+          <a:xfrm>
+            <a:off x="2574925" y="3745865"/>
+            <a:ext cx="216535" cy="2306955"/>
+          </a:xfrm>
+          <a:prstGeom prst="rect">
+            <a:avLst/>
+          </a:prstGeom>
+          <a:noFill/>
+          <a:ln w="9525" cap="flat" cmpd="sng" algn="ctr">
+            <a:solidFill>
+              <a:srgbClr val="C00000"/>
+            </a:solidFill>
+            <a:prstDash val="solid"/>
+            <a:round/>
+            <a:headEnd type="none" w="med" len="med"/>
+            <a:tailEnd type="none" w="med" len="med"/>
+          </a:ln>
+          <a:extLst>
+            <a:ext uri="{909E8E84-426E-40DD-AFC4-6F175D3DCCD1}">
+              <a14:hiddenFill xmlns:a14="http://schemas.microsoft.com/office/drawing/2010/main">
+                <a:gradFill rotWithShape="0">
+                  <a:gsLst>
+                    <a:gs pos="0">
+                      <a:schemeClr val="accent1"/>
+                    </a:gs>
+                    <a:gs pos="100000">
+                      <a:schemeClr val="accent2"/>
+                    </a:gs>
+                  </a:gsLst>
+                  <a:lin ang="5400000" scaled="1"/>
+                </a:gradFill>
+              </a14:hiddenFill>
+            </a:ext>
+          </a:extLst>
+        </p:spPr>
+        <p:txBody>
+          <a:bodyPr vert="horz" wrap="none" lIns="91440" tIns="45720" rIns="91440" bIns="45720" numCol="1" anchor="ctr" anchorCtr="0" compatLnSpc="1"/>
+          <a:p>
+            <a:pPr marL="0" marR="0" indent="0" algn="l" defTabSz="914400" rtl="0" eaLnBrk="1" fontAlgn="base" latinLnBrk="0" hangingPunct="1">
+              <a:lnSpc>
+                <a:spcPct val="100000"/>
+              </a:lnSpc>
+              <a:spcBef>
+                <a:spcPct val="0"/>
+              </a:spcBef>
+              <a:spcAft>
+                <a:spcPct val="0"/>
+              </a:spcAft>
+              <a:buClrTx/>
+              <a:buSzTx/>
+              <a:buFontTx/>
+              <a:buNone/>
+            </a:pPr>
+            <a:endParaRPr kumimoji="0" lang="zh-CN" altLang="en-US" sz="1800" b="0" i="0" u="none" strike="noStrike" cap="none" normalizeH="0" baseline="0" smtClean="0">
+              <a:ln>
+                <a:noFill/>
+              </a:ln>
+              <a:solidFill>
+                <a:schemeClr val="tx1"/>
+              </a:solidFill>
+              <a:effectLst/>
+              <a:latin typeface="Arial" panose="02080604020202020204" pitchFamily="34" charset="0"/>
+              <a:ea typeface="SimSun" pitchFamily="2" charset="-122"/>
+            </a:endParaRPr>
+          </a:p>
+        </p:txBody>
+      </p:sp>
+      <p:sp>
+        <p:nvSpPr>
+          <p:cNvPr id="11" name="Rectangles 10"/>
+          <p:cNvSpPr/>
+          <p:nvPr/>
+        </p:nvSpPr>
+        <p:spPr>
+          <a:xfrm>
+            <a:off x="1644650" y="3746500"/>
+            <a:ext cx="234950" cy="2730500"/>
+          </a:xfrm>
+          <a:prstGeom prst="rect">
+            <a:avLst/>
+          </a:prstGeom>
+          <a:noFill/>
+          <a:ln w="9525" cap="flat" cmpd="sng" algn="ctr">
+            <a:solidFill>
+              <a:srgbClr val="C00000"/>
+            </a:solidFill>
+            <a:prstDash val="solid"/>
+            <a:round/>
+            <a:headEnd type="none" w="med" len="med"/>
+            <a:tailEnd type="none" w="med" len="med"/>
+          </a:ln>
+          <a:extLst>
+            <a:ext uri="{909E8E84-426E-40DD-AFC4-6F175D3DCCD1}">
+              <a14:hiddenFill xmlns:a14="http://schemas.microsoft.com/office/drawing/2010/main">
+                <a:gradFill rotWithShape="0">
+                  <a:gsLst>
+                    <a:gs pos="0">
+                      <a:schemeClr val="accent1"/>
+                    </a:gs>
+                    <a:gs pos="100000">
+                      <a:schemeClr val="accent2"/>
+                    </a:gs>
+                  </a:gsLst>
+                  <a:lin ang="5400000" scaled="1"/>
+                </a:gradFill>
+              </a14:hiddenFill>
+            </a:ext>
+          </a:extLst>
+        </p:spPr>
+        <p:txBody>
+          <a:bodyPr vert="horz" wrap="none" lIns="91440" tIns="45720" rIns="91440" bIns="45720" numCol="1" anchor="ctr" anchorCtr="0" compatLnSpc="1"/>
+          <a:p>
+            <a:pPr marL="0" marR="0" indent="0" algn="l" defTabSz="914400" rtl="0" eaLnBrk="1" fontAlgn="base" latinLnBrk="0" hangingPunct="1">
+              <a:lnSpc>
+                <a:spcPct val="100000"/>
+              </a:lnSpc>
+              <a:spcBef>
+                <a:spcPct val="0"/>
+              </a:spcBef>
+              <a:spcAft>
+                <a:spcPct val="0"/>
+              </a:spcAft>
+              <a:buClrTx/>
+              <a:buSzTx/>
+              <a:buFontTx/>
+              <a:buNone/>
+            </a:pPr>
+            <a:endParaRPr kumimoji="0" lang="zh-CN" altLang="en-US" sz="1800" b="0" i="0" u="none" strike="noStrike" cap="none" normalizeH="0" baseline="0" smtClean="0">
+              <a:ln>
+                <a:noFill/>
+              </a:ln>
+              <a:solidFill>
+                <a:schemeClr val="tx1"/>
+              </a:solidFill>
+              <a:effectLst/>
+              <a:latin typeface="Arial" panose="02080604020202020204" pitchFamily="34" charset="0"/>
+              <a:ea typeface="SimSun" pitchFamily="2" charset="-122"/>
+            </a:endParaRPr>
+          </a:p>
+        </p:txBody>
+      </p:sp>
+      <p:pic>
+        <p:nvPicPr>
+          <p:cNvPr id="12" name="Picture 11"/>
+          <p:cNvPicPr>
+            <a:picLocks noChangeAspect="1"/>
+          </p:cNvPicPr>
+          <p:nvPr/>
+        </p:nvPicPr>
+        <p:blipFill>
+          <a:blip r:embed="rId3"/>
+          <a:stretch>
+            <a:fillRect/>
+          </a:stretch>
+        </p:blipFill>
+        <p:spPr>
+          <a:xfrm>
+            <a:off x="6414135" y="3522345"/>
+            <a:ext cx="5010785" cy="2954655"/>
+          </a:xfrm>
+          <a:prstGeom prst="rect">
+            <a:avLst/>
+          </a:prstGeom>
+        </p:spPr>
+      </p:pic>
+      <p:sp>
+        <p:nvSpPr>
+          <p:cNvPr id="13" name="Rectangles 12"/>
+          <p:cNvSpPr/>
+          <p:nvPr/>
+        </p:nvSpPr>
+        <p:spPr>
+          <a:xfrm>
+            <a:off x="10321925" y="3964305"/>
+            <a:ext cx="292100" cy="2395220"/>
+          </a:xfrm>
+          <a:prstGeom prst="rect">
+            <a:avLst/>
+          </a:prstGeom>
+          <a:noFill/>
+          <a:ln w="28575" cap="flat" cmpd="sng" algn="ctr">
+            <a:solidFill>
+              <a:srgbClr val="C00000"/>
+            </a:solidFill>
+            <a:prstDash val="solid"/>
+            <a:round/>
+            <a:headEnd type="none" w="med" len="med"/>
+            <a:tailEnd type="none" w="med" len="med"/>
+          </a:ln>
+          <a:extLst>
+            <a:ext uri="{909E8E84-426E-40DD-AFC4-6F175D3DCCD1}">
+              <a14:hiddenFill xmlns:a14="http://schemas.microsoft.com/office/drawing/2010/main">
+                <a:gradFill rotWithShape="0">
+                  <a:gsLst>
+                    <a:gs pos="0">
+                      <a:schemeClr val="accent1"/>
+                    </a:gs>
+                    <a:gs pos="100000">
+                      <a:schemeClr val="accent2"/>
+                    </a:gs>
+                  </a:gsLst>
+                  <a:lin ang="5400000" scaled="1"/>
+                </a:gradFill>
+              </a14:hiddenFill>
+            </a:ext>
+          </a:extLst>
+        </p:spPr>
+        <p:txBody>
+          <a:bodyPr vert="horz" wrap="none" lIns="91440" tIns="45720" rIns="91440" bIns="45720" numCol="1" anchor="ctr" anchorCtr="0" compatLnSpc="1"/>
+          <a:p>
+            <a:pPr marL="0" marR="0" indent="0" algn="l" defTabSz="914400" rtl="0" eaLnBrk="1" fontAlgn="base" latinLnBrk="0" hangingPunct="1">
+              <a:lnSpc>
+                <a:spcPct val="100000"/>
+              </a:lnSpc>
+              <a:spcBef>
+                <a:spcPct val="0"/>
+              </a:spcBef>
+              <a:spcAft>
+                <a:spcPct val="0"/>
+              </a:spcAft>
+              <a:buClrTx/>
+              <a:buSzTx/>
+              <a:buFontTx/>
+              <a:buNone/>
+            </a:pPr>
+            <a:endParaRPr kumimoji="0" lang="zh-CN" altLang="en-US" sz="1800" b="0" i="0" u="none" strike="noStrike" cap="none" normalizeH="0" baseline="0" smtClean="0">
+              <a:ln>
+                <a:noFill/>
+              </a:ln>
+              <a:solidFill>
+                <a:schemeClr val="tx1"/>
+              </a:solidFill>
+              <a:effectLst/>
+              <a:latin typeface="Arial" panose="02080604020202020204" pitchFamily="34" charset="0"/>
+              <a:ea typeface="SimSun" pitchFamily="2" charset="-122"/>
+            </a:endParaRPr>
+          </a:p>
+        </p:txBody>
+      </p:sp>
+    </p:spTree>
+  </p:cSld>
+  <p:clrMapOvr>
+    <a:masterClrMapping/>
+  </p:clrMapOvr>
+</p:sld>
+</file>
+
+<file path=ppt/slides/slide11.xml><?xml version="1.0" encoding="utf-8"?>
+<p:sld xmlns:a="http://schemas.openxmlformats.org/drawingml/2006/main" xmlns:r="http://schemas.openxmlformats.org/officeDocument/2006/relationships" xmlns:p="http://schemas.openxmlformats.org/presentationml/2006/main">
+  <p:cSld>
+    <p:spTree>
+      <p:nvGrpSpPr>
+        <p:cNvPr id="1" name=""/>
+        <p:cNvGrpSpPr/>
+        <p:nvPr/>
+      </p:nvGrpSpPr>
+      <p:grpSpPr/>
+      <p:sp>
+        <p:nvSpPr>
+          <p:cNvPr id="2" name="Title 1"/>
+          <p:cNvSpPr>
+            <a:spLocks noGrp="1"/>
+          </p:cNvSpPr>
+          <p:nvPr>
+            <p:ph type="title"/>
+          </p:nvPr>
+        </p:nvSpPr>
+        <p:spPr/>
+        <p:txBody>
+          <a:bodyPr/>
+          <a:p>
+            <a:r>
+              <a:rPr lang="en-US"/>
               <a:t>Verification Status</a:t>
             </a:r>
             <a:endParaRPr lang="en-US"/>
@@ -4461,7 +4869,7 @@
 </p:sld>
 </file>
 
-<file path=ppt/slides/slide11.xml><?xml version="1.0" encoding="utf-8"?>
+<file path=ppt/slides/slide12.xml><?xml version="1.0" encoding="utf-8"?>
 <p:sld xmlns:a="http://schemas.openxmlformats.org/drawingml/2006/main" xmlns:r="http://schemas.openxmlformats.org/officeDocument/2006/relationships" xmlns:p="http://schemas.openxmlformats.org/presentationml/2006/main">
   <p:cSld>
     <p:spTree>
@@ -4932,7 +5340,7 @@
 </p:sld>
 </file>
 
-<file path=ppt/slides/slide12.xml><?xml version="1.0" encoding="utf-8"?>
+<file path=ppt/slides/slide13.xml><?xml version="1.0" encoding="utf-8"?>
 <p:sld xmlns:a="http://schemas.openxmlformats.org/drawingml/2006/main" xmlns:r="http://schemas.openxmlformats.org/officeDocument/2006/relationships" xmlns:p="http://schemas.openxmlformats.org/presentationml/2006/main">
   <p:cSld>
     <p:spTree>
@@ -5197,7 +5605,7 @@
 </p:sld>
 </file>
 
-<file path=ppt/slides/slide13.xml><?xml version="1.0" encoding="utf-8"?>
+<file path=ppt/slides/slide14.xml><?xml version="1.0" encoding="utf-8"?>
 <p:sld xmlns:a="http://schemas.openxmlformats.org/drawingml/2006/main" xmlns:r="http://schemas.openxmlformats.org/officeDocument/2006/relationships" xmlns:p="http://schemas.openxmlformats.org/presentationml/2006/main">
   <p:cSld>
     <p:spTree>
@@ -5836,7 +6244,7 @@
 </p:sld>
 </file>
 
-<file path=ppt/slides/slide14.xml><?xml version="1.0" encoding="utf-8"?>
+<file path=ppt/slides/slide15.xml><?xml version="1.0" encoding="utf-8"?>
 <p:sld xmlns:a="http://schemas.openxmlformats.org/drawingml/2006/main" xmlns:r="http://schemas.openxmlformats.org/officeDocument/2006/relationships" xmlns:p="http://schemas.openxmlformats.org/presentationml/2006/main">
   <p:cSld>
     <p:spTree>
@@ -6043,7 +6451,7 @@
 </p:sld>
 </file>
 
-<file path=ppt/slides/slide15.xml><?xml version="1.0" encoding="utf-8"?>
+<file path=ppt/slides/slide16.xml><?xml version="1.0" encoding="utf-8"?>
 <p:sld xmlns:a="http://schemas.openxmlformats.org/drawingml/2006/main" xmlns:r="http://schemas.openxmlformats.org/officeDocument/2006/relationships" xmlns:p="http://schemas.openxmlformats.org/presentationml/2006/main">
   <p:cSld>
     <p:spTree>
@@ -6340,7 +6748,7 @@
 </p:sld>
 </file>
 
-<file path=ppt/slides/slide16.xml><?xml version="1.0" encoding="utf-8"?>
+<file path=ppt/slides/slide17.xml><?xml version="1.0" encoding="utf-8"?>
 <p:sld xmlns:a="http://schemas.openxmlformats.org/drawingml/2006/main" xmlns:r="http://schemas.openxmlformats.org/officeDocument/2006/relationships" xmlns:p="http://schemas.openxmlformats.org/presentationml/2006/main">
   <p:cSld>
     <p:spTree>
@@ -6516,7 +6924,7 @@
 </p:sld>
 </file>
 
-<file path=ppt/slides/slide17.xml><?xml version="1.0" encoding="utf-8"?>
+<file path=ppt/slides/slide18.xml><?xml version="1.0" encoding="utf-8"?>
 <p:sld xmlns:a="http://schemas.openxmlformats.org/drawingml/2006/main" xmlns:r="http://schemas.openxmlformats.org/officeDocument/2006/relationships" xmlns:p="http://schemas.openxmlformats.org/presentationml/2006/main">
   <p:cSld>
     <p:spTree>
@@ -6946,7 +7354,7 @@
 </p:sld>
 </file>
 
-<file path=ppt/slides/slide18.xml><?xml version="1.0" encoding="utf-8"?>
+<file path=ppt/slides/slide19.xml><?xml version="1.0" encoding="utf-8"?>
 <p:sld xmlns:a="http://schemas.openxmlformats.org/drawingml/2006/main" xmlns:r="http://schemas.openxmlformats.org/officeDocument/2006/relationships" xmlns:p="http://schemas.openxmlformats.org/presentationml/2006/main">
   <p:cSld>
     <p:spTree>
@@ -7277,7 +7685,121 @@
 </p:sld>
 </file>
 
-<file path=ppt/slides/slide19.xml><?xml version="1.0" encoding="utf-8"?>
+<file path=ppt/slides/slide2.xml><?xml version="1.0" encoding="utf-8"?>
+<p:sld xmlns:a="http://schemas.openxmlformats.org/drawingml/2006/main" xmlns:r="http://schemas.openxmlformats.org/officeDocument/2006/relationships" xmlns:p="http://schemas.openxmlformats.org/presentationml/2006/main">
+  <p:cSld>
+    <p:spTree>
+      <p:nvGrpSpPr>
+        <p:cNvPr id="1" name=""/>
+        <p:cNvGrpSpPr/>
+        <p:nvPr/>
+      </p:nvGrpSpPr>
+      <p:grpSpPr/>
+      <p:sp>
+        <p:nvSpPr>
+          <p:cNvPr id="2" name="Title 1"/>
+          <p:cNvSpPr>
+            <a:spLocks noGrp="1"/>
+          </p:cNvSpPr>
+          <p:nvPr>
+            <p:ph type="title"/>
+          </p:nvPr>
+        </p:nvSpPr>
+        <p:spPr/>
+        <p:txBody>
+          <a:bodyPr/>
+          <a:p>
+            <a:r>
+              <a:rPr lang="en-US"/>
+              <a:t>Business Objective</a:t>
+            </a:r>
+            <a:endParaRPr lang="en-US"/>
+          </a:p>
+        </p:txBody>
+      </p:sp>
+      <p:sp>
+        <p:nvSpPr>
+          <p:cNvPr id="3" name="Content Placeholder 2"/>
+          <p:cNvSpPr>
+            <a:spLocks noGrp="1"/>
+          </p:cNvSpPr>
+          <p:nvPr>
+            <p:ph idx="1"/>
+          </p:nvPr>
+        </p:nvSpPr>
+        <p:spPr/>
+        <p:txBody>
+          <a:bodyPr/>
+          <a:p>
+            <a:r>
+              <a:rPr lang="en-US" sz="2000"/>
+              <a:t>The company wants to understand the driving factors behind loan default</a:t>
+            </a:r>
+            <a:endParaRPr lang="en-US" sz="2000"/>
+          </a:p>
+          <a:p>
+            <a:r>
+              <a:rPr lang="en-US" sz="2000"/>
+              <a:t>The variables which are strong indicators of default. </a:t>
+            </a:r>
+            <a:endParaRPr lang="en-US" sz="2000"/>
+          </a:p>
+          <a:p>
+            <a:r>
+              <a:rPr lang="en-US" sz="2000"/>
+              <a:t>The company can utilise this knowledge for its portfolio and risk assessment.</a:t>
+            </a:r>
+            <a:endParaRPr lang="en-US" sz="2000"/>
+          </a:p>
+        </p:txBody>
+      </p:sp>
+      <p:pic>
+        <p:nvPicPr>
+          <p:cNvPr id="5" name="Picture 4"/>
+          <p:cNvPicPr>
+            <a:picLocks noChangeAspect="1"/>
+          </p:cNvPicPr>
+          <p:nvPr/>
+        </p:nvPicPr>
+        <p:blipFill>
+          <a:blip r:embed="rId1">
+            <a:clrChange>
+              <a:clrFrom>
+                <a:srgbClr val="FFFFFF">
+                  <a:alpha val="100000"/>
+                </a:srgbClr>
+              </a:clrFrom>
+              <a:clrTo>
+                <a:srgbClr val="FFFFFF">
+                  <a:alpha val="100000"/>
+                  <a:alpha val="0"/>
+                </a:srgbClr>
+              </a:clrTo>
+            </a:clrChange>
+          </a:blip>
+          <a:stretch>
+            <a:fillRect/>
+          </a:stretch>
+        </p:blipFill>
+        <p:spPr>
+          <a:xfrm>
+            <a:off x="950595" y="3295650"/>
+            <a:ext cx="2621280" cy="2533650"/>
+          </a:xfrm>
+          <a:prstGeom prst="rect">
+            <a:avLst/>
+          </a:prstGeom>
+        </p:spPr>
+      </p:pic>
+    </p:spTree>
+  </p:cSld>
+  <p:clrMapOvr>
+    <a:masterClrMapping/>
+  </p:clrMapOvr>
+</p:sld>
+</file>
+
+<file path=ppt/slides/slide20.xml><?xml version="1.0" encoding="utf-8"?>
 <p:sld xmlns:a="http://schemas.openxmlformats.org/drawingml/2006/main" xmlns:r="http://schemas.openxmlformats.org/officeDocument/2006/relationships" xmlns:p="http://schemas.openxmlformats.org/presentationml/2006/main">
   <p:cSld>
     <p:spTree>
@@ -7715,121 +8237,7 @@
 </p:sld>
 </file>
 
-<file path=ppt/slides/slide2.xml><?xml version="1.0" encoding="utf-8"?>
-<p:sld xmlns:a="http://schemas.openxmlformats.org/drawingml/2006/main" xmlns:r="http://schemas.openxmlformats.org/officeDocument/2006/relationships" xmlns:p="http://schemas.openxmlformats.org/presentationml/2006/main">
-  <p:cSld>
-    <p:spTree>
-      <p:nvGrpSpPr>
-        <p:cNvPr id="1" name=""/>
-        <p:cNvGrpSpPr/>
-        <p:nvPr/>
-      </p:nvGrpSpPr>
-      <p:grpSpPr/>
-      <p:sp>
-        <p:nvSpPr>
-          <p:cNvPr id="2" name="Title 1"/>
-          <p:cNvSpPr>
-            <a:spLocks noGrp="1"/>
-          </p:cNvSpPr>
-          <p:nvPr>
-            <p:ph type="title"/>
-          </p:nvPr>
-        </p:nvSpPr>
-        <p:spPr/>
-        <p:txBody>
-          <a:bodyPr/>
-          <a:p>
-            <a:r>
-              <a:rPr lang="en-US"/>
-              <a:t>Business Objective</a:t>
-            </a:r>
-            <a:endParaRPr lang="en-US"/>
-          </a:p>
-        </p:txBody>
-      </p:sp>
-      <p:sp>
-        <p:nvSpPr>
-          <p:cNvPr id="3" name="Content Placeholder 2"/>
-          <p:cNvSpPr>
-            <a:spLocks noGrp="1"/>
-          </p:cNvSpPr>
-          <p:nvPr>
-            <p:ph idx="1"/>
-          </p:nvPr>
-        </p:nvSpPr>
-        <p:spPr/>
-        <p:txBody>
-          <a:bodyPr/>
-          <a:p>
-            <a:r>
-              <a:rPr lang="en-US" sz="2000"/>
-              <a:t>The company wants to understand the driving factors behind loan default</a:t>
-            </a:r>
-            <a:endParaRPr lang="en-US" sz="2000"/>
-          </a:p>
-          <a:p>
-            <a:r>
-              <a:rPr lang="en-US" sz="2000"/>
-              <a:t>The variables which are strong indicators of default. </a:t>
-            </a:r>
-            <a:endParaRPr lang="en-US" sz="2000"/>
-          </a:p>
-          <a:p>
-            <a:r>
-              <a:rPr lang="en-US" sz="2000"/>
-              <a:t>The company can utilise this knowledge for its portfolio and risk assessment.</a:t>
-            </a:r>
-            <a:endParaRPr lang="en-US" sz="2000"/>
-          </a:p>
-        </p:txBody>
-      </p:sp>
-      <p:pic>
-        <p:nvPicPr>
-          <p:cNvPr id="5" name="Picture 4"/>
-          <p:cNvPicPr>
-            <a:picLocks noChangeAspect="1"/>
-          </p:cNvPicPr>
-          <p:nvPr/>
-        </p:nvPicPr>
-        <p:blipFill>
-          <a:blip r:embed="rId1">
-            <a:clrChange>
-              <a:clrFrom>
-                <a:srgbClr val="FFFFFF">
-                  <a:alpha val="100000"/>
-                </a:srgbClr>
-              </a:clrFrom>
-              <a:clrTo>
-                <a:srgbClr val="FFFFFF">
-                  <a:alpha val="100000"/>
-                  <a:alpha val="0"/>
-                </a:srgbClr>
-              </a:clrTo>
-            </a:clrChange>
-          </a:blip>
-          <a:stretch>
-            <a:fillRect/>
-          </a:stretch>
-        </p:blipFill>
-        <p:spPr>
-          <a:xfrm>
-            <a:off x="950595" y="3295650"/>
-            <a:ext cx="2621280" cy="2533650"/>
-          </a:xfrm>
-          <a:prstGeom prst="rect">
-            <a:avLst/>
-          </a:prstGeom>
-        </p:spPr>
-      </p:pic>
-    </p:spTree>
-  </p:cSld>
-  <p:clrMapOvr>
-    <a:masterClrMapping/>
-  </p:clrMapOvr>
-</p:sld>
-</file>
-
-<file path=ppt/slides/slide20.xml><?xml version="1.0" encoding="utf-8"?>
+<file path=ppt/slides/slide21.xml><?xml version="1.0" encoding="utf-8"?>
 <p:sld xmlns:a="http://schemas.openxmlformats.org/drawingml/2006/main" xmlns:r="http://schemas.openxmlformats.org/officeDocument/2006/relationships" xmlns:p="http://schemas.openxmlformats.org/presentationml/2006/main">
   <p:cSld>
     <p:spTree>
@@ -8542,6 +8950,151 @@
           <a:p>
             <a:r>
               <a:rPr lang="en-US"/>
+              <a:t>Loan vs Time Period</a:t>
+            </a:r>
+            <a:endParaRPr lang="en-US"/>
+          </a:p>
+        </p:txBody>
+      </p:sp>
+      <p:pic>
+        <p:nvPicPr>
+          <p:cNvPr id="4" name="Content Placeholder 3"/>
+          <p:cNvPicPr>
+            <a:picLocks noChangeAspect="1"/>
+          </p:cNvPicPr>
+          <p:nvPr>
+            <p:ph idx="1"/>
+          </p:nvPr>
+        </p:nvPicPr>
+        <p:blipFill>
+          <a:blip r:embed="rId1"/>
+          <a:stretch>
+            <a:fillRect/>
+          </a:stretch>
+        </p:blipFill>
+        <p:spPr>
+          <a:xfrm>
+            <a:off x="609600" y="1285240"/>
+            <a:ext cx="4124325" cy="3933825"/>
+          </a:xfrm>
+          <a:prstGeom prst="rect">
+            <a:avLst/>
+          </a:prstGeom>
+        </p:spPr>
+      </p:pic>
+      <p:pic>
+        <p:nvPicPr>
+          <p:cNvPr id="5" name="Picture 4"/>
+          <p:cNvPicPr>
+            <a:picLocks noChangeAspect="1"/>
+          </p:cNvPicPr>
+          <p:nvPr/>
+        </p:nvPicPr>
+        <p:blipFill>
+          <a:blip r:embed="rId2"/>
+          <a:stretch>
+            <a:fillRect/>
+          </a:stretch>
+        </p:blipFill>
+        <p:spPr>
+          <a:xfrm>
+            <a:off x="5330190" y="1285240"/>
+            <a:ext cx="6191250" cy="3924300"/>
+          </a:xfrm>
+          <a:prstGeom prst="rect">
+            <a:avLst/>
+          </a:prstGeom>
+        </p:spPr>
+      </p:pic>
+      <p:sp>
+        <p:nvSpPr>
+          <p:cNvPr id="6" name="Text Box 5"/>
+          <p:cNvSpPr txBox="1"/>
+          <p:nvPr/>
+        </p:nvSpPr>
+        <p:spPr>
+          <a:xfrm>
+            <a:off x="591820" y="5446395"/>
+            <a:ext cx="10914380" cy="737235"/>
+          </a:xfrm>
+          <a:prstGeom prst="rect">
+            <a:avLst/>
+          </a:prstGeom>
+          <a:noFill/>
+        </p:spPr>
+        <p:txBody>
+          <a:bodyPr wrap="square" rtlCol="0">
+            <a:spAutoFit/>
+          </a:bodyPr>
+          <a:p>
+            <a:pPr marL="285750" indent="-285750">
+              <a:buFont typeface="Arial" panose="02080604020202020204" pitchFamily="34" charset="0"/>
+              <a:buChar char="•"/>
+            </a:pPr>
+            <a:r>
+              <a:rPr lang="en-US" sz="1400"/>
+              <a:t>Number of loan applicants are increasing over the period of time.</a:t>
+            </a:r>
+            <a:endParaRPr lang="en-US" sz="1400"/>
+          </a:p>
+          <a:p>
+            <a:pPr marL="285750" indent="-285750">
+              <a:buFont typeface="Arial" panose="02080604020202020204" pitchFamily="34" charset="0"/>
+              <a:buChar char="•"/>
+            </a:pPr>
+            <a:r>
+              <a:rPr lang="en-US" sz="1400"/>
+              <a:t>Total borrowers in 2011 is highest i.e. 21K</a:t>
+            </a:r>
+            <a:endParaRPr lang="en-US" sz="1400"/>
+          </a:p>
+          <a:p>
+            <a:pPr marL="285750" indent="-285750">
+              <a:buFont typeface="Arial" panose="02080604020202020204" pitchFamily="34" charset="0"/>
+              <a:buChar char="•"/>
+            </a:pPr>
+            <a:r>
+              <a:rPr lang="en-US" sz="1400"/>
+              <a:t>On an average loan amount given to the borrowers is high in 2nf half of the year compared to first half</a:t>
+            </a:r>
+            <a:endParaRPr lang="en-US" sz="1400"/>
+          </a:p>
+        </p:txBody>
+      </p:sp>
+    </p:spTree>
+  </p:cSld>
+  <p:clrMapOvr>
+    <a:masterClrMapping/>
+  </p:clrMapOvr>
+</p:sld>
+</file>
+
+<file path=ppt/slides/slide7.xml><?xml version="1.0" encoding="utf-8"?>
+<p:sld xmlns:a="http://schemas.openxmlformats.org/drawingml/2006/main" xmlns:r="http://schemas.openxmlformats.org/officeDocument/2006/relationships" xmlns:p="http://schemas.openxmlformats.org/presentationml/2006/main">
+  <p:cSld>
+    <p:spTree>
+      <p:nvGrpSpPr>
+        <p:cNvPr id="1" name=""/>
+        <p:cNvGrpSpPr/>
+        <p:nvPr/>
+      </p:nvGrpSpPr>
+      <p:grpSpPr/>
+      <p:sp>
+        <p:nvSpPr>
+          <p:cNvPr id="2" name="Title 1"/>
+          <p:cNvSpPr>
+            <a:spLocks noGrp="1"/>
+          </p:cNvSpPr>
+          <p:nvPr>
+            <p:ph type="title"/>
+          </p:nvPr>
+        </p:nvSpPr>
+        <p:spPr/>
+        <p:txBody>
+          <a:bodyPr/>
+          <a:p>
+            <a:r>
+              <a:rPr lang="en-US"/>
               <a:t>Term, Interest rate, Default Status</a:t>
             </a:r>
             <a:endParaRPr lang="en-US"/>
@@ -8707,7 +9260,7 @@
 </p:sld>
 </file>
 
-<file path=ppt/slides/slide7.xml><?xml version="1.0" encoding="utf-8"?>
+<file path=ppt/slides/slide8.xml><?xml version="1.0" encoding="utf-8"?>
 <p:sld xmlns:a="http://schemas.openxmlformats.org/drawingml/2006/main" xmlns:r="http://schemas.openxmlformats.org/officeDocument/2006/relationships" xmlns:p="http://schemas.openxmlformats.org/presentationml/2006/main">
   <p:cSld>
     <p:spTree>
@@ -9024,7 +9577,7 @@
 </p:sld>
 </file>
 
-<file path=ppt/slides/slide8.xml><?xml version="1.0" encoding="utf-8"?>
+<file path=ppt/slides/slide9.xml><?xml version="1.0" encoding="utf-8"?>
 <p:sld xmlns:a="http://schemas.openxmlformats.org/drawingml/2006/main" xmlns:r="http://schemas.openxmlformats.org/officeDocument/2006/relationships" xmlns:p="http://schemas.openxmlformats.org/presentationml/2006/main">
   <p:cSld>
     <p:spTree>
@@ -9361,413 +9914,6 @@
               <a:srgbClr val="FF0000"/>
             </a:solidFill>
             <a:prstDash val="sysDot"/>
-            <a:round/>
-            <a:headEnd type="none" w="med" len="med"/>
-            <a:tailEnd type="none" w="med" len="med"/>
-          </a:ln>
-          <a:extLst>
-            <a:ext uri="{909E8E84-426E-40DD-AFC4-6F175D3DCCD1}">
-              <a14:hiddenFill xmlns:a14="http://schemas.microsoft.com/office/drawing/2010/main">
-                <a:gradFill rotWithShape="0">
-                  <a:gsLst>
-                    <a:gs pos="0">
-                      <a:schemeClr val="accent1"/>
-                    </a:gs>
-                    <a:gs pos="100000">
-                      <a:schemeClr val="accent2"/>
-                    </a:gs>
-                  </a:gsLst>
-                  <a:lin ang="5400000" scaled="1"/>
-                </a:gradFill>
-              </a14:hiddenFill>
-            </a:ext>
-          </a:extLst>
-        </p:spPr>
-        <p:txBody>
-          <a:bodyPr vert="horz" wrap="none" lIns="91440" tIns="45720" rIns="91440" bIns="45720" numCol="1" anchor="ctr" anchorCtr="0" compatLnSpc="1"/>
-          <a:p>
-            <a:pPr marL="0" marR="0" indent="0" algn="l" defTabSz="914400" rtl="0" eaLnBrk="1" fontAlgn="base" latinLnBrk="0" hangingPunct="1">
-              <a:lnSpc>
-                <a:spcPct val="100000"/>
-              </a:lnSpc>
-              <a:spcBef>
-                <a:spcPct val="0"/>
-              </a:spcBef>
-              <a:spcAft>
-                <a:spcPct val="0"/>
-              </a:spcAft>
-              <a:buClrTx/>
-              <a:buSzTx/>
-              <a:buFontTx/>
-              <a:buNone/>
-            </a:pPr>
-            <a:endParaRPr kumimoji="0" lang="zh-CN" altLang="en-US" sz="1800" b="0" i="0" u="none" strike="noStrike" cap="none" normalizeH="0" baseline="0" smtClean="0">
-              <a:ln>
-                <a:noFill/>
-              </a:ln>
-              <a:solidFill>
-                <a:schemeClr val="tx1"/>
-              </a:solidFill>
-              <a:effectLst/>
-              <a:latin typeface="Arial" panose="02080604020202020204" pitchFamily="34" charset="0"/>
-              <a:ea typeface="SimSun" pitchFamily="2" charset="-122"/>
-            </a:endParaRPr>
-          </a:p>
-        </p:txBody>
-      </p:sp>
-    </p:spTree>
-  </p:cSld>
-  <p:clrMapOvr>
-    <a:masterClrMapping/>
-  </p:clrMapOvr>
-</p:sld>
-</file>
-
-<file path=ppt/slides/slide9.xml><?xml version="1.0" encoding="utf-8"?>
-<p:sld xmlns:a="http://schemas.openxmlformats.org/drawingml/2006/main" xmlns:r="http://schemas.openxmlformats.org/officeDocument/2006/relationships" xmlns:p="http://schemas.openxmlformats.org/presentationml/2006/main">
-  <p:cSld>
-    <p:spTree>
-      <p:nvGrpSpPr>
-        <p:cNvPr id="1" name=""/>
-        <p:cNvGrpSpPr/>
-        <p:nvPr/>
-      </p:nvGrpSpPr>
-      <p:grpSpPr/>
-      <p:sp>
-        <p:nvSpPr>
-          <p:cNvPr id="2" name="Title 1"/>
-          <p:cNvSpPr>
-            <a:spLocks noGrp="1"/>
-          </p:cNvSpPr>
-          <p:nvPr>
-            <p:ph type="title"/>
-          </p:nvPr>
-        </p:nvSpPr>
-        <p:spPr/>
-        <p:txBody>
-          <a:bodyPr/>
-          <a:p>
-            <a:r>
-              <a:rPr lang="en-US"/>
-              <a:t>Home Ownership</a:t>
-            </a:r>
-            <a:endParaRPr lang="en-US"/>
-          </a:p>
-        </p:txBody>
-      </p:sp>
-      <p:pic>
-        <p:nvPicPr>
-          <p:cNvPr id="4" name="Content Placeholder 3"/>
-          <p:cNvPicPr>
-            <a:picLocks noChangeAspect="1"/>
-          </p:cNvPicPr>
-          <p:nvPr>
-            <p:ph idx="1"/>
-          </p:nvPr>
-        </p:nvPicPr>
-        <p:blipFill>
-          <a:blip r:embed="rId1"/>
-          <a:stretch>
-            <a:fillRect/>
-          </a:stretch>
-        </p:blipFill>
-        <p:spPr>
-          <a:xfrm>
-            <a:off x="490855" y="1000760"/>
-            <a:ext cx="3744595" cy="1991360"/>
-          </a:xfrm>
-          <a:prstGeom prst="rect">
-            <a:avLst/>
-          </a:prstGeom>
-        </p:spPr>
-      </p:pic>
-      <p:sp>
-        <p:nvSpPr>
-          <p:cNvPr id="8" name="Text Box 7"/>
-          <p:cNvSpPr txBox="1"/>
-          <p:nvPr/>
-        </p:nvSpPr>
-        <p:spPr>
-          <a:xfrm>
-            <a:off x="5104130" y="1347470"/>
-            <a:ext cx="6478270" cy="1168400"/>
-          </a:xfrm>
-          <a:prstGeom prst="rect">
-            <a:avLst/>
-          </a:prstGeom>
-          <a:noFill/>
-        </p:spPr>
-        <p:txBody>
-          <a:bodyPr wrap="square" rtlCol="0">
-            <a:spAutoFit/>
-          </a:bodyPr>
-          <a:p>
-            <a:pPr marL="285750" indent="-285750">
-              <a:buFont typeface="Arial" panose="02080604020202020204" pitchFamily="34" charset="0"/>
-              <a:buChar char="•"/>
-            </a:pPr>
-            <a:r>
-              <a:rPr lang="en-US" sz="1400"/>
-              <a:t>Most of the borrowers dont have their own house. 92% (47% + 45%) borrowers either pay "Rent" or "Mortgage" their house. </a:t>
-            </a:r>
-            <a:endParaRPr lang="en-US" sz="1400"/>
-          </a:p>
-          <a:p>
-            <a:pPr marL="285750" indent="-285750">
-              <a:buFont typeface="Arial" panose="02080604020202020204" pitchFamily="34" charset="0"/>
-              <a:buChar char="•"/>
-            </a:pPr>
-            <a:r>
-              <a:rPr lang="en-US" sz="1400"/>
-              <a:t>But only 1% borrowers''purpose' of the loan is 'house'. And </a:t>
-            </a:r>
-            <a:r>
-              <a:rPr lang="en-US" sz="1400" b="1"/>
-              <a:t>47%</a:t>
-            </a:r>
-            <a:r>
-              <a:rPr lang="en-US" sz="1400"/>
-              <a:t> borrowers' purpose is </a:t>
-            </a:r>
-            <a:r>
-              <a:rPr lang="en-US" sz="1400" b="1"/>
-              <a:t>'debt_consolidation'</a:t>
-            </a:r>
-            <a:r>
-              <a:rPr lang="en-US" sz="1400"/>
-              <a:t>. </a:t>
-            </a:r>
-            <a:endParaRPr lang="en-US" sz="1400"/>
-          </a:p>
-          <a:p>
-            <a:pPr marL="285750" indent="-285750">
-              <a:buFont typeface="Arial" panose="02080604020202020204" pitchFamily="34" charset="0"/>
-              <a:buChar char="•"/>
-            </a:pPr>
-            <a:r>
-              <a:rPr lang="en-US" sz="1400"/>
-              <a:t>May be because home loan interest rate is high</a:t>
-            </a:r>
-            <a:endParaRPr lang="en-US" sz="1400"/>
-          </a:p>
-        </p:txBody>
-      </p:sp>
-      <p:pic>
-        <p:nvPicPr>
-          <p:cNvPr id="9" name="Picture 8"/>
-          <p:cNvPicPr>
-            <a:picLocks noChangeAspect="1"/>
-          </p:cNvPicPr>
-          <p:nvPr/>
-        </p:nvPicPr>
-        <p:blipFill>
-          <a:blip r:embed="rId2"/>
-          <a:stretch>
-            <a:fillRect/>
-          </a:stretch>
-        </p:blipFill>
-        <p:spPr>
-          <a:xfrm>
-            <a:off x="540385" y="3522345"/>
-            <a:ext cx="4875530" cy="3035300"/>
-          </a:xfrm>
-          <a:prstGeom prst="rect">
-            <a:avLst/>
-          </a:prstGeom>
-        </p:spPr>
-      </p:pic>
-      <p:sp>
-        <p:nvSpPr>
-          <p:cNvPr id="10" name="Rectangles 9"/>
-          <p:cNvSpPr/>
-          <p:nvPr/>
-        </p:nvSpPr>
-        <p:spPr>
-          <a:xfrm>
-            <a:off x="2574925" y="3745865"/>
-            <a:ext cx="216535" cy="2306955"/>
-          </a:xfrm>
-          <a:prstGeom prst="rect">
-            <a:avLst/>
-          </a:prstGeom>
-          <a:noFill/>
-          <a:ln w="9525" cap="flat" cmpd="sng" algn="ctr">
-            <a:solidFill>
-              <a:srgbClr val="C00000"/>
-            </a:solidFill>
-            <a:prstDash val="solid"/>
-            <a:round/>
-            <a:headEnd type="none" w="med" len="med"/>
-            <a:tailEnd type="none" w="med" len="med"/>
-          </a:ln>
-          <a:extLst>
-            <a:ext uri="{909E8E84-426E-40DD-AFC4-6F175D3DCCD1}">
-              <a14:hiddenFill xmlns:a14="http://schemas.microsoft.com/office/drawing/2010/main">
-                <a:gradFill rotWithShape="0">
-                  <a:gsLst>
-                    <a:gs pos="0">
-                      <a:schemeClr val="accent1"/>
-                    </a:gs>
-                    <a:gs pos="100000">
-                      <a:schemeClr val="accent2"/>
-                    </a:gs>
-                  </a:gsLst>
-                  <a:lin ang="5400000" scaled="1"/>
-                </a:gradFill>
-              </a14:hiddenFill>
-            </a:ext>
-          </a:extLst>
-        </p:spPr>
-        <p:txBody>
-          <a:bodyPr vert="horz" wrap="none" lIns="91440" tIns="45720" rIns="91440" bIns="45720" numCol="1" anchor="ctr" anchorCtr="0" compatLnSpc="1"/>
-          <a:p>
-            <a:pPr marL="0" marR="0" indent="0" algn="l" defTabSz="914400" rtl="0" eaLnBrk="1" fontAlgn="base" latinLnBrk="0" hangingPunct="1">
-              <a:lnSpc>
-                <a:spcPct val="100000"/>
-              </a:lnSpc>
-              <a:spcBef>
-                <a:spcPct val="0"/>
-              </a:spcBef>
-              <a:spcAft>
-                <a:spcPct val="0"/>
-              </a:spcAft>
-              <a:buClrTx/>
-              <a:buSzTx/>
-              <a:buFontTx/>
-              <a:buNone/>
-            </a:pPr>
-            <a:endParaRPr kumimoji="0" lang="zh-CN" altLang="en-US" sz="1800" b="0" i="0" u="none" strike="noStrike" cap="none" normalizeH="0" baseline="0" smtClean="0">
-              <a:ln>
-                <a:noFill/>
-              </a:ln>
-              <a:solidFill>
-                <a:schemeClr val="tx1"/>
-              </a:solidFill>
-              <a:effectLst/>
-              <a:latin typeface="Arial" panose="02080604020202020204" pitchFamily="34" charset="0"/>
-              <a:ea typeface="SimSun" pitchFamily="2" charset="-122"/>
-            </a:endParaRPr>
-          </a:p>
-        </p:txBody>
-      </p:sp>
-      <p:sp>
-        <p:nvSpPr>
-          <p:cNvPr id="11" name="Rectangles 10"/>
-          <p:cNvSpPr/>
-          <p:nvPr/>
-        </p:nvSpPr>
-        <p:spPr>
-          <a:xfrm>
-            <a:off x="1644650" y="3746500"/>
-            <a:ext cx="234950" cy="2730500"/>
-          </a:xfrm>
-          <a:prstGeom prst="rect">
-            <a:avLst/>
-          </a:prstGeom>
-          <a:noFill/>
-          <a:ln w="9525" cap="flat" cmpd="sng" algn="ctr">
-            <a:solidFill>
-              <a:srgbClr val="C00000"/>
-            </a:solidFill>
-            <a:prstDash val="solid"/>
-            <a:round/>
-            <a:headEnd type="none" w="med" len="med"/>
-            <a:tailEnd type="none" w="med" len="med"/>
-          </a:ln>
-          <a:extLst>
-            <a:ext uri="{909E8E84-426E-40DD-AFC4-6F175D3DCCD1}">
-              <a14:hiddenFill xmlns:a14="http://schemas.microsoft.com/office/drawing/2010/main">
-                <a:gradFill rotWithShape="0">
-                  <a:gsLst>
-                    <a:gs pos="0">
-                      <a:schemeClr val="accent1"/>
-                    </a:gs>
-                    <a:gs pos="100000">
-                      <a:schemeClr val="accent2"/>
-                    </a:gs>
-                  </a:gsLst>
-                  <a:lin ang="5400000" scaled="1"/>
-                </a:gradFill>
-              </a14:hiddenFill>
-            </a:ext>
-          </a:extLst>
-        </p:spPr>
-        <p:txBody>
-          <a:bodyPr vert="horz" wrap="none" lIns="91440" tIns="45720" rIns="91440" bIns="45720" numCol="1" anchor="ctr" anchorCtr="0" compatLnSpc="1"/>
-          <a:p>
-            <a:pPr marL="0" marR="0" indent="0" algn="l" defTabSz="914400" rtl="0" eaLnBrk="1" fontAlgn="base" latinLnBrk="0" hangingPunct="1">
-              <a:lnSpc>
-                <a:spcPct val="100000"/>
-              </a:lnSpc>
-              <a:spcBef>
-                <a:spcPct val="0"/>
-              </a:spcBef>
-              <a:spcAft>
-                <a:spcPct val="0"/>
-              </a:spcAft>
-              <a:buClrTx/>
-              <a:buSzTx/>
-              <a:buFontTx/>
-              <a:buNone/>
-            </a:pPr>
-            <a:endParaRPr kumimoji="0" lang="zh-CN" altLang="en-US" sz="1800" b="0" i="0" u="none" strike="noStrike" cap="none" normalizeH="0" baseline="0" smtClean="0">
-              <a:ln>
-                <a:noFill/>
-              </a:ln>
-              <a:solidFill>
-                <a:schemeClr val="tx1"/>
-              </a:solidFill>
-              <a:effectLst/>
-              <a:latin typeface="Arial" panose="02080604020202020204" pitchFamily="34" charset="0"/>
-              <a:ea typeface="SimSun" pitchFamily="2" charset="-122"/>
-            </a:endParaRPr>
-          </a:p>
-        </p:txBody>
-      </p:sp>
-      <p:pic>
-        <p:nvPicPr>
-          <p:cNvPr id="12" name="Picture 11"/>
-          <p:cNvPicPr>
-            <a:picLocks noChangeAspect="1"/>
-          </p:cNvPicPr>
-          <p:nvPr/>
-        </p:nvPicPr>
-        <p:blipFill>
-          <a:blip r:embed="rId3"/>
-          <a:stretch>
-            <a:fillRect/>
-          </a:stretch>
-        </p:blipFill>
-        <p:spPr>
-          <a:xfrm>
-            <a:off x="6414135" y="3522345"/>
-            <a:ext cx="5010785" cy="2954655"/>
-          </a:xfrm>
-          <a:prstGeom prst="rect">
-            <a:avLst/>
-          </a:prstGeom>
-        </p:spPr>
-      </p:pic>
-      <p:sp>
-        <p:nvSpPr>
-          <p:cNvPr id="13" name="Rectangles 12"/>
-          <p:cNvSpPr/>
-          <p:nvPr/>
-        </p:nvSpPr>
-        <p:spPr>
-          <a:xfrm>
-            <a:off x="10321925" y="3964305"/>
-            <a:ext cx="292100" cy="2395220"/>
-          </a:xfrm>
-          <a:prstGeom prst="rect">
-            <a:avLst/>
-          </a:prstGeom>
-          <a:noFill/>
-          <a:ln w="28575" cap="flat" cmpd="sng" algn="ctr">
-            <a:solidFill>
-              <a:srgbClr val="C00000"/>
-            </a:solidFill>
-            <a:prstDash val="solid"/>
             <a:round/>
             <a:headEnd type="none" w="med" len="med"/>
             <a:tailEnd type="none" w="med" len="med"/>

--- a/lending_club_case_study.pptx
+++ b/lending_club_case_study.pptx
@@ -5,7 +5,7 @@
     <p:sldMasterId id="2147483648" r:id="rId1"/>
   </p:sldMasterIdLst>
   <p:notesMasterIdLst>
-    <p:notesMasterId r:id="rId13"/>
+    <p:notesMasterId r:id="rId12"/>
   </p:notesMasterIdLst>
   <p:handoutMasterIdLst>
     <p:handoutMasterId r:id="rId25"/>
@@ -13,24 +13,24 @@
   <p:sldIdLst>
     <p:sldId id="256" r:id="rId3"/>
     <p:sldId id="257" r:id="rId4"/>
-    <p:sldId id="258" r:id="rId5"/>
-    <p:sldId id="259" r:id="rId6"/>
-    <p:sldId id="270" r:id="rId7"/>
-    <p:sldId id="286" r:id="rId8"/>
-    <p:sldId id="261" r:id="rId9"/>
-    <p:sldId id="262" r:id="rId10"/>
-    <p:sldId id="269" r:id="rId11"/>
-    <p:sldId id="264" r:id="rId12"/>
-    <p:sldId id="265" r:id="rId14"/>
-    <p:sldId id="271" r:id="rId15"/>
-    <p:sldId id="272" r:id="rId16"/>
-    <p:sldId id="267" r:id="rId17"/>
-    <p:sldId id="268" r:id="rId18"/>
-    <p:sldId id="279" r:id="rId19"/>
-    <p:sldId id="280" r:id="rId20"/>
-    <p:sldId id="273" r:id="rId21"/>
-    <p:sldId id="274" r:id="rId22"/>
-    <p:sldId id="275" r:id="rId23"/>
+    <p:sldId id="259" r:id="rId5"/>
+    <p:sldId id="270" r:id="rId6"/>
+    <p:sldId id="286" r:id="rId7"/>
+    <p:sldId id="261" r:id="rId8"/>
+    <p:sldId id="262" r:id="rId9"/>
+    <p:sldId id="269" r:id="rId10"/>
+    <p:sldId id="264" r:id="rId11"/>
+    <p:sldId id="265" r:id="rId13"/>
+    <p:sldId id="271" r:id="rId14"/>
+    <p:sldId id="272" r:id="rId15"/>
+    <p:sldId id="267" r:id="rId16"/>
+    <p:sldId id="268" r:id="rId17"/>
+    <p:sldId id="279" r:id="rId18"/>
+    <p:sldId id="280" r:id="rId19"/>
+    <p:sldId id="273" r:id="rId20"/>
+    <p:sldId id="274" r:id="rId21"/>
+    <p:sldId id="275" r:id="rId22"/>
+    <p:sldId id="287" r:id="rId23"/>
     <p:sldId id="277" r:id="rId24"/>
   </p:sldIdLst>
   <p:sldSz cx="12192000" cy="6858000"/>
@@ -4131,7 +4131,7 @@
           <a:p>
             <a:r>
               <a:rPr lang="en-US"/>
-              <a:t>Home Ownership</a:t>
+              <a:t>Verification Status</a:t>
             </a:r>
             <a:endParaRPr lang="en-US"/>
           </a:p>
@@ -4148,414 +4148,21 @@
           </p:nvPr>
         </p:nvPicPr>
         <p:blipFill>
-          <a:blip r:embed="rId1"/>
-          <a:stretch>
-            <a:fillRect/>
-          </a:stretch>
-        </p:blipFill>
-        <p:spPr>
-          <a:xfrm>
-            <a:off x="490855" y="1000760"/>
-            <a:ext cx="3744595" cy="1991360"/>
-          </a:xfrm>
-          <a:prstGeom prst="rect">
-            <a:avLst/>
-          </a:prstGeom>
-        </p:spPr>
-      </p:pic>
-      <p:sp>
-        <p:nvSpPr>
-          <p:cNvPr id="8" name="Text Box 7"/>
-          <p:cNvSpPr txBox="1"/>
-          <p:nvPr/>
-        </p:nvSpPr>
-        <p:spPr>
-          <a:xfrm>
-            <a:off x="5104130" y="1347470"/>
-            <a:ext cx="6478270" cy="1168400"/>
-          </a:xfrm>
-          <a:prstGeom prst="rect">
-            <a:avLst/>
-          </a:prstGeom>
-          <a:noFill/>
-        </p:spPr>
-        <p:txBody>
-          <a:bodyPr wrap="square" rtlCol="0">
-            <a:spAutoFit/>
-          </a:bodyPr>
-          <a:p>
-            <a:pPr marL="285750" indent="-285750">
-              <a:buFont typeface="Arial" panose="02080604020202020204" pitchFamily="34" charset="0"/>
-              <a:buChar char="•"/>
-            </a:pPr>
-            <a:r>
-              <a:rPr lang="en-US" sz="1400"/>
-              <a:t>Most of the borrowers dont have their own house. 92% (47% + 45%) borrowers either pay "Rent" or "Mortgage" their house. </a:t>
-            </a:r>
-            <a:endParaRPr lang="en-US" sz="1400"/>
-          </a:p>
-          <a:p>
-            <a:pPr marL="285750" indent="-285750">
-              <a:buFont typeface="Arial" panose="02080604020202020204" pitchFamily="34" charset="0"/>
-              <a:buChar char="•"/>
-            </a:pPr>
-            <a:r>
-              <a:rPr lang="en-US" sz="1400"/>
-              <a:t>But only 1% borrowers''purpose' of the loan is 'house'. And </a:t>
-            </a:r>
-            <a:r>
-              <a:rPr lang="en-US" sz="1400" b="1"/>
-              <a:t>47%</a:t>
-            </a:r>
-            <a:r>
-              <a:rPr lang="en-US" sz="1400"/>
-              <a:t> borrowers' purpose is </a:t>
-            </a:r>
-            <a:r>
-              <a:rPr lang="en-US" sz="1400" b="1"/>
-              <a:t>'debt_consolidation'</a:t>
-            </a:r>
-            <a:r>
-              <a:rPr lang="en-US" sz="1400"/>
-              <a:t>. </a:t>
-            </a:r>
-            <a:endParaRPr lang="en-US" sz="1400"/>
-          </a:p>
-          <a:p>
-            <a:pPr marL="285750" indent="-285750">
-              <a:buFont typeface="Arial" panose="02080604020202020204" pitchFamily="34" charset="0"/>
-              <a:buChar char="•"/>
-            </a:pPr>
-            <a:r>
-              <a:rPr lang="en-US" sz="1400"/>
-              <a:t>May be because home loan interest rate is high</a:t>
-            </a:r>
-            <a:endParaRPr lang="en-US" sz="1400"/>
-          </a:p>
-        </p:txBody>
-      </p:sp>
-      <p:pic>
-        <p:nvPicPr>
-          <p:cNvPr id="9" name="Picture 8"/>
-          <p:cNvPicPr>
-            <a:picLocks noChangeAspect="1"/>
-          </p:cNvPicPr>
-          <p:nvPr/>
-        </p:nvPicPr>
-        <p:blipFill>
-          <a:blip r:embed="rId2"/>
-          <a:stretch>
-            <a:fillRect/>
-          </a:stretch>
-        </p:blipFill>
-        <p:spPr>
-          <a:xfrm>
-            <a:off x="540385" y="3522345"/>
-            <a:ext cx="4875530" cy="3035300"/>
-          </a:xfrm>
-          <a:prstGeom prst="rect">
-            <a:avLst/>
-          </a:prstGeom>
-        </p:spPr>
-      </p:pic>
-      <p:sp>
-        <p:nvSpPr>
-          <p:cNvPr id="10" name="Rectangles 9"/>
-          <p:cNvSpPr/>
-          <p:nvPr/>
-        </p:nvSpPr>
-        <p:spPr>
-          <a:xfrm>
-            <a:off x="2574925" y="3745865"/>
-            <a:ext cx="216535" cy="2306955"/>
-          </a:xfrm>
-          <a:prstGeom prst="rect">
-            <a:avLst/>
-          </a:prstGeom>
-          <a:noFill/>
-          <a:ln w="9525" cap="flat" cmpd="sng" algn="ctr">
-            <a:solidFill>
-              <a:srgbClr val="C00000"/>
-            </a:solidFill>
-            <a:prstDash val="solid"/>
-            <a:round/>
-            <a:headEnd type="none" w="med" len="med"/>
-            <a:tailEnd type="none" w="med" len="med"/>
-          </a:ln>
-          <a:extLst>
-            <a:ext uri="{909E8E84-426E-40DD-AFC4-6F175D3DCCD1}">
-              <a14:hiddenFill xmlns:a14="http://schemas.microsoft.com/office/drawing/2010/main">
-                <a:gradFill rotWithShape="0">
-                  <a:gsLst>
-                    <a:gs pos="0">
-                      <a:schemeClr val="accent1"/>
-                    </a:gs>
-                    <a:gs pos="100000">
-                      <a:schemeClr val="accent2"/>
-                    </a:gs>
-                  </a:gsLst>
-                  <a:lin ang="5400000" scaled="1"/>
-                </a:gradFill>
-              </a14:hiddenFill>
-            </a:ext>
-          </a:extLst>
-        </p:spPr>
-        <p:txBody>
-          <a:bodyPr vert="horz" wrap="none" lIns="91440" tIns="45720" rIns="91440" bIns="45720" numCol="1" anchor="ctr" anchorCtr="0" compatLnSpc="1"/>
-          <a:p>
-            <a:pPr marL="0" marR="0" indent="0" algn="l" defTabSz="914400" rtl="0" eaLnBrk="1" fontAlgn="base" latinLnBrk="0" hangingPunct="1">
-              <a:lnSpc>
-                <a:spcPct val="100000"/>
-              </a:lnSpc>
-              <a:spcBef>
-                <a:spcPct val="0"/>
-              </a:spcBef>
-              <a:spcAft>
-                <a:spcPct val="0"/>
-              </a:spcAft>
-              <a:buClrTx/>
-              <a:buSzTx/>
-              <a:buFontTx/>
-              <a:buNone/>
-            </a:pPr>
-            <a:endParaRPr kumimoji="0" lang="zh-CN" altLang="en-US" sz="1800" b="0" i="0" u="none" strike="noStrike" cap="none" normalizeH="0" baseline="0" smtClean="0">
-              <a:ln>
-                <a:noFill/>
-              </a:ln>
-              <a:solidFill>
-                <a:schemeClr val="tx1"/>
-              </a:solidFill>
-              <a:effectLst/>
-              <a:latin typeface="Arial" panose="02080604020202020204" pitchFamily="34" charset="0"/>
-              <a:ea typeface="SimSun" pitchFamily="2" charset="-122"/>
-            </a:endParaRPr>
-          </a:p>
-        </p:txBody>
-      </p:sp>
-      <p:sp>
-        <p:nvSpPr>
-          <p:cNvPr id="11" name="Rectangles 10"/>
-          <p:cNvSpPr/>
-          <p:nvPr/>
-        </p:nvSpPr>
-        <p:spPr>
-          <a:xfrm>
-            <a:off x="1644650" y="3746500"/>
-            <a:ext cx="234950" cy="2730500"/>
-          </a:xfrm>
-          <a:prstGeom prst="rect">
-            <a:avLst/>
-          </a:prstGeom>
-          <a:noFill/>
-          <a:ln w="9525" cap="flat" cmpd="sng" algn="ctr">
-            <a:solidFill>
-              <a:srgbClr val="C00000"/>
-            </a:solidFill>
-            <a:prstDash val="solid"/>
-            <a:round/>
-            <a:headEnd type="none" w="med" len="med"/>
-            <a:tailEnd type="none" w="med" len="med"/>
-          </a:ln>
-          <a:extLst>
-            <a:ext uri="{909E8E84-426E-40DD-AFC4-6F175D3DCCD1}">
-              <a14:hiddenFill xmlns:a14="http://schemas.microsoft.com/office/drawing/2010/main">
-                <a:gradFill rotWithShape="0">
-                  <a:gsLst>
-                    <a:gs pos="0">
-                      <a:schemeClr val="accent1"/>
-                    </a:gs>
-                    <a:gs pos="100000">
-                      <a:schemeClr val="accent2"/>
-                    </a:gs>
-                  </a:gsLst>
-                  <a:lin ang="5400000" scaled="1"/>
-                </a:gradFill>
-              </a14:hiddenFill>
-            </a:ext>
-          </a:extLst>
-        </p:spPr>
-        <p:txBody>
-          <a:bodyPr vert="horz" wrap="none" lIns="91440" tIns="45720" rIns="91440" bIns="45720" numCol="1" anchor="ctr" anchorCtr="0" compatLnSpc="1"/>
-          <a:p>
-            <a:pPr marL="0" marR="0" indent="0" algn="l" defTabSz="914400" rtl="0" eaLnBrk="1" fontAlgn="base" latinLnBrk="0" hangingPunct="1">
-              <a:lnSpc>
-                <a:spcPct val="100000"/>
-              </a:lnSpc>
-              <a:spcBef>
-                <a:spcPct val="0"/>
-              </a:spcBef>
-              <a:spcAft>
-                <a:spcPct val="0"/>
-              </a:spcAft>
-              <a:buClrTx/>
-              <a:buSzTx/>
-              <a:buFontTx/>
-              <a:buNone/>
-            </a:pPr>
-            <a:endParaRPr kumimoji="0" lang="zh-CN" altLang="en-US" sz="1800" b="0" i="0" u="none" strike="noStrike" cap="none" normalizeH="0" baseline="0" smtClean="0">
-              <a:ln>
-                <a:noFill/>
-              </a:ln>
-              <a:solidFill>
-                <a:schemeClr val="tx1"/>
-              </a:solidFill>
-              <a:effectLst/>
-              <a:latin typeface="Arial" panose="02080604020202020204" pitchFamily="34" charset="0"/>
-              <a:ea typeface="SimSun" pitchFamily="2" charset="-122"/>
-            </a:endParaRPr>
-          </a:p>
-        </p:txBody>
-      </p:sp>
-      <p:pic>
-        <p:nvPicPr>
-          <p:cNvPr id="12" name="Picture 11"/>
-          <p:cNvPicPr>
-            <a:picLocks noChangeAspect="1"/>
-          </p:cNvPicPr>
-          <p:nvPr/>
-        </p:nvPicPr>
-        <p:blipFill>
-          <a:blip r:embed="rId3"/>
-          <a:stretch>
-            <a:fillRect/>
-          </a:stretch>
-        </p:blipFill>
-        <p:spPr>
-          <a:xfrm>
-            <a:off x="6414135" y="3522345"/>
-            <a:ext cx="5010785" cy="2954655"/>
-          </a:xfrm>
-          <a:prstGeom prst="rect">
-            <a:avLst/>
-          </a:prstGeom>
-        </p:spPr>
-      </p:pic>
-      <p:sp>
-        <p:nvSpPr>
-          <p:cNvPr id="13" name="Rectangles 12"/>
-          <p:cNvSpPr/>
-          <p:nvPr/>
-        </p:nvSpPr>
-        <p:spPr>
-          <a:xfrm>
-            <a:off x="10321925" y="3964305"/>
-            <a:ext cx="292100" cy="2395220"/>
-          </a:xfrm>
-          <a:prstGeom prst="rect">
-            <a:avLst/>
-          </a:prstGeom>
-          <a:noFill/>
-          <a:ln w="28575" cap="flat" cmpd="sng" algn="ctr">
-            <a:solidFill>
-              <a:srgbClr val="C00000"/>
-            </a:solidFill>
-            <a:prstDash val="solid"/>
-            <a:round/>
-            <a:headEnd type="none" w="med" len="med"/>
-            <a:tailEnd type="none" w="med" len="med"/>
-          </a:ln>
-          <a:extLst>
-            <a:ext uri="{909E8E84-426E-40DD-AFC4-6F175D3DCCD1}">
-              <a14:hiddenFill xmlns:a14="http://schemas.microsoft.com/office/drawing/2010/main">
-                <a:gradFill rotWithShape="0">
-                  <a:gsLst>
-                    <a:gs pos="0">
-                      <a:schemeClr val="accent1"/>
-                    </a:gs>
-                    <a:gs pos="100000">
-                      <a:schemeClr val="accent2"/>
-                    </a:gs>
-                  </a:gsLst>
-                  <a:lin ang="5400000" scaled="1"/>
-                </a:gradFill>
-              </a14:hiddenFill>
-            </a:ext>
-          </a:extLst>
-        </p:spPr>
-        <p:txBody>
-          <a:bodyPr vert="horz" wrap="none" lIns="91440" tIns="45720" rIns="91440" bIns="45720" numCol="1" anchor="ctr" anchorCtr="0" compatLnSpc="1"/>
-          <a:p>
-            <a:pPr marL="0" marR="0" indent="0" algn="l" defTabSz="914400" rtl="0" eaLnBrk="1" fontAlgn="base" latinLnBrk="0" hangingPunct="1">
-              <a:lnSpc>
-                <a:spcPct val="100000"/>
-              </a:lnSpc>
-              <a:spcBef>
-                <a:spcPct val="0"/>
-              </a:spcBef>
-              <a:spcAft>
-                <a:spcPct val="0"/>
-              </a:spcAft>
-              <a:buClrTx/>
-              <a:buSzTx/>
-              <a:buFontTx/>
-              <a:buNone/>
-            </a:pPr>
-            <a:endParaRPr kumimoji="0" lang="zh-CN" altLang="en-US" sz="1800" b="0" i="0" u="none" strike="noStrike" cap="none" normalizeH="0" baseline="0" smtClean="0">
-              <a:ln>
-                <a:noFill/>
-              </a:ln>
-              <a:solidFill>
-                <a:schemeClr val="tx1"/>
-              </a:solidFill>
-              <a:effectLst/>
-              <a:latin typeface="Arial" panose="02080604020202020204" pitchFamily="34" charset="0"/>
-              <a:ea typeface="SimSun" pitchFamily="2" charset="-122"/>
-            </a:endParaRPr>
-          </a:p>
-        </p:txBody>
-      </p:sp>
-    </p:spTree>
-  </p:cSld>
-  <p:clrMapOvr>
-    <a:masterClrMapping/>
-  </p:clrMapOvr>
-</p:sld>
-</file>
-
-<file path=ppt/slides/slide11.xml><?xml version="1.0" encoding="utf-8"?>
-<p:sld xmlns:a="http://schemas.openxmlformats.org/drawingml/2006/main" xmlns:r="http://schemas.openxmlformats.org/officeDocument/2006/relationships" xmlns:p="http://schemas.openxmlformats.org/presentationml/2006/main">
-  <p:cSld>
-    <p:spTree>
-      <p:nvGrpSpPr>
-        <p:cNvPr id="1" name=""/>
-        <p:cNvGrpSpPr/>
-        <p:nvPr/>
-      </p:nvGrpSpPr>
-      <p:grpSpPr/>
-      <p:sp>
-        <p:nvSpPr>
-          <p:cNvPr id="2" name="Title 1"/>
-          <p:cNvSpPr>
-            <a:spLocks noGrp="1"/>
-          </p:cNvSpPr>
-          <p:nvPr>
-            <p:ph type="title"/>
-          </p:nvPr>
-        </p:nvSpPr>
-        <p:spPr/>
-        <p:txBody>
-          <a:bodyPr/>
-          <a:p>
-            <a:r>
-              <a:rPr lang="en-US"/>
-              <a:t>Verification Status</a:t>
-            </a:r>
-            <a:endParaRPr lang="en-US"/>
-          </a:p>
-        </p:txBody>
-      </p:sp>
-      <p:pic>
-        <p:nvPicPr>
-          <p:cNvPr id="4" name="Content Placeholder 3"/>
-          <p:cNvPicPr>
-            <a:picLocks noChangeAspect="1"/>
-          </p:cNvPicPr>
-          <p:nvPr>
-            <p:ph idx="1"/>
-          </p:nvPr>
-        </p:nvPicPr>
-        <p:blipFill>
-          <a:blip r:embed="rId1"/>
+          <a:blip r:embed="rId1">
+            <a:clrChange>
+              <a:clrFrom>
+                <a:srgbClr val="FFFFFF">
+                  <a:alpha val="100000"/>
+                </a:srgbClr>
+              </a:clrFrom>
+              <a:clrTo>
+                <a:srgbClr val="FFFFFF">
+                  <a:alpha val="100000"/>
+                  <a:alpha val="0"/>
+                </a:srgbClr>
+              </a:clrTo>
+            </a:clrChange>
+          </a:blip>
           <a:stretch>
             <a:fillRect/>
           </a:stretch>
@@ -4638,7 +4245,21 @@
           <p:nvPr/>
         </p:nvPicPr>
         <p:blipFill>
-          <a:blip r:embed="rId2"/>
+          <a:blip r:embed="rId2">
+            <a:clrChange>
+              <a:clrFrom>
+                <a:srgbClr val="FFFFFF">
+                  <a:alpha val="100000"/>
+                </a:srgbClr>
+              </a:clrFrom>
+              <a:clrTo>
+                <a:srgbClr val="FFFFFF">
+                  <a:alpha val="100000"/>
+                  <a:alpha val="0"/>
+                </a:srgbClr>
+              </a:clrTo>
+            </a:clrChange>
+          </a:blip>
           <a:stretch>
             <a:fillRect/>
           </a:stretch>
@@ -4662,7 +4283,21 @@
           <p:nvPr/>
         </p:nvPicPr>
         <p:blipFill>
-          <a:blip r:embed="rId3"/>
+          <a:blip r:embed="rId3">
+            <a:clrChange>
+              <a:clrFrom>
+                <a:srgbClr val="FFFFFF">
+                  <a:alpha val="100000"/>
+                </a:srgbClr>
+              </a:clrFrom>
+              <a:clrTo>
+                <a:srgbClr val="FFFFFF">
+                  <a:alpha val="100000"/>
+                  <a:alpha val="0"/>
+                </a:srgbClr>
+              </a:clrTo>
+            </a:clrChange>
+          </a:blip>
           <a:stretch>
             <a:fillRect/>
           </a:stretch>
@@ -4869,7 +4504,7 @@
 </p:sld>
 </file>
 
-<file path=ppt/slides/slide12.xml><?xml version="1.0" encoding="utf-8"?>
+<file path=ppt/slides/slide11.xml><?xml version="1.0" encoding="utf-8"?>
 <p:sld xmlns:a="http://schemas.openxmlformats.org/drawingml/2006/main" xmlns:r="http://schemas.openxmlformats.org/officeDocument/2006/relationships" xmlns:p="http://schemas.openxmlformats.org/presentationml/2006/main">
   <p:cSld>
     <p:spTree>
@@ -4912,7 +4547,21 @@
           </p:nvPr>
         </p:nvPicPr>
         <p:blipFill>
-          <a:blip r:embed="rId1"/>
+          <a:blip r:embed="rId1">
+            <a:clrChange>
+              <a:clrFrom>
+                <a:srgbClr val="FFFFFF">
+                  <a:alpha val="100000"/>
+                </a:srgbClr>
+              </a:clrFrom>
+              <a:clrTo>
+                <a:srgbClr val="FFFFFF">
+                  <a:alpha val="100000"/>
+                  <a:alpha val="0"/>
+                </a:srgbClr>
+              </a:clrTo>
+            </a:clrChange>
+          </a:blip>
           <a:stretch>
             <a:fillRect/>
           </a:stretch>
@@ -4936,7 +4585,21 @@
           <p:nvPr/>
         </p:nvPicPr>
         <p:blipFill>
-          <a:blip r:embed="rId2"/>
+          <a:blip r:embed="rId2">
+            <a:clrChange>
+              <a:clrFrom>
+                <a:srgbClr val="FFFFFF">
+                  <a:alpha val="100000"/>
+                </a:srgbClr>
+              </a:clrFrom>
+              <a:clrTo>
+                <a:srgbClr val="FFFFFF">
+                  <a:alpha val="100000"/>
+                  <a:alpha val="0"/>
+                </a:srgbClr>
+              </a:clrTo>
+            </a:clrChange>
+          </a:blip>
           <a:stretch>
             <a:fillRect/>
           </a:stretch>
@@ -5340,7 +5003,7 @@
 </p:sld>
 </file>
 
-<file path=ppt/slides/slide13.xml><?xml version="1.0" encoding="utf-8"?>
+<file path=ppt/slides/slide12.xml><?xml version="1.0" encoding="utf-8"?>
 <p:sld xmlns:a="http://schemas.openxmlformats.org/drawingml/2006/main" xmlns:r="http://schemas.openxmlformats.org/officeDocument/2006/relationships" xmlns:p="http://schemas.openxmlformats.org/presentationml/2006/main">
   <p:cSld>
     <p:spTree>
@@ -5383,7 +5046,21 @@
           </p:nvPr>
         </p:nvPicPr>
         <p:blipFill>
-          <a:blip r:embed="rId1"/>
+          <a:blip r:embed="rId1">
+            <a:clrChange>
+              <a:clrFrom>
+                <a:srgbClr val="FFFFFF">
+                  <a:alpha val="100000"/>
+                </a:srgbClr>
+              </a:clrFrom>
+              <a:clrTo>
+                <a:srgbClr val="FFFFFF">
+                  <a:alpha val="100000"/>
+                  <a:alpha val="0"/>
+                </a:srgbClr>
+              </a:clrTo>
+            </a:clrChange>
+          </a:blip>
           <a:stretch>
             <a:fillRect/>
           </a:stretch>
@@ -5407,7 +5084,21 @@
           <p:nvPr/>
         </p:nvPicPr>
         <p:blipFill>
-          <a:blip r:embed="rId2"/>
+          <a:blip r:embed="rId2">
+            <a:clrChange>
+              <a:clrFrom>
+                <a:srgbClr val="FFFFFF">
+                  <a:alpha val="100000"/>
+                </a:srgbClr>
+              </a:clrFrom>
+              <a:clrTo>
+                <a:srgbClr val="FFFFFF">
+                  <a:alpha val="100000"/>
+                  <a:alpha val="0"/>
+                </a:srgbClr>
+              </a:clrTo>
+            </a:clrChange>
+          </a:blip>
           <a:stretch>
             <a:fillRect/>
           </a:stretch>
@@ -5449,7 +5140,7 @@
             </a:pPr>
             <a:r>
               <a:rPr lang="en-US"/>
-              <a:t>Most of the borrowers (22.4%) have  10+ years of employment length.</a:t>
+              <a:t>Majority of the borrowers (22.4%) have  10+ years of employment length.</a:t>
             </a:r>
             <a:endParaRPr lang="en-US"/>
           </a:p>
@@ -5605,7 +5296,7 @@
 </p:sld>
 </file>
 
-<file path=ppt/slides/slide14.xml><?xml version="1.0" encoding="utf-8"?>
+<file path=ppt/slides/slide13.xml><?xml version="1.0" encoding="utf-8"?>
 <p:sld xmlns:a="http://schemas.openxmlformats.org/drawingml/2006/main" xmlns:r="http://schemas.openxmlformats.org/officeDocument/2006/relationships" xmlns:p="http://schemas.openxmlformats.org/presentationml/2006/main">
   <p:cSld>
     <p:spTree>
@@ -5648,7 +5339,21 @@
           </p:nvPr>
         </p:nvPicPr>
         <p:blipFill>
-          <a:blip r:embed="rId1"/>
+          <a:blip r:embed="rId1">
+            <a:clrChange>
+              <a:clrFrom>
+                <a:srgbClr val="FFFFFF">
+                  <a:alpha val="100000"/>
+                </a:srgbClr>
+              </a:clrFrom>
+              <a:clrTo>
+                <a:srgbClr val="FFFFFF">
+                  <a:alpha val="100000"/>
+                  <a:alpha val="0"/>
+                </a:srgbClr>
+              </a:clrTo>
+            </a:clrChange>
+          </a:blip>
           <a:stretch>
             <a:fillRect/>
           </a:stretch>
@@ -5671,8 +5376,8 @@
         </p:nvSpPr>
         <p:spPr>
           <a:xfrm>
-            <a:off x="6762750" y="1019175"/>
-            <a:ext cx="4410075" cy="4338320"/>
+            <a:off x="6681470" y="1403350"/>
+            <a:ext cx="5186680" cy="3415030"/>
           </a:xfrm>
           <a:prstGeom prst="rect">
             <a:avLst/>
@@ -5729,7 +5434,7 @@
               <a:rPr lang="en-US" sz="1200">
                 <a:sym typeface="+mn-ea"/>
               </a:rPr>
-              <a:t>(loan amount committed by the investor to the borrower). We can say that if loan application of the borrower gets passed by company, then he gets almost full amount of the loan applied.</a:t>
+              <a:t>committed by the investor. We can say that if loan application of the borrower gets passed by company, then he gets almost full amount of the loan applied.</a:t>
             </a:r>
             <a:endParaRPr lang="en-US" sz="1200"/>
           </a:p>
@@ -6244,7 +5949,7 @@
 </p:sld>
 </file>
 
-<file path=ppt/slides/slide15.xml><?xml version="1.0" encoding="utf-8"?>
+<file path=ppt/slides/slide14.xml><?xml version="1.0" encoding="utf-8"?>
 <p:sld xmlns:a="http://schemas.openxmlformats.org/drawingml/2006/main" xmlns:r="http://schemas.openxmlformats.org/officeDocument/2006/relationships" xmlns:p="http://schemas.openxmlformats.org/presentationml/2006/main">
   <p:cSld>
     <p:spTree>
@@ -6273,1483 +5978,6 @@
               <a:t>Loan Amount, Funded Amount, Installment</a:t>
             </a:r>
             <a:endParaRPr lang="en-US"/>
-          </a:p>
-        </p:txBody>
-      </p:sp>
-      <p:pic>
-        <p:nvPicPr>
-          <p:cNvPr id="5" name="Picture 4"/>
-          <p:cNvPicPr>
-            <a:picLocks noChangeAspect="1"/>
-          </p:cNvPicPr>
-          <p:nvPr/>
-        </p:nvPicPr>
-        <p:blipFill>
-          <a:blip r:embed="rId1"/>
-          <a:stretch>
-            <a:fillRect/>
-          </a:stretch>
-        </p:blipFill>
-        <p:spPr>
-          <a:xfrm>
-            <a:off x="7024370" y="1102995"/>
-            <a:ext cx="3610610" cy="2751455"/>
-          </a:xfrm>
-          <a:prstGeom prst="rect">
-            <a:avLst/>
-          </a:prstGeom>
-        </p:spPr>
-      </p:pic>
-      <p:sp>
-        <p:nvSpPr>
-          <p:cNvPr id="6" name="Text Box 5"/>
-          <p:cNvSpPr txBox="1"/>
-          <p:nvPr/>
-        </p:nvSpPr>
-        <p:spPr>
-          <a:xfrm>
-            <a:off x="704850" y="4171950"/>
-            <a:ext cx="4410710" cy="737235"/>
-          </a:xfrm>
-          <a:prstGeom prst="rect">
-            <a:avLst/>
-          </a:prstGeom>
-          <a:noFill/>
-        </p:spPr>
-        <p:txBody>
-          <a:bodyPr wrap="square" rtlCol="0">
-            <a:spAutoFit/>
-          </a:bodyPr>
-          <a:p>
-            <a:pPr marL="171450" indent="-171450">
-              <a:buFont typeface="Arial" panose="02080604020202020204" pitchFamily="34" charset="0"/>
-              <a:buChar char="•"/>
-            </a:pPr>
-            <a:r>
-              <a:rPr lang="en-US" sz="1400">
-                <a:sym typeface="+mn-ea"/>
-              </a:rPr>
-              <a:t>Funded amount by the company is always less than or equal to loan amount </a:t>
-            </a:r>
-            <a:r>
-              <a:rPr lang="en-US" sz="1400">
-                <a:sym typeface="+mn-ea"/>
-              </a:rPr>
-              <a:t>applied by borrower.</a:t>
-            </a:r>
-            <a:endParaRPr lang="en-US" sz="1400"/>
-          </a:p>
-        </p:txBody>
-      </p:sp>
-      <p:pic>
-        <p:nvPicPr>
-          <p:cNvPr id="10" name="Content Placeholder 9"/>
-          <p:cNvPicPr>
-            <a:picLocks noChangeAspect="1"/>
-          </p:cNvPicPr>
-          <p:nvPr>
-            <p:ph idx="1"/>
-          </p:nvPr>
-        </p:nvPicPr>
-        <p:blipFill>
-          <a:blip r:embed="rId2"/>
-          <a:stretch>
-            <a:fillRect/>
-          </a:stretch>
-        </p:blipFill>
-        <p:spPr>
-          <a:xfrm>
-            <a:off x="1028700" y="1096645"/>
-            <a:ext cx="3619500" cy="2757805"/>
-          </a:xfrm>
-          <a:prstGeom prst="rect">
-            <a:avLst/>
-          </a:prstGeom>
-        </p:spPr>
-      </p:pic>
-      <p:sp>
-        <p:nvSpPr>
-          <p:cNvPr id="11" name="Text Box 10"/>
-          <p:cNvSpPr txBox="1"/>
-          <p:nvPr/>
-        </p:nvSpPr>
-        <p:spPr>
-          <a:xfrm>
-            <a:off x="6624320" y="4184015"/>
-            <a:ext cx="4410710" cy="737235"/>
-          </a:xfrm>
-          <a:prstGeom prst="rect">
-            <a:avLst/>
-          </a:prstGeom>
-          <a:noFill/>
-        </p:spPr>
-        <p:txBody>
-          <a:bodyPr wrap="square" rtlCol="0">
-            <a:spAutoFit/>
-          </a:bodyPr>
-          <a:p>
-            <a:pPr marL="171450" indent="-171450">
-              <a:buFont typeface="Arial" panose="02080604020202020204" pitchFamily="34" charset="0"/>
-              <a:buChar char="•"/>
-            </a:pPr>
-            <a:r>
-              <a:rPr lang="en-US" sz="1400">
-                <a:sym typeface="+mn-ea"/>
-              </a:rPr>
-              <a:t>Funded amount by the company is highly correlated with monthly installment paid by the borrower.</a:t>
-            </a:r>
-            <a:endParaRPr lang="en-US" sz="1400"/>
-          </a:p>
-        </p:txBody>
-      </p:sp>
-      <p:sp>
-        <p:nvSpPr>
-          <p:cNvPr id="12" name="Text Box 11"/>
-          <p:cNvSpPr txBox="1"/>
-          <p:nvPr/>
-        </p:nvSpPr>
-        <p:spPr>
-          <a:xfrm>
-            <a:off x="609600" y="5713095"/>
-            <a:ext cx="9943465" cy="368300"/>
-          </a:xfrm>
-          <a:prstGeom prst="rect">
-            <a:avLst/>
-          </a:prstGeom>
-          <a:noFill/>
-        </p:spPr>
-        <p:txBody>
-          <a:bodyPr wrap="square" rtlCol="0">
-            <a:spAutoFit/>
-          </a:bodyPr>
-          <a:p>
-            <a:pPr marL="285750" indent="-285750">
-              <a:buFont typeface="Arial" panose="02080604020202020204" pitchFamily="34" charset="0"/>
-              <a:buChar char="•"/>
-            </a:pPr>
-            <a:r>
-              <a:rPr lang="en-US"/>
-              <a:t>There is a </a:t>
-            </a:r>
-            <a:r>
-              <a:rPr lang="en-US" b="1"/>
-              <a:t>high </a:t>
-            </a:r>
-            <a:r>
-              <a:rPr lang="en-US"/>
-              <a:t>correltion between loan amount, funded amount and installment</a:t>
-            </a:r>
-            <a:endParaRPr lang="en-US"/>
-          </a:p>
-        </p:txBody>
-      </p:sp>
-    </p:spTree>
-  </p:cSld>
-  <p:clrMapOvr>
-    <a:masterClrMapping/>
-  </p:clrMapOvr>
-</p:sld>
-</file>
-
-<file path=ppt/slides/slide16.xml><?xml version="1.0" encoding="utf-8"?>
-<p:sld xmlns:a="http://schemas.openxmlformats.org/drawingml/2006/main" xmlns:r="http://schemas.openxmlformats.org/officeDocument/2006/relationships" xmlns:p="http://schemas.openxmlformats.org/presentationml/2006/main">
-  <p:cSld>
-    <p:spTree>
-      <p:nvGrpSpPr>
-        <p:cNvPr id="1" name=""/>
-        <p:cNvGrpSpPr/>
-        <p:nvPr/>
-      </p:nvGrpSpPr>
-      <p:grpSpPr/>
-      <p:sp>
-        <p:nvSpPr>
-          <p:cNvPr id="2" name="Title 1"/>
-          <p:cNvSpPr>
-            <a:spLocks noGrp="1"/>
-          </p:cNvSpPr>
-          <p:nvPr>
-            <p:ph type="title"/>
-          </p:nvPr>
-        </p:nvSpPr>
-        <p:spPr/>
-        <p:txBody>
-          <a:bodyPr/>
-          <a:p>
-            <a:r>
-              <a:rPr lang="en-US" sz="2400"/>
-              <a:t>Loan Amount, Interest rate, Total Received principal</a:t>
-            </a:r>
-            <a:endParaRPr lang="en-US" sz="2400"/>
-          </a:p>
-        </p:txBody>
-      </p:sp>
-      <p:pic>
-        <p:nvPicPr>
-          <p:cNvPr id="6" name="Picture 5"/>
-          <p:cNvPicPr>
-            <a:picLocks noChangeAspect="1"/>
-          </p:cNvPicPr>
-          <p:nvPr/>
-        </p:nvPicPr>
-        <p:blipFill>
-          <a:blip r:embed="rId1"/>
-          <a:stretch>
-            <a:fillRect/>
-          </a:stretch>
-        </p:blipFill>
-        <p:spPr>
-          <a:xfrm>
-            <a:off x="609600" y="1323975"/>
-            <a:ext cx="1781175" cy="2914650"/>
-          </a:xfrm>
-          <a:prstGeom prst="rect">
-            <a:avLst/>
-          </a:prstGeom>
-        </p:spPr>
-      </p:pic>
-      <p:pic>
-        <p:nvPicPr>
-          <p:cNvPr id="8" name="Picture 7"/>
-          <p:cNvPicPr>
-            <a:picLocks noChangeAspect="1"/>
-          </p:cNvPicPr>
-          <p:nvPr/>
-        </p:nvPicPr>
-        <p:blipFill>
-          <a:blip r:embed="rId2"/>
-          <a:stretch>
-            <a:fillRect/>
-          </a:stretch>
-        </p:blipFill>
-        <p:spPr>
-          <a:xfrm>
-            <a:off x="3086100" y="1323975"/>
-            <a:ext cx="1676400" cy="2933700"/>
-          </a:xfrm>
-          <a:prstGeom prst="rect">
-            <a:avLst/>
-          </a:prstGeom>
-        </p:spPr>
-      </p:pic>
-      <p:sp>
-        <p:nvSpPr>
-          <p:cNvPr id="13" name="Text Box 12"/>
-          <p:cNvSpPr txBox="1"/>
-          <p:nvPr/>
-        </p:nvSpPr>
-        <p:spPr>
-          <a:xfrm>
-            <a:off x="460375" y="4471670"/>
-            <a:ext cx="11363325" cy="1383665"/>
-          </a:xfrm>
-          <a:prstGeom prst="rect">
-            <a:avLst/>
-          </a:prstGeom>
-          <a:noFill/>
-        </p:spPr>
-        <p:txBody>
-          <a:bodyPr wrap="square" rtlCol="0">
-            <a:spAutoFit/>
-          </a:bodyPr>
-          <a:p>
-            <a:pPr marL="285750" indent="-285750">
-              <a:buFont typeface="Arial" panose="02080604020202020204" pitchFamily="34" charset="0"/>
-              <a:buChar char="•"/>
-            </a:pPr>
-            <a:r>
-              <a:rPr lang="en-US" sz="1400"/>
-              <a:t>Avg loan amount applied by the borrower is 11.2K</a:t>
-            </a:r>
-            <a:endParaRPr lang="en-US" sz="1400"/>
-          </a:p>
-          <a:p>
-            <a:pPr marL="285750" indent="-285750">
-              <a:buFont typeface="Arial" panose="02080604020202020204" pitchFamily="34" charset="0"/>
-              <a:buChar char="•"/>
-            </a:pPr>
-            <a:r>
-              <a:rPr lang="en-US" sz="1400"/>
-              <a:t>Avg interest rate for the loan is 12%</a:t>
-            </a:r>
-            <a:endParaRPr lang="en-US" sz="1400"/>
-          </a:p>
-          <a:p>
-            <a:pPr marL="285750" indent="-285750">
-              <a:buFont typeface="Arial" panose="02080604020202020204" pitchFamily="34" charset="0"/>
-              <a:buChar char="•"/>
-            </a:pPr>
-            <a:r>
-              <a:rPr lang="en-US" sz="1400"/>
-              <a:t>Avg payment received by the LC is 12.2k. Ideally it should be (11.2 * 1.12 =) 12.5k but because of some default loans, company is getting 12.2k payment. </a:t>
-            </a:r>
-            <a:endParaRPr lang="en-US" sz="1400"/>
-          </a:p>
-          <a:p>
-            <a:pPr marL="285750" indent="-285750">
-              <a:buFont typeface="Arial" panose="02080604020202020204" pitchFamily="34" charset="0"/>
-              <a:buChar char="•"/>
-            </a:pPr>
-            <a:r>
-              <a:rPr lang="en-US" sz="1400"/>
-              <a:t>Company is making profit.</a:t>
-            </a:r>
-            <a:endParaRPr lang="en-US" sz="1400"/>
-          </a:p>
-          <a:p>
-            <a:pPr marL="285750" indent="-285750">
-              <a:buFont typeface="Arial" panose="02080604020202020204" pitchFamily="34" charset="0"/>
-              <a:buChar char="•"/>
-            </a:pPr>
-            <a:r>
-              <a:rPr lang="en-US" sz="1400"/>
-              <a:t>If the company reduces the default loans in future, then LC can make more profits.</a:t>
-            </a:r>
-            <a:endParaRPr lang="en-US" sz="1400"/>
-          </a:p>
-        </p:txBody>
-      </p:sp>
-      <p:pic>
-        <p:nvPicPr>
-          <p:cNvPr id="14" name="Picture 13"/>
-          <p:cNvPicPr>
-            <a:picLocks noChangeAspect="1"/>
-          </p:cNvPicPr>
-          <p:nvPr/>
-        </p:nvPicPr>
-        <p:blipFill>
-          <a:blip r:embed="rId3"/>
-          <a:stretch>
-            <a:fillRect/>
-          </a:stretch>
-        </p:blipFill>
-        <p:spPr>
-          <a:xfrm>
-            <a:off x="5543550" y="1323975"/>
-            <a:ext cx="1781175" cy="2933700"/>
-          </a:xfrm>
-          <a:prstGeom prst="rect">
-            <a:avLst/>
-          </a:prstGeom>
-        </p:spPr>
-      </p:pic>
-      <p:cxnSp>
-        <p:nvCxnSpPr>
-          <p:cNvPr id="15" name="Straight Arrow Connector 14"/>
-          <p:cNvCxnSpPr/>
-          <p:nvPr/>
-        </p:nvCxnSpPr>
-        <p:spPr>
-          <a:xfrm flipH="1" flipV="1">
-            <a:off x="2060575" y="3376295"/>
-            <a:ext cx="295275" cy="9525"/>
-          </a:xfrm>
-          <a:prstGeom prst="straightConnector1">
-            <a:avLst/>
-          </a:prstGeom>
-          <a:gradFill rotWithShape="0">
-            <a:gsLst>
-              <a:gs pos="0">
-                <a:schemeClr val="accent1"/>
-              </a:gs>
-              <a:gs pos="100000">
-                <a:schemeClr val="accent2"/>
-              </a:gs>
-            </a:gsLst>
-            <a:lin ang="5400000" scaled="1"/>
-          </a:gradFill>
-          <a:ln w="19050" cap="flat" cmpd="sng" algn="ctr">
-            <a:solidFill>
-              <a:srgbClr val="FF0000"/>
-            </a:solidFill>
-            <a:prstDash val="solid"/>
-            <a:round/>
-            <a:headEnd type="none" w="med" len="med"/>
-            <a:tailEnd type="arrow" w="med" len="med"/>
-          </a:ln>
-        </p:spPr>
-      </p:cxnSp>
-      <p:cxnSp>
-        <p:nvCxnSpPr>
-          <p:cNvPr id="16" name="Straight Arrow Connector 15"/>
-          <p:cNvCxnSpPr/>
-          <p:nvPr/>
-        </p:nvCxnSpPr>
-        <p:spPr>
-          <a:xfrm flipH="1" flipV="1">
-            <a:off x="4587875" y="3395345"/>
-            <a:ext cx="295275" cy="9525"/>
-          </a:xfrm>
-          <a:prstGeom prst="straightConnector1">
-            <a:avLst/>
-          </a:prstGeom>
-          <a:gradFill rotWithShape="0">
-            <a:gsLst>
-              <a:gs pos="0">
-                <a:schemeClr val="accent1"/>
-              </a:gs>
-              <a:gs pos="100000">
-                <a:schemeClr val="accent2"/>
-              </a:gs>
-            </a:gsLst>
-            <a:lin ang="5400000" scaled="1"/>
-          </a:gradFill>
-          <a:ln w="19050" cap="flat" cmpd="sng" algn="ctr">
-            <a:solidFill>
-              <a:srgbClr val="FF0000"/>
-            </a:solidFill>
-            <a:prstDash val="solid"/>
-            <a:round/>
-            <a:headEnd type="none" w="med" len="med"/>
-            <a:tailEnd type="arrow" w="med" len="med"/>
-          </a:ln>
-        </p:spPr>
-      </p:cxnSp>
-      <p:cxnSp>
-        <p:nvCxnSpPr>
-          <p:cNvPr id="17" name="Straight Arrow Connector 16"/>
-          <p:cNvCxnSpPr/>
-          <p:nvPr/>
-        </p:nvCxnSpPr>
-        <p:spPr>
-          <a:xfrm flipH="1" flipV="1">
-            <a:off x="7029450" y="3385820"/>
-            <a:ext cx="295275" cy="9525"/>
-          </a:xfrm>
-          <a:prstGeom prst="straightConnector1">
-            <a:avLst/>
-          </a:prstGeom>
-          <a:gradFill rotWithShape="0">
-            <a:gsLst>
-              <a:gs pos="0">
-                <a:schemeClr val="accent1"/>
-              </a:gs>
-              <a:gs pos="100000">
-                <a:schemeClr val="accent2"/>
-              </a:gs>
-            </a:gsLst>
-            <a:lin ang="5400000" scaled="1"/>
-          </a:gradFill>
-          <a:ln w="19050" cap="flat" cmpd="sng" algn="ctr">
-            <a:solidFill>
-              <a:srgbClr val="FF0000"/>
-            </a:solidFill>
-            <a:prstDash val="solid"/>
-            <a:round/>
-            <a:headEnd type="none" w="med" len="med"/>
-            <a:tailEnd type="arrow" w="med" len="med"/>
-          </a:ln>
-        </p:spPr>
-      </p:cxnSp>
-    </p:spTree>
-  </p:cSld>
-  <p:clrMapOvr>
-    <a:masterClrMapping/>
-  </p:clrMapOvr>
-</p:sld>
-</file>
-
-<file path=ppt/slides/slide17.xml><?xml version="1.0" encoding="utf-8"?>
-<p:sld xmlns:a="http://schemas.openxmlformats.org/drawingml/2006/main" xmlns:r="http://schemas.openxmlformats.org/officeDocument/2006/relationships" xmlns:p="http://schemas.openxmlformats.org/presentationml/2006/main">
-  <p:cSld>
-    <p:spTree>
-      <p:nvGrpSpPr>
-        <p:cNvPr id="1" name=""/>
-        <p:cNvGrpSpPr/>
-        <p:nvPr/>
-      </p:nvGrpSpPr>
-      <p:grpSpPr/>
-      <p:sp>
-        <p:nvSpPr>
-          <p:cNvPr id="2" name="Title 1"/>
-          <p:cNvSpPr>
-            <a:spLocks noGrp="1"/>
-          </p:cNvSpPr>
-          <p:nvPr>
-            <p:ph type="title"/>
-          </p:nvPr>
-        </p:nvSpPr>
-        <p:spPr/>
-        <p:txBody>
-          <a:bodyPr/>
-          <a:p>
-            <a:r>
-              <a:rPr lang="en-US"/>
-              <a:t>total_acc &amp; open_acc</a:t>
-            </a:r>
-            <a:endParaRPr lang="en-US"/>
-          </a:p>
-        </p:txBody>
-      </p:sp>
-      <p:pic>
-        <p:nvPicPr>
-          <p:cNvPr id="4" name="Content Placeholder 3"/>
-          <p:cNvPicPr>
-            <a:picLocks noChangeAspect="1"/>
-          </p:cNvPicPr>
-          <p:nvPr>
-            <p:ph idx="1"/>
-          </p:nvPr>
-        </p:nvPicPr>
-        <p:blipFill>
-          <a:blip r:embed="rId1"/>
-          <a:stretch>
-            <a:fillRect/>
-          </a:stretch>
-        </p:blipFill>
-        <p:spPr>
-          <a:xfrm>
-            <a:off x="609600" y="1202690"/>
-            <a:ext cx="1781175" cy="2933700"/>
-          </a:xfrm>
-          <a:prstGeom prst="rect">
-            <a:avLst/>
-          </a:prstGeom>
-        </p:spPr>
-      </p:pic>
-      <p:pic>
-        <p:nvPicPr>
-          <p:cNvPr id="5" name="Picture 4"/>
-          <p:cNvPicPr>
-            <a:picLocks noChangeAspect="1"/>
-          </p:cNvPicPr>
-          <p:nvPr/>
-        </p:nvPicPr>
-        <p:blipFill>
-          <a:blip r:embed="rId2"/>
-          <a:stretch>
-            <a:fillRect/>
-          </a:stretch>
-        </p:blipFill>
-        <p:spPr>
-          <a:xfrm>
-            <a:off x="3300095" y="1202690"/>
-            <a:ext cx="1781175" cy="2933700"/>
-          </a:xfrm>
-          <a:prstGeom prst="rect">
-            <a:avLst/>
-          </a:prstGeom>
-        </p:spPr>
-      </p:pic>
-      <p:sp>
-        <p:nvSpPr>
-          <p:cNvPr id="7" name="Text Box 6"/>
-          <p:cNvSpPr txBox="1"/>
-          <p:nvPr/>
-        </p:nvSpPr>
-        <p:spPr>
-          <a:xfrm>
-            <a:off x="619125" y="4514850"/>
-            <a:ext cx="10934700" cy="1198880"/>
-          </a:xfrm>
-          <a:prstGeom prst="rect">
-            <a:avLst/>
-          </a:prstGeom>
-          <a:noFill/>
-        </p:spPr>
-        <p:txBody>
-          <a:bodyPr wrap="square" rtlCol="0">
-            <a:spAutoFit/>
-          </a:bodyPr>
-          <a:p>
-            <a:pPr marL="285750" indent="-285750">
-              <a:buFont typeface="Arial" panose="02080604020202020204" pitchFamily="34" charset="0"/>
-              <a:buChar char="•"/>
-            </a:pPr>
-            <a:r>
-              <a:rPr lang="en-US"/>
-              <a:t>Avg total number of credit lines in borrowers credit file is 22</a:t>
-            </a:r>
-            <a:endParaRPr lang="en-US"/>
-          </a:p>
-          <a:p>
-            <a:pPr marL="285750" indent="-285750">
-              <a:buFont typeface="Arial" panose="02080604020202020204" pitchFamily="34" charset="0"/>
-              <a:buChar char="•"/>
-            </a:pPr>
-            <a:r>
-              <a:rPr lang="en-US"/>
-              <a:t>Out of that on an avg total number of open credit lines is 9</a:t>
-            </a:r>
-            <a:endParaRPr lang="en-US"/>
-          </a:p>
-          <a:p>
-            <a:pPr marL="285750" indent="-285750">
-              <a:buFont typeface="Arial" panose="02080604020202020204" pitchFamily="34" charset="0"/>
-              <a:buChar char="•"/>
-            </a:pPr>
-            <a:r>
-              <a:rPr lang="en-US"/>
-              <a:t>total_acc and open_acc is moderately high correlated.</a:t>
-            </a:r>
-            <a:endParaRPr lang="en-US"/>
-          </a:p>
-          <a:p>
-            <a:pPr indent="0">
-              <a:buFont typeface="Arial" panose="02080604020202020204" pitchFamily="34" charset="0"/>
-              <a:buNone/>
-            </a:pPr>
-            <a:endParaRPr lang="en-US"/>
-          </a:p>
-        </p:txBody>
-      </p:sp>
-      <p:pic>
-        <p:nvPicPr>
-          <p:cNvPr id="8" name="Picture 7"/>
-          <p:cNvPicPr>
-            <a:picLocks noChangeAspect="1"/>
-          </p:cNvPicPr>
-          <p:nvPr/>
-        </p:nvPicPr>
-        <p:blipFill>
-          <a:blip r:embed="rId3"/>
-          <a:stretch>
-            <a:fillRect/>
-          </a:stretch>
-        </p:blipFill>
-        <p:spPr>
-          <a:xfrm>
-            <a:off x="5990590" y="1202690"/>
-            <a:ext cx="3762375" cy="2960370"/>
-          </a:xfrm>
-          <a:prstGeom prst="rect">
-            <a:avLst/>
-          </a:prstGeom>
-        </p:spPr>
-      </p:pic>
-    </p:spTree>
-  </p:cSld>
-  <p:clrMapOvr>
-    <a:masterClrMapping/>
-  </p:clrMapOvr>
-</p:sld>
-</file>
-
-<file path=ppt/slides/slide18.xml><?xml version="1.0" encoding="utf-8"?>
-<p:sld xmlns:a="http://schemas.openxmlformats.org/drawingml/2006/main" xmlns:r="http://schemas.openxmlformats.org/officeDocument/2006/relationships" xmlns:p="http://schemas.openxmlformats.org/presentationml/2006/main">
-  <p:cSld>
-    <p:spTree>
-      <p:nvGrpSpPr>
-        <p:cNvPr id="1" name=""/>
-        <p:cNvGrpSpPr/>
-        <p:nvPr/>
-      </p:nvGrpSpPr>
-      <p:grpSpPr/>
-      <p:sp>
-        <p:nvSpPr>
-          <p:cNvPr id="2" name="Title 1"/>
-          <p:cNvSpPr>
-            <a:spLocks noGrp="1"/>
-          </p:cNvSpPr>
-          <p:nvPr>
-            <p:ph type="title"/>
-          </p:nvPr>
-        </p:nvSpPr>
-        <p:spPr/>
-        <p:txBody>
-          <a:bodyPr/>
-          <a:p>
-            <a:r>
-              <a:rPr lang="en-US"/>
-              <a:t>Term and Grade - Loan Status</a:t>
-            </a:r>
-            <a:endParaRPr lang="en-US"/>
-          </a:p>
-        </p:txBody>
-      </p:sp>
-      <p:pic>
-        <p:nvPicPr>
-          <p:cNvPr id="4" name="Content Placeholder 3"/>
-          <p:cNvPicPr>
-            <a:picLocks noChangeAspect="1"/>
-          </p:cNvPicPr>
-          <p:nvPr>
-            <p:ph idx="1"/>
-          </p:nvPr>
-        </p:nvPicPr>
-        <p:blipFill>
-          <a:blip r:embed="rId1"/>
-          <a:stretch>
-            <a:fillRect/>
-          </a:stretch>
-        </p:blipFill>
-        <p:spPr>
-          <a:xfrm>
-            <a:off x="5767070" y="3090545"/>
-            <a:ext cx="5267325" cy="3228975"/>
-          </a:xfrm>
-          <a:prstGeom prst="rect">
-            <a:avLst/>
-          </a:prstGeom>
-        </p:spPr>
-      </p:pic>
-      <p:pic>
-        <p:nvPicPr>
-          <p:cNvPr id="5" name="Picture 4"/>
-          <p:cNvPicPr>
-            <a:picLocks noChangeAspect="1"/>
-          </p:cNvPicPr>
-          <p:nvPr/>
-        </p:nvPicPr>
-        <p:blipFill>
-          <a:blip r:embed="rId2"/>
-          <a:stretch>
-            <a:fillRect/>
-          </a:stretch>
-        </p:blipFill>
-        <p:spPr>
-          <a:xfrm>
-            <a:off x="323850" y="3090545"/>
-            <a:ext cx="5276850" cy="3133725"/>
-          </a:xfrm>
-          <a:prstGeom prst="rect">
-            <a:avLst/>
-          </a:prstGeom>
-        </p:spPr>
-      </p:pic>
-      <p:sp>
-        <p:nvSpPr>
-          <p:cNvPr id="6" name="Text Box 5"/>
-          <p:cNvSpPr txBox="1"/>
-          <p:nvPr/>
-        </p:nvSpPr>
-        <p:spPr>
-          <a:xfrm>
-            <a:off x="450850" y="1004570"/>
-            <a:ext cx="11020425" cy="953135"/>
-          </a:xfrm>
-          <a:prstGeom prst="rect">
-            <a:avLst/>
-          </a:prstGeom>
-          <a:noFill/>
-        </p:spPr>
-        <p:txBody>
-          <a:bodyPr wrap="square" rtlCol="0">
-            <a:spAutoFit/>
-          </a:bodyPr>
-          <a:p>
-            <a:pPr marL="285750" indent="-285750">
-              <a:buFont typeface="Arial" panose="02080604020202020204" pitchFamily="34" charset="0"/>
-              <a:buChar char="•"/>
-            </a:pPr>
-            <a:r>
-              <a:rPr lang="en-US" sz="1400"/>
-              <a:t>Highest number of loans (24%) have 36 months tenure with grade A and have lowest default rate (5.9%). This is very good for company.</a:t>
-            </a:r>
-            <a:endParaRPr lang="en-US" sz="1400"/>
-          </a:p>
-          <a:p>
-            <a:pPr marL="285750" indent="-285750">
-              <a:buFont typeface="Arial" panose="02080604020202020204" pitchFamily="34" charset="0"/>
-              <a:buChar char="•"/>
-            </a:pPr>
-            <a:r>
-              <a:rPr lang="en-US" sz="1400"/>
-              <a:t>The company has only 0.1% of total loans with 36 months tenure and G grade. And these loans have highest risk of 37.5% of default rate. </a:t>
-            </a:r>
-            <a:endParaRPr lang="en-US" sz="1400"/>
-          </a:p>
-        </p:txBody>
-      </p:sp>
-      <p:sp>
-        <p:nvSpPr>
-          <p:cNvPr id="7" name="Rectangles 6"/>
-          <p:cNvSpPr/>
-          <p:nvPr/>
-        </p:nvSpPr>
-        <p:spPr>
-          <a:xfrm>
-            <a:off x="898525" y="3757295"/>
-            <a:ext cx="466725" cy="714375"/>
-          </a:xfrm>
-          <a:prstGeom prst="rect">
-            <a:avLst/>
-          </a:prstGeom>
-          <a:noFill/>
-          <a:ln w="19050" cap="flat" cmpd="sng" algn="ctr">
-            <a:solidFill>
-              <a:srgbClr val="FF0000"/>
-            </a:solidFill>
-            <a:prstDash val="solid"/>
-            <a:round/>
-            <a:headEnd type="none" w="med" len="med"/>
-            <a:tailEnd type="none" w="med" len="med"/>
-          </a:ln>
-          <a:extLst>
-            <a:ext uri="{909E8E84-426E-40DD-AFC4-6F175D3DCCD1}">
-              <a14:hiddenFill xmlns:a14="http://schemas.microsoft.com/office/drawing/2010/main">
-                <a:gradFill rotWithShape="0">
-                  <a:gsLst>
-                    <a:gs pos="0">
-                      <a:schemeClr val="accent1"/>
-                    </a:gs>
-                    <a:gs pos="100000">
-                      <a:schemeClr val="accent2"/>
-                    </a:gs>
-                  </a:gsLst>
-                  <a:lin ang="5400000" scaled="1"/>
-                </a:gradFill>
-              </a14:hiddenFill>
-            </a:ext>
-          </a:extLst>
-        </p:spPr>
-        <p:txBody>
-          <a:bodyPr vert="horz" wrap="none" lIns="91440" tIns="45720" rIns="91440" bIns="45720" numCol="1" anchor="ctr" anchorCtr="0" compatLnSpc="1"/>
-          <a:p>
-            <a:pPr marL="0" marR="0" indent="0" algn="l" defTabSz="914400" rtl="0" eaLnBrk="1" fontAlgn="base" latinLnBrk="0" hangingPunct="1">
-              <a:lnSpc>
-                <a:spcPct val="100000"/>
-              </a:lnSpc>
-              <a:spcBef>
-                <a:spcPct val="0"/>
-              </a:spcBef>
-              <a:spcAft>
-                <a:spcPct val="0"/>
-              </a:spcAft>
-              <a:buClrTx/>
-              <a:buSzTx/>
-              <a:buFontTx/>
-              <a:buNone/>
-            </a:pPr>
-            <a:endParaRPr kumimoji="0" lang="zh-CN" altLang="en-US" sz="1800" b="0" i="0" u="none" strike="noStrike" cap="none" normalizeH="0" baseline="0" smtClean="0">
-              <a:ln>
-                <a:noFill/>
-              </a:ln>
-              <a:solidFill>
-                <a:schemeClr val="tx1"/>
-              </a:solidFill>
-              <a:effectLst/>
-              <a:latin typeface="Arial" panose="02080604020202020204" pitchFamily="34" charset="0"/>
-              <a:ea typeface="SimSun" pitchFamily="2" charset="-122"/>
-            </a:endParaRPr>
-          </a:p>
-        </p:txBody>
-      </p:sp>
-      <p:sp>
-        <p:nvSpPr>
-          <p:cNvPr id="8" name="Rectangles 7"/>
-          <p:cNvSpPr/>
-          <p:nvPr/>
-        </p:nvSpPr>
-        <p:spPr>
-          <a:xfrm>
-            <a:off x="6292850" y="3757295"/>
-            <a:ext cx="466725" cy="714375"/>
-          </a:xfrm>
-          <a:prstGeom prst="rect">
-            <a:avLst/>
-          </a:prstGeom>
-          <a:noFill/>
-          <a:ln w="19050" cap="flat" cmpd="sng" algn="ctr">
-            <a:solidFill>
-              <a:srgbClr val="FF0000"/>
-            </a:solidFill>
-            <a:prstDash val="solid"/>
-            <a:round/>
-            <a:headEnd type="none" w="med" len="med"/>
-            <a:tailEnd type="none" w="med" len="med"/>
-          </a:ln>
-          <a:extLst>
-            <a:ext uri="{909E8E84-426E-40DD-AFC4-6F175D3DCCD1}">
-              <a14:hiddenFill xmlns:a14="http://schemas.microsoft.com/office/drawing/2010/main">
-                <a:gradFill rotWithShape="0">
-                  <a:gsLst>
-                    <a:gs pos="0">
-                      <a:schemeClr val="accent1"/>
-                    </a:gs>
-                    <a:gs pos="100000">
-                      <a:schemeClr val="accent2"/>
-                    </a:gs>
-                  </a:gsLst>
-                  <a:lin ang="5400000" scaled="1"/>
-                </a:gradFill>
-              </a14:hiddenFill>
-            </a:ext>
-          </a:extLst>
-        </p:spPr>
-        <p:txBody>
-          <a:bodyPr vert="horz" wrap="none" lIns="91440" tIns="45720" rIns="91440" bIns="45720" numCol="1" anchor="ctr" anchorCtr="0" compatLnSpc="1"/>
-          <a:p>
-            <a:pPr marL="0" marR="0" indent="0" algn="l" defTabSz="914400" rtl="0" eaLnBrk="1" fontAlgn="base" latinLnBrk="0" hangingPunct="1">
-              <a:lnSpc>
-                <a:spcPct val="100000"/>
-              </a:lnSpc>
-              <a:spcBef>
-                <a:spcPct val="0"/>
-              </a:spcBef>
-              <a:spcAft>
-                <a:spcPct val="0"/>
-              </a:spcAft>
-              <a:buClrTx/>
-              <a:buSzTx/>
-              <a:buFontTx/>
-              <a:buNone/>
-            </a:pPr>
-            <a:endParaRPr kumimoji="0" lang="zh-CN" altLang="en-US" sz="1800" b="0" i="0" u="none" strike="noStrike" cap="none" normalizeH="0" baseline="0" smtClean="0">
-              <a:ln>
-                <a:noFill/>
-              </a:ln>
-              <a:solidFill>
-                <a:schemeClr val="tx1"/>
-              </a:solidFill>
-              <a:effectLst/>
-              <a:latin typeface="Arial" panose="02080604020202020204" pitchFamily="34" charset="0"/>
-              <a:ea typeface="SimSun" pitchFamily="2" charset="-122"/>
-            </a:endParaRPr>
-          </a:p>
-        </p:txBody>
-      </p:sp>
-      <p:sp>
-        <p:nvSpPr>
-          <p:cNvPr id="9" name="Rectangles 8"/>
-          <p:cNvSpPr/>
-          <p:nvPr/>
-        </p:nvSpPr>
-        <p:spPr>
-          <a:xfrm>
-            <a:off x="4921250" y="3757295"/>
-            <a:ext cx="466725" cy="714375"/>
-          </a:xfrm>
-          <a:prstGeom prst="rect">
-            <a:avLst/>
-          </a:prstGeom>
-          <a:noFill/>
-          <a:ln w="19050" cap="flat" cmpd="sng" algn="ctr">
-            <a:solidFill>
-              <a:srgbClr val="00B0F0"/>
-            </a:solidFill>
-            <a:prstDash val="solid"/>
-            <a:round/>
-            <a:headEnd type="none" w="med" len="med"/>
-            <a:tailEnd type="none" w="med" len="med"/>
-          </a:ln>
-          <a:extLst>
-            <a:ext uri="{909E8E84-426E-40DD-AFC4-6F175D3DCCD1}">
-              <a14:hiddenFill xmlns:a14="http://schemas.microsoft.com/office/drawing/2010/main">
-                <a:gradFill rotWithShape="0">
-                  <a:gsLst>
-                    <a:gs pos="0">
-                      <a:schemeClr val="accent1"/>
-                    </a:gs>
-                    <a:gs pos="100000">
-                      <a:schemeClr val="accent2"/>
-                    </a:gs>
-                  </a:gsLst>
-                  <a:lin ang="5400000" scaled="1"/>
-                </a:gradFill>
-              </a14:hiddenFill>
-            </a:ext>
-          </a:extLst>
-        </p:spPr>
-        <p:txBody>
-          <a:bodyPr vert="horz" wrap="none" lIns="91440" tIns="45720" rIns="91440" bIns="45720" numCol="1" anchor="ctr" anchorCtr="0" compatLnSpc="1"/>
-          <a:p>
-            <a:pPr marL="0" marR="0" indent="0" algn="l" defTabSz="914400" rtl="0" eaLnBrk="1" fontAlgn="base" latinLnBrk="0" hangingPunct="1">
-              <a:lnSpc>
-                <a:spcPct val="100000"/>
-              </a:lnSpc>
-              <a:spcBef>
-                <a:spcPct val="0"/>
-              </a:spcBef>
-              <a:spcAft>
-                <a:spcPct val="0"/>
-              </a:spcAft>
-              <a:buClrTx/>
-              <a:buSzTx/>
-              <a:buFontTx/>
-              <a:buNone/>
-            </a:pPr>
-            <a:endParaRPr kumimoji="0" lang="zh-CN" altLang="en-US" sz="1800" b="0" i="0" u="none" strike="noStrike" cap="none" normalizeH="0" baseline="0" smtClean="0">
-              <a:ln>
-                <a:noFill/>
-              </a:ln>
-              <a:solidFill>
-                <a:schemeClr val="tx1"/>
-              </a:solidFill>
-              <a:effectLst/>
-              <a:latin typeface="Arial" panose="02080604020202020204" pitchFamily="34" charset="0"/>
-              <a:ea typeface="SimSun" pitchFamily="2" charset="-122"/>
-            </a:endParaRPr>
-          </a:p>
-        </p:txBody>
-      </p:sp>
-      <p:sp>
-        <p:nvSpPr>
-          <p:cNvPr id="10" name="Rectangles 9"/>
-          <p:cNvSpPr/>
-          <p:nvPr/>
-        </p:nvSpPr>
-        <p:spPr>
-          <a:xfrm>
-            <a:off x="10382250" y="3757295"/>
-            <a:ext cx="466725" cy="714375"/>
-          </a:xfrm>
-          <a:prstGeom prst="rect">
-            <a:avLst/>
-          </a:prstGeom>
-          <a:noFill/>
-          <a:ln w="19050" cap="flat" cmpd="sng" algn="ctr">
-            <a:solidFill>
-              <a:srgbClr val="00B0F0"/>
-            </a:solidFill>
-            <a:prstDash val="solid"/>
-            <a:round/>
-            <a:headEnd type="none" w="med" len="med"/>
-            <a:tailEnd type="none" w="med" len="med"/>
-          </a:ln>
-          <a:extLst>
-            <a:ext uri="{909E8E84-426E-40DD-AFC4-6F175D3DCCD1}">
-              <a14:hiddenFill xmlns:a14="http://schemas.microsoft.com/office/drawing/2010/main">
-                <a:gradFill rotWithShape="0">
-                  <a:gsLst>
-                    <a:gs pos="0">
-                      <a:schemeClr val="accent1"/>
-                    </a:gs>
-                    <a:gs pos="100000">
-                      <a:schemeClr val="accent2"/>
-                    </a:gs>
-                  </a:gsLst>
-                  <a:lin ang="5400000" scaled="1"/>
-                </a:gradFill>
-              </a14:hiddenFill>
-            </a:ext>
-          </a:extLst>
-        </p:spPr>
-        <p:txBody>
-          <a:bodyPr vert="horz" wrap="none" lIns="91440" tIns="45720" rIns="91440" bIns="45720" numCol="1" anchor="ctr" anchorCtr="0" compatLnSpc="1"/>
-          <a:p>
-            <a:pPr marL="0" marR="0" indent="0" algn="l" defTabSz="914400" rtl="0" eaLnBrk="1" fontAlgn="base" latinLnBrk="0" hangingPunct="1">
-              <a:lnSpc>
-                <a:spcPct val="100000"/>
-              </a:lnSpc>
-              <a:spcBef>
-                <a:spcPct val="0"/>
-              </a:spcBef>
-              <a:spcAft>
-                <a:spcPct val="0"/>
-              </a:spcAft>
-              <a:buClrTx/>
-              <a:buSzTx/>
-              <a:buFontTx/>
-              <a:buNone/>
-            </a:pPr>
-            <a:endParaRPr kumimoji="0" lang="zh-CN" altLang="en-US" sz="1800" b="0" i="0" u="none" strike="noStrike" cap="none" normalizeH="0" baseline="0" smtClean="0">
-              <a:ln>
-                <a:noFill/>
-              </a:ln>
-              <a:solidFill>
-                <a:schemeClr val="tx1"/>
-              </a:solidFill>
-              <a:effectLst/>
-              <a:latin typeface="Arial" panose="02080604020202020204" pitchFamily="34" charset="0"/>
-              <a:ea typeface="SimSun" pitchFamily="2" charset="-122"/>
-            </a:endParaRPr>
-          </a:p>
-        </p:txBody>
-      </p:sp>
-    </p:spTree>
-  </p:cSld>
-  <p:clrMapOvr>
-    <a:masterClrMapping/>
-  </p:clrMapOvr>
-</p:sld>
-</file>
-
-<file path=ppt/slides/slide19.xml><?xml version="1.0" encoding="utf-8"?>
-<p:sld xmlns:a="http://schemas.openxmlformats.org/drawingml/2006/main" xmlns:r="http://schemas.openxmlformats.org/officeDocument/2006/relationships" xmlns:p="http://schemas.openxmlformats.org/presentationml/2006/main">
-  <p:cSld>
-    <p:spTree>
-      <p:nvGrpSpPr>
-        <p:cNvPr id="1" name=""/>
-        <p:cNvGrpSpPr/>
-        <p:nvPr/>
-      </p:nvGrpSpPr>
-      <p:grpSpPr/>
-      <p:sp>
-        <p:nvSpPr>
-          <p:cNvPr id="2" name="Title 1"/>
-          <p:cNvSpPr>
-            <a:spLocks noGrp="1"/>
-          </p:cNvSpPr>
-          <p:nvPr>
-            <p:ph type="title"/>
-          </p:nvPr>
-        </p:nvSpPr>
-        <p:spPr/>
-        <p:txBody>
-          <a:bodyPr/>
-          <a:p>
-            <a:r>
-              <a:rPr lang="en-US" sz="2800">
-                <a:sym typeface="+mn-ea"/>
-              </a:rPr>
-              <a:t>Emp_length and Verification Status - Loan Status</a:t>
-            </a:r>
-            <a:endParaRPr lang="en-US" sz="2800"/>
-          </a:p>
-        </p:txBody>
-      </p:sp>
-      <p:pic>
-        <p:nvPicPr>
-          <p:cNvPr id="4" name="Content Placeholder 3"/>
-          <p:cNvPicPr>
-            <a:picLocks noChangeAspect="1"/>
-          </p:cNvPicPr>
-          <p:nvPr>
-            <p:ph idx="1"/>
-          </p:nvPr>
-        </p:nvPicPr>
-        <p:blipFill>
-          <a:blip r:embed="rId1"/>
-          <a:stretch>
-            <a:fillRect/>
-          </a:stretch>
-        </p:blipFill>
-        <p:spPr>
-          <a:xfrm>
-            <a:off x="6276975" y="3155315"/>
-            <a:ext cx="5753100" cy="3219450"/>
-          </a:xfrm>
-          <a:prstGeom prst="rect">
-            <a:avLst/>
-          </a:prstGeom>
-        </p:spPr>
-      </p:pic>
-      <p:pic>
-        <p:nvPicPr>
-          <p:cNvPr id="5" name="Picture 4"/>
-          <p:cNvPicPr>
-            <a:picLocks noChangeAspect="1"/>
-          </p:cNvPicPr>
-          <p:nvPr/>
-        </p:nvPicPr>
-        <p:blipFill>
-          <a:blip r:embed="rId2"/>
-          <a:stretch>
-            <a:fillRect/>
-          </a:stretch>
-        </p:blipFill>
-        <p:spPr>
-          <a:xfrm>
-            <a:off x="304800" y="3155315"/>
-            <a:ext cx="5715000" cy="3219450"/>
-          </a:xfrm>
-          <a:prstGeom prst="rect">
-            <a:avLst/>
-          </a:prstGeom>
-        </p:spPr>
-      </p:pic>
-      <p:sp>
-        <p:nvSpPr>
-          <p:cNvPr id="7" name="Text Box 6"/>
-          <p:cNvSpPr txBox="1"/>
-          <p:nvPr/>
-        </p:nvSpPr>
-        <p:spPr>
-          <a:xfrm>
-            <a:off x="610235" y="956310"/>
-            <a:ext cx="11203305" cy="1168400"/>
-          </a:xfrm>
-          <a:prstGeom prst="rect">
-            <a:avLst/>
-          </a:prstGeom>
-          <a:noFill/>
-        </p:spPr>
-        <p:txBody>
-          <a:bodyPr wrap="square" rtlCol="0" anchor="t">
-            <a:spAutoFit/>
-          </a:bodyPr>
-          <a:p>
-            <a:pPr marL="285750" indent="-285750">
-              <a:buFont typeface="Arial" panose="02080604020202020204" pitchFamily="34" charset="0"/>
-              <a:buChar char="•"/>
-            </a:pPr>
-            <a:endParaRPr lang="en-US" sz="1400">
-              <a:solidFill>
-                <a:schemeClr val="tx1"/>
-              </a:solidFill>
-              <a:sym typeface="+mn-ea"/>
-            </a:endParaRPr>
-          </a:p>
-          <a:p>
-            <a:pPr marL="285750" indent="-285750">
-              <a:buFont typeface="Arial" panose="02080604020202020204" pitchFamily="34" charset="0"/>
-              <a:buChar char="•"/>
-            </a:pPr>
-            <a:r>
-              <a:rPr lang="en-US" sz="1400">
-                <a:solidFill>
-                  <a:schemeClr val="tx1"/>
-                </a:solidFill>
-                <a:sym typeface="+mn-ea"/>
-              </a:rPr>
-              <a:t>Borrowers who have 10+ years of employment years and whose income is verified by lending company are highest 9%. And thier default rate is maximum i.e. 17.2%. </a:t>
-            </a:r>
-            <a:endParaRPr lang="en-US" sz="1400">
-              <a:solidFill>
-                <a:schemeClr val="tx1"/>
-              </a:solidFill>
-              <a:sym typeface="+mn-ea"/>
-            </a:endParaRPr>
-          </a:p>
-          <a:p>
-            <a:pPr marL="285750" indent="-285750">
-              <a:buFont typeface="Arial" panose="02080604020202020204" pitchFamily="34" charset="0"/>
-              <a:buChar char="•"/>
-            </a:pPr>
-            <a:r>
-              <a:rPr lang="en-US" sz="1400">
-                <a:solidFill>
-                  <a:schemeClr val="tx1"/>
-                </a:solidFill>
-                <a:sym typeface="+mn-ea"/>
-              </a:rPr>
-              <a:t>This is not a good situation for the company.</a:t>
-            </a:r>
-            <a:endParaRPr lang="en-US" sz="1400">
-              <a:solidFill>
-                <a:schemeClr val="tx1"/>
-              </a:solidFill>
-              <a:sym typeface="+mn-ea"/>
-            </a:endParaRPr>
-          </a:p>
-          <a:p>
-            <a:pPr marL="285750" indent="-285750">
-              <a:buFont typeface="Arial" panose="02080604020202020204" pitchFamily="34" charset="0"/>
-              <a:buChar char="•"/>
-            </a:pPr>
-            <a:r>
-              <a:rPr lang="en-US" sz="1400">
-                <a:sym typeface="+mn-ea"/>
-              </a:rPr>
-              <a:t>This is the criteria where company should look into it. </a:t>
-            </a:r>
-            <a:endParaRPr lang="en-US" sz="1400">
-              <a:sym typeface="+mn-ea"/>
-            </a:endParaRPr>
-          </a:p>
-        </p:txBody>
-      </p:sp>
-      <p:sp>
-        <p:nvSpPr>
-          <p:cNvPr id="8" name="Rectangles 7"/>
-          <p:cNvSpPr/>
-          <p:nvPr/>
-        </p:nvSpPr>
-        <p:spPr>
-          <a:xfrm>
-            <a:off x="4708525" y="3881120"/>
-            <a:ext cx="685800" cy="228600"/>
-          </a:xfrm>
-          <a:prstGeom prst="rect">
-            <a:avLst/>
-          </a:prstGeom>
-          <a:noFill/>
-          <a:ln w="28575" cap="flat" cmpd="sng" algn="ctr">
-            <a:solidFill>
-              <a:srgbClr val="FF0000"/>
-            </a:solidFill>
-            <a:prstDash val="solid"/>
-            <a:round/>
-            <a:headEnd type="none" w="med" len="med"/>
-            <a:tailEnd type="none" w="med" len="med"/>
-          </a:ln>
-          <a:extLst>
-            <a:ext uri="{909E8E84-426E-40DD-AFC4-6F175D3DCCD1}">
-              <a14:hiddenFill xmlns:a14="http://schemas.microsoft.com/office/drawing/2010/main">
-                <a:gradFill rotWithShape="0">
-                  <a:gsLst>
-                    <a:gs pos="0">
-                      <a:schemeClr val="accent1"/>
-                    </a:gs>
-                    <a:gs pos="100000">
-                      <a:schemeClr val="accent2"/>
-                    </a:gs>
-                  </a:gsLst>
-                  <a:lin ang="5400000" scaled="1"/>
-                </a:gradFill>
-              </a14:hiddenFill>
-            </a:ext>
-          </a:extLst>
-        </p:spPr>
-        <p:txBody>
-          <a:bodyPr vert="horz" wrap="none" lIns="91440" tIns="45720" rIns="91440" bIns="45720" numCol="1" anchor="ctr" anchorCtr="0" compatLnSpc="1"/>
-          <a:p>
-            <a:pPr marL="0" marR="0" indent="0" algn="l" defTabSz="914400" rtl="0" eaLnBrk="1" fontAlgn="base" latinLnBrk="0" hangingPunct="1">
-              <a:lnSpc>
-                <a:spcPct val="100000"/>
-              </a:lnSpc>
-              <a:spcBef>
-                <a:spcPct val="0"/>
-              </a:spcBef>
-              <a:spcAft>
-                <a:spcPct val="0"/>
-              </a:spcAft>
-              <a:buClrTx/>
-              <a:buSzTx/>
-              <a:buFontTx/>
-              <a:buNone/>
-            </a:pPr>
-            <a:endParaRPr kumimoji="0" lang="zh-CN" altLang="en-US" sz="1800" b="0" i="0" u="none" strike="noStrike" cap="none" normalizeH="0" baseline="0" smtClean="0">
-              <a:ln>
-                <a:noFill/>
-              </a:ln>
-              <a:solidFill>
-                <a:schemeClr val="tx1"/>
-              </a:solidFill>
-              <a:effectLst/>
-              <a:latin typeface="Arial" panose="02080604020202020204" pitchFamily="34" charset="0"/>
-              <a:ea typeface="SimSun" pitchFamily="2" charset="-122"/>
-            </a:endParaRPr>
-          </a:p>
-        </p:txBody>
-      </p:sp>
-      <p:sp>
-        <p:nvSpPr>
-          <p:cNvPr id="9" name="Rectangles 8"/>
-          <p:cNvSpPr/>
-          <p:nvPr/>
-        </p:nvSpPr>
-        <p:spPr>
-          <a:xfrm>
-            <a:off x="10741025" y="3881120"/>
-            <a:ext cx="685800" cy="228600"/>
-          </a:xfrm>
-          <a:prstGeom prst="rect">
-            <a:avLst/>
-          </a:prstGeom>
-          <a:noFill/>
-          <a:ln w="28575" cap="flat" cmpd="sng" algn="ctr">
-            <a:solidFill>
-              <a:srgbClr val="FF0000"/>
-            </a:solidFill>
-            <a:prstDash val="solid"/>
-            <a:round/>
-            <a:headEnd type="none" w="med" len="med"/>
-            <a:tailEnd type="none" w="med" len="med"/>
-          </a:ln>
-          <a:extLst>
-            <a:ext uri="{909E8E84-426E-40DD-AFC4-6F175D3DCCD1}">
-              <a14:hiddenFill xmlns:a14="http://schemas.microsoft.com/office/drawing/2010/main">
-                <a:gradFill rotWithShape="0">
-                  <a:gsLst>
-                    <a:gs pos="0">
-                      <a:schemeClr val="accent1"/>
-                    </a:gs>
-                    <a:gs pos="100000">
-                      <a:schemeClr val="accent2"/>
-                    </a:gs>
-                  </a:gsLst>
-                  <a:lin ang="5400000" scaled="1"/>
-                </a:gradFill>
-              </a14:hiddenFill>
-            </a:ext>
-          </a:extLst>
-        </p:spPr>
-        <p:txBody>
-          <a:bodyPr vert="horz" wrap="none" lIns="91440" tIns="45720" rIns="91440" bIns="45720" numCol="1" anchor="ctr" anchorCtr="0" compatLnSpc="1"/>
-          <a:p>
-            <a:pPr marL="0" marR="0" indent="0" algn="l" defTabSz="914400" rtl="0" eaLnBrk="1" fontAlgn="base" latinLnBrk="0" hangingPunct="1">
-              <a:lnSpc>
-                <a:spcPct val="100000"/>
-              </a:lnSpc>
-              <a:spcBef>
-                <a:spcPct val="0"/>
-              </a:spcBef>
-              <a:spcAft>
-                <a:spcPct val="0"/>
-              </a:spcAft>
-              <a:buClrTx/>
-              <a:buSzTx/>
-              <a:buFontTx/>
-              <a:buNone/>
-            </a:pPr>
-            <a:endParaRPr kumimoji="0" lang="zh-CN" altLang="en-US" sz="1800" b="0" i="0" u="none" strike="noStrike" cap="none" normalizeH="0" baseline="0" smtClean="0">
-              <a:ln>
-                <a:noFill/>
-              </a:ln>
-              <a:solidFill>
-                <a:schemeClr val="tx1"/>
-              </a:solidFill>
-              <a:effectLst/>
-              <a:latin typeface="Arial" panose="02080604020202020204" pitchFamily="34" charset="0"/>
-              <a:ea typeface="SimSun" pitchFamily="2" charset="-122"/>
-            </a:endParaRPr>
-          </a:p>
-        </p:txBody>
-      </p:sp>
-    </p:spTree>
-  </p:cSld>
-  <p:clrMapOvr>
-    <a:masterClrMapping/>
-  </p:clrMapOvr>
-</p:sld>
-</file>
-
-<file path=ppt/slides/slide2.xml><?xml version="1.0" encoding="utf-8"?>
-<p:sld xmlns:a="http://schemas.openxmlformats.org/drawingml/2006/main" xmlns:r="http://schemas.openxmlformats.org/officeDocument/2006/relationships" xmlns:p="http://schemas.openxmlformats.org/presentationml/2006/main">
-  <p:cSld>
-    <p:spTree>
-      <p:nvGrpSpPr>
-        <p:cNvPr id="1" name=""/>
-        <p:cNvGrpSpPr/>
-        <p:nvPr/>
-      </p:nvGrpSpPr>
-      <p:grpSpPr/>
-      <p:sp>
-        <p:nvSpPr>
-          <p:cNvPr id="2" name="Title 1"/>
-          <p:cNvSpPr>
-            <a:spLocks noGrp="1"/>
-          </p:cNvSpPr>
-          <p:nvPr>
-            <p:ph type="title"/>
-          </p:nvPr>
-        </p:nvSpPr>
-        <p:spPr/>
-        <p:txBody>
-          <a:bodyPr/>
-          <a:p>
-            <a:r>
-              <a:rPr lang="en-US"/>
-              <a:t>Business Objective</a:t>
-            </a:r>
-            <a:endParaRPr lang="en-US"/>
-          </a:p>
-        </p:txBody>
-      </p:sp>
-      <p:sp>
-        <p:nvSpPr>
-          <p:cNvPr id="3" name="Content Placeholder 2"/>
-          <p:cNvSpPr>
-            <a:spLocks noGrp="1"/>
-          </p:cNvSpPr>
-          <p:nvPr>
-            <p:ph idx="1"/>
-          </p:nvPr>
-        </p:nvSpPr>
-        <p:spPr/>
-        <p:txBody>
-          <a:bodyPr/>
-          <a:p>
-            <a:r>
-              <a:rPr lang="en-US" sz="2000"/>
-              <a:t>The company wants to understand the driving factors behind loan default</a:t>
-            </a:r>
-            <a:endParaRPr lang="en-US" sz="2000"/>
-          </a:p>
-          <a:p>
-            <a:r>
-              <a:rPr lang="en-US" sz="2000"/>
-              <a:t>The variables which are strong indicators of default. </a:t>
-            </a:r>
-            <a:endParaRPr lang="en-US" sz="2000"/>
-          </a:p>
-          <a:p>
-            <a:r>
-              <a:rPr lang="en-US" sz="2000"/>
-              <a:t>The company can utilise this knowledge for its portfolio and risk assessment.</a:t>
-            </a:r>
-            <a:endParaRPr lang="en-US" sz="2000"/>
           </a:p>
         </p:txBody>
       </p:sp>
@@ -7783,57 +6011,58 @@
         </p:blipFill>
         <p:spPr>
           <a:xfrm>
-            <a:off x="950595" y="3295650"/>
-            <a:ext cx="2621280" cy="2533650"/>
+            <a:off x="7024370" y="1102995"/>
+            <a:ext cx="3610610" cy="2751455"/>
           </a:xfrm>
           <a:prstGeom prst="rect">
             <a:avLst/>
           </a:prstGeom>
         </p:spPr>
       </p:pic>
-    </p:spTree>
-  </p:cSld>
-  <p:clrMapOvr>
-    <a:masterClrMapping/>
-  </p:clrMapOvr>
-</p:sld>
-</file>
-
-<file path=ppt/slides/slide20.xml><?xml version="1.0" encoding="utf-8"?>
-<p:sld xmlns:a="http://schemas.openxmlformats.org/drawingml/2006/main" xmlns:r="http://schemas.openxmlformats.org/officeDocument/2006/relationships" xmlns:p="http://schemas.openxmlformats.org/presentationml/2006/main">
-  <p:cSld>
-    <p:spTree>
-      <p:nvGrpSpPr>
-        <p:cNvPr id="1" name=""/>
-        <p:cNvGrpSpPr/>
-        <p:nvPr/>
-      </p:nvGrpSpPr>
-      <p:grpSpPr/>
-      <p:sp>
-        <p:nvSpPr>
-          <p:cNvPr id="2" name="Title 1"/>
-          <p:cNvSpPr>
-            <a:spLocks noGrp="1"/>
-          </p:cNvSpPr>
-          <p:nvPr>
-            <p:ph type="title"/>
-          </p:nvPr>
-        </p:nvSpPr>
-        <p:spPr/>
-        <p:txBody>
-          <a:bodyPr/>
-          <a:p>
-            <a:r>
-              <a:rPr lang="en-US"/>
-              <a:t>Home_ownership &amp; Purpose - Loan Status</a:t>
-            </a:r>
-            <a:endParaRPr lang="en-US"/>
+      <p:sp>
+        <p:nvSpPr>
+          <p:cNvPr id="6" name="Text Box 5"/>
+          <p:cNvSpPr txBox="1"/>
+          <p:nvPr/>
+        </p:nvSpPr>
+        <p:spPr>
+          <a:xfrm>
+            <a:off x="704850" y="4171950"/>
+            <a:ext cx="4410710" cy="737235"/>
+          </a:xfrm>
+          <a:prstGeom prst="rect">
+            <a:avLst/>
+          </a:prstGeom>
+          <a:noFill/>
+        </p:spPr>
+        <p:txBody>
+          <a:bodyPr wrap="square" rtlCol="0">
+            <a:spAutoFit/>
+          </a:bodyPr>
+          <a:p>
+            <a:pPr marL="171450" indent="-171450">
+              <a:buFont typeface="Arial" panose="02080604020202020204" pitchFamily="34" charset="0"/>
+              <a:buChar char="•"/>
+            </a:pPr>
+            <a:r>
+              <a:rPr lang="en-US" sz="1400">
+                <a:sym typeface="+mn-ea"/>
+              </a:rPr>
+              <a:t>Funded amount by the company is always less than or equal to loan amount </a:t>
+            </a:r>
+            <a:r>
+              <a:rPr lang="en-US" sz="1400">
+                <a:sym typeface="+mn-ea"/>
+              </a:rPr>
+              <a:t>applied by borrower.</a:t>
+            </a:r>
+            <a:endParaRPr lang="en-US" sz="1400"/>
           </a:p>
         </p:txBody>
       </p:sp>
       <p:pic>
         <p:nvPicPr>
-          <p:cNvPr id="4" name="Content Placeholder 3"/>
+          <p:cNvPr id="10" name="Content Placeholder 9"/>
           <p:cNvPicPr>
             <a:picLocks noChangeAspect="1"/>
           </p:cNvPicPr>
@@ -7842,642 +6071,7 @@
           </p:nvPr>
         </p:nvPicPr>
         <p:blipFill>
-          <a:blip r:embed="rId1"/>
-          <a:stretch>
-            <a:fillRect/>
-          </a:stretch>
-        </p:blipFill>
-        <p:spPr>
-          <a:xfrm>
-            <a:off x="266065" y="3241040"/>
-            <a:ext cx="5372100" cy="3486150"/>
-          </a:xfrm>
-          <a:prstGeom prst="rect">
-            <a:avLst/>
-          </a:prstGeom>
-        </p:spPr>
-      </p:pic>
-      <p:pic>
-        <p:nvPicPr>
-          <p:cNvPr id="5" name="Picture 4"/>
-          <p:cNvPicPr>
-            <a:picLocks noChangeAspect="1"/>
-          </p:cNvPicPr>
-          <p:nvPr/>
-        </p:nvPicPr>
-        <p:blipFill>
-          <a:blip r:embed="rId2"/>
-          <a:stretch>
-            <a:fillRect/>
-          </a:stretch>
-        </p:blipFill>
-        <p:spPr>
-          <a:xfrm>
-            <a:off x="6115050" y="3241040"/>
-            <a:ext cx="5372100" cy="3486150"/>
-          </a:xfrm>
-          <a:prstGeom prst="rect">
-            <a:avLst/>
-          </a:prstGeom>
-        </p:spPr>
-      </p:pic>
-      <p:sp>
-        <p:nvSpPr>
-          <p:cNvPr id="6" name="Text Box 5"/>
-          <p:cNvSpPr txBox="1"/>
-          <p:nvPr/>
-        </p:nvSpPr>
-        <p:spPr>
-          <a:xfrm>
-            <a:off x="574675" y="1280795"/>
-            <a:ext cx="10858500" cy="737235"/>
-          </a:xfrm>
-          <a:prstGeom prst="rect">
-            <a:avLst/>
-          </a:prstGeom>
-          <a:noFill/>
-        </p:spPr>
-        <p:txBody>
-          <a:bodyPr wrap="square" rtlCol="0">
-            <a:spAutoFit/>
-          </a:bodyPr>
-          <a:p>
-            <a:pPr marL="285750" indent="-285750">
-              <a:buFont typeface="Arial" panose="02080604020202020204" pitchFamily="34" charset="0"/>
-              <a:buChar char="•"/>
-            </a:pPr>
-            <a:r>
-              <a:rPr lang="en-US" sz="1400"/>
-              <a:t>High chunk of loans (23.9% + 19.6% = </a:t>
-            </a:r>
-            <a:r>
-              <a:rPr lang="en-US" sz="1400" b="1"/>
-              <a:t>43.5%</a:t>
-            </a:r>
-            <a:r>
-              <a:rPr lang="en-US" sz="1400"/>
-              <a:t>) are taken for debt_consolidation purpose and the borrowers of these loans stays in rented house or Mortgaged thier house.</a:t>
-            </a:r>
-            <a:endParaRPr lang="en-US" sz="1400"/>
-          </a:p>
-          <a:p>
-            <a:pPr marL="285750" indent="-285750">
-              <a:buFont typeface="Arial" panose="02080604020202020204" pitchFamily="34" charset="0"/>
-              <a:buChar char="•"/>
-            </a:pPr>
-            <a:r>
-              <a:rPr lang="en-US" sz="1400"/>
-              <a:t>And there is almost 15% chance of loan getting defaulted which is high and serious.</a:t>
-            </a:r>
-            <a:endParaRPr lang="en-US" sz="1400"/>
-          </a:p>
-        </p:txBody>
-      </p:sp>
-      <p:sp>
-        <p:nvSpPr>
-          <p:cNvPr id="7" name="Rectangles 6"/>
-          <p:cNvSpPr/>
-          <p:nvPr/>
-        </p:nvSpPr>
-        <p:spPr>
-          <a:xfrm>
-            <a:off x="1374775" y="3814445"/>
-            <a:ext cx="285750" cy="266700"/>
-          </a:xfrm>
-          <a:prstGeom prst="rect">
-            <a:avLst/>
-          </a:prstGeom>
-          <a:noFill/>
-          <a:ln w="19050" cap="flat" cmpd="sng" algn="ctr">
-            <a:solidFill>
-              <a:srgbClr val="FF0000"/>
-            </a:solidFill>
-            <a:prstDash val="solid"/>
-            <a:round/>
-            <a:headEnd type="none" w="med" len="med"/>
-            <a:tailEnd type="none" w="med" len="med"/>
-          </a:ln>
-          <a:extLst>
-            <a:ext uri="{909E8E84-426E-40DD-AFC4-6F175D3DCCD1}">
-              <a14:hiddenFill xmlns:a14="http://schemas.microsoft.com/office/drawing/2010/main">
-                <a:gradFill rotWithShape="0">
-                  <a:gsLst>
-                    <a:gs pos="0">
-                      <a:schemeClr val="accent1"/>
-                    </a:gs>
-                    <a:gs pos="100000">
-                      <a:schemeClr val="accent2"/>
-                    </a:gs>
-                  </a:gsLst>
-                  <a:lin ang="5400000" scaled="1"/>
-                </a:gradFill>
-              </a14:hiddenFill>
-            </a:ext>
-          </a:extLst>
-        </p:spPr>
-        <p:txBody>
-          <a:bodyPr vert="horz" wrap="none" lIns="91440" tIns="45720" rIns="91440" bIns="45720" numCol="1" anchor="ctr" anchorCtr="0" compatLnSpc="1"/>
-          <a:p>
-            <a:pPr marL="0" marR="0" indent="0" algn="l" defTabSz="914400" rtl="0" eaLnBrk="1" fontAlgn="base" latinLnBrk="0" hangingPunct="1">
-              <a:lnSpc>
-                <a:spcPct val="100000"/>
-              </a:lnSpc>
-              <a:spcBef>
-                <a:spcPct val="0"/>
-              </a:spcBef>
-              <a:spcAft>
-                <a:spcPct val="0"/>
-              </a:spcAft>
-              <a:buClrTx/>
-              <a:buSzTx/>
-              <a:buFontTx/>
-              <a:buNone/>
-            </a:pPr>
-            <a:endParaRPr kumimoji="0" lang="zh-CN" altLang="en-US" sz="1800" b="0" i="0" u="none" strike="noStrike" cap="none" normalizeH="0" baseline="0" smtClean="0">
-              <a:ln>
-                <a:noFill/>
-              </a:ln>
-              <a:solidFill>
-                <a:schemeClr val="tx1"/>
-              </a:solidFill>
-              <a:effectLst/>
-              <a:latin typeface="Arial" panose="02080604020202020204" pitchFamily="34" charset="0"/>
-              <a:ea typeface="SimSun" pitchFamily="2" charset="-122"/>
-            </a:endParaRPr>
-          </a:p>
-        </p:txBody>
-      </p:sp>
-      <p:sp>
-        <p:nvSpPr>
-          <p:cNvPr id="8" name="Rectangles 7"/>
-          <p:cNvSpPr/>
-          <p:nvPr/>
-        </p:nvSpPr>
-        <p:spPr>
-          <a:xfrm>
-            <a:off x="1374775" y="5303520"/>
-            <a:ext cx="285750" cy="266700"/>
-          </a:xfrm>
-          <a:prstGeom prst="rect">
-            <a:avLst/>
-          </a:prstGeom>
-          <a:noFill/>
-          <a:ln w="19050" cap="flat" cmpd="sng" algn="ctr">
-            <a:solidFill>
-              <a:srgbClr val="FF0000"/>
-            </a:solidFill>
-            <a:prstDash val="solid"/>
-            <a:round/>
-            <a:headEnd type="none" w="med" len="med"/>
-            <a:tailEnd type="none" w="med" len="med"/>
-          </a:ln>
-          <a:extLst>
-            <a:ext uri="{909E8E84-426E-40DD-AFC4-6F175D3DCCD1}">
-              <a14:hiddenFill xmlns:a14="http://schemas.microsoft.com/office/drawing/2010/main">
-                <a:gradFill rotWithShape="0">
-                  <a:gsLst>
-                    <a:gs pos="0">
-                      <a:schemeClr val="accent1"/>
-                    </a:gs>
-                    <a:gs pos="100000">
-                      <a:schemeClr val="accent2"/>
-                    </a:gs>
-                  </a:gsLst>
-                  <a:lin ang="5400000" scaled="1"/>
-                </a:gradFill>
-              </a14:hiddenFill>
-            </a:ext>
-          </a:extLst>
-        </p:spPr>
-        <p:txBody>
-          <a:bodyPr vert="horz" wrap="none" lIns="91440" tIns="45720" rIns="91440" bIns="45720" numCol="1" anchor="ctr" anchorCtr="0" compatLnSpc="1"/>
-          <a:p>
-            <a:pPr marL="0" marR="0" indent="0" algn="l" defTabSz="914400" rtl="0" eaLnBrk="1" fontAlgn="base" latinLnBrk="0" hangingPunct="1">
-              <a:lnSpc>
-                <a:spcPct val="100000"/>
-              </a:lnSpc>
-              <a:spcBef>
-                <a:spcPct val="0"/>
-              </a:spcBef>
-              <a:spcAft>
-                <a:spcPct val="0"/>
-              </a:spcAft>
-              <a:buClrTx/>
-              <a:buSzTx/>
-              <a:buFontTx/>
-              <a:buNone/>
-            </a:pPr>
-            <a:endParaRPr kumimoji="0" lang="zh-CN" altLang="en-US" sz="1800" b="0" i="0" u="none" strike="noStrike" cap="none" normalizeH="0" baseline="0" smtClean="0">
-              <a:ln>
-                <a:noFill/>
-              </a:ln>
-              <a:solidFill>
-                <a:schemeClr val="tx1"/>
-              </a:solidFill>
-              <a:effectLst/>
-              <a:latin typeface="Arial" panose="02080604020202020204" pitchFamily="34" charset="0"/>
-              <a:ea typeface="SimSun" pitchFamily="2" charset="-122"/>
-            </a:endParaRPr>
-          </a:p>
-        </p:txBody>
-      </p:sp>
-      <p:sp>
-        <p:nvSpPr>
-          <p:cNvPr id="9" name="Rectangles 8"/>
-          <p:cNvSpPr/>
-          <p:nvPr/>
-        </p:nvSpPr>
-        <p:spPr>
-          <a:xfrm>
-            <a:off x="7283450" y="3814445"/>
-            <a:ext cx="285750" cy="266700"/>
-          </a:xfrm>
-          <a:prstGeom prst="rect">
-            <a:avLst/>
-          </a:prstGeom>
-          <a:noFill/>
-          <a:ln w="19050" cap="flat" cmpd="sng" algn="ctr">
-            <a:solidFill>
-              <a:srgbClr val="FF0000"/>
-            </a:solidFill>
-            <a:prstDash val="solid"/>
-            <a:round/>
-            <a:headEnd type="none" w="med" len="med"/>
-            <a:tailEnd type="none" w="med" len="med"/>
-          </a:ln>
-          <a:extLst>
-            <a:ext uri="{909E8E84-426E-40DD-AFC4-6F175D3DCCD1}">
-              <a14:hiddenFill xmlns:a14="http://schemas.microsoft.com/office/drawing/2010/main">
-                <a:gradFill rotWithShape="0">
-                  <a:gsLst>
-                    <a:gs pos="0">
-                      <a:schemeClr val="accent1"/>
-                    </a:gs>
-                    <a:gs pos="100000">
-                      <a:schemeClr val="accent2"/>
-                    </a:gs>
-                  </a:gsLst>
-                  <a:lin ang="5400000" scaled="1"/>
-                </a:gradFill>
-              </a14:hiddenFill>
-            </a:ext>
-          </a:extLst>
-        </p:spPr>
-        <p:txBody>
-          <a:bodyPr vert="horz" wrap="none" lIns="91440" tIns="45720" rIns="91440" bIns="45720" numCol="1" anchor="ctr" anchorCtr="0" compatLnSpc="1"/>
-          <a:p>
-            <a:pPr marL="0" marR="0" indent="0" algn="l" defTabSz="914400" rtl="0" eaLnBrk="1" fontAlgn="base" latinLnBrk="0" hangingPunct="1">
-              <a:lnSpc>
-                <a:spcPct val="100000"/>
-              </a:lnSpc>
-              <a:spcBef>
-                <a:spcPct val="0"/>
-              </a:spcBef>
-              <a:spcAft>
-                <a:spcPct val="0"/>
-              </a:spcAft>
-              <a:buClrTx/>
-              <a:buSzTx/>
-              <a:buFontTx/>
-              <a:buNone/>
-            </a:pPr>
-            <a:endParaRPr kumimoji="0" lang="zh-CN" altLang="en-US" sz="1800" b="0" i="0" u="none" strike="noStrike" cap="none" normalizeH="0" baseline="0" smtClean="0">
-              <a:ln>
-                <a:noFill/>
-              </a:ln>
-              <a:solidFill>
-                <a:schemeClr val="tx1"/>
-              </a:solidFill>
-              <a:effectLst/>
-              <a:latin typeface="Arial" panose="02080604020202020204" pitchFamily="34" charset="0"/>
-              <a:ea typeface="SimSun" pitchFamily="2" charset="-122"/>
-            </a:endParaRPr>
-          </a:p>
-        </p:txBody>
-      </p:sp>
-      <p:sp>
-        <p:nvSpPr>
-          <p:cNvPr id="10" name="Rectangles 9"/>
-          <p:cNvSpPr/>
-          <p:nvPr/>
-        </p:nvSpPr>
-        <p:spPr>
-          <a:xfrm>
-            <a:off x="7283450" y="5303520"/>
-            <a:ext cx="285750" cy="266700"/>
-          </a:xfrm>
-          <a:prstGeom prst="rect">
-            <a:avLst/>
-          </a:prstGeom>
-          <a:noFill/>
-          <a:ln w="19050" cap="flat" cmpd="sng" algn="ctr">
-            <a:solidFill>
-              <a:srgbClr val="FF0000"/>
-            </a:solidFill>
-            <a:prstDash val="solid"/>
-            <a:round/>
-            <a:headEnd type="none" w="med" len="med"/>
-            <a:tailEnd type="none" w="med" len="med"/>
-          </a:ln>
-          <a:extLst>
-            <a:ext uri="{909E8E84-426E-40DD-AFC4-6F175D3DCCD1}">
-              <a14:hiddenFill xmlns:a14="http://schemas.microsoft.com/office/drawing/2010/main">
-                <a:gradFill rotWithShape="0">
-                  <a:gsLst>
-                    <a:gs pos="0">
-                      <a:schemeClr val="accent1"/>
-                    </a:gs>
-                    <a:gs pos="100000">
-                      <a:schemeClr val="accent2"/>
-                    </a:gs>
-                  </a:gsLst>
-                  <a:lin ang="5400000" scaled="1"/>
-                </a:gradFill>
-              </a14:hiddenFill>
-            </a:ext>
-          </a:extLst>
-        </p:spPr>
-        <p:txBody>
-          <a:bodyPr vert="horz" wrap="none" lIns="91440" tIns="45720" rIns="91440" bIns="45720" numCol="1" anchor="ctr" anchorCtr="0" compatLnSpc="1"/>
-          <a:p>
-            <a:pPr marL="0" marR="0" indent="0" algn="l" defTabSz="914400" rtl="0" eaLnBrk="1" fontAlgn="base" latinLnBrk="0" hangingPunct="1">
-              <a:lnSpc>
-                <a:spcPct val="100000"/>
-              </a:lnSpc>
-              <a:spcBef>
-                <a:spcPct val="0"/>
-              </a:spcBef>
-              <a:spcAft>
-                <a:spcPct val="0"/>
-              </a:spcAft>
-              <a:buClrTx/>
-              <a:buSzTx/>
-              <a:buFontTx/>
-              <a:buNone/>
-            </a:pPr>
-            <a:endParaRPr kumimoji="0" lang="zh-CN" altLang="en-US" sz="1800" b="0" i="0" u="none" strike="noStrike" cap="none" normalizeH="0" baseline="0" smtClean="0">
-              <a:ln>
-                <a:noFill/>
-              </a:ln>
-              <a:solidFill>
-                <a:schemeClr val="tx1"/>
-              </a:solidFill>
-              <a:effectLst/>
-              <a:latin typeface="Arial" panose="02080604020202020204" pitchFamily="34" charset="0"/>
-              <a:ea typeface="SimSun" pitchFamily="2" charset="-122"/>
-            </a:endParaRPr>
-          </a:p>
-        </p:txBody>
-      </p:sp>
-    </p:spTree>
-  </p:cSld>
-  <p:clrMapOvr>
-    <a:masterClrMapping/>
-  </p:clrMapOvr>
-</p:sld>
-</file>
-
-<file path=ppt/slides/slide21.xml><?xml version="1.0" encoding="utf-8"?>
-<p:sld xmlns:a="http://schemas.openxmlformats.org/drawingml/2006/main" xmlns:r="http://schemas.openxmlformats.org/officeDocument/2006/relationships" xmlns:p="http://schemas.openxmlformats.org/presentationml/2006/main">
-  <p:cSld>
-    <p:spTree>
-      <p:nvGrpSpPr>
-        <p:cNvPr id="1" name=""/>
-        <p:cNvGrpSpPr/>
-        <p:nvPr/>
-      </p:nvGrpSpPr>
-      <p:grpSpPr/>
-      <p:sp>
-        <p:nvSpPr>
-          <p:cNvPr id="2" name="Title 1"/>
-          <p:cNvSpPr>
-            <a:spLocks noGrp="1"/>
-          </p:cNvSpPr>
-          <p:nvPr>
-            <p:ph type="title"/>
-          </p:nvPr>
-        </p:nvSpPr>
-        <p:spPr/>
-        <p:txBody>
-          <a:bodyPr/>
-          <a:p>
-            <a:r>
-              <a:rPr lang="en-US"/>
-              <a:t>Conclusion</a:t>
-            </a:r>
-            <a:endParaRPr lang="en-US"/>
-          </a:p>
-        </p:txBody>
-      </p:sp>
-      <p:sp>
-        <p:nvSpPr>
-          <p:cNvPr id="3" name="Content Placeholder 2"/>
-          <p:cNvSpPr>
-            <a:spLocks noGrp="1"/>
-          </p:cNvSpPr>
-          <p:nvPr>
-            <p:ph idx="1"/>
-          </p:nvPr>
-        </p:nvSpPr>
-        <p:spPr/>
-        <p:txBody>
-          <a:bodyPr/>
-          <a:p>
-            <a:pPr marL="0" indent="0">
-              <a:buNone/>
-            </a:pPr>
-            <a:r>
-              <a:rPr lang="en-US" sz="1400"/>
-              <a:t>On an average 14% of the loans gets defaulted.</a:t>
-            </a:r>
-            <a:endParaRPr lang="en-US" sz="1400"/>
-          </a:p>
-          <a:p>
-            <a:pPr marL="0" indent="0">
-              <a:buNone/>
-            </a:pPr>
-            <a:endParaRPr lang="en-US" sz="1400" b="1"/>
-          </a:p>
-          <a:p>
-            <a:pPr marL="0" indent="0">
-              <a:buNone/>
-            </a:pPr>
-            <a:r>
-              <a:rPr lang="en-US" sz="1400" b="1"/>
-              <a:t>Driving Factors</a:t>
-            </a:r>
-            <a:r>
-              <a:rPr lang="en-US" sz="1400"/>
-              <a:t> for </a:t>
-            </a:r>
-            <a:r>
-              <a:rPr lang="en-US" sz="1400" b="1"/>
-              <a:t>Loan Default are:</a:t>
-            </a:r>
-            <a:endParaRPr lang="en-US" sz="1400" b="1"/>
-          </a:p>
-          <a:p>
-            <a:r>
-              <a:rPr lang="en-US" sz="1400" b="1"/>
-              <a:t>High Interest Rate - </a:t>
-            </a:r>
-            <a:endParaRPr lang="en-US" sz="1400" b="1"/>
-          </a:p>
-          <a:p>
-            <a:r>
-              <a:rPr lang="en-US" sz="1400" b="1"/>
-              <a:t>Lengthy tenure Loans - </a:t>
-            </a:r>
-            <a:r>
-              <a:rPr lang="en-US" sz="1400"/>
-              <a:t>Chances of getting dafaulted is double (22%) that of less tenure loans (11%). </a:t>
-            </a:r>
-            <a:endParaRPr lang="en-US" sz="1400" b="1"/>
-          </a:p>
-          <a:p>
-            <a:r>
-              <a:rPr lang="en-US" sz="1400" b="1"/>
-              <a:t>Upper Grade Loans - </a:t>
-            </a:r>
-            <a:endParaRPr lang="en-US" sz="1400" b="1"/>
-          </a:p>
-          <a:p>
-            <a:endParaRPr lang="en-US" sz="1400" b="1"/>
-          </a:p>
-          <a:p>
-            <a:endParaRPr lang="en-US" sz="1400" b="1"/>
-          </a:p>
-        </p:txBody>
-      </p:sp>
-    </p:spTree>
-  </p:cSld>
-  <p:clrMapOvr>
-    <a:masterClrMapping/>
-  </p:clrMapOvr>
-</p:sld>
-</file>
-
-<file path=ppt/slides/slide3.xml><?xml version="1.0" encoding="utf-8"?>
-<p:sld xmlns:a="http://schemas.openxmlformats.org/drawingml/2006/main" xmlns:r="http://schemas.openxmlformats.org/officeDocument/2006/relationships" xmlns:p="http://schemas.openxmlformats.org/presentationml/2006/main">
-  <p:cSld>
-    <p:spTree>
-      <p:nvGrpSpPr>
-        <p:cNvPr id="1" name=""/>
-        <p:cNvGrpSpPr/>
-        <p:nvPr/>
-      </p:nvGrpSpPr>
-      <p:grpSpPr/>
-      <p:sp>
-        <p:nvSpPr>
-          <p:cNvPr id="2" name="Title 1"/>
-          <p:cNvSpPr>
-            <a:spLocks noGrp="1"/>
-          </p:cNvSpPr>
-          <p:nvPr>
-            <p:ph type="title"/>
-          </p:nvPr>
-        </p:nvSpPr>
-        <p:spPr/>
-        <p:txBody>
-          <a:bodyPr/>
-          <a:p>
-            <a:r>
-              <a:rPr lang="en-US"/>
-              <a:t>Abstract</a:t>
-            </a:r>
-            <a:endParaRPr lang="en-US"/>
-          </a:p>
-        </p:txBody>
-      </p:sp>
-      <p:sp>
-        <p:nvSpPr>
-          <p:cNvPr id="3" name="Content Placeholder 2"/>
-          <p:cNvSpPr>
-            <a:spLocks noGrp="1"/>
-          </p:cNvSpPr>
-          <p:nvPr>
-            <p:ph idx="1"/>
-          </p:nvPr>
-        </p:nvSpPr>
-        <p:spPr/>
-        <p:txBody>
-          <a:bodyPr/>
-          <a:p>
-            <a:pPr marL="0" indent="0">
-              <a:buNone/>
-            </a:pPr>
-            <a:r>
-              <a:rPr lang="en-US" sz="1400"/>
-              <a:t>When a person applies for a loan, there are two types of decisions that could be taken by the company:</a:t>
-            </a:r>
-            <a:endParaRPr lang="en-US" sz="1400"/>
-          </a:p>
-          <a:p>
-            <a:pPr marL="0" indent="0">
-              <a:buNone/>
-            </a:pPr>
-            <a:endParaRPr lang="en-US" sz="1400"/>
-          </a:p>
-          <a:p>
-            <a:r>
-              <a:rPr lang="en-US" sz="1400"/>
-              <a:t>Loan accepted: If the company approves the loan, there are 3 possible scenarios described below:</a:t>
-            </a:r>
-            <a:endParaRPr lang="en-US" sz="1400"/>
-          </a:p>
-          <a:p>
-            <a:pPr lvl="1"/>
-            <a:endParaRPr lang="en-US" sz="1200"/>
-          </a:p>
-          <a:p>
-            <a:pPr lvl="1"/>
-            <a:r>
-              <a:rPr lang="en-US" sz="1200"/>
-              <a:t>Fully paid: Applicant has fully paid the loan (the principal and the interest rate)</a:t>
-            </a:r>
-            <a:endParaRPr lang="en-US" sz="1200"/>
-          </a:p>
-          <a:p>
-            <a:pPr lvl="1"/>
-            <a:r>
-              <a:rPr lang="en-US" sz="1200"/>
-              <a:t>Current: Applicant is in the process of paying the instalments, i.e. the tenure of the loan is not yet completed. These candidates are not labelled as 'defaulted'.</a:t>
-            </a:r>
-            <a:endParaRPr lang="en-US" sz="1200"/>
-          </a:p>
-          <a:p>
-            <a:pPr lvl="1"/>
-            <a:r>
-              <a:rPr lang="en-US" sz="1200"/>
-              <a:t>Charged-off: Applicant has not paid the instalments in due time for a long period of time, i.e. he/she has defaulted on the loan</a:t>
-            </a:r>
-            <a:endParaRPr lang="en-US" sz="1200"/>
-          </a:p>
-          <a:p>
-            <a:endParaRPr lang="en-US" sz="1400"/>
-          </a:p>
-          <a:p>
-            <a:endParaRPr lang="en-US" sz="1400"/>
-          </a:p>
-          <a:p>
-            <a:r>
-              <a:rPr lang="en-US" sz="1400"/>
-              <a:t>Loan rejected: The company had rejected the loan (because the candidate does not meet their requirements etc.). </a:t>
-            </a:r>
-            <a:endParaRPr lang="en-US" sz="1400"/>
-          </a:p>
-        </p:txBody>
-      </p:sp>
-      <p:pic>
-        <p:nvPicPr>
-          <p:cNvPr id="4" name="Picture 3"/>
-          <p:cNvPicPr>
-            <a:picLocks noChangeAspect="1"/>
-          </p:cNvPicPr>
-          <p:nvPr/>
-        </p:nvPicPr>
-        <p:blipFill>
-          <a:blip r:embed="rId1">
+          <a:blip r:embed="rId2">
             <a:clrChange>
               <a:clrFrom>
                 <a:srgbClr val="FFFFFF">
@@ -8498,14 +6092,90 @@
         </p:blipFill>
         <p:spPr>
           <a:xfrm>
-            <a:off x="3726815" y="3999230"/>
-            <a:ext cx="4737735" cy="2430145"/>
+            <a:off x="1028700" y="1096645"/>
+            <a:ext cx="3619500" cy="2757805"/>
           </a:xfrm>
           <a:prstGeom prst="rect">
             <a:avLst/>
           </a:prstGeom>
         </p:spPr>
       </p:pic>
+      <p:sp>
+        <p:nvSpPr>
+          <p:cNvPr id="11" name="Text Box 10"/>
+          <p:cNvSpPr txBox="1"/>
+          <p:nvPr/>
+        </p:nvSpPr>
+        <p:spPr>
+          <a:xfrm>
+            <a:off x="6624320" y="4184015"/>
+            <a:ext cx="4410710" cy="737235"/>
+          </a:xfrm>
+          <a:prstGeom prst="rect">
+            <a:avLst/>
+          </a:prstGeom>
+          <a:noFill/>
+        </p:spPr>
+        <p:txBody>
+          <a:bodyPr wrap="square" rtlCol="0">
+            <a:spAutoFit/>
+          </a:bodyPr>
+          <a:p>
+            <a:pPr marL="171450" indent="-171450">
+              <a:buFont typeface="Arial" panose="02080604020202020204" pitchFamily="34" charset="0"/>
+              <a:buChar char="•"/>
+            </a:pPr>
+            <a:r>
+              <a:rPr lang="en-US" sz="1400">
+                <a:sym typeface="+mn-ea"/>
+              </a:rPr>
+              <a:t>Funded amount by the company is highly correlated with monthly installment paid by the borrower.</a:t>
+            </a:r>
+            <a:endParaRPr lang="en-US" sz="1400"/>
+          </a:p>
+        </p:txBody>
+      </p:sp>
+      <p:sp>
+        <p:nvSpPr>
+          <p:cNvPr id="12" name="Text Box 11"/>
+          <p:cNvSpPr txBox="1"/>
+          <p:nvPr/>
+        </p:nvSpPr>
+        <p:spPr>
+          <a:xfrm>
+            <a:off x="548640" y="5375910"/>
+            <a:ext cx="9943465" cy="368300"/>
+          </a:xfrm>
+          <a:prstGeom prst="rect">
+            <a:avLst/>
+          </a:prstGeom>
+          <a:noFill/>
+        </p:spPr>
+        <p:txBody>
+          <a:bodyPr wrap="square" rtlCol="0">
+            <a:spAutoFit/>
+          </a:bodyPr>
+          <a:p>
+            <a:pPr marL="285750" indent="-285750">
+              <a:buFont typeface="Arial" panose="02080604020202020204" pitchFamily="34" charset="0"/>
+              <a:buChar char="•"/>
+            </a:pPr>
+            <a:r>
+              <a:rPr lang="en-US"/>
+              <a:t>There is a </a:t>
+            </a:r>
+            <a:r>
+              <a:rPr lang="en-US" b="1"/>
+              <a:t>high </a:t>
+            </a:r>
+            <a:r>
+              <a:rPr lang="en-US"/>
+              <a:t>correltion between loan amount, funded amount and installment</a:t>
+            </a:r>
+            <a:endParaRPr lang="en-US"/>
+          </a:p>
+        </p:txBody>
+      </p:sp>
     </p:spTree>
   </p:cSld>
   <p:clrMapOvr>
@@ -8514,7 +6184,7 @@
 </p:sld>
 </file>
 
-<file path=ppt/slides/slide4.xml><?xml version="1.0" encoding="utf-8"?>
+<file path=ppt/slides/slide15.xml><?xml version="1.0" encoding="utf-8"?>
 <p:sld xmlns:a="http://schemas.openxmlformats.org/drawingml/2006/main" xmlns:r="http://schemas.openxmlformats.org/officeDocument/2006/relationships" xmlns:p="http://schemas.openxmlformats.org/presentationml/2006/main">
   <p:cSld>
     <p:spTree>
@@ -8526,7 +6196,7 @@
       <p:grpSpPr/>
       <p:sp>
         <p:nvSpPr>
-          <p:cNvPr id="4" name="Title 3"/>
+          <p:cNvPr id="2" name="Title 1"/>
           <p:cNvSpPr>
             <a:spLocks noGrp="1"/>
           </p:cNvSpPr>
@@ -8539,157 +6209,10 @@
           <a:bodyPr/>
           <a:p>
             <a:r>
-              <a:rPr lang="en-US"/>
-              <a:t>Data Cleaning</a:t>
-            </a:r>
-            <a:endParaRPr lang="en-US"/>
-          </a:p>
-        </p:txBody>
-      </p:sp>
-      <p:sp>
-        <p:nvSpPr>
-          <p:cNvPr id="5" name="Content Placeholder 4"/>
-          <p:cNvSpPr>
-            <a:spLocks noGrp="1"/>
-          </p:cNvSpPr>
-          <p:nvPr>
-            <p:ph idx="1"/>
-          </p:nvPr>
-        </p:nvSpPr>
-        <p:spPr/>
-        <p:txBody>
-          <a:bodyPr/>
-          <a:p>
-            <a:r>
-              <a:rPr lang="en-US" sz="1600"/>
-              <a:t>Originally data set contains 39717 rows and 111 columns. We have cleaned the data in following steps -</a:t>
-            </a:r>
-            <a:endParaRPr lang="en-US" sz="1600"/>
-          </a:p>
-          <a:p>
-            <a:pPr marL="457200" indent="-457200">
-              <a:buAutoNum type="arabicPeriod"/>
-            </a:pPr>
-            <a:r>
-              <a:rPr lang="en-US" sz="1400"/>
-              <a:t>Dropped </a:t>
-            </a:r>
-            <a:r>
-              <a:rPr lang="en-US" sz="1400" b="1"/>
-              <a:t>Empty Columns</a:t>
-            </a:r>
-            <a:r>
-              <a:rPr lang="en-US" sz="1400"/>
-              <a:t> : 54 empty columns dropped</a:t>
-            </a:r>
-            <a:endParaRPr lang="en-US" sz="1400"/>
-          </a:p>
-          <a:p>
-            <a:pPr marL="457200" indent="-457200">
-              <a:buAutoNum type="arabicPeriod"/>
-            </a:pPr>
-            <a:r>
-              <a:rPr lang="en-US" sz="1400"/>
-              <a:t>Dropped </a:t>
-            </a:r>
-            <a:r>
-              <a:rPr lang="en-US" sz="1400" b="1"/>
-              <a:t>Single Valued Columns</a:t>
-            </a:r>
-            <a:r>
-              <a:rPr lang="en-US" sz="1400"/>
-              <a:t> : 9 columns had single value throughout the rows</a:t>
-            </a:r>
-            <a:endParaRPr lang="en-US" sz="1400"/>
-          </a:p>
-          <a:p>
-            <a:pPr marL="457200" indent="-457200">
-              <a:buAutoNum type="arabicPeriod"/>
-            </a:pPr>
-            <a:r>
-              <a:rPr lang="en-US" sz="1400"/>
-              <a:t>Dropped </a:t>
-            </a:r>
-            <a:r>
-              <a:rPr lang="en-US" sz="1400" b="1"/>
-              <a:t>Unique Field</a:t>
-            </a:r>
-            <a:r>
-              <a:rPr lang="en-US" sz="1400"/>
-              <a:t> : 3 fields had unique value for all rows, no use in analysis</a:t>
-            </a:r>
-            <a:endParaRPr lang="en-US" sz="1400"/>
-          </a:p>
-          <a:p>
-            <a:pPr marL="457200" indent="-457200">
-              <a:buAutoNum type="arabicPeriod"/>
-            </a:pPr>
-            <a:r>
-              <a:rPr lang="en-US" sz="1400"/>
-              <a:t>Dropped fields which have more than 90% </a:t>
-            </a:r>
-            <a:r>
-              <a:rPr lang="en-US" sz="1400" b="1"/>
-              <a:t>missing values</a:t>
-            </a:r>
-            <a:r>
-              <a:rPr lang="en-US" sz="1400"/>
-              <a:t> : removed 2 fields</a:t>
-            </a:r>
-            <a:endParaRPr lang="en-US" sz="1400"/>
-          </a:p>
-          <a:p>
-            <a:pPr marL="457200" indent="-457200">
-              <a:buAutoNum type="arabicPeriod"/>
-            </a:pPr>
-            <a:r>
-              <a:rPr lang="en-US" sz="1400"/>
-              <a:t>Dropped fields which have most of the numbers at 0 and remaining are </a:t>
-            </a:r>
-            <a:r>
-              <a:rPr lang="en-US" sz="1400" b="1"/>
-              <a:t>outliers</a:t>
-            </a:r>
-            <a:r>
-              <a:rPr lang="en-US" sz="1400"/>
-              <a:t> : removed 4 fields</a:t>
-            </a:r>
-            <a:endParaRPr lang="en-US" sz="1400"/>
-          </a:p>
-          <a:p>
-            <a:pPr marL="457200" indent="-457200">
-              <a:buAutoNum type="arabicPeriod"/>
-            </a:pPr>
-            <a:r>
-              <a:rPr lang="en-US" sz="1400"/>
-              <a:t>Dropped </a:t>
-            </a:r>
-            <a:r>
-              <a:rPr lang="en-US" sz="1400" b="1"/>
-              <a:t>unnecessary fields</a:t>
-            </a:r>
-            <a:r>
-              <a:rPr lang="en-US" sz="1400"/>
-              <a:t> which wont help in analysis : Removed 14 fields like “title”, “zip_code”</a:t>
-            </a:r>
-            <a:endParaRPr lang="en-US" sz="1400"/>
-          </a:p>
-          <a:p>
-            <a:pPr marL="457200" indent="-457200">
-              <a:buAutoNum type="arabicPeriod"/>
-            </a:pPr>
-            <a:endParaRPr lang="en-US" sz="1400"/>
-          </a:p>
-          <a:p>
-            <a:r>
-              <a:rPr lang="en-US" sz="1600"/>
-              <a:t>After data cleaning, our concrete data set contains only </a:t>
-            </a:r>
-            <a:r>
-              <a:rPr lang="en-US" sz="1600" b="1"/>
-              <a:t>25 columns/fields</a:t>
-            </a:r>
-            <a:endParaRPr lang="en-US" sz="1600" b="1"/>
+              <a:rPr lang="en-US" sz="2400"/>
+              <a:t>Loan Amount, Interest rate, Total Received principal</a:t>
+            </a:r>
+            <a:endParaRPr lang="en-US" sz="2400"/>
           </a:p>
         </p:txBody>
       </p:sp>
@@ -8723,8 +6246,487 @@
         </p:blipFill>
         <p:spPr>
           <a:xfrm>
-            <a:off x="909320" y="4185920"/>
-            <a:ext cx="3027045" cy="2143125"/>
+            <a:off x="609600" y="1323975"/>
+            <a:ext cx="1781175" cy="2914650"/>
+          </a:xfrm>
+          <a:prstGeom prst="rect">
+            <a:avLst/>
+          </a:prstGeom>
+        </p:spPr>
+      </p:pic>
+      <p:pic>
+        <p:nvPicPr>
+          <p:cNvPr id="8" name="Picture 7"/>
+          <p:cNvPicPr>
+            <a:picLocks noChangeAspect="1"/>
+          </p:cNvPicPr>
+          <p:nvPr/>
+        </p:nvPicPr>
+        <p:blipFill>
+          <a:blip r:embed="rId2">
+            <a:clrChange>
+              <a:clrFrom>
+                <a:srgbClr val="FFFFFF">
+                  <a:alpha val="100000"/>
+                </a:srgbClr>
+              </a:clrFrom>
+              <a:clrTo>
+                <a:srgbClr val="FFFFFF">
+                  <a:alpha val="100000"/>
+                  <a:alpha val="0"/>
+                </a:srgbClr>
+              </a:clrTo>
+            </a:clrChange>
+          </a:blip>
+          <a:stretch>
+            <a:fillRect/>
+          </a:stretch>
+        </p:blipFill>
+        <p:spPr>
+          <a:xfrm>
+            <a:off x="3086100" y="1323975"/>
+            <a:ext cx="1676400" cy="2933700"/>
+          </a:xfrm>
+          <a:prstGeom prst="rect">
+            <a:avLst/>
+          </a:prstGeom>
+        </p:spPr>
+      </p:pic>
+      <p:sp>
+        <p:nvSpPr>
+          <p:cNvPr id="13" name="Text Box 12"/>
+          <p:cNvSpPr txBox="1"/>
+          <p:nvPr/>
+        </p:nvSpPr>
+        <p:spPr>
+          <a:xfrm>
+            <a:off x="460375" y="4471670"/>
+            <a:ext cx="11363325" cy="1383665"/>
+          </a:xfrm>
+          <a:prstGeom prst="rect">
+            <a:avLst/>
+          </a:prstGeom>
+          <a:noFill/>
+        </p:spPr>
+        <p:txBody>
+          <a:bodyPr wrap="square" rtlCol="0">
+            <a:spAutoFit/>
+          </a:bodyPr>
+          <a:p>
+            <a:pPr marL="285750" indent="-285750">
+              <a:buFont typeface="Arial" panose="02080604020202020204" pitchFamily="34" charset="0"/>
+              <a:buChar char="•"/>
+            </a:pPr>
+            <a:r>
+              <a:rPr lang="en-US" sz="1400"/>
+              <a:t>Avg loan amount applied by the borrower is 11.2K</a:t>
+            </a:r>
+            <a:endParaRPr lang="en-US" sz="1400"/>
+          </a:p>
+          <a:p>
+            <a:pPr marL="285750" indent="-285750">
+              <a:buFont typeface="Arial" panose="02080604020202020204" pitchFamily="34" charset="0"/>
+              <a:buChar char="•"/>
+            </a:pPr>
+            <a:r>
+              <a:rPr lang="en-US" sz="1400"/>
+              <a:t>Avg interest rate for the loan is 12%</a:t>
+            </a:r>
+            <a:endParaRPr lang="en-US" sz="1400"/>
+          </a:p>
+          <a:p>
+            <a:pPr marL="285750" indent="-285750">
+              <a:buFont typeface="Arial" panose="02080604020202020204" pitchFamily="34" charset="0"/>
+              <a:buChar char="•"/>
+            </a:pPr>
+            <a:r>
+              <a:rPr lang="en-US" sz="1400"/>
+              <a:t>Avg payment received by the LC is 12.2k. Ideally it should be (11.2 * 1.12 =) 12.5k but because of some default loans, company is getting 12.2k payment. </a:t>
+            </a:r>
+            <a:endParaRPr lang="en-US" sz="1400"/>
+          </a:p>
+          <a:p>
+            <a:pPr marL="285750" indent="-285750">
+              <a:buFont typeface="Arial" panose="02080604020202020204" pitchFamily="34" charset="0"/>
+              <a:buChar char="•"/>
+            </a:pPr>
+            <a:r>
+              <a:rPr lang="en-US" sz="1400"/>
+              <a:t>Company is making profit.</a:t>
+            </a:r>
+            <a:endParaRPr lang="en-US" sz="1400"/>
+          </a:p>
+          <a:p>
+            <a:pPr marL="285750" indent="-285750">
+              <a:buFont typeface="Arial" panose="02080604020202020204" pitchFamily="34" charset="0"/>
+              <a:buChar char="•"/>
+            </a:pPr>
+            <a:r>
+              <a:rPr lang="en-US" sz="1400"/>
+              <a:t>If the company reduces the default loans in future, then LC can make more profits.</a:t>
+            </a:r>
+            <a:endParaRPr lang="en-US" sz="1400"/>
+          </a:p>
+        </p:txBody>
+      </p:sp>
+      <p:pic>
+        <p:nvPicPr>
+          <p:cNvPr id="14" name="Picture 13"/>
+          <p:cNvPicPr>
+            <a:picLocks noChangeAspect="1"/>
+          </p:cNvPicPr>
+          <p:nvPr/>
+        </p:nvPicPr>
+        <p:blipFill>
+          <a:blip r:embed="rId3">
+            <a:clrChange>
+              <a:clrFrom>
+                <a:srgbClr val="FFFFFF">
+                  <a:alpha val="100000"/>
+                </a:srgbClr>
+              </a:clrFrom>
+              <a:clrTo>
+                <a:srgbClr val="FFFFFF">
+                  <a:alpha val="100000"/>
+                  <a:alpha val="0"/>
+                </a:srgbClr>
+              </a:clrTo>
+            </a:clrChange>
+          </a:blip>
+          <a:stretch>
+            <a:fillRect/>
+          </a:stretch>
+        </p:blipFill>
+        <p:spPr>
+          <a:xfrm>
+            <a:off x="5543550" y="1323975"/>
+            <a:ext cx="1781175" cy="2933700"/>
+          </a:xfrm>
+          <a:prstGeom prst="rect">
+            <a:avLst/>
+          </a:prstGeom>
+        </p:spPr>
+      </p:pic>
+      <p:cxnSp>
+        <p:nvCxnSpPr>
+          <p:cNvPr id="15" name="Straight Arrow Connector 14"/>
+          <p:cNvCxnSpPr/>
+          <p:nvPr/>
+        </p:nvCxnSpPr>
+        <p:spPr>
+          <a:xfrm flipH="1" flipV="1">
+            <a:off x="2060575" y="3376295"/>
+            <a:ext cx="295275" cy="9525"/>
+          </a:xfrm>
+          <a:prstGeom prst="straightConnector1">
+            <a:avLst/>
+          </a:prstGeom>
+          <a:gradFill rotWithShape="0">
+            <a:gsLst>
+              <a:gs pos="0">
+                <a:schemeClr val="accent1"/>
+              </a:gs>
+              <a:gs pos="100000">
+                <a:schemeClr val="accent2"/>
+              </a:gs>
+            </a:gsLst>
+            <a:lin ang="5400000" scaled="1"/>
+          </a:gradFill>
+          <a:ln w="19050" cap="flat" cmpd="sng" algn="ctr">
+            <a:solidFill>
+              <a:srgbClr val="FF0000"/>
+            </a:solidFill>
+            <a:prstDash val="solid"/>
+            <a:round/>
+            <a:headEnd type="none" w="med" len="med"/>
+            <a:tailEnd type="arrow" w="med" len="med"/>
+          </a:ln>
+        </p:spPr>
+      </p:cxnSp>
+      <p:cxnSp>
+        <p:nvCxnSpPr>
+          <p:cNvPr id="16" name="Straight Arrow Connector 15"/>
+          <p:cNvCxnSpPr/>
+          <p:nvPr/>
+        </p:nvCxnSpPr>
+        <p:spPr>
+          <a:xfrm flipH="1" flipV="1">
+            <a:off x="4587875" y="3395345"/>
+            <a:ext cx="295275" cy="9525"/>
+          </a:xfrm>
+          <a:prstGeom prst="straightConnector1">
+            <a:avLst/>
+          </a:prstGeom>
+          <a:gradFill rotWithShape="0">
+            <a:gsLst>
+              <a:gs pos="0">
+                <a:schemeClr val="accent1"/>
+              </a:gs>
+              <a:gs pos="100000">
+                <a:schemeClr val="accent2"/>
+              </a:gs>
+            </a:gsLst>
+            <a:lin ang="5400000" scaled="1"/>
+          </a:gradFill>
+          <a:ln w="19050" cap="flat" cmpd="sng" algn="ctr">
+            <a:solidFill>
+              <a:srgbClr val="FF0000"/>
+            </a:solidFill>
+            <a:prstDash val="solid"/>
+            <a:round/>
+            <a:headEnd type="none" w="med" len="med"/>
+            <a:tailEnd type="arrow" w="med" len="med"/>
+          </a:ln>
+        </p:spPr>
+      </p:cxnSp>
+      <p:cxnSp>
+        <p:nvCxnSpPr>
+          <p:cNvPr id="17" name="Straight Arrow Connector 16"/>
+          <p:cNvCxnSpPr/>
+          <p:nvPr/>
+        </p:nvCxnSpPr>
+        <p:spPr>
+          <a:xfrm flipH="1" flipV="1">
+            <a:off x="7029450" y="3385820"/>
+            <a:ext cx="295275" cy="9525"/>
+          </a:xfrm>
+          <a:prstGeom prst="straightConnector1">
+            <a:avLst/>
+          </a:prstGeom>
+          <a:gradFill rotWithShape="0">
+            <a:gsLst>
+              <a:gs pos="0">
+                <a:schemeClr val="accent1"/>
+              </a:gs>
+              <a:gs pos="100000">
+                <a:schemeClr val="accent2"/>
+              </a:gs>
+            </a:gsLst>
+            <a:lin ang="5400000" scaled="1"/>
+          </a:gradFill>
+          <a:ln w="19050" cap="flat" cmpd="sng" algn="ctr">
+            <a:solidFill>
+              <a:srgbClr val="FF0000"/>
+            </a:solidFill>
+            <a:prstDash val="solid"/>
+            <a:round/>
+            <a:headEnd type="none" w="med" len="med"/>
+            <a:tailEnd type="arrow" w="med" len="med"/>
+          </a:ln>
+        </p:spPr>
+      </p:cxnSp>
+    </p:spTree>
+  </p:cSld>
+  <p:clrMapOvr>
+    <a:masterClrMapping/>
+  </p:clrMapOvr>
+</p:sld>
+</file>
+
+<file path=ppt/slides/slide16.xml><?xml version="1.0" encoding="utf-8"?>
+<p:sld xmlns:a="http://schemas.openxmlformats.org/drawingml/2006/main" xmlns:r="http://schemas.openxmlformats.org/officeDocument/2006/relationships" xmlns:p="http://schemas.openxmlformats.org/presentationml/2006/main">
+  <p:cSld>
+    <p:spTree>
+      <p:nvGrpSpPr>
+        <p:cNvPr id="1" name=""/>
+        <p:cNvGrpSpPr/>
+        <p:nvPr/>
+      </p:nvGrpSpPr>
+      <p:grpSpPr/>
+      <p:sp>
+        <p:nvSpPr>
+          <p:cNvPr id="2" name="Title 1"/>
+          <p:cNvSpPr>
+            <a:spLocks noGrp="1"/>
+          </p:cNvSpPr>
+          <p:nvPr>
+            <p:ph type="title"/>
+          </p:nvPr>
+        </p:nvSpPr>
+        <p:spPr/>
+        <p:txBody>
+          <a:bodyPr/>
+          <a:p>
+            <a:r>
+              <a:rPr lang="en-US"/>
+              <a:t>total_acc &amp; open_acc</a:t>
+            </a:r>
+            <a:endParaRPr lang="en-US"/>
+          </a:p>
+        </p:txBody>
+      </p:sp>
+      <p:pic>
+        <p:nvPicPr>
+          <p:cNvPr id="4" name="Content Placeholder 3"/>
+          <p:cNvPicPr>
+            <a:picLocks noChangeAspect="1"/>
+          </p:cNvPicPr>
+          <p:nvPr>
+            <p:ph idx="1"/>
+          </p:nvPr>
+        </p:nvPicPr>
+        <p:blipFill>
+          <a:blip r:embed="rId1">
+            <a:clrChange>
+              <a:clrFrom>
+                <a:srgbClr val="FFFFFF">
+                  <a:alpha val="100000"/>
+                </a:srgbClr>
+              </a:clrFrom>
+              <a:clrTo>
+                <a:srgbClr val="FFFFFF">
+                  <a:alpha val="100000"/>
+                  <a:alpha val="0"/>
+                </a:srgbClr>
+              </a:clrTo>
+            </a:clrChange>
+          </a:blip>
+          <a:stretch>
+            <a:fillRect/>
+          </a:stretch>
+        </p:blipFill>
+        <p:spPr>
+          <a:xfrm>
+            <a:off x="609600" y="1202690"/>
+            <a:ext cx="1781175" cy="2933700"/>
+          </a:xfrm>
+          <a:prstGeom prst="rect">
+            <a:avLst/>
+          </a:prstGeom>
+        </p:spPr>
+      </p:pic>
+      <p:pic>
+        <p:nvPicPr>
+          <p:cNvPr id="5" name="Picture 4"/>
+          <p:cNvPicPr>
+            <a:picLocks noChangeAspect="1"/>
+          </p:cNvPicPr>
+          <p:nvPr/>
+        </p:nvPicPr>
+        <p:blipFill>
+          <a:blip r:embed="rId2">
+            <a:clrChange>
+              <a:clrFrom>
+                <a:srgbClr val="FFFFFF">
+                  <a:alpha val="100000"/>
+                </a:srgbClr>
+              </a:clrFrom>
+              <a:clrTo>
+                <a:srgbClr val="FFFFFF">
+                  <a:alpha val="100000"/>
+                  <a:alpha val="0"/>
+                </a:srgbClr>
+              </a:clrTo>
+            </a:clrChange>
+          </a:blip>
+          <a:stretch>
+            <a:fillRect/>
+          </a:stretch>
+        </p:blipFill>
+        <p:spPr>
+          <a:xfrm>
+            <a:off x="3300095" y="1202690"/>
+            <a:ext cx="1781175" cy="2933700"/>
+          </a:xfrm>
+          <a:prstGeom prst="rect">
+            <a:avLst/>
+          </a:prstGeom>
+        </p:spPr>
+      </p:pic>
+      <p:sp>
+        <p:nvSpPr>
+          <p:cNvPr id="7" name="Text Box 6"/>
+          <p:cNvSpPr txBox="1"/>
+          <p:nvPr/>
+        </p:nvSpPr>
+        <p:spPr>
+          <a:xfrm>
+            <a:off x="619125" y="4514850"/>
+            <a:ext cx="10934700" cy="1198880"/>
+          </a:xfrm>
+          <a:prstGeom prst="rect">
+            <a:avLst/>
+          </a:prstGeom>
+          <a:noFill/>
+        </p:spPr>
+        <p:txBody>
+          <a:bodyPr wrap="square" rtlCol="0">
+            <a:spAutoFit/>
+          </a:bodyPr>
+          <a:p>
+            <a:pPr marL="285750" indent="-285750">
+              <a:buFont typeface="Arial" panose="02080604020202020204" pitchFamily="34" charset="0"/>
+              <a:buChar char="•"/>
+            </a:pPr>
+            <a:r>
+              <a:rPr lang="en-US"/>
+              <a:t>Avg total number of credit lines in borrowers credit file is 22</a:t>
+            </a:r>
+            <a:endParaRPr lang="en-US"/>
+          </a:p>
+          <a:p>
+            <a:pPr marL="285750" indent="-285750">
+              <a:buFont typeface="Arial" panose="02080604020202020204" pitchFamily="34" charset="0"/>
+              <a:buChar char="•"/>
+            </a:pPr>
+            <a:r>
+              <a:rPr lang="en-US"/>
+              <a:t>Out of that on an avg total number of open credit lines is 9</a:t>
+            </a:r>
+            <a:endParaRPr lang="en-US"/>
+          </a:p>
+          <a:p>
+            <a:pPr marL="285750" indent="-285750">
+              <a:buFont typeface="Arial" panose="02080604020202020204" pitchFamily="34" charset="0"/>
+              <a:buChar char="•"/>
+            </a:pPr>
+            <a:r>
+              <a:rPr lang="en-US"/>
+              <a:t>total_acc and open_acc is moderately high correlated.</a:t>
+            </a:r>
+            <a:endParaRPr lang="en-US"/>
+          </a:p>
+          <a:p>
+            <a:pPr indent="0">
+              <a:buFont typeface="Arial" panose="02080604020202020204" pitchFamily="34" charset="0"/>
+              <a:buNone/>
+            </a:pPr>
+            <a:endParaRPr lang="en-US"/>
+          </a:p>
+        </p:txBody>
+      </p:sp>
+      <p:pic>
+        <p:nvPicPr>
+          <p:cNvPr id="8" name="Picture 7"/>
+          <p:cNvPicPr>
+            <a:picLocks noChangeAspect="1"/>
+          </p:cNvPicPr>
+          <p:nvPr/>
+        </p:nvPicPr>
+        <p:blipFill>
+          <a:blip r:embed="rId3">
+            <a:clrChange>
+              <a:clrFrom>
+                <a:srgbClr val="FFFFFF">
+                  <a:alpha val="100000"/>
+                </a:srgbClr>
+              </a:clrFrom>
+              <a:clrTo>
+                <a:srgbClr val="FFFFFF">
+                  <a:alpha val="100000"/>
+                  <a:alpha val="0"/>
+                </a:srgbClr>
+              </a:clrTo>
+            </a:clrChange>
+          </a:blip>
+          <a:stretch>
+            <a:fillRect/>
+          </a:stretch>
+        </p:blipFill>
+        <p:spPr>
+          <a:xfrm>
+            <a:off x="5990590" y="1202690"/>
+            <a:ext cx="3762375" cy="2960370"/>
           </a:xfrm>
           <a:prstGeom prst="rect">
             <a:avLst/>
@@ -8739,7 +6741,7 @@
 </p:sld>
 </file>
 
-<file path=ppt/slides/slide5.xml><?xml version="1.0" encoding="utf-8"?>
+<file path=ppt/slides/slide17.xml><?xml version="1.0" encoding="utf-8"?>
 <p:sld xmlns:a="http://schemas.openxmlformats.org/drawingml/2006/main" xmlns:r="http://schemas.openxmlformats.org/officeDocument/2006/relationships" xmlns:p="http://schemas.openxmlformats.org/presentationml/2006/main">
   <p:cSld>
     <p:spTree>
@@ -8765,7 +6767,7 @@
           <a:p>
             <a:r>
               <a:rPr lang="en-US"/>
-              <a:t>Loan Status</a:t>
+              <a:t>Term and Grade - Loan Status</a:t>
             </a:r>
             <a:endParaRPr lang="en-US"/>
           </a:p>
@@ -8773,7 +6775,7 @@
       </p:sp>
       <p:pic>
         <p:nvPicPr>
-          <p:cNvPr id="6" name="Content Placeholder 5"/>
+          <p:cNvPr id="4" name="Content Placeholder 3"/>
           <p:cNvPicPr>
             <a:picLocks noChangeAspect="1"/>
           </p:cNvPicPr>
@@ -8782,31 +6784,83 @@
           </p:nvPr>
         </p:nvPicPr>
         <p:blipFill>
-          <a:blip r:embed="rId1"/>
+          <a:blip r:embed="rId1">
+            <a:clrChange>
+              <a:clrFrom>
+                <a:srgbClr val="FFFFFF">
+                  <a:alpha val="100000"/>
+                </a:srgbClr>
+              </a:clrFrom>
+              <a:clrTo>
+                <a:srgbClr val="FFFFFF">
+                  <a:alpha val="100000"/>
+                  <a:alpha val="0"/>
+                </a:srgbClr>
+              </a:clrTo>
+            </a:clrChange>
+          </a:blip>
           <a:stretch>
             <a:fillRect/>
           </a:stretch>
         </p:blipFill>
         <p:spPr>
           <a:xfrm>
-            <a:off x="6324600" y="1407795"/>
-            <a:ext cx="3800475" cy="3324225"/>
+            <a:off x="5767070" y="3090545"/>
+            <a:ext cx="5267325" cy="3228975"/>
           </a:xfrm>
           <a:prstGeom prst="rect">
             <a:avLst/>
           </a:prstGeom>
         </p:spPr>
       </p:pic>
-      <p:sp>
-        <p:nvSpPr>
-          <p:cNvPr id="7" name="Text Box 6"/>
+      <p:pic>
+        <p:nvPicPr>
+          <p:cNvPr id="5" name="Picture 4"/>
+          <p:cNvPicPr>
+            <a:picLocks noChangeAspect="1"/>
+          </p:cNvPicPr>
+          <p:nvPr/>
+        </p:nvPicPr>
+        <p:blipFill>
+          <a:blip r:embed="rId2">
+            <a:clrChange>
+              <a:clrFrom>
+                <a:srgbClr val="FFFFFF">
+                  <a:alpha val="100000"/>
+                </a:srgbClr>
+              </a:clrFrom>
+              <a:clrTo>
+                <a:srgbClr val="FFFFFF">
+                  <a:alpha val="100000"/>
+                  <a:alpha val="0"/>
+                </a:srgbClr>
+              </a:clrTo>
+            </a:clrChange>
+          </a:blip>
+          <a:stretch>
+            <a:fillRect/>
+          </a:stretch>
+        </p:blipFill>
+        <p:spPr>
+          <a:xfrm>
+            <a:off x="323850" y="3090545"/>
+            <a:ext cx="5276850" cy="3133725"/>
+          </a:xfrm>
+          <a:prstGeom prst="rect">
+            <a:avLst/>
+          </a:prstGeom>
+        </p:spPr>
+      </p:pic>
+      <p:sp>
+        <p:nvSpPr>
+          <p:cNvPr id="6" name="Text Box 5"/>
           <p:cNvSpPr txBox="1"/>
           <p:nvPr/>
         </p:nvSpPr>
         <p:spPr>
           <a:xfrm>
-            <a:off x="708025" y="1766570"/>
-            <a:ext cx="4686300" cy="368300"/>
+            <a:off x="450850" y="1004570"/>
+            <a:ext cx="11020425" cy="953135"/>
           </a:xfrm>
           <a:prstGeom prst="rect">
             <a:avLst/>
@@ -8823,35 +6877,541 @@
               <a:buChar char="•"/>
             </a:pPr>
             <a:r>
-              <a:rPr lang="en-US" b="1"/>
-              <a:t>14.2%</a:t>
-            </a:r>
-            <a:r>
-              <a:rPr lang="en-US"/>
-              <a:t> of loans gets </a:t>
-            </a:r>
-            <a:r>
-              <a:rPr lang="en-US" b="1"/>
-              <a:t>defaulted</a:t>
-            </a:r>
-            <a:r>
-              <a:rPr lang="en-US"/>
-              <a:t>. </a:t>
-            </a:r>
-            <a:endParaRPr lang="en-US"/>
-          </a:p>
-        </p:txBody>
-      </p:sp>
-      <p:sp>
-        <p:nvSpPr>
-          <p:cNvPr id="3" name="Rectangles 2"/>
+              <a:rPr lang="en-US" sz="1400"/>
+              <a:t>Highest number of loans (24%) have 36 months tenure with grade A and have lowest default rate (5.9%). This is very good for company.</a:t>
+            </a:r>
+            <a:endParaRPr lang="en-US" sz="1400"/>
+          </a:p>
+          <a:p>
+            <a:pPr marL="285750" indent="-285750">
+              <a:buFont typeface="Arial" panose="02080604020202020204" pitchFamily="34" charset="0"/>
+              <a:buChar char="•"/>
+            </a:pPr>
+            <a:r>
+              <a:rPr lang="en-US" sz="1400"/>
+              <a:t>The company has only 0.1% of total loans with 36 months tenure and G grade. And these loans have highest risk of 37.5% of default rate. </a:t>
+            </a:r>
+            <a:endParaRPr lang="en-US" sz="1400"/>
+          </a:p>
+        </p:txBody>
+      </p:sp>
+      <p:sp>
+        <p:nvSpPr>
+          <p:cNvPr id="7" name="Rectangles 6"/>
           <p:cNvSpPr/>
           <p:nvPr/>
         </p:nvSpPr>
         <p:spPr>
           <a:xfrm>
-            <a:off x="8237220" y="2979420"/>
-            <a:ext cx="624205" cy="1702435"/>
+            <a:off x="898525" y="3757295"/>
+            <a:ext cx="466725" cy="714375"/>
+          </a:xfrm>
+          <a:prstGeom prst="rect">
+            <a:avLst/>
+          </a:prstGeom>
+          <a:noFill/>
+          <a:ln w="19050" cap="flat" cmpd="sng" algn="ctr">
+            <a:solidFill>
+              <a:srgbClr val="FF0000"/>
+            </a:solidFill>
+            <a:prstDash val="solid"/>
+            <a:round/>
+            <a:headEnd type="none" w="med" len="med"/>
+            <a:tailEnd type="none" w="med" len="med"/>
+          </a:ln>
+          <a:extLst>
+            <a:ext uri="{909E8E84-426E-40DD-AFC4-6F175D3DCCD1}">
+              <a14:hiddenFill xmlns:a14="http://schemas.microsoft.com/office/drawing/2010/main">
+                <a:gradFill rotWithShape="0">
+                  <a:gsLst>
+                    <a:gs pos="0">
+                      <a:schemeClr val="accent1"/>
+                    </a:gs>
+                    <a:gs pos="100000">
+                      <a:schemeClr val="accent2"/>
+                    </a:gs>
+                  </a:gsLst>
+                  <a:lin ang="5400000" scaled="1"/>
+                </a:gradFill>
+              </a14:hiddenFill>
+            </a:ext>
+          </a:extLst>
+        </p:spPr>
+        <p:txBody>
+          <a:bodyPr vert="horz" wrap="none" lIns="91440" tIns="45720" rIns="91440" bIns="45720" numCol="1" anchor="ctr" anchorCtr="0" compatLnSpc="1"/>
+          <a:p>
+            <a:pPr marL="0" marR="0" indent="0" algn="l" defTabSz="914400" rtl="0" eaLnBrk="1" fontAlgn="base" latinLnBrk="0" hangingPunct="1">
+              <a:lnSpc>
+                <a:spcPct val="100000"/>
+              </a:lnSpc>
+              <a:spcBef>
+                <a:spcPct val="0"/>
+              </a:spcBef>
+              <a:spcAft>
+                <a:spcPct val="0"/>
+              </a:spcAft>
+              <a:buClrTx/>
+              <a:buSzTx/>
+              <a:buFontTx/>
+              <a:buNone/>
+            </a:pPr>
+            <a:endParaRPr kumimoji="0" lang="zh-CN" altLang="en-US" sz="1800" b="0" i="0" u="none" strike="noStrike" cap="none" normalizeH="0" baseline="0" smtClean="0">
+              <a:ln>
+                <a:noFill/>
+              </a:ln>
+              <a:solidFill>
+                <a:schemeClr val="tx1"/>
+              </a:solidFill>
+              <a:effectLst/>
+              <a:latin typeface="Arial" panose="02080604020202020204" pitchFamily="34" charset="0"/>
+              <a:ea typeface="SimSun" pitchFamily="2" charset="-122"/>
+            </a:endParaRPr>
+          </a:p>
+        </p:txBody>
+      </p:sp>
+      <p:sp>
+        <p:nvSpPr>
+          <p:cNvPr id="8" name="Rectangles 7"/>
+          <p:cNvSpPr/>
+          <p:nvPr/>
+        </p:nvSpPr>
+        <p:spPr>
+          <a:xfrm>
+            <a:off x="6292850" y="3757295"/>
+            <a:ext cx="466725" cy="714375"/>
+          </a:xfrm>
+          <a:prstGeom prst="rect">
+            <a:avLst/>
+          </a:prstGeom>
+          <a:noFill/>
+          <a:ln w="19050" cap="flat" cmpd="sng" algn="ctr">
+            <a:solidFill>
+              <a:srgbClr val="FF0000"/>
+            </a:solidFill>
+            <a:prstDash val="solid"/>
+            <a:round/>
+            <a:headEnd type="none" w="med" len="med"/>
+            <a:tailEnd type="none" w="med" len="med"/>
+          </a:ln>
+          <a:extLst>
+            <a:ext uri="{909E8E84-426E-40DD-AFC4-6F175D3DCCD1}">
+              <a14:hiddenFill xmlns:a14="http://schemas.microsoft.com/office/drawing/2010/main">
+                <a:gradFill rotWithShape="0">
+                  <a:gsLst>
+                    <a:gs pos="0">
+                      <a:schemeClr val="accent1"/>
+                    </a:gs>
+                    <a:gs pos="100000">
+                      <a:schemeClr val="accent2"/>
+                    </a:gs>
+                  </a:gsLst>
+                  <a:lin ang="5400000" scaled="1"/>
+                </a:gradFill>
+              </a14:hiddenFill>
+            </a:ext>
+          </a:extLst>
+        </p:spPr>
+        <p:txBody>
+          <a:bodyPr vert="horz" wrap="none" lIns="91440" tIns="45720" rIns="91440" bIns="45720" numCol="1" anchor="ctr" anchorCtr="0" compatLnSpc="1"/>
+          <a:p>
+            <a:pPr marL="0" marR="0" indent="0" algn="l" defTabSz="914400" rtl="0" eaLnBrk="1" fontAlgn="base" latinLnBrk="0" hangingPunct="1">
+              <a:lnSpc>
+                <a:spcPct val="100000"/>
+              </a:lnSpc>
+              <a:spcBef>
+                <a:spcPct val="0"/>
+              </a:spcBef>
+              <a:spcAft>
+                <a:spcPct val="0"/>
+              </a:spcAft>
+              <a:buClrTx/>
+              <a:buSzTx/>
+              <a:buFontTx/>
+              <a:buNone/>
+            </a:pPr>
+            <a:endParaRPr kumimoji="0" lang="zh-CN" altLang="en-US" sz="1800" b="0" i="0" u="none" strike="noStrike" cap="none" normalizeH="0" baseline="0" smtClean="0">
+              <a:ln>
+                <a:noFill/>
+              </a:ln>
+              <a:solidFill>
+                <a:schemeClr val="tx1"/>
+              </a:solidFill>
+              <a:effectLst/>
+              <a:latin typeface="Arial" panose="02080604020202020204" pitchFamily="34" charset="0"/>
+              <a:ea typeface="SimSun" pitchFamily="2" charset="-122"/>
+            </a:endParaRPr>
+          </a:p>
+        </p:txBody>
+      </p:sp>
+      <p:sp>
+        <p:nvSpPr>
+          <p:cNvPr id="9" name="Rectangles 8"/>
+          <p:cNvSpPr/>
+          <p:nvPr/>
+        </p:nvSpPr>
+        <p:spPr>
+          <a:xfrm>
+            <a:off x="4921250" y="3757295"/>
+            <a:ext cx="466725" cy="714375"/>
+          </a:xfrm>
+          <a:prstGeom prst="rect">
+            <a:avLst/>
+          </a:prstGeom>
+          <a:noFill/>
+          <a:ln w="19050" cap="flat" cmpd="sng" algn="ctr">
+            <a:solidFill>
+              <a:srgbClr val="00B0F0"/>
+            </a:solidFill>
+            <a:prstDash val="solid"/>
+            <a:round/>
+            <a:headEnd type="none" w="med" len="med"/>
+            <a:tailEnd type="none" w="med" len="med"/>
+          </a:ln>
+          <a:extLst>
+            <a:ext uri="{909E8E84-426E-40DD-AFC4-6F175D3DCCD1}">
+              <a14:hiddenFill xmlns:a14="http://schemas.microsoft.com/office/drawing/2010/main">
+                <a:gradFill rotWithShape="0">
+                  <a:gsLst>
+                    <a:gs pos="0">
+                      <a:schemeClr val="accent1"/>
+                    </a:gs>
+                    <a:gs pos="100000">
+                      <a:schemeClr val="accent2"/>
+                    </a:gs>
+                  </a:gsLst>
+                  <a:lin ang="5400000" scaled="1"/>
+                </a:gradFill>
+              </a14:hiddenFill>
+            </a:ext>
+          </a:extLst>
+        </p:spPr>
+        <p:txBody>
+          <a:bodyPr vert="horz" wrap="none" lIns="91440" tIns="45720" rIns="91440" bIns="45720" numCol="1" anchor="ctr" anchorCtr="0" compatLnSpc="1"/>
+          <a:p>
+            <a:pPr marL="0" marR="0" indent="0" algn="l" defTabSz="914400" rtl="0" eaLnBrk="1" fontAlgn="base" latinLnBrk="0" hangingPunct="1">
+              <a:lnSpc>
+                <a:spcPct val="100000"/>
+              </a:lnSpc>
+              <a:spcBef>
+                <a:spcPct val="0"/>
+              </a:spcBef>
+              <a:spcAft>
+                <a:spcPct val="0"/>
+              </a:spcAft>
+              <a:buClrTx/>
+              <a:buSzTx/>
+              <a:buFontTx/>
+              <a:buNone/>
+            </a:pPr>
+            <a:endParaRPr kumimoji="0" lang="zh-CN" altLang="en-US" sz="1800" b="0" i="0" u="none" strike="noStrike" cap="none" normalizeH="0" baseline="0" smtClean="0">
+              <a:ln>
+                <a:noFill/>
+              </a:ln>
+              <a:solidFill>
+                <a:schemeClr val="tx1"/>
+              </a:solidFill>
+              <a:effectLst/>
+              <a:latin typeface="Arial" panose="02080604020202020204" pitchFamily="34" charset="0"/>
+              <a:ea typeface="SimSun" pitchFamily="2" charset="-122"/>
+            </a:endParaRPr>
+          </a:p>
+        </p:txBody>
+      </p:sp>
+      <p:sp>
+        <p:nvSpPr>
+          <p:cNvPr id="10" name="Rectangles 9"/>
+          <p:cNvSpPr/>
+          <p:nvPr/>
+        </p:nvSpPr>
+        <p:spPr>
+          <a:xfrm>
+            <a:off x="10382250" y="3757295"/>
+            <a:ext cx="466725" cy="714375"/>
+          </a:xfrm>
+          <a:prstGeom prst="rect">
+            <a:avLst/>
+          </a:prstGeom>
+          <a:noFill/>
+          <a:ln w="19050" cap="flat" cmpd="sng" algn="ctr">
+            <a:solidFill>
+              <a:srgbClr val="00B0F0"/>
+            </a:solidFill>
+            <a:prstDash val="solid"/>
+            <a:round/>
+            <a:headEnd type="none" w="med" len="med"/>
+            <a:tailEnd type="none" w="med" len="med"/>
+          </a:ln>
+          <a:extLst>
+            <a:ext uri="{909E8E84-426E-40DD-AFC4-6F175D3DCCD1}">
+              <a14:hiddenFill xmlns:a14="http://schemas.microsoft.com/office/drawing/2010/main">
+                <a:gradFill rotWithShape="0">
+                  <a:gsLst>
+                    <a:gs pos="0">
+                      <a:schemeClr val="accent1"/>
+                    </a:gs>
+                    <a:gs pos="100000">
+                      <a:schemeClr val="accent2"/>
+                    </a:gs>
+                  </a:gsLst>
+                  <a:lin ang="5400000" scaled="1"/>
+                </a:gradFill>
+              </a14:hiddenFill>
+            </a:ext>
+          </a:extLst>
+        </p:spPr>
+        <p:txBody>
+          <a:bodyPr vert="horz" wrap="none" lIns="91440" tIns="45720" rIns="91440" bIns="45720" numCol="1" anchor="ctr" anchorCtr="0" compatLnSpc="1"/>
+          <a:p>
+            <a:pPr marL="0" marR="0" indent="0" algn="l" defTabSz="914400" rtl="0" eaLnBrk="1" fontAlgn="base" latinLnBrk="0" hangingPunct="1">
+              <a:lnSpc>
+                <a:spcPct val="100000"/>
+              </a:lnSpc>
+              <a:spcBef>
+                <a:spcPct val="0"/>
+              </a:spcBef>
+              <a:spcAft>
+                <a:spcPct val="0"/>
+              </a:spcAft>
+              <a:buClrTx/>
+              <a:buSzTx/>
+              <a:buFontTx/>
+              <a:buNone/>
+            </a:pPr>
+            <a:endParaRPr kumimoji="0" lang="zh-CN" altLang="en-US" sz="1800" b="0" i="0" u="none" strike="noStrike" cap="none" normalizeH="0" baseline="0" smtClean="0">
+              <a:ln>
+                <a:noFill/>
+              </a:ln>
+              <a:solidFill>
+                <a:schemeClr val="tx1"/>
+              </a:solidFill>
+              <a:effectLst/>
+              <a:latin typeface="Arial" panose="02080604020202020204" pitchFamily="34" charset="0"/>
+              <a:ea typeface="SimSun" pitchFamily="2" charset="-122"/>
+            </a:endParaRPr>
+          </a:p>
+        </p:txBody>
+      </p:sp>
+    </p:spTree>
+  </p:cSld>
+  <p:clrMapOvr>
+    <a:masterClrMapping/>
+  </p:clrMapOvr>
+</p:sld>
+</file>
+
+<file path=ppt/slides/slide18.xml><?xml version="1.0" encoding="utf-8"?>
+<p:sld xmlns:a="http://schemas.openxmlformats.org/drawingml/2006/main" xmlns:r="http://schemas.openxmlformats.org/officeDocument/2006/relationships" xmlns:p="http://schemas.openxmlformats.org/presentationml/2006/main">
+  <p:cSld>
+    <p:spTree>
+      <p:nvGrpSpPr>
+        <p:cNvPr id="1" name=""/>
+        <p:cNvGrpSpPr/>
+        <p:nvPr/>
+      </p:nvGrpSpPr>
+      <p:grpSpPr/>
+      <p:sp>
+        <p:nvSpPr>
+          <p:cNvPr id="2" name="Title 1"/>
+          <p:cNvSpPr>
+            <a:spLocks noGrp="1"/>
+          </p:cNvSpPr>
+          <p:nvPr>
+            <p:ph type="title"/>
+          </p:nvPr>
+        </p:nvSpPr>
+        <p:spPr/>
+        <p:txBody>
+          <a:bodyPr/>
+          <a:p>
+            <a:r>
+              <a:rPr lang="en-US" sz="2800">
+                <a:sym typeface="+mn-ea"/>
+              </a:rPr>
+              <a:t>Emp_length and Verification Status - Loan Status</a:t>
+            </a:r>
+            <a:endParaRPr lang="en-US" sz="2800"/>
+          </a:p>
+        </p:txBody>
+      </p:sp>
+      <p:pic>
+        <p:nvPicPr>
+          <p:cNvPr id="4" name="Content Placeholder 3"/>
+          <p:cNvPicPr>
+            <a:picLocks noChangeAspect="1"/>
+          </p:cNvPicPr>
+          <p:nvPr>
+            <p:ph idx="1"/>
+          </p:nvPr>
+        </p:nvPicPr>
+        <p:blipFill>
+          <a:blip r:embed="rId1">
+            <a:clrChange>
+              <a:clrFrom>
+                <a:srgbClr val="FFFFFF">
+                  <a:alpha val="100000"/>
+                </a:srgbClr>
+              </a:clrFrom>
+              <a:clrTo>
+                <a:srgbClr val="FFFFFF">
+                  <a:alpha val="100000"/>
+                  <a:alpha val="0"/>
+                </a:srgbClr>
+              </a:clrTo>
+            </a:clrChange>
+          </a:blip>
+          <a:stretch>
+            <a:fillRect/>
+          </a:stretch>
+        </p:blipFill>
+        <p:spPr>
+          <a:xfrm>
+            <a:off x="6060440" y="2569210"/>
+            <a:ext cx="5753100" cy="3219450"/>
+          </a:xfrm>
+          <a:prstGeom prst="rect">
+            <a:avLst/>
+          </a:prstGeom>
+        </p:spPr>
+      </p:pic>
+      <p:pic>
+        <p:nvPicPr>
+          <p:cNvPr id="5" name="Picture 4"/>
+          <p:cNvPicPr>
+            <a:picLocks noChangeAspect="1"/>
+          </p:cNvPicPr>
+          <p:nvPr/>
+        </p:nvPicPr>
+        <p:blipFill>
+          <a:blip r:embed="rId2">
+            <a:clrChange>
+              <a:clrFrom>
+                <a:srgbClr val="FFFFFF">
+                  <a:alpha val="100000"/>
+                </a:srgbClr>
+              </a:clrFrom>
+              <a:clrTo>
+                <a:srgbClr val="FFFFFF">
+                  <a:alpha val="100000"/>
+                  <a:alpha val="0"/>
+                </a:srgbClr>
+              </a:clrTo>
+            </a:clrChange>
+          </a:blip>
+          <a:stretch>
+            <a:fillRect/>
+          </a:stretch>
+        </p:blipFill>
+        <p:spPr>
+          <a:xfrm>
+            <a:off x="345440" y="2569210"/>
+            <a:ext cx="5715000" cy="3219450"/>
+          </a:xfrm>
+          <a:prstGeom prst="rect">
+            <a:avLst/>
+          </a:prstGeom>
+        </p:spPr>
+      </p:pic>
+      <p:sp>
+        <p:nvSpPr>
+          <p:cNvPr id="7" name="Text Box 6"/>
+          <p:cNvSpPr txBox="1"/>
+          <p:nvPr/>
+        </p:nvSpPr>
+        <p:spPr>
+          <a:xfrm>
+            <a:off x="610235" y="956310"/>
+            <a:ext cx="11203305" cy="1168400"/>
+          </a:xfrm>
+          <a:prstGeom prst="rect">
+            <a:avLst/>
+          </a:prstGeom>
+          <a:noFill/>
+        </p:spPr>
+        <p:txBody>
+          <a:bodyPr wrap="square" rtlCol="0" anchor="t">
+            <a:spAutoFit/>
+          </a:bodyPr>
+          <a:p>
+            <a:pPr marL="285750" indent="-285750">
+              <a:buFont typeface="Arial" panose="02080604020202020204" pitchFamily="34" charset="0"/>
+              <a:buChar char="•"/>
+            </a:pPr>
+            <a:endParaRPr lang="en-US" sz="1400">
+              <a:solidFill>
+                <a:schemeClr val="tx1"/>
+              </a:solidFill>
+              <a:sym typeface="+mn-ea"/>
+            </a:endParaRPr>
+          </a:p>
+          <a:p>
+            <a:pPr marL="285750" indent="-285750">
+              <a:buFont typeface="Arial" panose="02080604020202020204" pitchFamily="34" charset="0"/>
+              <a:buChar char="•"/>
+            </a:pPr>
+            <a:r>
+              <a:rPr lang="en-US" sz="1400">
+                <a:solidFill>
+                  <a:schemeClr val="tx1"/>
+                </a:solidFill>
+                <a:sym typeface="+mn-ea"/>
+              </a:rPr>
+              <a:t>Borrowers who have 10+ years of employment years and whose income is verified by lending company are highest 9%. And thier default rate is maximum i.e. 17.2%. </a:t>
+            </a:r>
+            <a:endParaRPr lang="en-US" sz="1400">
+              <a:solidFill>
+                <a:schemeClr val="tx1"/>
+              </a:solidFill>
+              <a:sym typeface="+mn-ea"/>
+            </a:endParaRPr>
+          </a:p>
+          <a:p>
+            <a:pPr marL="285750" indent="-285750">
+              <a:buFont typeface="Arial" panose="02080604020202020204" pitchFamily="34" charset="0"/>
+              <a:buChar char="•"/>
+            </a:pPr>
+            <a:r>
+              <a:rPr lang="en-US" sz="1400">
+                <a:solidFill>
+                  <a:schemeClr val="tx1"/>
+                </a:solidFill>
+                <a:sym typeface="+mn-ea"/>
+              </a:rPr>
+              <a:t>This is not a good situation for the company.</a:t>
+            </a:r>
+            <a:endParaRPr lang="en-US" sz="1400">
+              <a:solidFill>
+                <a:schemeClr val="tx1"/>
+              </a:solidFill>
+              <a:sym typeface="+mn-ea"/>
+            </a:endParaRPr>
+          </a:p>
+          <a:p>
+            <a:pPr marL="285750" indent="-285750">
+              <a:buFont typeface="Arial" panose="02080604020202020204" pitchFamily="34" charset="0"/>
+              <a:buChar char="•"/>
+            </a:pPr>
+            <a:r>
+              <a:rPr lang="en-US" sz="1400">
+                <a:sym typeface="+mn-ea"/>
+              </a:rPr>
+              <a:t>This is the criteria where company should look into it. </a:t>
+            </a:r>
+            <a:endParaRPr lang="en-US" sz="1400">
+              <a:sym typeface="+mn-ea"/>
+            </a:endParaRPr>
+          </a:p>
+        </p:txBody>
+      </p:sp>
+      <p:sp>
+        <p:nvSpPr>
+          <p:cNvPr id="8" name="Rectangles 7"/>
+          <p:cNvSpPr/>
+          <p:nvPr/>
+        </p:nvSpPr>
+        <p:spPr>
+          <a:xfrm>
+            <a:off x="4749165" y="3295015"/>
+            <a:ext cx="685800" cy="228600"/>
           </a:xfrm>
           <a:prstGeom prst="rect">
             <a:avLst/>
@@ -8916,6 +7476,80 @@
           </a:p>
         </p:txBody>
       </p:sp>
+      <p:sp>
+        <p:nvSpPr>
+          <p:cNvPr id="9" name="Rectangles 8"/>
+          <p:cNvSpPr/>
+          <p:nvPr/>
+        </p:nvSpPr>
+        <p:spPr>
+          <a:xfrm>
+            <a:off x="10524490" y="3295015"/>
+            <a:ext cx="685800" cy="228600"/>
+          </a:xfrm>
+          <a:prstGeom prst="rect">
+            <a:avLst/>
+          </a:prstGeom>
+          <a:noFill/>
+          <a:ln w="28575" cap="flat" cmpd="sng" algn="ctr">
+            <a:solidFill>
+              <a:srgbClr val="FF0000"/>
+            </a:solidFill>
+            <a:prstDash val="solid"/>
+            <a:round/>
+            <a:headEnd type="none" w="med" len="med"/>
+            <a:tailEnd type="none" w="med" len="med"/>
+          </a:ln>
+          <a:extLst>
+            <a:ext uri="{909E8E84-426E-40DD-AFC4-6F175D3DCCD1}">
+              <a14:hiddenFill xmlns:a14="http://schemas.microsoft.com/office/drawing/2010/main">
+                <a:gradFill rotWithShape="0">
+                  <a:gsLst>
+                    <a:gs pos="0">
+                      <a:schemeClr val="accent1"/>
+                    </a:gs>
+                    <a:gs pos="100000">
+                      <a:schemeClr val="accent2"/>
+                    </a:gs>
+                  </a:gsLst>
+                  <a:lin ang="5400000" scaled="1"/>
+                </a:gradFill>
+              </a14:hiddenFill>
+            </a:ext>
+          </a:extLst>
+        </p:spPr>
+        <p:txBody>
+          <a:bodyPr vert="horz" wrap="none" lIns="91440" tIns="45720" rIns="91440" bIns="45720" numCol="1" anchor="ctr" anchorCtr="0" compatLnSpc="1"/>
+          <a:p>
+            <a:pPr marL="0" marR="0" indent="0" algn="l" defTabSz="914400" rtl="0" eaLnBrk="1" fontAlgn="base" latinLnBrk="0" hangingPunct="1">
+              <a:lnSpc>
+                <a:spcPct val="100000"/>
+              </a:lnSpc>
+              <a:spcBef>
+                <a:spcPct val="0"/>
+              </a:spcBef>
+              <a:spcAft>
+                <a:spcPct val="0"/>
+              </a:spcAft>
+              <a:buClrTx/>
+              <a:buSzTx/>
+              <a:buFontTx/>
+              <a:buNone/>
+            </a:pPr>
+            <a:endParaRPr kumimoji="0" lang="zh-CN" altLang="en-US" sz="1800" b="0" i="0" u="none" strike="noStrike" cap="none" normalizeH="0" baseline="0" smtClean="0">
+              <a:ln>
+                <a:noFill/>
+              </a:ln>
+              <a:solidFill>
+                <a:schemeClr val="tx1"/>
+              </a:solidFill>
+              <a:effectLst/>
+              <a:latin typeface="Arial" panose="02080604020202020204" pitchFamily="34" charset="0"/>
+              <a:ea typeface="SimSun" pitchFamily="2" charset="-122"/>
+            </a:endParaRPr>
+          </a:p>
+        </p:txBody>
+      </p:sp>
     </p:spTree>
   </p:cSld>
   <p:clrMapOvr>
@@ -8924,7 +7558,7 @@
 </p:sld>
 </file>
 
-<file path=ppt/slides/slide6.xml><?xml version="1.0" encoding="utf-8"?>
+<file path=ppt/slides/slide19.xml><?xml version="1.0" encoding="utf-8"?>
 <p:sld xmlns:a="http://schemas.openxmlformats.org/drawingml/2006/main" xmlns:r="http://schemas.openxmlformats.org/officeDocument/2006/relationships" xmlns:p="http://schemas.openxmlformats.org/presentationml/2006/main">
   <p:cSld>
     <p:spTree>
@@ -8950,7 +7584,7 @@
           <a:p>
             <a:r>
               <a:rPr lang="en-US"/>
-              <a:t>Loan vs Time Period</a:t>
+              <a:t>Home_ownership &amp; Purpose - Loan Status</a:t>
             </a:r>
             <a:endParaRPr lang="en-US"/>
           </a:p>
@@ -8967,15 +7601,29 @@
           </p:nvPr>
         </p:nvPicPr>
         <p:blipFill>
-          <a:blip r:embed="rId1"/>
+          <a:blip r:embed="rId1">
+            <a:clrChange>
+              <a:clrFrom>
+                <a:srgbClr val="FFFFFF">
+                  <a:alpha val="100000"/>
+                </a:srgbClr>
+              </a:clrFrom>
+              <a:clrTo>
+                <a:srgbClr val="FFFFFF">
+                  <a:alpha val="100000"/>
+                  <a:alpha val="0"/>
+                </a:srgbClr>
+              </a:clrTo>
+            </a:clrChange>
+          </a:blip>
           <a:stretch>
             <a:fillRect/>
           </a:stretch>
         </p:blipFill>
         <p:spPr>
           <a:xfrm>
-            <a:off x="609600" y="1285240"/>
-            <a:ext cx="4124325" cy="3933825"/>
+            <a:off x="266065" y="3241040"/>
+            <a:ext cx="5372100" cy="3486150"/>
           </a:xfrm>
           <a:prstGeom prst="rect">
             <a:avLst/>
@@ -8991,15 +7639,29 @@
           <p:nvPr/>
         </p:nvPicPr>
         <p:blipFill>
-          <a:blip r:embed="rId2"/>
+          <a:blip r:embed="rId2">
+            <a:clrChange>
+              <a:clrFrom>
+                <a:srgbClr val="FFFFFF">
+                  <a:alpha val="100000"/>
+                </a:srgbClr>
+              </a:clrFrom>
+              <a:clrTo>
+                <a:srgbClr val="FFFFFF">
+                  <a:alpha val="100000"/>
+                  <a:alpha val="0"/>
+                </a:srgbClr>
+              </a:clrTo>
+            </a:clrChange>
+          </a:blip>
           <a:stretch>
             <a:fillRect/>
           </a:stretch>
         </p:blipFill>
         <p:spPr>
           <a:xfrm>
-            <a:off x="5330190" y="1285240"/>
-            <a:ext cx="6191250" cy="3924300"/>
+            <a:off x="5871210" y="3241040"/>
+            <a:ext cx="5372100" cy="3486150"/>
           </a:xfrm>
           <a:prstGeom prst="rect">
             <a:avLst/>
@@ -9014,8 +7676,8 @@
         </p:nvSpPr>
         <p:spPr>
           <a:xfrm>
-            <a:off x="591820" y="5446395"/>
-            <a:ext cx="10914380" cy="737235"/>
+            <a:off x="574675" y="1280795"/>
+            <a:ext cx="10858500" cy="737235"/>
           </a:xfrm>
           <a:prstGeom prst="rect">
             <a:avLst/>
@@ -9033,7 +7695,15 @@
             </a:pPr>
             <a:r>
               <a:rPr lang="en-US" sz="1400"/>
-              <a:t>Number of loan applicants are increasing over the period of time.</a:t>
+              <a:t>High chunk of loans (23.9% + 19.6% = </a:t>
+            </a:r>
+            <a:r>
+              <a:rPr lang="en-US" sz="1400" b="1"/>
+              <a:t>43.5%</a:t>
+            </a:r>
+            <a:r>
+              <a:rPr lang="en-US" sz="1400"/>
+              <a:t>) are taken for debt_consolidation purpose and the borrowers of these loans stays in rented house or Mortgaged thier house.</a:t>
             </a:r>
             <a:endParaRPr lang="en-US" sz="1400"/>
           </a:p>
@@ -9044,393 +7714,22 @@
             </a:pPr>
             <a:r>
               <a:rPr lang="en-US" sz="1400"/>
-              <a:t>Total borrowers in 2011 is highest i.e. 21K</a:t>
+              <a:t>And there is almost 15% chance of loan getting defaulted which is high and serious.</a:t>
             </a:r>
             <a:endParaRPr lang="en-US" sz="1400"/>
           </a:p>
-          <a:p>
-            <a:pPr marL="285750" indent="-285750">
-              <a:buFont typeface="Arial" panose="02080604020202020204" pitchFamily="34" charset="0"/>
-              <a:buChar char="•"/>
-            </a:pPr>
-            <a:r>
-              <a:rPr lang="en-US" sz="1400"/>
-              <a:t>On an average loan amount given to the borrowers is high in 2nf half of the year compared to first half</a:t>
-            </a:r>
-            <a:endParaRPr lang="en-US" sz="1400"/>
-          </a:p>
-        </p:txBody>
-      </p:sp>
-    </p:spTree>
-  </p:cSld>
-  <p:clrMapOvr>
-    <a:masterClrMapping/>
-  </p:clrMapOvr>
-</p:sld>
-</file>
-
-<file path=ppt/slides/slide7.xml><?xml version="1.0" encoding="utf-8"?>
-<p:sld xmlns:a="http://schemas.openxmlformats.org/drawingml/2006/main" xmlns:r="http://schemas.openxmlformats.org/officeDocument/2006/relationships" xmlns:p="http://schemas.openxmlformats.org/presentationml/2006/main">
-  <p:cSld>
-    <p:spTree>
-      <p:nvGrpSpPr>
-        <p:cNvPr id="1" name=""/>
-        <p:cNvGrpSpPr/>
-        <p:nvPr/>
-      </p:nvGrpSpPr>
-      <p:grpSpPr/>
-      <p:sp>
-        <p:nvSpPr>
-          <p:cNvPr id="2" name="Title 1"/>
-          <p:cNvSpPr>
-            <a:spLocks noGrp="1"/>
-          </p:cNvSpPr>
-          <p:nvPr>
-            <p:ph type="title"/>
-          </p:nvPr>
-        </p:nvSpPr>
-        <p:spPr/>
-        <p:txBody>
-          <a:bodyPr/>
-          <a:p>
-            <a:r>
-              <a:rPr lang="en-US"/>
-              <a:t>Term, Interest rate, Default Status</a:t>
-            </a:r>
-            <a:endParaRPr lang="en-US"/>
-          </a:p>
-        </p:txBody>
-      </p:sp>
-      <p:pic>
-        <p:nvPicPr>
-          <p:cNvPr id="6" name="Content Placeholder 5"/>
-          <p:cNvPicPr>
-            <a:picLocks noChangeAspect="1"/>
-          </p:cNvPicPr>
-          <p:nvPr>
-            <p:ph idx="1"/>
-          </p:nvPr>
-        </p:nvPicPr>
-        <p:blipFill>
-          <a:blip r:embed="rId1"/>
-          <a:stretch>
-            <a:fillRect/>
-          </a:stretch>
-        </p:blipFill>
-        <p:spPr>
-          <a:xfrm>
-            <a:off x="609600" y="1468120"/>
-            <a:ext cx="2327275" cy="2602230"/>
-          </a:xfrm>
-          <a:prstGeom prst="rect">
-            <a:avLst/>
-          </a:prstGeom>
-        </p:spPr>
-      </p:pic>
-      <p:pic>
-        <p:nvPicPr>
-          <p:cNvPr id="7" name="Picture 6"/>
-          <p:cNvPicPr>
-            <a:picLocks noChangeAspect="1"/>
-          </p:cNvPicPr>
-          <p:nvPr/>
-        </p:nvPicPr>
-        <p:blipFill>
-          <a:blip r:embed="rId2"/>
-          <a:stretch>
-            <a:fillRect/>
-          </a:stretch>
-        </p:blipFill>
-        <p:spPr>
-          <a:xfrm>
-            <a:off x="609600" y="4298315"/>
-            <a:ext cx="5650230" cy="1277620"/>
-          </a:xfrm>
-          <a:prstGeom prst="rect">
-            <a:avLst/>
-          </a:prstGeom>
-        </p:spPr>
-      </p:pic>
-      <p:pic>
-        <p:nvPicPr>
-          <p:cNvPr id="8" name="Picture 7"/>
-          <p:cNvPicPr>
-            <a:picLocks noChangeAspect="1"/>
-          </p:cNvPicPr>
-          <p:nvPr/>
-        </p:nvPicPr>
-        <p:blipFill>
-          <a:blip r:embed="rId3"/>
-          <a:stretch>
-            <a:fillRect/>
-          </a:stretch>
-        </p:blipFill>
-        <p:spPr>
-          <a:xfrm>
-            <a:off x="3140075" y="1467485"/>
-            <a:ext cx="3119755" cy="2641600"/>
-          </a:xfrm>
-          <a:prstGeom prst="rect">
-            <a:avLst/>
-          </a:prstGeom>
-        </p:spPr>
-      </p:pic>
-      <p:sp>
-        <p:nvSpPr>
-          <p:cNvPr id="9" name="Text Box 8"/>
-          <p:cNvSpPr txBox="1"/>
-          <p:nvPr/>
-        </p:nvSpPr>
-        <p:spPr>
-          <a:xfrm>
-            <a:off x="6861175" y="1642745"/>
-            <a:ext cx="3991610" cy="2461260"/>
-          </a:xfrm>
-          <a:prstGeom prst="rect">
-            <a:avLst/>
-          </a:prstGeom>
-          <a:noFill/>
-        </p:spPr>
-        <p:txBody>
-          <a:bodyPr wrap="square" rtlCol="0">
-            <a:spAutoFit/>
-          </a:bodyPr>
-          <a:p>
-            <a:pPr marL="285750" indent="-285750">
-              <a:buFont typeface="Arial" panose="02080604020202020204" pitchFamily="34" charset="0"/>
-              <a:buChar char="•"/>
-            </a:pPr>
-            <a:r>
-              <a:rPr lang="en-US" sz="1400"/>
-              <a:t>Most of the loans (73%) have 36 months tenure where as only 26% loans have 60 months tenure.</a:t>
-            </a:r>
-            <a:endParaRPr lang="en-US" sz="1400"/>
-          </a:p>
-          <a:p>
-            <a:pPr marL="285750" indent="-285750">
-              <a:buFont typeface="Arial" panose="02080604020202020204" pitchFamily="34" charset="0"/>
-              <a:buChar char="•"/>
-            </a:pPr>
-            <a:endParaRPr lang="en-US" sz="1400"/>
-          </a:p>
-          <a:p>
-            <a:pPr marL="285750" indent="-285750">
-              <a:buFont typeface="Arial" panose="02080604020202020204" pitchFamily="34" charset="0"/>
-              <a:buChar char="•"/>
-            </a:pPr>
-            <a:r>
-              <a:rPr lang="en-US" sz="1400"/>
-              <a:t>Interest rate for 60 months tenure loans is higher than that of 36 months loan.</a:t>
-            </a:r>
-            <a:endParaRPr lang="en-US" sz="1400"/>
-          </a:p>
-          <a:p>
-            <a:pPr marL="285750" indent="-285750">
-              <a:buFont typeface="Arial" panose="02080604020202020204" pitchFamily="34" charset="0"/>
-              <a:buChar char="•"/>
-            </a:pPr>
-            <a:endParaRPr lang="en-US" sz="1400"/>
-          </a:p>
-          <a:p>
-            <a:pPr marL="285750" indent="-285750">
-              <a:buFont typeface="Arial" panose="02080604020202020204" pitchFamily="34" charset="0"/>
-              <a:buChar char="•"/>
-            </a:pPr>
-            <a:r>
-              <a:rPr lang="en-US" sz="1400"/>
-              <a:t>And </a:t>
-            </a:r>
-            <a:r>
-              <a:rPr lang="en-US" sz="1400" b="1"/>
-              <a:t>chances of 60 months loan getting default is double</a:t>
-            </a:r>
-            <a:r>
-              <a:rPr lang="en-US" sz="1400"/>
-              <a:t> (22.6%) that of 36 months loans (11.1%)</a:t>
-            </a:r>
-            <a:endParaRPr lang="en-US" sz="1400"/>
-          </a:p>
-        </p:txBody>
-      </p:sp>
-    </p:spTree>
-  </p:cSld>
-  <p:clrMapOvr>
-    <a:masterClrMapping/>
-  </p:clrMapOvr>
-</p:sld>
-</file>
-
-<file path=ppt/slides/slide8.xml><?xml version="1.0" encoding="utf-8"?>
-<p:sld xmlns:a="http://schemas.openxmlformats.org/drawingml/2006/main" xmlns:r="http://schemas.openxmlformats.org/officeDocument/2006/relationships" xmlns:p="http://schemas.openxmlformats.org/presentationml/2006/main">
-  <p:cSld>
-    <p:spTree>
-      <p:nvGrpSpPr>
-        <p:cNvPr id="1" name=""/>
-        <p:cNvGrpSpPr/>
-        <p:nvPr/>
-      </p:nvGrpSpPr>
-      <p:grpSpPr/>
-      <p:sp>
-        <p:nvSpPr>
-          <p:cNvPr id="2" name="Title 1"/>
-          <p:cNvSpPr>
-            <a:spLocks noGrp="1"/>
-          </p:cNvSpPr>
-          <p:nvPr>
-            <p:ph type="title"/>
-          </p:nvPr>
-        </p:nvSpPr>
-        <p:spPr/>
-        <p:txBody>
-          <a:bodyPr/>
-          <a:p>
-            <a:r>
-              <a:rPr lang="en-US"/>
-              <a:t>Grade, Interest rate, Default Status</a:t>
-            </a:r>
-            <a:endParaRPr lang="en-US"/>
-          </a:p>
-        </p:txBody>
-      </p:sp>
-      <p:pic>
-        <p:nvPicPr>
-          <p:cNvPr id="5" name="Picture 4"/>
-          <p:cNvPicPr>
-            <a:picLocks noChangeAspect="1"/>
-          </p:cNvPicPr>
-          <p:nvPr/>
-        </p:nvPicPr>
-        <p:blipFill>
-          <a:blip r:embed="rId1"/>
-          <a:stretch>
-            <a:fillRect/>
-          </a:stretch>
-        </p:blipFill>
-        <p:spPr>
-          <a:xfrm>
-            <a:off x="609600" y="3241040"/>
-            <a:ext cx="4203065" cy="1183640"/>
-          </a:xfrm>
-          <a:prstGeom prst="rect">
-            <a:avLst/>
-          </a:prstGeom>
-        </p:spPr>
-      </p:pic>
-      <p:pic>
-        <p:nvPicPr>
-          <p:cNvPr id="6" name="Picture 5"/>
-          <p:cNvPicPr>
-            <a:picLocks noChangeAspect="1"/>
-          </p:cNvPicPr>
-          <p:nvPr/>
-        </p:nvPicPr>
-        <p:blipFill>
-          <a:blip r:embed="rId2"/>
-          <a:stretch>
-            <a:fillRect/>
-          </a:stretch>
-        </p:blipFill>
-        <p:spPr>
-          <a:xfrm>
-            <a:off x="5282565" y="1335405"/>
-            <a:ext cx="4527550" cy="3089910"/>
-          </a:xfrm>
-          <a:prstGeom prst="rect">
-            <a:avLst/>
-          </a:prstGeom>
-        </p:spPr>
-      </p:pic>
-      <p:pic>
-        <p:nvPicPr>
-          <p:cNvPr id="7" name="Picture 6"/>
-          <p:cNvPicPr>
-            <a:picLocks noChangeAspect="1"/>
-          </p:cNvPicPr>
-          <p:nvPr/>
-        </p:nvPicPr>
-        <p:blipFill>
-          <a:blip r:embed="rId3"/>
-          <a:stretch>
-            <a:fillRect/>
-          </a:stretch>
-        </p:blipFill>
-        <p:spPr>
-          <a:xfrm>
-            <a:off x="609600" y="1335405"/>
-            <a:ext cx="4202430" cy="1689100"/>
-          </a:xfrm>
-          <a:prstGeom prst="rect">
-            <a:avLst/>
-          </a:prstGeom>
-        </p:spPr>
-      </p:pic>
-      <p:sp>
-        <p:nvSpPr>
-          <p:cNvPr id="8" name="Content Placeholder 7"/>
-          <p:cNvSpPr/>
-          <p:nvPr>
-            <p:ph idx="1"/>
-          </p:nvPr>
-        </p:nvSpPr>
-        <p:spPr>
-          <a:xfrm>
-            <a:off x="609600" y="4987290"/>
-            <a:ext cx="10972800" cy="895350"/>
-          </a:xfrm>
-        </p:spPr>
-        <p:txBody>
-          <a:bodyPr/>
-          <a:p>
-            <a:r>
-              <a:rPr lang="en-US" sz="1400"/>
-              <a:t>75% loans are Grade A(25%), B(30%), C(20%) </a:t>
-            </a:r>
-            <a:endParaRPr lang="en-US" sz="1400"/>
-          </a:p>
-          <a:p>
-            <a:r>
-              <a:rPr lang="en-US" sz="1400"/>
-              <a:t>Interest rates and Default rates are low for A, B, C grades. </a:t>
-            </a:r>
-            <a:endParaRPr lang="en-US" sz="1400"/>
-          </a:p>
-          <a:p>
-            <a:r>
-              <a:rPr lang="en-US" sz="1400"/>
-              <a:t>Interest rate is gradually increasing for the A, B, C, D, E, F, G grade loans</a:t>
-            </a:r>
-            <a:endParaRPr lang="en-US" sz="1400"/>
-          </a:p>
-          <a:p>
-            <a:r>
-              <a:rPr lang="en-US" sz="1400"/>
-              <a:t>There is a 32% chance of G grade loans getting defaulted. </a:t>
-            </a:r>
-            <a:endParaRPr lang="en-US" sz="1400"/>
-          </a:p>
-          <a:p>
-            <a:r>
-              <a:rPr lang="en-US" sz="1400"/>
-              <a:t> </a:t>
-            </a:r>
-            <a:r>
-              <a:rPr lang="en-US" sz="1400" b="1"/>
-              <a:t>Higher the grade, higher is the interest rate, high chances of getting default</a:t>
-            </a:r>
-            <a:endParaRPr lang="en-US" sz="1400" b="1"/>
-          </a:p>
-        </p:txBody>
-      </p:sp>
-      <p:sp>
-        <p:nvSpPr>
-          <p:cNvPr id="10" name="Rectangles 9"/>
+        </p:txBody>
+      </p:sp>
+      <p:sp>
+        <p:nvSpPr>
+          <p:cNvPr id="7" name="Rectangles 6"/>
           <p:cNvSpPr/>
           <p:nvPr/>
         </p:nvSpPr>
         <p:spPr>
           <a:xfrm>
-            <a:off x="4229100" y="3524250"/>
-            <a:ext cx="514350" cy="809625"/>
+            <a:off x="1374775" y="3814445"/>
+            <a:ext cx="285750" cy="266700"/>
           </a:xfrm>
           <a:prstGeom prst="rect">
             <a:avLst/>
@@ -9497,14 +7796,14 @@
       </p:sp>
       <p:sp>
         <p:nvSpPr>
-          <p:cNvPr id="11" name="Rectangles 10"/>
+          <p:cNvPr id="8" name="Rectangles 7"/>
           <p:cNvSpPr/>
           <p:nvPr/>
         </p:nvSpPr>
         <p:spPr>
           <a:xfrm>
-            <a:off x="9156700" y="1775460"/>
-            <a:ext cx="514350" cy="809625"/>
+            <a:off x="1374775" y="5303520"/>
+            <a:ext cx="285750" cy="266700"/>
           </a:xfrm>
           <a:prstGeom prst="rect">
             <a:avLst/>
@@ -9569,6 +7868,154 @@
           </a:p>
         </p:txBody>
       </p:sp>
+      <p:sp>
+        <p:nvSpPr>
+          <p:cNvPr id="9" name="Rectangles 8"/>
+          <p:cNvSpPr/>
+          <p:nvPr/>
+        </p:nvSpPr>
+        <p:spPr>
+          <a:xfrm>
+            <a:off x="7031355" y="3748405"/>
+            <a:ext cx="285750" cy="266700"/>
+          </a:xfrm>
+          <a:prstGeom prst="rect">
+            <a:avLst/>
+          </a:prstGeom>
+          <a:noFill/>
+          <a:ln w="19050" cap="flat" cmpd="sng" algn="ctr">
+            <a:solidFill>
+              <a:srgbClr val="FF0000"/>
+            </a:solidFill>
+            <a:prstDash val="solid"/>
+            <a:round/>
+            <a:headEnd type="none" w="med" len="med"/>
+            <a:tailEnd type="none" w="med" len="med"/>
+          </a:ln>
+          <a:extLst>
+            <a:ext uri="{909E8E84-426E-40DD-AFC4-6F175D3DCCD1}">
+              <a14:hiddenFill xmlns:a14="http://schemas.microsoft.com/office/drawing/2010/main">
+                <a:gradFill rotWithShape="0">
+                  <a:gsLst>
+                    <a:gs pos="0">
+                      <a:schemeClr val="accent1"/>
+                    </a:gs>
+                    <a:gs pos="100000">
+                      <a:schemeClr val="accent2"/>
+                    </a:gs>
+                  </a:gsLst>
+                  <a:lin ang="5400000" scaled="1"/>
+                </a:gradFill>
+              </a14:hiddenFill>
+            </a:ext>
+          </a:extLst>
+        </p:spPr>
+        <p:txBody>
+          <a:bodyPr vert="horz" wrap="none" lIns="91440" tIns="45720" rIns="91440" bIns="45720" numCol="1" anchor="ctr" anchorCtr="0" compatLnSpc="1"/>
+          <a:p>
+            <a:pPr marL="0" marR="0" indent="0" algn="l" defTabSz="914400" rtl="0" eaLnBrk="1" fontAlgn="base" latinLnBrk="0" hangingPunct="1">
+              <a:lnSpc>
+                <a:spcPct val="100000"/>
+              </a:lnSpc>
+              <a:spcBef>
+                <a:spcPct val="0"/>
+              </a:spcBef>
+              <a:spcAft>
+                <a:spcPct val="0"/>
+              </a:spcAft>
+              <a:buClrTx/>
+              <a:buSzTx/>
+              <a:buFontTx/>
+              <a:buNone/>
+            </a:pPr>
+            <a:endParaRPr kumimoji="0" lang="zh-CN" altLang="en-US" sz="1800" b="0" i="0" u="none" strike="noStrike" cap="none" normalizeH="0" baseline="0" smtClean="0">
+              <a:ln>
+                <a:noFill/>
+              </a:ln>
+              <a:solidFill>
+                <a:schemeClr val="tx1"/>
+              </a:solidFill>
+              <a:effectLst/>
+              <a:latin typeface="Arial" panose="02080604020202020204" pitchFamily="34" charset="0"/>
+              <a:ea typeface="SimSun" pitchFamily="2" charset="-122"/>
+            </a:endParaRPr>
+          </a:p>
+        </p:txBody>
+      </p:sp>
+      <p:sp>
+        <p:nvSpPr>
+          <p:cNvPr id="10" name="Rectangles 9"/>
+          <p:cNvSpPr/>
+          <p:nvPr/>
+        </p:nvSpPr>
+        <p:spPr>
+          <a:xfrm>
+            <a:off x="7031355" y="5303520"/>
+            <a:ext cx="285750" cy="266700"/>
+          </a:xfrm>
+          <a:prstGeom prst="rect">
+            <a:avLst/>
+          </a:prstGeom>
+          <a:noFill/>
+          <a:ln w="19050" cap="flat" cmpd="sng" algn="ctr">
+            <a:solidFill>
+              <a:srgbClr val="FF0000"/>
+            </a:solidFill>
+            <a:prstDash val="solid"/>
+            <a:round/>
+            <a:headEnd type="none" w="med" len="med"/>
+            <a:tailEnd type="none" w="med" len="med"/>
+          </a:ln>
+          <a:extLst>
+            <a:ext uri="{909E8E84-426E-40DD-AFC4-6F175D3DCCD1}">
+              <a14:hiddenFill xmlns:a14="http://schemas.microsoft.com/office/drawing/2010/main">
+                <a:gradFill rotWithShape="0">
+                  <a:gsLst>
+                    <a:gs pos="0">
+                      <a:schemeClr val="accent1"/>
+                    </a:gs>
+                    <a:gs pos="100000">
+                      <a:schemeClr val="accent2"/>
+                    </a:gs>
+                  </a:gsLst>
+                  <a:lin ang="5400000" scaled="1"/>
+                </a:gradFill>
+              </a14:hiddenFill>
+            </a:ext>
+          </a:extLst>
+        </p:spPr>
+        <p:txBody>
+          <a:bodyPr vert="horz" wrap="none" lIns="91440" tIns="45720" rIns="91440" bIns="45720" numCol="1" anchor="ctr" anchorCtr="0" compatLnSpc="1"/>
+          <a:p>
+            <a:pPr marL="0" marR="0" indent="0" algn="l" defTabSz="914400" rtl="0" eaLnBrk="1" fontAlgn="base" latinLnBrk="0" hangingPunct="1">
+              <a:lnSpc>
+                <a:spcPct val="100000"/>
+              </a:lnSpc>
+              <a:spcBef>
+                <a:spcPct val="0"/>
+              </a:spcBef>
+              <a:spcAft>
+                <a:spcPct val="0"/>
+              </a:spcAft>
+              <a:buClrTx/>
+              <a:buSzTx/>
+              <a:buFontTx/>
+              <a:buNone/>
+            </a:pPr>
+            <a:endParaRPr kumimoji="0" lang="zh-CN" altLang="en-US" sz="1800" b="0" i="0" u="none" strike="noStrike" cap="none" normalizeH="0" baseline="0" smtClean="0">
+              <a:ln>
+                <a:noFill/>
+              </a:ln>
+              <a:solidFill>
+                <a:schemeClr val="tx1"/>
+              </a:solidFill>
+              <a:effectLst/>
+              <a:latin typeface="Arial" panose="02080604020202020204" pitchFamily="34" charset="0"/>
+              <a:ea typeface="SimSun" pitchFamily="2" charset="-122"/>
+            </a:endParaRPr>
+          </a:p>
+        </p:txBody>
+      </p:sp>
     </p:spTree>
   </p:cSld>
   <p:clrMapOvr>
@@ -9577,7 +8024,7 @@
 </p:sld>
 </file>
 
-<file path=ppt/slides/slide9.xml><?xml version="1.0" encoding="utf-8"?>
+<file path=ppt/slides/slide2.xml><?xml version="1.0" encoding="utf-8"?>
 <p:sld xmlns:a="http://schemas.openxmlformats.org/drawingml/2006/main" xmlns:r="http://schemas.openxmlformats.org/officeDocument/2006/relationships" xmlns:p="http://schemas.openxmlformats.org/presentationml/2006/main">
   <p:cSld>
     <p:spTree>
@@ -9602,10 +8049,128 @@
           <a:bodyPr/>
           <a:p>
             <a:r>
-              <a:rPr lang="en-US" sz="2800"/>
-              <a:t>Loan Amount, Grade &amp; Revolving Line Utilization Rate</a:t>
-            </a:r>
-            <a:endParaRPr lang="en-US" sz="2800"/>
+              <a:rPr lang="en-US"/>
+              <a:t>Business Objective</a:t>
+            </a:r>
+            <a:endParaRPr lang="en-US"/>
+          </a:p>
+        </p:txBody>
+      </p:sp>
+      <p:sp>
+        <p:nvSpPr>
+          <p:cNvPr id="3" name="Content Placeholder 2"/>
+          <p:cNvSpPr>
+            <a:spLocks noGrp="1"/>
+          </p:cNvSpPr>
+          <p:nvPr>
+            <p:ph idx="1"/>
+          </p:nvPr>
+        </p:nvSpPr>
+        <p:spPr/>
+        <p:txBody>
+          <a:bodyPr/>
+          <a:p>
+            <a:r>
+              <a:rPr lang="en-US" sz="2000"/>
+              <a:t>The company wants to understand the driving factors behind loan default</a:t>
+            </a:r>
+            <a:endParaRPr lang="en-US" sz="2000"/>
+          </a:p>
+          <a:p>
+            <a:r>
+              <a:rPr lang="en-US" sz="2000"/>
+              <a:t>The variables which are strong indicators of default. </a:t>
+            </a:r>
+            <a:endParaRPr lang="en-US" sz="2000"/>
+          </a:p>
+          <a:p>
+            <a:r>
+              <a:rPr lang="en-US" sz="2000"/>
+              <a:t>The company can utilise this knowledge for its portfolio and risk assessment.</a:t>
+            </a:r>
+            <a:endParaRPr lang="en-US" sz="2000"/>
+          </a:p>
+        </p:txBody>
+      </p:sp>
+      <p:pic>
+        <p:nvPicPr>
+          <p:cNvPr id="5" name="Picture 4"/>
+          <p:cNvPicPr>
+            <a:picLocks noChangeAspect="1"/>
+          </p:cNvPicPr>
+          <p:nvPr/>
+        </p:nvPicPr>
+        <p:blipFill>
+          <a:blip r:embed="rId1">
+            <a:clrChange>
+              <a:clrFrom>
+                <a:srgbClr val="FFFFFF">
+                  <a:alpha val="100000"/>
+                </a:srgbClr>
+              </a:clrFrom>
+              <a:clrTo>
+                <a:srgbClr val="FFFFFF">
+                  <a:alpha val="100000"/>
+                  <a:alpha val="0"/>
+                </a:srgbClr>
+              </a:clrTo>
+            </a:clrChange>
+          </a:blip>
+          <a:stretch>
+            <a:fillRect/>
+          </a:stretch>
+        </p:blipFill>
+        <p:spPr>
+          <a:xfrm>
+            <a:off x="950595" y="3295650"/>
+            <a:ext cx="2621280" cy="2533650"/>
+          </a:xfrm>
+          <a:prstGeom prst="rect">
+            <a:avLst/>
+          </a:prstGeom>
+        </p:spPr>
+      </p:pic>
+    </p:spTree>
+  </p:cSld>
+  <p:clrMapOvr>
+    <a:masterClrMapping/>
+  </p:clrMapOvr>
+</p:sld>
+</file>
+
+<file path=ppt/slides/slide20.xml><?xml version="1.0" encoding="utf-8"?>
+<p:sld xmlns:a="http://schemas.openxmlformats.org/drawingml/2006/main" xmlns:r="http://schemas.openxmlformats.org/officeDocument/2006/relationships" xmlns:p="http://schemas.openxmlformats.org/presentationml/2006/main">
+  <p:cSld>
+    <p:spTree>
+      <p:nvGrpSpPr>
+        <p:cNvPr id="1" name=""/>
+        <p:cNvGrpSpPr/>
+        <p:nvPr/>
+      </p:nvGrpSpPr>
+      <p:grpSpPr/>
+      <p:sp>
+        <p:nvSpPr>
+          <p:cNvPr id="2" name="Title 1"/>
+          <p:cNvSpPr>
+            <a:spLocks noGrp="1"/>
+          </p:cNvSpPr>
+          <p:nvPr>
+            <p:ph type="title"/>
+          </p:nvPr>
+        </p:nvSpPr>
+        <p:spPr/>
+        <p:txBody>
+          <a:bodyPr/>
+          <a:p>
+            <a:r>
+              <a:rPr lang="en-US" b="1"/>
+              <a:t>Loan Amount</a:t>
+            </a:r>
+            <a:r>
+              <a:rPr lang="en-US"/>
+              <a:t> for different types of loans</a:t>
+            </a:r>
+            <a:endParaRPr lang="en-US"/>
           </a:p>
         </p:txBody>
       </p:sp>
@@ -9620,15 +8185,105 @@
           </p:nvPr>
         </p:nvPicPr>
         <p:blipFill>
-          <a:blip r:embed="rId1"/>
+          <a:blip r:embed="rId1">
+            <a:clrChange>
+              <a:clrFrom>
+                <a:srgbClr val="FFFFFF">
+                  <a:alpha val="100000"/>
+                </a:srgbClr>
+              </a:clrFrom>
+              <a:clrTo>
+                <a:srgbClr val="FFFFFF">
+                  <a:alpha val="100000"/>
+                  <a:alpha val="0"/>
+                </a:srgbClr>
+              </a:clrTo>
+            </a:clrChange>
+          </a:blip>
           <a:stretch>
             <a:fillRect/>
           </a:stretch>
         </p:blipFill>
         <p:spPr>
           <a:xfrm>
-            <a:off x="523240" y="1089025"/>
-            <a:ext cx="4882515" cy="2771775"/>
+            <a:off x="325120" y="1366520"/>
+            <a:ext cx="2868295" cy="2025650"/>
+          </a:xfrm>
+          <a:prstGeom prst="rect">
+            <a:avLst/>
+          </a:prstGeom>
+        </p:spPr>
+      </p:pic>
+      <p:pic>
+        <p:nvPicPr>
+          <p:cNvPr id="5" name="Picture 4"/>
+          <p:cNvPicPr>
+            <a:picLocks noChangeAspect="1"/>
+          </p:cNvPicPr>
+          <p:nvPr/>
+        </p:nvPicPr>
+        <p:blipFill>
+          <a:blip r:embed="rId2">
+            <a:clrChange>
+              <a:clrFrom>
+                <a:srgbClr val="FFFFFF">
+                  <a:alpha val="100000"/>
+                </a:srgbClr>
+              </a:clrFrom>
+              <a:clrTo>
+                <a:srgbClr val="FFFFFF">
+                  <a:alpha val="100000"/>
+                  <a:alpha val="0"/>
+                </a:srgbClr>
+              </a:clrTo>
+            </a:clrChange>
+          </a:blip>
+          <a:stretch>
+            <a:fillRect/>
+          </a:stretch>
+        </p:blipFill>
+        <p:spPr>
+          <a:xfrm>
+            <a:off x="7531735" y="4226560"/>
+            <a:ext cx="4486910" cy="2370455"/>
+          </a:xfrm>
+          <a:prstGeom prst="rect">
+            <a:avLst/>
+          </a:prstGeom>
+        </p:spPr>
+      </p:pic>
+      <p:pic>
+        <p:nvPicPr>
+          <p:cNvPr id="6" name="Picture 5"/>
+          <p:cNvPicPr>
+            <a:picLocks noChangeAspect="1"/>
+          </p:cNvPicPr>
+          <p:nvPr/>
+        </p:nvPicPr>
+        <p:blipFill>
+          <a:blip r:embed="rId3">
+            <a:clrChange>
+              <a:clrFrom>
+                <a:srgbClr val="FFFFFF">
+                  <a:alpha val="100000"/>
+                </a:srgbClr>
+              </a:clrFrom>
+              <a:clrTo>
+                <a:srgbClr val="FFFFFF">
+                  <a:alpha val="100000"/>
+                  <a:alpha val="0"/>
+                </a:srgbClr>
+              </a:clrTo>
+            </a:clrChange>
+          </a:blip>
+          <a:stretch>
+            <a:fillRect/>
+          </a:stretch>
+        </p:blipFill>
+        <p:spPr>
+          <a:xfrm>
+            <a:off x="3453765" y="1366520"/>
+            <a:ext cx="3817620" cy="2016125"/>
           </a:xfrm>
           <a:prstGeom prst="rect">
             <a:avLst/>
@@ -9644,15 +8299,29 @@
           <p:nvPr/>
         </p:nvPicPr>
         <p:blipFill>
-          <a:blip r:embed="rId2"/>
+          <a:blip r:embed="rId4">
+            <a:clrChange>
+              <a:clrFrom>
+                <a:srgbClr val="FFFFFF">
+                  <a:alpha val="100000"/>
+                </a:srgbClr>
+              </a:clrFrom>
+              <a:clrTo>
+                <a:srgbClr val="FFFFFF">
+                  <a:alpha val="100000"/>
+                  <a:alpha val="0"/>
+                </a:srgbClr>
+              </a:clrTo>
+            </a:clrChange>
+          </a:blip>
           <a:stretch>
             <a:fillRect/>
           </a:stretch>
         </p:blipFill>
         <p:spPr>
           <a:xfrm>
-            <a:off x="523240" y="4033520"/>
-            <a:ext cx="4883150" cy="2459990"/>
+            <a:off x="7531735" y="1177925"/>
+            <a:ext cx="4697095" cy="2644140"/>
           </a:xfrm>
           <a:prstGeom prst="rect">
             <a:avLst/>
@@ -9661,14 +8330,14 @@
       </p:pic>
       <p:sp>
         <p:nvSpPr>
-          <p:cNvPr id="9" name="Text Box 8"/>
+          <p:cNvPr id="8" name="Text Box 7"/>
           <p:cNvSpPr txBox="1"/>
           <p:nvPr/>
         </p:nvSpPr>
         <p:spPr>
           <a:xfrm>
-            <a:off x="5861050" y="1909445"/>
-            <a:ext cx="5231765" cy="3322955"/>
+            <a:off x="523240" y="3822065"/>
+            <a:ext cx="7388860" cy="1168400"/>
           </a:xfrm>
           <a:prstGeom prst="rect">
             <a:avLst/>
@@ -9686,7 +8355,1685 @@
             </a:pPr>
             <a:r>
               <a:rPr lang="en-US" sz="1400"/>
-              <a:t>Loan amount applied by the borrower for G grade loans is highest where as for A grade Loans is lowest.</a:t>
+              <a:t>On an average loan amount is high for :</a:t>
+            </a:r>
+            <a:endParaRPr lang="en-US" sz="1400"/>
+          </a:p>
+          <a:p>
+            <a:pPr marL="800100" lvl="1" indent="-342900">
+              <a:buFont typeface="Arial" panose="02080604020202020204" pitchFamily="34" charset="0"/>
+              <a:buChar char="•"/>
+            </a:pPr>
+            <a:r>
+              <a:rPr lang="en-US" sz="1400"/>
+              <a:t>60 month tenure loans </a:t>
+            </a:r>
+            <a:endParaRPr lang="en-US" sz="1400"/>
+          </a:p>
+          <a:p>
+            <a:pPr marL="800100" lvl="1" indent="-342900">
+              <a:buFont typeface="Arial" panose="02080604020202020204" pitchFamily="34" charset="0"/>
+              <a:buChar char="•"/>
+            </a:pPr>
+            <a:r>
+              <a:rPr lang="en-US" sz="1400"/>
+              <a:t>Verified borrower’s income loans</a:t>
+            </a:r>
+            <a:endParaRPr lang="en-US" sz="1400"/>
+          </a:p>
+          <a:p>
+            <a:pPr marL="800100" lvl="1" indent="-342900">
+              <a:buFont typeface="Arial" panose="02080604020202020204" pitchFamily="34" charset="0"/>
+              <a:buChar char="•"/>
+            </a:pPr>
+            <a:r>
+              <a:rPr lang="en-US" sz="1400"/>
+              <a:t>upper grade loans</a:t>
+            </a:r>
+            <a:endParaRPr lang="en-US" sz="1400"/>
+          </a:p>
+          <a:p>
+            <a:pPr marL="800100" lvl="1" indent="-342900">
+              <a:buFont typeface="Arial" panose="02080604020202020204" pitchFamily="34" charset="0"/>
+              <a:buChar char="•"/>
+            </a:pPr>
+            <a:r>
+              <a:rPr lang="en-US" sz="1400"/>
+              <a:t>small business, house, debt consolidation purpose loans</a:t>
+            </a:r>
+            <a:endParaRPr lang="en-US" sz="1400"/>
+          </a:p>
+        </p:txBody>
+      </p:sp>
+      <p:sp>
+        <p:nvSpPr>
+          <p:cNvPr id="9" name="Rectangles 8"/>
+          <p:cNvSpPr/>
+          <p:nvPr/>
+        </p:nvSpPr>
+        <p:spPr>
+          <a:xfrm>
+            <a:off x="2261870" y="3134995"/>
+            <a:ext cx="460375" cy="177165"/>
+          </a:xfrm>
+          <a:prstGeom prst="rect">
+            <a:avLst/>
+          </a:prstGeom>
+          <a:noFill/>
+          <a:ln w="19050" cap="flat" cmpd="sng" algn="ctr">
+            <a:solidFill>
+              <a:srgbClr val="FF0000"/>
+            </a:solidFill>
+            <a:prstDash val="solid"/>
+            <a:round/>
+            <a:headEnd type="none" w="med" len="med"/>
+            <a:tailEnd type="none" w="med" len="med"/>
+          </a:ln>
+          <a:extLst>
+            <a:ext uri="{909E8E84-426E-40DD-AFC4-6F175D3DCCD1}">
+              <a14:hiddenFill xmlns:a14="http://schemas.microsoft.com/office/drawing/2010/main">
+                <a:gradFill rotWithShape="0">
+                  <a:gsLst>
+                    <a:gs pos="0">
+                      <a:schemeClr val="accent1"/>
+                    </a:gs>
+                    <a:gs pos="100000">
+                      <a:schemeClr val="accent2"/>
+                    </a:gs>
+                  </a:gsLst>
+                  <a:lin ang="5400000" scaled="1"/>
+                </a:gradFill>
+              </a14:hiddenFill>
+            </a:ext>
+          </a:extLst>
+        </p:spPr>
+        <p:txBody>
+          <a:bodyPr vert="horz" wrap="none" lIns="91440" tIns="45720" rIns="91440" bIns="45720" numCol="1" anchor="ctr" anchorCtr="0" compatLnSpc="1"/>
+          <a:p>
+            <a:pPr marL="0" marR="0" indent="0" algn="l" defTabSz="914400" rtl="0" eaLnBrk="1" fontAlgn="base" latinLnBrk="0" hangingPunct="1">
+              <a:lnSpc>
+                <a:spcPct val="100000"/>
+              </a:lnSpc>
+              <a:spcBef>
+                <a:spcPct val="0"/>
+              </a:spcBef>
+              <a:spcAft>
+                <a:spcPct val="0"/>
+              </a:spcAft>
+              <a:buClrTx/>
+              <a:buSzTx/>
+              <a:buFontTx/>
+              <a:buNone/>
+            </a:pPr>
+            <a:endParaRPr kumimoji="0" lang="zh-CN" altLang="en-US" sz="1800" b="0" i="0" u="none" strike="noStrike" cap="none" normalizeH="0" baseline="0" smtClean="0">
+              <a:ln>
+                <a:noFill/>
+              </a:ln>
+              <a:solidFill>
+                <a:schemeClr val="tx1"/>
+              </a:solidFill>
+              <a:effectLst/>
+              <a:latin typeface="Arial" panose="02080604020202020204" pitchFamily="34" charset="0"/>
+              <a:ea typeface="SimSun" pitchFamily="2" charset="-122"/>
+            </a:endParaRPr>
+          </a:p>
+        </p:txBody>
+      </p:sp>
+      <p:cxnSp>
+        <p:nvCxnSpPr>
+          <p:cNvPr id="10" name="Straight Arrow Connector 9"/>
+          <p:cNvCxnSpPr/>
+          <p:nvPr/>
+        </p:nvCxnSpPr>
+        <p:spPr>
+          <a:xfrm flipH="1">
+            <a:off x="2722245" y="1692910"/>
+            <a:ext cx="198755" cy="274320"/>
+          </a:xfrm>
+          <a:prstGeom prst="straightConnector1">
+            <a:avLst/>
+          </a:prstGeom>
+          <a:gradFill rotWithShape="0">
+            <a:gsLst>
+              <a:gs pos="0">
+                <a:schemeClr val="accent1"/>
+              </a:gs>
+              <a:gs pos="100000">
+                <a:schemeClr val="accent2"/>
+              </a:gs>
+            </a:gsLst>
+            <a:lin ang="5400000" scaled="1"/>
+          </a:gradFill>
+          <a:ln w="19050" cap="flat" cmpd="sng" algn="ctr">
+            <a:solidFill>
+              <a:srgbClr val="FF0000"/>
+            </a:solidFill>
+            <a:prstDash val="solid"/>
+            <a:round/>
+            <a:headEnd type="none" w="med" len="med"/>
+            <a:tailEnd type="arrow" w="med" len="med"/>
+          </a:ln>
+        </p:spPr>
+      </p:cxnSp>
+      <p:cxnSp>
+        <p:nvCxnSpPr>
+          <p:cNvPr id="11" name="Straight Arrow Connector 10"/>
+          <p:cNvCxnSpPr/>
+          <p:nvPr/>
+        </p:nvCxnSpPr>
+        <p:spPr>
+          <a:xfrm flipH="1">
+            <a:off x="4779010" y="1753870"/>
+            <a:ext cx="198755" cy="274320"/>
+          </a:xfrm>
+          <a:prstGeom prst="straightConnector1">
+            <a:avLst/>
+          </a:prstGeom>
+          <a:gradFill rotWithShape="0">
+            <a:gsLst>
+              <a:gs pos="0">
+                <a:schemeClr val="accent1"/>
+              </a:gs>
+              <a:gs pos="100000">
+                <a:schemeClr val="accent2"/>
+              </a:gs>
+            </a:gsLst>
+            <a:lin ang="5400000" scaled="1"/>
+          </a:gradFill>
+          <a:ln w="19050" cap="flat" cmpd="sng" algn="ctr">
+            <a:solidFill>
+              <a:srgbClr val="FF0000"/>
+            </a:solidFill>
+            <a:prstDash val="solid"/>
+            <a:round/>
+            <a:headEnd type="none" w="med" len="med"/>
+            <a:tailEnd type="arrow" w="med" len="med"/>
+          </a:ln>
+        </p:spPr>
+      </p:cxnSp>
+      <p:sp>
+        <p:nvSpPr>
+          <p:cNvPr id="12" name="Rectangles 11"/>
+          <p:cNvSpPr/>
+          <p:nvPr/>
+        </p:nvSpPr>
+        <p:spPr>
+          <a:xfrm>
+            <a:off x="4138930" y="3134995"/>
+            <a:ext cx="460375" cy="177165"/>
+          </a:xfrm>
+          <a:prstGeom prst="rect">
+            <a:avLst/>
+          </a:prstGeom>
+          <a:noFill/>
+          <a:ln w="19050" cap="flat" cmpd="sng" algn="ctr">
+            <a:solidFill>
+              <a:srgbClr val="FF0000"/>
+            </a:solidFill>
+            <a:prstDash val="solid"/>
+            <a:round/>
+            <a:headEnd type="none" w="med" len="med"/>
+            <a:tailEnd type="none" w="med" len="med"/>
+          </a:ln>
+          <a:extLst>
+            <a:ext uri="{909E8E84-426E-40DD-AFC4-6F175D3DCCD1}">
+              <a14:hiddenFill xmlns:a14="http://schemas.microsoft.com/office/drawing/2010/main">
+                <a:gradFill rotWithShape="0">
+                  <a:gsLst>
+                    <a:gs pos="0">
+                      <a:schemeClr val="accent1"/>
+                    </a:gs>
+                    <a:gs pos="100000">
+                      <a:schemeClr val="accent2"/>
+                    </a:gs>
+                  </a:gsLst>
+                  <a:lin ang="5400000" scaled="1"/>
+                </a:gradFill>
+              </a14:hiddenFill>
+            </a:ext>
+          </a:extLst>
+        </p:spPr>
+        <p:txBody>
+          <a:bodyPr vert="horz" wrap="none" lIns="91440" tIns="45720" rIns="91440" bIns="45720" numCol="1" anchor="ctr" anchorCtr="0" compatLnSpc="1"/>
+          <a:p>
+            <a:pPr marL="0" marR="0" indent="0" algn="l" defTabSz="914400" rtl="0" eaLnBrk="1" fontAlgn="base" latinLnBrk="0" hangingPunct="1">
+              <a:lnSpc>
+                <a:spcPct val="100000"/>
+              </a:lnSpc>
+              <a:spcBef>
+                <a:spcPct val="0"/>
+              </a:spcBef>
+              <a:spcAft>
+                <a:spcPct val="0"/>
+              </a:spcAft>
+              <a:buClrTx/>
+              <a:buSzTx/>
+              <a:buFontTx/>
+              <a:buNone/>
+            </a:pPr>
+            <a:endParaRPr kumimoji="0" lang="zh-CN" altLang="en-US" sz="1800" b="0" i="0" u="none" strike="noStrike" cap="none" normalizeH="0" baseline="0" smtClean="0">
+              <a:ln>
+                <a:noFill/>
+              </a:ln>
+              <a:solidFill>
+                <a:schemeClr val="tx1"/>
+              </a:solidFill>
+              <a:effectLst/>
+              <a:latin typeface="Arial" panose="02080604020202020204" pitchFamily="34" charset="0"/>
+              <a:ea typeface="SimSun" pitchFamily="2" charset="-122"/>
+            </a:endParaRPr>
+          </a:p>
+        </p:txBody>
+      </p:sp>
+      <p:cxnSp>
+        <p:nvCxnSpPr>
+          <p:cNvPr id="13" name="Straight Arrow Connector 12"/>
+          <p:cNvCxnSpPr/>
+          <p:nvPr/>
+        </p:nvCxnSpPr>
+        <p:spPr>
+          <a:xfrm flipH="1">
+            <a:off x="10657205" y="4605655"/>
+            <a:ext cx="198755" cy="274320"/>
+          </a:xfrm>
+          <a:prstGeom prst="straightConnector1">
+            <a:avLst/>
+          </a:prstGeom>
+          <a:gradFill rotWithShape="0">
+            <a:gsLst>
+              <a:gs pos="0">
+                <a:schemeClr val="accent1"/>
+              </a:gs>
+              <a:gs pos="100000">
+                <a:schemeClr val="accent2"/>
+              </a:gs>
+            </a:gsLst>
+            <a:lin ang="5400000" scaled="1"/>
+          </a:gradFill>
+          <a:ln w="19050" cap="flat" cmpd="sng" algn="ctr">
+            <a:solidFill>
+              <a:srgbClr val="FF0000"/>
+            </a:solidFill>
+            <a:prstDash val="solid"/>
+            <a:round/>
+            <a:headEnd type="none" w="med" len="med"/>
+            <a:tailEnd type="arrow" w="med" len="med"/>
+          </a:ln>
+        </p:spPr>
+      </p:cxnSp>
+      <p:cxnSp>
+        <p:nvCxnSpPr>
+          <p:cNvPr id="14" name="Straight Arrow Connector 13"/>
+          <p:cNvCxnSpPr/>
+          <p:nvPr/>
+        </p:nvCxnSpPr>
+        <p:spPr>
+          <a:xfrm flipH="1">
+            <a:off x="10023475" y="4716145"/>
+            <a:ext cx="198755" cy="274320"/>
+          </a:xfrm>
+          <a:prstGeom prst="straightConnector1">
+            <a:avLst/>
+          </a:prstGeom>
+          <a:gradFill rotWithShape="0">
+            <a:gsLst>
+              <a:gs pos="0">
+                <a:schemeClr val="accent1"/>
+              </a:gs>
+              <a:gs pos="100000">
+                <a:schemeClr val="accent2"/>
+              </a:gs>
+            </a:gsLst>
+            <a:lin ang="5400000" scaled="1"/>
+          </a:gradFill>
+          <a:ln w="19050" cap="flat" cmpd="sng" algn="ctr">
+            <a:solidFill>
+              <a:srgbClr val="FF0000"/>
+            </a:solidFill>
+            <a:prstDash val="solid"/>
+            <a:round/>
+            <a:headEnd type="none" w="med" len="med"/>
+            <a:tailEnd type="arrow" w="med" len="med"/>
+          </a:ln>
+        </p:spPr>
+      </p:cxnSp>
+      <p:cxnSp>
+        <p:nvCxnSpPr>
+          <p:cNvPr id="15" name="Straight Arrow Connector 14"/>
+          <p:cNvCxnSpPr/>
+          <p:nvPr/>
+        </p:nvCxnSpPr>
+        <p:spPr>
+          <a:xfrm flipH="1">
+            <a:off x="11745595" y="4441825"/>
+            <a:ext cx="198755" cy="274320"/>
+          </a:xfrm>
+          <a:prstGeom prst="straightConnector1">
+            <a:avLst/>
+          </a:prstGeom>
+          <a:gradFill rotWithShape="0">
+            <a:gsLst>
+              <a:gs pos="0">
+                <a:schemeClr val="accent1"/>
+              </a:gs>
+              <a:gs pos="100000">
+                <a:schemeClr val="accent2"/>
+              </a:gs>
+            </a:gsLst>
+            <a:lin ang="5400000" scaled="1"/>
+          </a:gradFill>
+          <a:ln w="19050" cap="flat" cmpd="sng" algn="ctr">
+            <a:solidFill>
+              <a:srgbClr val="FF0000"/>
+            </a:solidFill>
+            <a:prstDash val="solid"/>
+            <a:round/>
+            <a:headEnd type="none" w="med" len="med"/>
+            <a:tailEnd type="arrow" w="med" len="med"/>
+          </a:ln>
+        </p:spPr>
+      </p:cxnSp>
+      <p:sp>
+        <p:nvSpPr>
+          <p:cNvPr id="16" name="Rectangles 15"/>
+          <p:cNvSpPr/>
+          <p:nvPr/>
+        </p:nvSpPr>
+        <p:spPr>
+          <a:xfrm>
+            <a:off x="9781540" y="6326505"/>
+            <a:ext cx="326390" cy="271145"/>
+          </a:xfrm>
+          <a:prstGeom prst="rect">
+            <a:avLst/>
+          </a:prstGeom>
+          <a:noFill/>
+          <a:ln w="19050" cap="flat" cmpd="sng" algn="ctr">
+            <a:solidFill>
+              <a:srgbClr val="FF0000"/>
+            </a:solidFill>
+            <a:prstDash val="solid"/>
+            <a:round/>
+            <a:headEnd type="none" w="med" len="med"/>
+            <a:tailEnd type="none" w="med" len="med"/>
+          </a:ln>
+          <a:extLst>
+            <a:ext uri="{909E8E84-426E-40DD-AFC4-6F175D3DCCD1}">
+              <a14:hiddenFill xmlns:a14="http://schemas.microsoft.com/office/drawing/2010/main">
+                <a:gradFill rotWithShape="0">
+                  <a:gsLst>
+                    <a:gs pos="0">
+                      <a:schemeClr val="accent1"/>
+                    </a:gs>
+                    <a:gs pos="100000">
+                      <a:schemeClr val="accent2"/>
+                    </a:gs>
+                  </a:gsLst>
+                  <a:lin ang="5400000" scaled="1"/>
+                </a:gradFill>
+              </a14:hiddenFill>
+            </a:ext>
+          </a:extLst>
+        </p:spPr>
+        <p:txBody>
+          <a:bodyPr vert="horz" wrap="none" lIns="91440" tIns="45720" rIns="91440" bIns="45720" numCol="1" anchor="ctr" anchorCtr="0" compatLnSpc="1"/>
+          <a:p>
+            <a:pPr marL="0" marR="0" indent="0" algn="l" defTabSz="914400" rtl="0" eaLnBrk="1" fontAlgn="base" latinLnBrk="0" hangingPunct="1">
+              <a:lnSpc>
+                <a:spcPct val="100000"/>
+              </a:lnSpc>
+              <a:spcBef>
+                <a:spcPct val="0"/>
+              </a:spcBef>
+              <a:spcAft>
+                <a:spcPct val="0"/>
+              </a:spcAft>
+              <a:buClrTx/>
+              <a:buSzTx/>
+              <a:buFontTx/>
+              <a:buNone/>
+            </a:pPr>
+            <a:endParaRPr kumimoji="0" lang="zh-CN" altLang="en-US" sz="1800" b="0" i="0" u="none" strike="noStrike" cap="none" normalizeH="0" baseline="0" smtClean="0">
+              <a:ln>
+                <a:noFill/>
+              </a:ln>
+              <a:solidFill>
+                <a:schemeClr val="tx1"/>
+              </a:solidFill>
+              <a:effectLst/>
+              <a:latin typeface="Arial" panose="02080604020202020204" pitchFamily="34" charset="0"/>
+              <a:ea typeface="SimSun" pitchFamily="2" charset="-122"/>
+            </a:endParaRPr>
+          </a:p>
+        </p:txBody>
+      </p:sp>
+      <p:sp>
+        <p:nvSpPr>
+          <p:cNvPr id="17" name="Rectangles 16"/>
+          <p:cNvSpPr/>
+          <p:nvPr/>
+        </p:nvSpPr>
+        <p:spPr>
+          <a:xfrm>
+            <a:off x="10399395" y="6326505"/>
+            <a:ext cx="147955" cy="139065"/>
+          </a:xfrm>
+          <a:prstGeom prst="rect">
+            <a:avLst/>
+          </a:prstGeom>
+          <a:noFill/>
+          <a:ln w="19050" cap="flat" cmpd="sng" algn="ctr">
+            <a:solidFill>
+              <a:srgbClr val="FF0000"/>
+            </a:solidFill>
+            <a:prstDash val="solid"/>
+            <a:round/>
+            <a:headEnd type="none" w="med" len="med"/>
+            <a:tailEnd type="none" w="med" len="med"/>
+          </a:ln>
+          <a:extLst>
+            <a:ext uri="{909E8E84-426E-40DD-AFC4-6F175D3DCCD1}">
+              <a14:hiddenFill xmlns:a14="http://schemas.microsoft.com/office/drawing/2010/main">
+                <a:gradFill rotWithShape="0">
+                  <a:gsLst>
+                    <a:gs pos="0">
+                      <a:schemeClr val="accent1"/>
+                    </a:gs>
+                    <a:gs pos="100000">
+                      <a:schemeClr val="accent2"/>
+                    </a:gs>
+                  </a:gsLst>
+                  <a:lin ang="5400000" scaled="1"/>
+                </a:gradFill>
+              </a14:hiddenFill>
+            </a:ext>
+          </a:extLst>
+        </p:spPr>
+        <p:txBody>
+          <a:bodyPr vert="horz" wrap="none" lIns="91440" tIns="45720" rIns="91440" bIns="45720" numCol="1" anchor="ctr" anchorCtr="0" compatLnSpc="1"/>
+          <a:p>
+            <a:pPr marL="0" marR="0" indent="0" algn="l" defTabSz="914400" rtl="0" eaLnBrk="1" fontAlgn="base" latinLnBrk="0" hangingPunct="1">
+              <a:lnSpc>
+                <a:spcPct val="100000"/>
+              </a:lnSpc>
+              <a:spcBef>
+                <a:spcPct val="0"/>
+              </a:spcBef>
+              <a:spcAft>
+                <a:spcPct val="0"/>
+              </a:spcAft>
+              <a:buClrTx/>
+              <a:buSzTx/>
+              <a:buFontTx/>
+              <a:buNone/>
+            </a:pPr>
+            <a:endParaRPr kumimoji="0" lang="zh-CN" altLang="en-US" sz="1800" b="0" i="0" u="none" strike="noStrike" cap="none" normalizeH="0" baseline="0" smtClean="0">
+              <a:ln>
+                <a:noFill/>
+              </a:ln>
+              <a:solidFill>
+                <a:schemeClr val="tx1"/>
+              </a:solidFill>
+              <a:effectLst/>
+              <a:latin typeface="Arial" panose="02080604020202020204" pitchFamily="34" charset="0"/>
+              <a:ea typeface="SimSun" pitchFamily="2" charset="-122"/>
+            </a:endParaRPr>
+          </a:p>
+        </p:txBody>
+      </p:sp>
+      <p:sp>
+        <p:nvSpPr>
+          <p:cNvPr id="18" name="Rectangles 17"/>
+          <p:cNvSpPr/>
+          <p:nvPr/>
+        </p:nvSpPr>
+        <p:spPr>
+          <a:xfrm>
+            <a:off x="11582400" y="6326505"/>
+            <a:ext cx="147955" cy="139065"/>
+          </a:xfrm>
+          <a:prstGeom prst="rect">
+            <a:avLst/>
+          </a:prstGeom>
+          <a:noFill/>
+          <a:ln w="19050" cap="flat" cmpd="sng" algn="ctr">
+            <a:solidFill>
+              <a:srgbClr val="FF0000"/>
+            </a:solidFill>
+            <a:prstDash val="solid"/>
+            <a:round/>
+            <a:headEnd type="none" w="med" len="med"/>
+            <a:tailEnd type="none" w="med" len="med"/>
+          </a:ln>
+          <a:extLst>
+            <a:ext uri="{909E8E84-426E-40DD-AFC4-6F175D3DCCD1}">
+              <a14:hiddenFill xmlns:a14="http://schemas.microsoft.com/office/drawing/2010/main">
+                <a:gradFill rotWithShape="0">
+                  <a:gsLst>
+                    <a:gs pos="0">
+                      <a:schemeClr val="accent1"/>
+                    </a:gs>
+                    <a:gs pos="100000">
+                      <a:schemeClr val="accent2"/>
+                    </a:gs>
+                  </a:gsLst>
+                  <a:lin ang="5400000" scaled="1"/>
+                </a:gradFill>
+              </a14:hiddenFill>
+            </a:ext>
+          </a:extLst>
+        </p:spPr>
+        <p:txBody>
+          <a:bodyPr vert="horz" wrap="none" lIns="91440" tIns="45720" rIns="91440" bIns="45720" numCol="1" anchor="ctr" anchorCtr="0" compatLnSpc="1"/>
+          <a:p>
+            <a:pPr marL="0" marR="0" indent="0" algn="l" defTabSz="914400" rtl="0" eaLnBrk="1" fontAlgn="base" latinLnBrk="0" hangingPunct="1">
+              <a:lnSpc>
+                <a:spcPct val="100000"/>
+              </a:lnSpc>
+              <a:spcBef>
+                <a:spcPct val="0"/>
+              </a:spcBef>
+              <a:spcAft>
+                <a:spcPct val="0"/>
+              </a:spcAft>
+              <a:buClrTx/>
+              <a:buSzTx/>
+              <a:buFontTx/>
+              <a:buNone/>
+            </a:pPr>
+            <a:endParaRPr kumimoji="0" lang="zh-CN" altLang="en-US" sz="1800" b="0" i="0" u="none" strike="noStrike" cap="none" normalizeH="0" baseline="0" smtClean="0">
+              <a:ln>
+                <a:noFill/>
+              </a:ln>
+              <a:solidFill>
+                <a:schemeClr val="tx1"/>
+              </a:solidFill>
+              <a:effectLst/>
+              <a:latin typeface="Arial" panose="02080604020202020204" pitchFamily="34" charset="0"/>
+              <a:ea typeface="SimSun" pitchFamily="2" charset="-122"/>
+            </a:endParaRPr>
+          </a:p>
+        </p:txBody>
+      </p:sp>
+      <p:cxnSp>
+        <p:nvCxnSpPr>
+          <p:cNvPr id="20" name="Straight Arrow Connector 19"/>
+          <p:cNvCxnSpPr/>
+          <p:nvPr/>
+        </p:nvCxnSpPr>
+        <p:spPr>
+          <a:xfrm>
+            <a:off x="8530590" y="1768475"/>
+            <a:ext cx="113030" cy="473075"/>
+          </a:xfrm>
+          <a:prstGeom prst="straightConnector1">
+            <a:avLst/>
+          </a:prstGeom>
+          <a:gradFill rotWithShape="0">
+            <a:gsLst>
+              <a:gs pos="0">
+                <a:schemeClr val="accent1"/>
+              </a:gs>
+              <a:gs pos="100000">
+                <a:schemeClr val="accent2"/>
+              </a:gs>
+            </a:gsLst>
+            <a:lin ang="5400000" scaled="1"/>
+          </a:gradFill>
+          <a:ln w="19050" cap="flat" cmpd="sng" algn="ctr">
+            <a:solidFill>
+              <a:srgbClr val="FF0000"/>
+            </a:solidFill>
+            <a:prstDash val="solid"/>
+            <a:round/>
+            <a:headEnd type="none" w="med" len="med"/>
+            <a:tailEnd type="arrow" w="med" len="med"/>
+          </a:ln>
+        </p:spPr>
+      </p:cxnSp>
+      <p:cxnSp>
+        <p:nvCxnSpPr>
+          <p:cNvPr id="21" name="Straight Arrow Connector 20"/>
+          <p:cNvCxnSpPr/>
+          <p:nvPr/>
+        </p:nvCxnSpPr>
+        <p:spPr>
+          <a:xfrm>
+            <a:off x="11174095" y="1967230"/>
+            <a:ext cx="113030" cy="473075"/>
+          </a:xfrm>
+          <a:prstGeom prst="straightConnector1">
+            <a:avLst/>
+          </a:prstGeom>
+          <a:gradFill rotWithShape="0">
+            <a:gsLst>
+              <a:gs pos="0">
+                <a:schemeClr val="accent1"/>
+              </a:gs>
+              <a:gs pos="100000">
+                <a:schemeClr val="accent2"/>
+              </a:gs>
+            </a:gsLst>
+            <a:lin ang="5400000" scaled="1"/>
+          </a:gradFill>
+          <a:ln w="19050" cap="flat" cmpd="sng" algn="ctr">
+            <a:solidFill>
+              <a:srgbClr val="FF0000"/>
+            </a:solidFill>
+            <a:prstDash val="solid"/>
+            <a:round/>
+            <a:headEnd type="none" w="med" len="med"/>
+            <a:tailEnd type="arrow" w="med" len="med"/>
+          </a:ln>
+        </p:spPr>
+      </p:cxnSp>
+      <p:cxnSp>
+        <p:nvCxnSpPr>
+          <p:cNvPr id="22" name="Straight Arrow Connector 21"/>
+          <p:cNvCxnSpPr/>
+          <p:nvPr/>
+        </p:nvCxnSpPr>
+        <p:spPr>
+          <a:xfrm>
+            <a:off x="9424035" y="1867535"/>
+            <a:ext cx="113030" cy="473075"/>
+          </a:xfrm>
+          <a:prstGeom prst="straightConnector1">
+            <a:avLst/>
+          </a:prstGeom>
+          <a:gradFill rotWithShape="0">
+            <a:gsLst>
+              <a:gs pos="0">
+                <a:schemeClr val="accent1"/>
+              </a:gs>
+              <a:gs pos="100000">
+                <a:schemeClr val="accent2"/>
+              </a:gs>
+            </a:gsLst>
+            <a:lin ang="5400000" scaled="1"/>
+          </a:gradFill>
+          <a:ln w="19050" cap="flat" cmpd="sng" algn="ctr">
+            <a:solidFill>
+              <a:srgbClr val="FF0000"/>
+            </a:solidFill>
+            <a:prstDash val="solid"/>
+            <a:round/>
+            <a:headEnd type="none" w="med" len="med"/>
+            <a:tailEnd type="arrow" w="med" len="med"/>
+          </a:ln>
+        </p:spPr>
+      </p:cxnSp>
+    </p:spTree>
+  </p:cSld>
+  <p:clrMapOvr>
+    <a:masterClrMapping/>
+  </p:clrMapOvr>
+</p:sld>
+</file>
+
+<file path=ppt/slides/slide21.xml><?xml version="1.0" encoding="utf-8"?>
+<p:sld xmlns:a="http://schemas.openxmlformats.org/drawingml/2006/main" xmlns:r="http://schemas.openxmlformats.org/officeDocument/2006/relationships" xmlns:p="http://schemas.openxmlformats.org/presentationml/2006/main">
+  <p:cSld>
+    <p:spTree>
+      <p:nvGrpSpPr>
+        <p:cNvPr id="1" name=""/>
+        <p:cNvGrpSpPr/>
+        <p:nvPr/>
+      </p:nvGrpSpPr>
+      <p:grpSpPr/>
+      <p:sp>
+        <p:nvSpPr>
+          <p:cNvPr id="2" name="Title 1"/>
+          <p:cNvSpPr>
+            <a:spLocks noGrp="1"/>
+          </p:cNvSpPr>
+          <p:nvPr>
+            <p:ph type="title"/>
+          </p:nvPr>
+        </p:nvSpPr>
+        <p:spPr/>
+        <p:txBody>
+          <a:bodyPr/>
+          <a:p>
+            <a:r>
+              <a:rPr lang="en-US"/>
+              <a:t>Conclusion</a:t>
+            </a:r>
+            <a:endParaRPr lang="en-US"/>
+          </a:p>
+        </p:txBody>
+      </p:sp>
+      <p:sp>
+        <p:nvSpPr>
+          <p:cNvPr id="3" name="Content Placeholder 2"/>
+          <p:cNvSpPr>
+            <a:spLocks noGrp="1"/>
+          </p:cNvSpPr>
+          <p:nvPr>
+            <p:ph idx="1"/>
+          </p:nvPr>
+        </p:nvSpPr>
+        <p:spPr>
+          <a:xfrm>
+            <a:off x="609600" y="1174750"/>
+            <a:ext cx="9629140" cy="4953000"/>
+          </a:xfrm>
+        </p:spPr>
+        <p:txBody>
+          <a:bodyPr/>
+          <a:p>
+            <a:pPr marL="0" indent="0">
+              <a:buNone/>
+            </a:pPr>
+            <a:r>
+              <a:rPr lang="en-US" sz="1400"/>
+              <a:t>On an average </a:t>
+            </a:r>
+            <a:r>
+              <a:rPr lang="en-US" sz="1400" b="1"/>
+              <a:t>14% of the loans gets defaulted</a:t>
+            </a:r>
+            <a:r>
+              <a:rPr lang="en-US" sz="1400"/>
+              <a:t>.</a:t>
+            </a:r>
+            <a:endParaRPr lang="en-US" sz="1400"/>
+          </a:p>
+          <a:p>
+            <a:pPr marL="0" indent="0">
+              <a:buNone/>
+            </a:pPr>
+            <a:endParaRPr lang="en-US" sz="1400" b="1"/>
+          </a:p>
+          <a:p>
+            <a:pPr marL="0" indent="0">
+              <a:buNone/>
+            </a:pPr>
+            <a:r>
+              <a:rPr lang="en-US" sz="1400" b="1"/>
+              <a:t>Driving Factors</a:t>
+            </a:r>
+            <a:r>
+              <a:rPr lang="en-US" sz="1400"/>
+              <a:t> for Loan Default are</a:t>
+            </a:r>
+            <a:r>
+              <a:rPr lang="en-US" sz="1400" b="1"/>
+              <a:t>:</a:t>
+            </a:r>
+            <a:endParaRPr lang="en-US" sz="1400" b="1"/>
+          </a:p>
+          <a:p>
+            <a:r>
+              <a:rPr lang="en-US" sz="1400"/>
+              <a:t>Lengthy tenure Loans - Chances of getting dafaulted is double (22%) that of less tenure loans (11%). </a:t>
+            </a:r>
+            <a:endParaRPr lang="en-US" sz="1400"/>
+          </a:p>
+          <a:p>
+            <a:r>
+              <a:rPr lang="en-US" sz="1400"/>
+              <a:t>Upper Grade Loans - </a:t>
+            </a:r>
+            <a:r>
+              <a:rPr lang="en-US" sz="1400">
+                <a:sym typeface="+mn-ea"/>
+              </a:rPr>
+              <a:t>Higher the grade, higher is the interest rate, and high chances of getting default</a:t>
+            </a:r>
+            <a:endParaRPr lang="en-US" sz="1400">
+              <a:sym typeface="+mn-ea"/>
+            </a:endParaRPr>
+          </a:p>
+          <a:p>
+            <a:r>
+              <a:rPr lang="en-US" sz="1400">
+                <a:sym typeface="+mn-ea"/>
+              </a:rPr>
+              <a:t>High Interest rates - Interest rate for 60 months tenure loans is higher than that of 36 months loan. </a:t>
+            </a:r>
+            <a:endParaRPr lang="en-US" sz="1400">
+              <a:sym typeface="+mn-ea"/>
+            </a:endParaRPr>
+          </a:p>
+          <a:p>
+            <a:r>
+              <a:rPr lang="en-US" sz="1400">
+                <a:sym typeface="+mn-ea"/>
+              </a:rPr>
+              <a:t>High Revol_util - Higher the amount of credit the borrower is using, higher is the risk of loan repayment.</a:t>
+            </a:r>
+            <a:endParaRPr lang="en-US" sz="1400">
+              <a:sym typeface="+mn-ea"/>
+            </a:endParaRPr>
+          </a:p>
+          <a:p>
+            <a:endParaRPr lang="en-US" sz="1400">
+              <a:sym typeface="+mn-ea"/>
+            </a:endParaRPr>
+          </a:p>
+          <a:p>
+            <a:r>
+              <a:rPr lang="en-US" sz="1400">
+                <a:sym typeface="+mn-ea"/>
+              </a:rPr>
+              <a:t>High loan amount is given to 60 months tenure loans, upper grade loans, small business loans where chance of getting defaulted is very high.</a:t>
+            </a:r>
+            <a:endParaRPr lang="en-US" sz="1400"/>
+          </a:p>
+          <a:p>
+            <a:r>
+              <a:rPr lang="en-US" sz="1400"/>
+              <a:t>Default rate for the borrowers, who have 10+ years of employment years and their income is also verified, is high</a:t>
+            </a:r>
+            <a:endParaRPr lang="en-US" sz="1400"/>
+          </a:p>
+          <a:p>
+            <a:endParaRPr lang="en-US" sz="1400"/>
+          </a:p>
+        </p:txBody>
+      </p:sp>
+    </p:spTree>
+  </p:cSld>
+  <p:clrMapOvr>
+    <a:masterClrMapping/>
+  </p:clrMapOvr>
+</p:sld>
+</file>
+
+<file path=ppt/slides/slide3.xml><?xml version="1.0" encoding="utf-8"?>
+<p:sld xmlns:a="http://schemas.openxmlformats.org/drawingml/2006/main" xmlns:r="http://schemas.openxmlformats.org/officeDocument/2006/relationships" xmlns:p="http://schemas.openxmlformats.org/presentationml/2006/main">
+  <p:cSld>
+    <p:spTree>
+      <p:nvGrpSpPr>
+        <p:cNvPr id="1" name=""/>
+        <p:cNvGrpSpPr/>
+        <p:nvPr/>
+      </p:nvGrpSpPr>
+      <p:grpSpPr/>
+      <p:sp>
+        <p:nvSpPr>
+          <p:cNvPr id="4" name="Title 3"/>
+          <p:cNvSpPr>
+            <a:spLocks noGrp="1"/>
+          </p:cNvSpPr>
+          <p:nvPr>
+            <p:ph type="title"/>
+          </p:nvPr>
+        </p:nvSpPr>
+        <p:spPr/>
+        <p:txBody>
+          <a:bodyPr/>
+          <a:p>
+            <a:r>
+              <a:rPr lang="en-US"/>
+              <a:t>Data Cleaning</a:t>
+            </a:r>
+            <a:endParaRPr lang="en-US"/>
+          </a:p>
+        </p:txBody>
+      </p:sp>
+      <p:sp>
+        <p:nvSpPr>
+          <p:cNvPr id="5" name="Content Placeholder 4"/>
+          <p:cNvSpPr>
+            <a:spLocks noGrp="1"/>
+          </p:cNvSpPr>
+          <p:nvPr>
+            <p:ph idx="1"/>
+          </p:nvPr>
+        </p:nvSpPr>
+        <p:spPr/>
+        <p:txBody>
+          <a:bodyPr/>
+          <a:p>
+            <a:r>
+              <a:rPr lang="en-US" sz="1600"/>
+              <a:t>Original data set contains 39717 rows and 111 columns</a:t>
+            </a:r>
+            <a:endParaRPr lang="en-US" sz="1600"/>
+          </a:p>
+          <a:p>
+            <a:endParaRPr lang="en-US" sz="1600"/>
+          </a:p>
+          <a:p>
+            <a:pPr marL="457200" indent="-457200">
+              <a:buAutoNum type="arabicPeriod"/>
+            </a:pPr>
+            <a:r>
+              <a:rPr lang="en-US" sz="1400"/>
+              <a:t>Dropped 54 </a:t>
+            </a:r>
+            <a:r>
+              <a:rPr lang="en-US" sz="1400" b="1"/>
+              <a:t>Empty Columns</a:t>
+            </a:r>
+            <a:r>
+              <a:rPr lang="en-US" sz="1400"/>
+              <a:t> </a:t>
+            </a:r>
+            <a:endParaRPr lang="en-US" sz="1400"/>
+          </a:p>
+          <a:p>
+            <a:pPr marL="457200" indent="-457200">
+              <a:buAutoNum type="arabicPeriod"/>
+            </a:pPr>
+            <a:r>
+              <a:rPr lang="en-US" sz="1400"/>
+              <a:t>Dropped 9 columns with </a:t>
+            </a:r>
+            <a:r>
+              <a:rPr lang="en-US" sz="1400" b="1"/>
+              <a:t>Single Valued </a:t>
+            </a:r>
+            <a:r>
+              <a:rPr lang="en-US" sz="1400"/>
+              <a:t>throughout the rows</a:t>
+            </a:r>
+            <a:endParaRPr lang="en-US" sz="1400"/>
+          </a:p>
+          <a:p>
+            <a:pPr marL="457200" indent="-457200">
+              <a:buAutoNum type="arabicPeriod"/>
+            </a:pPr>
+            <a:r>
+              <a:rPr lang="en-US" sz="1400"/>
+              <a:t>Dropped 3 columns which had </a:t>
+            </a:r>
+            <a:r>
+              <a:rPr lang="en-US" sz="1400" b="1"/>
+              <a:t>Unique value </a:t>
+            </a:r>
+            <a:r>
+              <a:rPr lang="en-US" sz="1400"/>
+              <a:t>for all rows</a:t>
+            </a:r>
+            <a:endParaRPr lang="en-US" sz="1400"/>
+          </a:p>
+          <a:p>
+            <a:pPr marL="457200" indent="-457200">
+              <a:buAutoNum type="arabicPeriod"/>
+            </a:pPr>
+            <a:r>
+              <a:rPr lang="en-US" sz="1400"/>
+              <a:t>Dropped 2 fields which had more than 90% </a:t>
+            </a:r>
+            <a:r>
+              <a:rPr lang="en-US" sz="1400" b="1"/>
+              <a:t>missing values</a:t>
+            </a:r>
+            <a:r>
+              <a:rPr lang="en-US" sz="1400"/>
+              <a:t> </a:t>
+            </a:r>
+            <a:endParaRPr lang="en-US" sz="1400"/>
+          </a:p>
+          <a:p>
+            <a:pPr marL="457200" indent="-457200">
+              <a:buAutoNum type="arabicPeriod"/>
+            </a:pPr>
+            <a:r>
+              <a:rPr lang="en-US" sz="1400"/>
+              <a:t>Dropped 4 fields which had most numbers at 0 and remaining were </a:t>
+            </a:r>
+            <a:r>
+              <a:rPr lang="en-US" sz="1400" b="1"/>
+              <a:t>outliers</a:t>
+            </a:r>
+            <a:r>
+              <a:rPr lang="en-US" sz="1400"/>
+              <a:t> </a:t>
+            </a:r>
+            <a:endParaRPr lang="en-US" sz="1400"/>
+          </a:p>
+          <a:p>
+            <a:pPr marL="457200" indent="-457200">
+              <a:buAutoNum type="arabicPeriod"/>
+            </a:pPr>
+            <a:r>
+              <a:rPr lang="en-US" sz="1400"/>
+              <a:t>Dropped 14 </a:t>
+            </a:r>
+            <a:r>
+              <a:rPr lang="en-US" sz="1400" b="1"/>
+              <a:t>unnecessary fields</a:t>
+            </a:r>
+            <a:r>
+              <a:rPr lang="en-US" sz="1400"/>
+              <a:t> which wont help in analysis (</a:t>
+            </a:r>
+            <a:r>
+              <a:rPr lang="en-US" sz="1400">
+                <a:sym typeface="+mn-ea"/>
+              </a:rPr>
+              <a:t>e.g. </a:t>
+            </a:r>
+            <a:r>
+              <a:rPr lang="en-US" sz="1400">
+                <a:sym typeface="+mn-ea"/>
+              </a:rPr>
+              <a:t>“title”, “zip_code”</a:t>
+            </a:r>
+            <a:r>
+              <a:rPr lang="en-US" sz="1400"/>
+              <a:t>)</a:t>
+            </a:r>
+            <a:endParaRPr lang="en-US" sz="1400"/>
+          </a:p>
+          <a:p>
+            <a:pPr marL="457200" indent="-457200">
+              <a:buAutoNum type="arabicPeriod"/>
+            </a:pPr>
+            <a:endParaRPr lang="en-US" sz="1400"/>
+          </a:p>
+          <a:p>
+            <a:r>
+              <a:rPr lang="en-US" sz="1600"/>
+              <a:t>After cleaning data, our final data set contains only </a:t>
+            </a:r>
+            <a:r>
+              <a:rPr lang="en-US" sz="1600" b="1"/>
+              <a:t>25 columns/fields</a:t>
+            </a:r>
+            <a:endParaRPr lang="en-US" sz="1600" b="1"/>
+          </a:p>
+        </p:txBody>
+      </p:sp>
+      <p:pic>
+        <p:nvPicPr>
+          <p:cNvPr id="6" name="Picture 5"/>
+          <p:cNvPicPr>
+            <a:picLocks noChangeAspect="1"/>
+          </p:cNvPicPr>
+          <p:nvPr/>
+        </p:nvPicPr>
+        <p:blipFill>
+          <a:blip r:embed="rId1">
+            <a:clrChange>
+              <a:clrFrom>
+                <a:srgbClr val="FFFFFF">
+                  <a:alpha val="100000"/>
+                </a:srgbClr>
+              </a:clrFrom>
+              <a:clrTo>
+                <a:srgbClr val="FFFFFF">
+                  <a:alpha val="100000"/>
+                  <a:alpha val="0"/>
+                </a:srgbClr>
+              </a:clrTo>
+            </a:clrChange>
+          </a:blip>
+          <a:stretch>
+            <a:fillRect/>
+          </a:stretch>
+        </p:blipFill>
+        <p:spPr>
+          <a:xfrm>
+            <a:off x="909320" y="4185920"/>
+            <a:ext cx="3027045" cy="2143125"/>
+          </a:xfrm>
+          <a:prstGeom prst="rect">
+            <a:avLst/>
+          </a:prstGeom>
+        </p:spPr>
+      </p:pic>
+    </p:spTree>
+  </p:cSld>
+  <p:clrMapOvr>
+    <a:masterClrMapping/>
+  </p:clrMapOvr>
+</p:sld>
+</file>
+
+<file path=ppt/slides/slide4.xml><?xml version="1.0" encoding="utf-8"?>
+<p:sld xmlns:a="http://schemas.openxmlformats.org/drawingml/2006/main" xmlns:r="http://schemas.openxmlformats.org/officeDocument/2006/relationships" xmlns:p="http://schemas.openxmlformats.org/presentationml/2006/main">
+  <p:cSld>
+    <p:spTree>
+      <p:nvGrpSpPr>
+        <p:cNvPr id="1" name=""/>
+        <p:cNvGrpSpPr/>
+        <p:nvPr/>
+      </p:nvGrpSpPr>
+      <p:grpSpPr/>
+      <p:sp>
+        <p:nvSpPr>
+          <p:cNvPr id="2" name="Title 1"/>
+          <p:cNvSpPr>
+            <a:spLocks noGrp="1"/>
+          </p:cNvSpPr>
+          <p:nvPr>
+            <p:ph type="title"/>
+          </p:nvPr>
+        </p:nvSpPr>
+        <p:spPr/>
+        <p:txBody>
+          <a:bodyPr/>
+          <a:p>
+            <a:r>
+              <a:rPr lang="en-US"/>
+              <a:t>Loan Status</a:t>
+            </a:r>
+            <a:endParaRPr lang="en-US"/>
+          </a:p>
+        </p:txBody>
+      </p:sp>
+      <p:pic>
+        <p:nvPicPr>
+          <p:cNvPr id="6" name="Content Placeholder 5"/>
+          <p:cNvPicPr>
+            <a:picLocks noChangeAspect="1"/>
+          </p:cNvPicPr>
+          <p:nvPr>
+            <p:ph idx="1"/>
+          </p:nvPr>
+        </p:nvPicPr>
+        <p:blipFill>
+          <a:blip r:embed="rId1">
+            <a:clrChange>
+              <a:clrFrom>
+                <a:srgbClr val="FFFFFF">
+                  <a:alpha val="100000"/>
+                </a:srgbClr>
+              </a:clrFrom>
+              <a:clrTo>
+                <a:srgbClr val="FFFFFF">
+                  <a:alpha val="100000"/>
+                  <a:alpha val="0"/>
+                </a:srgbClr>
+              </a:clrTo>
+            </a:clrChange>
+          </a:blip>
+          <a:stretch>
+            <a:fillRect/>
+          </a:stretch>
+        </p:blipFill>
+        <p:spPr>
+          <a:xfrm>
+            <a:off x="6314440" y="1357630"/>
+            <a:ext cx="3800475" cy="3324225"/>
+          </a:xfrm>
+          <a:prstGeom prst="rect">
+            <a:avLst/>
+          </a:prstGeom>
+        </p:spPr>
+      </p:pic>
+      <p:sp>
+        <p:nvSpPr>
+          <p:cNvPr id="7" name="Text Box 6"/>
+          <p:cNvSpPr txBox="1"/>
+          <p:nvPr/>
+        </p:nvSpPr>
+        <p:spPr>
+          <a:xfrm>
+            <a:off x="708025" y="1775460"/>
+            <a:ext cx="4686300" cy="368300"/>
+          </a:xfrm>
+          <a:prstGeom prst="rect">
+            <a:avLst/>
+          </a:prstGeom>
+          <a:noFill/>
+        </p:spPr>
+        <p:txBody>
+          <a:bodyPr wrap="square" rtlCol="0">
+            <a:spAutoFit/>
+          </a:bodyPr>
+          <a:p>
+            <a:pPr marL="285750" indent="-285750">
+              <a:buFont typeface="Arial" panose="02080604020202020204" pitchFamily="34" charset="0"/>
+              <a:buChar char="•"/>
+            </a:pPr>
+            <a:r>
+              <a:rPr lang="en-US" b="1"/>
+              <a:t>14.2%</a:t>
+            </a:r>
+            <a:r>
+              <a:rPr lang="en-US"/>
+              <a:t> of loans get </a:t>
+            </a:r>
+            <a:r>
+              <a:rPr lang="en-US" b="1"/>
+              <a:t>defaulted</a:t>
+            </a:r>
+            <a:r>
+              <a:rPr lang="en-US"/>
+              <a:t>. </a:t>
+            </a:r>
+            <a:endParaRPr lang="en-US"/>
+          </a:p>
+        </p:txBody>
+      </p:sp>
+      <p:sp>
+        <p:nvSpPr>
+          <p:cNvPr id="3" name="Rectangles 2"/>
+          <p:cNvSpPr/>
+          <p:nvPr/>
+        </p:nvSpPr>
+        <p:spPr>
+          <a:xfrm>
+            <a:off x="8237220" y="2979420"/>
+            <a:ext cx="624205" cy="1702435"/>
+          </a:xfrm>
+          <a:prstGeom prst="rect">
+            <a:avLst/>
+          </a:prstGeom>
+          <a:noFill/>
+          <a:ln w="28575" cap="flat" cmpd="sng" algn="ctr">
+            <a:solidFill>
+              <a:srgbClr val="FF0000"/>
+            </a:solidFill>
+            <a:prstDash val="solid"/>
+            <a:round/>
+            <a:headEnd type="none" w="med" len="med"/>
+            <a:tailEnd type="none" w="med" len="med"/>
+          </a:ln>
+          <a:extLst>
+            <a:ext uri="{909E8E84-426E-40DD-AFC4-6F175D3DCCD1}">
+              <a14:hiddenFill xmlns:a14="http://schemas.microsoft.com/office/drawing/2010/main">
+                <a:gradFill rotWithShape="0">
+                  <a:gsLst>
+                    <a:gs pos="0">
+                      <a:schemeClr val="accent1"/>
+                    </a:gs>
+                    <a:gs pos="100000">
+                      <a:schemeClr val="accent2"/>
+                    </a:gs>
+                  </a:gsLst>
+                  <a:lin ang="5400000" scaled="1"/>
+                </a:gradFill>
+              </a14:hiddenFill>
+            </a:ext>
+          </a:extLst>
+        </p:spPr>
+        <p:txBody>
+          <a:bodyPr vert="horz" wrap="none" lIns="91440" tIns="45720" rIns="91440" bIns="45720" numCol="1" anchor="ctr" anchorCtr="0" compatLnSpc="1"/>
+          <a:p>
+            <a:pPr marL="0" marR="0" indent="0" algn="l" defTabSz="914400" rtl="0" eaLnBrk="1" fontAlgn="base" latinLnBrk="0" hangingPunct="1">
+              <a:lnSpc>
+                <a:spcPct val="100000"/>
+              </a:lnSpc>
+              <a:spcBef>
+                <a:spcPct val="0"/>
+              </a:spcBef>
+              <a:spcAft>
+                <a:spcPct val="0"/>
+              </a:spcAft>
+              <a:buClrTx/>
+              <a:buSzTx/>
+              <a:buFontTx/>
+              <a:buNone/>
+            </a:pPr>
+            <a:endParaRPr kumimoji="0" lang="zh-CN" altLang="en-US" sz="1800" b="0" i="0" u="none" strike="noStrike" cap="none" normalizeH="0" baseline="0" smtClean="0">
+              <a:ln>
+                <a:noFill/>
+              </a:ln>
+              <a:solidFill>
+                <a:schemeClr val="tx1"/>
+              </a:solidFill>
+              <a:effectLst/>
+              <a:latin typeface="Arial" panose="02080604020202020204" pitchFamily="34" charset="0"/>
+              <a:ea typeface="SimSun" pitchFamily="2" charset="-122"/>
+            </a:endParaRPr>
+          </a:p>
+        </p:txBody>
+      </p:sp>
+    </p:spTree>
+  </p:cSld>
+  <p:clrMapOvr>
+    <a:masterClrMapping/>
+  </p:clrMapOvr>
+</p:sld>
+</file>
+
+<file path=ppt/slides/slide5.xml><?xml version="1.0" encoding="utf-8"?>
+<p:sld xmlns:a="http://schemas.openxmlformats.org/drawingml/2006/main" xmlns:r="http://schemas.openxmlformats.org/officeDocument/2006/relationships" xmlns:p="http://schemas.openxmlformats.org/presentationml/2006/main">
+  <p:cSld>
+    <p:spTree>
+      <p:nvGrpSpPr>
+        <p:cNvPr id="1" name=""/>
+        <p:cNvGrpSpPr/>
+        <p:nvPr/>
+      </p:nvGrpSpPr>
+      <p:grpSpPr/>
+      <p:sp>
+        <p:nvSpPr>
+          <p:cNvPr id="2" name="Title 1"/>
+          <p:cNvSpPr>
+            <a:spLocks noGrp="1"/>
+          </p:cNvSpPr>
+          <p:nvPr>
+            <p:ph type="title"/>
+          </p:nvPr>
+        </p:nvSpPr>
+        <p:spPr/>
+        <p:txBody>
+          <a:bodyPr/>
+          <a:p>
+            <a:r>
+              <a:rPr lang="en-US"/>
+              <a:t>Loan vs Time Period</a:t>
+            </a:r>
+            <a:endParaRPr lang="en-US"/>
+          </a:p>
+        </p:txBody>
+      </p:sp>
+      <p:pic>
+        <p:nvPicPr>
+          <p:cNvPr id="4" name="Content Placeholder 3"/>
+          <p:cNvPicPr>
+            <a:picLocks noChangeAspect="1"/>
+          </p:cNvPicPr>
+          <p:nvPr>
+            <p:ph idx="1"/>
+          </p:nvPr>
+        </p:nvPicPr>
+        <p:blipFill>
+          <a:blip r:embed="rId1">
+            <a:clrChange>
+              <a:clrFrom>
+                <a:srgbClr val="FFFFFF">
+                  <a:alpha val="100000"/>
+                </a:srgbClr>
+              </a:clrFrom>
+              <a:clrTo>
+                <a:srgbClr val="FFFFFF">
+                  <a:alpha val="100000"/>
+                  <a:alpha val="0"/>
+                </a:srgbClr>
+              </a:clrTo>
+            </a:clrChange>
+          </a:blip>
+          <a:stretch>
+            <a:fillRect/>
+          </a:stretch>
+        </p:blipFill>
+        <p:spPr>
+          <a:xfrm>
+            <a:off x="609600" y="1285240"/>
+            <a:ext cx="4124325" cy="3933825"/>
+          </a:xfrm>
+          <a:prstGeom prst="rect">
+            <a:avLst/>
+          </a:prstGeom>
+        </p:spPr>
+      </p:pic>
+      <p:pic>
+        <p:nvPicPr>
+          <p:cNvPr id="5" name="Picture 4"/>
+          <p:cNvPicPr>
+            <a:picLocks noChangeAspect="1"/>
+          </p:cNvPicPr>
+          <p:nvPr/>
+        </p:nvPicPr>
+        <p:blipFill>
+          <a:blip r:embed="rId2">
+            <a:clrChange>
+              <a:clrFrom>
+                <a:srgbClr val="FFFFFF">
+                  <a:alpha val="100000"/>
+                </a:srgbClr>
+              </a:clrFrom>
+              <a:clrTo>
+                <a:srgbClr val="FFFFFF">
+                  <a:alpha val="100000"/>
+                  <a:alpha val="0"/>
+                </a:srgbClr>
+              </a:clrTo>
+            </a:clrChange>
+          </a:blip>
+          <a:stretch>
+            <a:fillRect/>
+          </a:stretch>
+        </p:blipFill>
+        <p:spPr>
+          <a:xfrm>
+            <a:off x="5330190" y="1285240"/>
+            <a:ext cx="6191250" cy="3924300"/>
+          </a:xfrm>
+          <a:prstGeom prst="rect">
+            <a:avLst/>
+          </a:prstGeom>
+        </p:spPr>
+      </p:pic>
+      <p:sp>
+        <p:nvSpPr>
+          <p:cNvPr id="6" name="Text Box 5"/>
+          <p:cNvSpPr txBox="1"/>
+          <p:nvPr/>
+        </p:nvSpPr>
+        <p:spPr>
+          <a:xfrm>
+            <a:off x="591820" y="5446395"/>
+            <a:ext cx="10914380" cy="737235"/>
+          </a:xfrm>
+          <a:prstGeom prst="rect">
+            <a:avLst/>
+          </a:prstGeom>
+          <a:noFill/>
+        </p:spPr>
+        <p:txBody>
+          <a:bodyPr wrap="square" rtlCol="0">
+            <a:spAutoFit/>
+          </a:bodyPr>
+          <a:p>
+            <a:pPr marL="285750" indent="-285750">
+              <a:buFont typeface="Arial" panose="02080604020202020204" pitchFamily="34" charset="0"/>
+              <a:buChar char="•"/>
+            </a:pPr>
+            <a:r>
+              <a:rPr lang="en-US" sz="1400"/>
+              <a:t>Number of loan applicants are increasing over the period of time.</a:t>
+            </a:r>
+            <a:endParaRPr lang="en-US" sz="1400"/>
+          </a:p>
+          <a:p>
+            <a:pPr marL="285750" indent="-285750">
+              <a:buFont typeface="Arial" panose="02080604020202020204" pitchFamily="34" charset="0"/>
+              <a:buChar char="•"/>
+            </a:pPr>
+            <a:r>
+              <a:rPr lang="en-US" sz="1400"/>
+              <a:t>Total borrowers in 2011 is highest i.e. 21K</a:t>
+            </a:r>
+            <a:endParaRPr lang="en-US" sz="1400"/>
+          </a:p>
+          <a:p>
+            <a:pPr marL="285750" indent="-285750">
+              <a:buFont typeface="Arial" panose="02080604020202020204" pitchFamily="34" charset="0"/>
+              <a:buChar char="•"/>
+            </a:pPr>
+            <a:r>
+              <a:rPr lang="en-US" sz="1400"/>
+              <a:t>On an average loan amount given to the borrowers is high in 2nd half of the year </a:t>
+            </a:r>
+            <a:endParaRPr lang="en-US" sz="1400"/>
+          </a:p>
+        </p:txBody>
+      </p:sp>
+    </p:spTree>
+  </p:cSld>
+  <p:clrMapOvr>
+    <a:masterClrMapping/>
+  </p:clrMapOvr>
+</p:sld>
+</file>
+
+<file path=ppt/slides/slide6.xml><?xml version="1.0" encoding="utf-8"?>
+<p:sld xmlns:a="http://schemas.openxmlformats.org/drawingml/2006/main" xmlns:r="http://schemas.openxmlformats.org/officeDocument/2006/relationships" xmlns:p="http://schemas.openxmlformats.org/presentationml/2006/main">
+  <p:cSld>
+    <p:spTree>
+      <p:nvGrpSpPr>
+        <p:cNvPr id="1" name=""/>
+        <p:cNvGrpSpPr/>
+        <p:nvPr/>
+      </p:nvGrpSpPr>
+      <p:grpSpPr/>
+      <p:sp>
+        <p:nvSpPr>
+          <p:cNvPr id="2" name="Title 1"/>
+          <p:cNvSpPr>
+            <a:spLocks noGrp="1"/>
+          </p:cNvSpPr>
+          <p:nvPr>
+            <p:ph type="title"/>
+          </p:nvPr>
+        </p:nvSpPr>
+        <p:spPr/>
+        <p:txBody>
+          <a:bodyPr/>
+          <a:p>
+            <a:r>
+              <a:rPr lang="en-US"/>
+              <a:t>Term, Interest rate, Default Status</a:t>
+            </a:r>
+            <a:endParaRPr lang="en-US"/>
+          </a:p>
+        </p:txBody>
+      </p:sp>
+      <p:pic>
+        <p:nvPicPr>
+          <p:cNvPr id="6" name="Content Placeholder 5"/>
+          <p:cNvPicPr>
+            <a:picLocks noChangeAspect="1"/>
+          </p:cNvPicPr>
+          <p:nvPr>
+            <p:ph idx="1"/>
+          </p:nvPr>
+        </p:nvPicPr>
+        <p:blipFill>
+          <a:blip r:embed="rId1">
+            <a:clrChange>
+              <a:clrFrom>
+                <a:srgbClr val="FFFFFF">
+                  <a:alpha val="100000"/>
+                </a:srgbClr>
+              </a:clrFrom>
+              <a:clrTo>
+                <a:srgbClr val="FFFFFF">
+                  <a:alpha val="100000"/>
+                  <a:alpha val="0"/>
+                </a:srgbClr>
+              </a:clrTo>
+            </a:clrChange>
+          </a:blip>
+          <a:stretch>
+            <a:fillRect/>
+          </a:stretch>
+        </p:blipFill>
+        <p:spPr>
+          <a:xfrm>
+            <a:off x="609600" y="1468120"/>
+            <a:ext cx="2327275" cy="2602230"/>
+          </a:xfrm>
+          <a:prstGeom prst="rect">
+            <a:avLst/>
+          </a:prstGeom>
+        </p:spPr>
+      </p:pic>
+      <p:pic>
+        <p:nvPicPr>
+          <p:cNvPr id="7" name="Picture 6"/>
+          <p:cNvPicPr>
+            <a:picLocks noChangeAspect="1"/>
+          </p:cNvPicPr>
+          <p:nvPr/>
+        </p:nvPicPr>
+        <p:blipFill>
+          <a:blip r:embed="rId2">
+            <a:clrChange>
+              <a:clrFrom>
+                <a:srgbClr val="FFFFFF">
+                  <a:alpha val="100000"/>
+                </a:srgbClr>
+              </a:clrFrom>
+              <a:clrTo>
+                <a:srgbClr val="FFFFFF">
+                  <a:alpha val="100000"/>
+                  <a:alpha val="0"/>
+                </a:srgbClr>
+              </a:clrTo>
+            </a:clrChange>
+          </a:blip>
+          <a:srcRect t="21471" r="8373"/>
+          <a:stretch>
+            <a:fillRect/>
+          </a:stretch>
+        </p:blipFill>
+        <p:spPr>
+          <a:xfrm>
+            <a:off x="609600" y="4572635"/>
+            <a:ext cx="5177155" cy="1003300"/>
+          </a:xfrm>
+          <a:prstGeom prst="rect">
+            <a:avLst/>
+          </a:prstGeom>
+        </p:spPr>
+      </p:pic>
+      <p:pic>
+        <p:nvPicPr>
+          <p:cNvPr id="8" name="Picture 7"/>
+          <p:cNvPicPr>
+            <a:picLocks noChangeAspect="1"/>
+          </p:cNvPicPr>
+          <p:nvPr/>
+        </p:nvPicPr>
+        <p:blipFill>
+          <a:blip r:embed="rId3">
+            <a:clrChange>
+              <a:clrFrom>
+                <a:srgbClr val="FFFFFF">
+                  <a:alpha val="100000"/>
+                </a:srgbClr>
+              </a:clrFrom>
+              <a:clrTo>
+                <a:srgbClr val="FFFFFF">
+                  <a:alpha val="100000"/>
+                  <a:alpha val="0"/>
+                </a:srgbClr>
+              </a:clrTo>
+            </a:clrChange>
+          </a:blip>
+          <a:stretch>
+            <a:fillRect/>
+          </a:stretch>
+        </p:blipFill>
+        <p:spPr>
+          <a:xfrm>
+            <a:off x="3140075" y="1467485"/>
+            <a:ext cx="3119755" cy="2641600"/>
+          </a:xfrm>
+          <a:prstGeom prst="rect">
+            <a:avLst/>
+          </a:prstGeom>
+        </p:spPr>
+      </p:pic>
+      <p:sp>
+        <p:nvSpPr>
+          <p:cNvPr id="9" name="Text Box 8"/>
+          <p:cNvSpPr txBox="1"/>
+          <p:nvPr/>
+        </p:nvSpPr>
+        <p:spPr>
+          <a:xfrm>
+            <a:off x="6861175" y="1642745"/>
+            <a:ext cx="4721225" cy="2030095"/>
+          </a:xfrm>
+          <a:prstGeom prst="rect">
+            <a:avLst/>
+          </a:prstGeom>
+          <a:noFill/>
+        </p:spPr>
+        <p:txBody>
+          <a:bodyPr wrap="square" rtlCol="0">
+            <a:spAutoFit/>
+          </a:bodyPr>
+          <a:p>
+            <a:pPr marL="285750" indent="-285750">
+              <a:buFont typeface="Arial" panose="02080604020202020204" pitchFamily="34" charset="0"/>
+              <a:buChar char="•"/>
+            </a:pPr>
+            <a:r>
+              <a:rPr lang="en-US" sz="1400"/>
+              <a:t>73% of loans have 36 months tenure where as only 26% loans have 60 months tenure.</a:t>
             </a:r>
             <a:endParaRPr lang="en-US" sz="1400"/>
           </a:p>
@@ -9704,17 +10051,15 @@
             </a:pPr>
             <a:r>
               <a:rPr lang="en-US" sz="1400"/>
-              <a:t>Upper grade loans (D, E, F, G) - Borrower is taking high amount of loan and also has very high revolving line utilization rate (</a:t>
-            </a:r>
-            <a:r>
-              <a:rPr lang="en-US" sz="1400">
-                <a:sym typeface="+mn-ea"/>
-              </a:rPr>
-              <a:t>amount of credit relative to all amount of available revolving credit he has</a:t>
+              <a:t>Loans with </a:t>
+            </a:r>
+            <a:r>
+              <a:rPr lang="en-US" sz="1400" b="1"/>
+              <a:t>60 month tenure</a:t>
             </a:r>
             <a:r>
               <a:rPr lang="en-US" sz="1400"/>
-              <a:t>).  </a:t>
+              <a:t> have higher interest rate than loans with 36 months</a:t>
             </a:r>
             <a:endParaRPr lang="en-US" sz="1400"/>
           </a:p>
@@ -9731,52 +10076,762 @@
               <a:buChar char="•"/>
             </a:pPr>
             <a:r>
-              <a:rPr lang="en-US" sz="1400" b="1">
-                <a:sym typeface="+mn-ea"/>
-              </a:rPr>
-              <a:t>Upper grade loans :</a:t>
-            </a:r>
+              <a:rPr lang="en-US" sz="1400"/>
+              <a:t>Loans with 60 months tenure have </a:t>
+            </a:r>
+            <a:r>
+              <a:rPr lang="en-US" sz="1400" b="1"/>
+              <a:t>double chance (22.6%)</a:t>
+            </a:r>
+            <a:r>
+              <a:rPr lang="en-US" sz="1400"/>
+              <a:t> of getting defaulted than that of 36 months (11.1%)</a:t>
+            </a:r>
+            <a:endParaRPr lang="en-US" sz="1400"/>
+          </a:p>
+        </p:txBody>
+      </p:sp>
+      <p:sp>
+        <p:nvSpPr>
+          <p:cNvPr id="3" name="Rectangles 2"/>
+          <p:cNvSpPr/>
+          <p:nvPr/>
+        </p:nvSpPr>
+        <p:spPr>
+          <a:xfrm>
+            <a:off x="1388745" y="2983865"/>
+            <a:ext cx="460375" cy="337185"/>
+          </a:xfrm>
+          <a:prstGeom prst="rect">
+            <a:avLst/>
+          </a:prstGeom>
+          <a:noFill/>
+          <a:ln w="19050" cap="flat" cmpd="sng" algn="ctr">
+            <a:solidFill>
+              <a:srgbClr val="FF0000"/>
+            </a:solidFill>
+            <a:prstDash val="solid"/>
+            <a:round/>
+            <a:headEnd type="none" w="med" len="med"/>
+            <a:tailEnd type="none" w="med" len="med"/>
+          </a:ln>
+          <a:extLst>
+            <a:ext uri="{909E8E84-426E-40DD-AFC4-6F175D3DCCD1}">
+              <a14:hiddenFill xmlns:a14="http://schemas.microsoft.com/office/drawing/2010/main">
+                <a:gradFill rotWithShape="0">
+                  <a:gsLst>
+                    <a:gs pos="0">
+                      <a:schemeClr val="accent1"/>
+                    </a:gs>
+                    <a:gs pos="100000">
+                      <a:schemeClr val="accent2"/>
+                    </a:gs>
+                  </a:gsLst>
+                  <a:lin ang="5400000" scaled="1"/>
+                </a:gradFill>
+              </a14:hiddenFill>
+            </a:ext>
+          </a:extLst>
+        </p:spPr>
+        <p:txBody>
+          <a:bodyPr vert="horz" wrap="none" lIns="91440" tIns="45720" rIns="91440" bIns="45720" numCol="1" anchor="ctr" anchorCtr="0" compatLnSpc="1"/>
+          <a:p>
+            <a:pPr marL="0" marR="0" indent="0" algn="l" defTabSz="914400" rtl="0" eaLnBrk="1" fontAlgn="base" latinLnBrk="0" hangingPunct="1">
+              <a:lnSpc>
+                <a:spcPct val="100000"/>
+              </a:lnSpc>
+              <a:spcBef>
+                <a:spcPct val="0"/>
+              </a:spcBef>
+              <a:spcAft>
+                <a:spcPct val="0"/>
+              </a:spcAft>
+              <a:buClrTx/>
+              <a:buSzTx/>
+              <a:buFontTx/>
+              <a:buNone/>
+            </a:pPr>
+            <a:endParaRPr kumimoji="0" lang="zh-CN" altLang="en-US" sz="1800" b="0" i="0" u="none" strike="noStrike" cap="none" normalizeH="0" baseline="0" smtClean="0">
+              <a:ln>
+                <a:noFill/>
+              </a:ln>
+              <a:solidFill>
+                <a:schemeClr val="tx1"/>
+              </a:solidFill>
+              <a:effectLst/>
+              <a:latin typeface="Arial" panose="02080604020202020204" pitchFamily="34" charset="0"/>
+              <a:ea typeface="SimSun" pitchFamily="2" charset="-122"/>
+            </a:endParaRPr>
+          </a:p>
+        </p:txBody>
+      </p:sp>
+      <p:cxnSp>
+        <p:nvCxnSpPr>
+          <p:cNvPr id="4" name="Straight Arrow Connector 3"/>
+          <p:cNvCxnSpPr/>
+          <p:nvPr/>
+        </p:nvCxnSpPr>
+        <p:spPr>
+          <a:xfrm flipH="1">
+            <a:off x="6079490" y="1951355"/>
+            <a:ext cx="470535" cy="603250"/>
+          </a:xfrm>
+          <a:prstGeom prst="straightConnector1">
+            <a:avLst/>
+          </a:prstGeom>
+          <a:gradFill rotWithShape="0">
+            <a:gsLst>
+              <a:gs pos="0">
+                <a:schemeClr val="accent1"/>
+              </a:gs>
+              <a:gs pos="100000">
+                <a:schemeClr val="accent2"/>
+              </a:gs>
+            </a:gsLst>
+            <a:lin ang="5400000" scaled="1"/>
+          </a:gradFill>
+          <a:ln w="28575" cap="flat" cmpd="sng" algn="ctr">
+            <a:solidFill>
+              <a:srgbClr val="FF0000"/>
+            </a:solidFill>
+            <a:prstDash val="solid"/>
+            <a:round/>
+            <a:headEnd type="none" w="med" len="med"/>
+            <a:tailEnd type="arrow" w="med" len="med"/>
+          </a:ln>
+        </p:spPr>
+      </p:cxnSp>
+      <p:sp>
+        <p:nvSpPr>
+          <p:cNvPr id="5" name="Rectangles 4"/>
+          <p:cNvSpPr/>
+          <p:nvPr/>
+        </p:nvSpPr>
+        <p:spPr>
+          <a:xfrm>
+            <a:off x="4244340" y="4803140"/>
+            <a:ext cx="460375" cy="337185"/>
+          </a:xfrm>
+          <a:prstGeom prst="rect">
+            <a:avLst/>
+          </a:prstGeom>
+          <a:noFill/>
+          <a:ln w="19050" cap="flat" cmpd="sng" algn="ctr">
+            <a:solidFill>
+              <a:srgbClr val="FF0000"/>
+            </a:solidFill>
+            <a:prstDash val="solid"/>
+            <a:round/>
+            <a:headEnd type="none" w="med" len="med"/>
+            <a:tailEnd type="none" w="med" len="med"/>
+          </a:ln>
+          <a:extLst>
+            <a:ext uri="{909E8E84-426E-40DD-AFC4-6F175D3DCCD1}">
+              <a14:hiddenFill xmlns:a14="http://schemas.microsoft.com/office/drawing/2010/main">
+                <a:gradFill rotWithShape="0">
+                  <a:gsLst>
+                    <a:gs pos="0">
+                      <a:schemeClr val="accent1"/>
+                    </a:gs>
+                    <a:gs pos="100000">
+                      <a:schemeClr val="accent2"/>
+                    </a:gs>
+                  </a:gsLst>
+                  <a:lin ang="5400000" scaled="1"/>
+                </a:gradFill>
+              </a14:hiddenFill>
+            </a:ext>
+          </a:extLst>
+        </p:spPr>
+        <p:txBody>
+          <a:bodyPr vert="horz" wrap="none" lIns="91440" tIns="45720" rIns="91440" bIns="45720" numCol="1" anchor="ctr" anchorCtr="0" compatLnSpc="1"/>
+          <a:p>
+            <a:pPr marL="0" marR="0" indent="0" algn="l" defTabSz="914400" rtl="0" eaLnBrk="1" fontAlgn="base" latinLnBrk="0" hangingPunct="1">
+              <a:lnSpc>
+                <a:spcPct val="100000"/>
+              </a:lnSpc>
+              <a:spcBef>
+                <a:spcPct val="0"/>
+              </a:spcBef>
+              <a:spcAft>
+                <a:spcPct val="0"/>
+              </a:spcAft>
+              <a:buClrTx/>
+              <a:buSzTx/>
+              <a:buFontTx/>
+              <a:buNone/>
+            </a:pPr>
+            <a:endParaRPr kumimoji="0" lang="zh-CN" altLang="en-US" sz="1800" b="0" i="0" u="none" strike="noStrike" cap="none" normalizeH="0" baseline="0" smtClean="0">
+              <a:ln>
+                <a:noFill/>
+              </a:ln>
+              <a:solidFill>
+                <a:schemeClr val="tx1"/>
+              </a:solidFill>
+              <a:effectLst/>
+              <a:latin typeface="Arial" panose="02080604020202020204" pitchFamily="34" charset="0"/>
+              <a:ea typeface="SimSun" pitchFamily="2" charset="-122"/>
+            </a:endParaRPr>
+          </a:p>
+        </p:txBody>
+      </p:sp>
+      <p:sp>
+        <p:nvSpPr>
+          <p:cNvPr id="10" name="Text Box 9"/>
+          <p:cNvSpPr txBox="1"/>
+          <p:nvPr/>
+        </p:nvSpPr>
+        <p:spPr>
+          <a:xfrm>
+            <a:off x="1751330" y="4427220"/>
+            <a:ext cx="2893060" cy="245110"/>
+          </a:xfrm>
+          <a:prstGeom prst="rect">
+            <a:avLst/>
+          </a:prstGeom>
+          <a:noFill/>
+        </p:spPr>
+        <p:txBody>
+          <a:bodyPr wrap="square" rtlCol="0">
+            <a:spAutoFit/>
+          </a:bodyPr>
+          <a:p>
+            <a:pPr algn="ctr"/>
+            <a:r>
+              <a:rPr lang="en-US" sz="1000"/>
+              <a:t>% of defaulted loans for different terms</a:t>
+            </a:r>
+            <a:endParaRPr lang="en-US" sz="1000"/>
+          </a:p>
+        </p:txBody>
+      </p:sp>
+    </p:spTree>
+  </p:cSld>
+  <p:clrMapOvr>
+    <a:masterClrMapping/>
+  </p:clrMapOvr>
+</p:sld>
+</file>
+
+<file path=ppt/slides/slide7.xml><?xml version="1.0" encoding="utf-8"?>
+<p:sld xmlns:a="http://schemas.openxmlformats.org/drawingml/2006/main" xmlns:r="http://schemas.openxmlformats.org/officeDocument/2006/relationships" xmlns:p="http://schemas.openxmlformats.org/presentationml/2006/main">
+  <p:cSld>
+    <p:spTree>
+      <p:nvGrpSpPr>
+        <p:cNvPr id="1" name=""/>
+        <p:cNvGrpSpPr/>
+        <p:nvPr/>
+      </p:nvGrpSpPr>
+      <p:grpSpPr/>
+      <p:pic>
+        <p:nvPicPr>
+          <p:cNvPr id="3" name="Picture 2"/>
+          <p:cNvPicPr>
+            <a:picLocks noChangeAspect="1"/>
+          </p:cNvPicPr>
+          <p:nvPr/>
+        </p:nvPicPr>
+        <p:blipFill>
+          <a:blip r:embed="rId1">
+            <a:clrChange>
+              <a:clrFrom>
+                <a:srgbClr val="FFFFFF">
+                  <a:alpha val="100000"/>
+                </a:srgbClr>
+              </a:clrFrom>
+              <a:clrTo>
+                <a:srgbClr val="FFFFFF">
+                  <a:alpha val="100000"/>
+                  <a:alpha val="0"/>
+                </a:srgbClr>
+              </a:clrTo>
+            </a:clrChange>
+          </a:blip>
+          <a:stretch>
+            <a:fillRect/>
+          </a:stretch>
+        </p:blipFill>
+        <p:spPr>
+          <a:xfrm>
+            <a:off x="5737225" y="1335405"/>
+            <a:ext cx="5794375" cy="2998470"/>
+          </a:xfrm>
+          <a:prstGeom prst="rect">
+            <a:avLst/>
+          </a:prstGeom>
+        </p:spPr>
+      </p:pic>
+      <p:sp>
+        <p:nvSpPr>
+          <p:cNvPr id="2" name="Title 1"/>
+          <p:cNvSpPr>
+            <a:spLocks noGrp="1"/>
+          </p:cNvSpPr>
+          <p:nvPr>
+            <p:ph type="title"/>
+          </p:nvPr>
+        </p:nvSpPr>
+        <p:spPr/>
+        <p:txBody>
+          <a:bodyPr/>
+          <a:p>
+            <a:r>
+              <a:rPr lang="en-US"/>
+              <a:t>Grade, Interest rate, Default Status</a:t>
+            </a:r>
+            <a:endParaRPr lang="en-US"/>
+          </a:p>
+        </p:txBody>
+      </p:sp>
+      <p:pic>
+        <p:nvPicPr>
+          <p:cNvPr id="5" name="Picture 4"/>
+          <p:cNvPicPr>
+            <a:picLocks noChangeAspect="1"/>
+          </p:cNvPicPr>
+          <p:nvPr/>
+        </p:nvPicPr>
+        <p:blipFill>
+          <a:blip r:embed="rId2">
+            <a:clrChange>
+              <a:clrFrom>
+                <a:srgbClr val="FFFFFF">
+                  <a:alpha val="100000"/>
+                </a:srgbClr>
+              </a:clrFrom>
+              <a:clrTo>
+                <a:srgbClr val="FFFFFF">
+                  <a:alpha val="100000"/>
+                  <a:alpha val="0"/>
+                </a:srgbClr>
+              </a:clrTo>
+            </a:clrChange>
+          </a:blip>
+          <a:stretch>
+            <a:fillRect/>
+          </a:stretch>
+        </p:blipFill>
+        <p:spPr>
+          <a:xfrm>
+            <a:off x="1078865" y="3522345"/>
+            <a:ext cx="3733165" cy="1183640"/>
+          </a:xfrm>
+          <a:prstGeom prst="rect">
+            <a:avLst/>
+          </a:prstGeom>
+        </p:spPr>
+      </p:pic>
+      <p:sp>
+        <p:nvSpPr>
+          <p:cNvPr id="8" name="Content Placeholder 7"/>
+          <p:cNvSpPr/>
+          <p:nvPr>
+            <p:ph idx="1"/>
+          </p:nvPr>
+        </p:nvSpPr>
+        <p:spPr>
+          <a:xfrm>
+            <a:off x="609600" y="4987290"/>
+            <a:ext cx="10972800" cy="1876425"/>
+          </a:xfrm>
+        </p:spPr>
+        <p:txBody>
+          <a:bodyPr/>
+          <a:p>
+            <a:r>
+              <a:rPr lang="en-US" sz="1400"/>
+              <a:t>75% loans are of grade A(25%), B(30%), C(20%) </a:t>
+            </a:r>
+            <a:endParaRPr lang="en-US" sz="1400"/>
+          </a:p>
+          <a:p>
+            <a:r>
+              <a:rPr lang="en-US" sz="1400"/>
+              <a:t>Interest rates and default rates are low for A, B, C grades. </a:t>
+            </a:r>
+            <a:endParaRPr lang="en-US" sz="1400"/>
+          </a:p>
+          <a:p>
+            <a:r>
+              <a:rPr lang="en-US" sz="1400"/>
+              <a:t>Interest rate is gradually increasing for the loans with grades A, B, C, D, E, F, G </a:t>
+            </a:r>
+            <a:endParaRPr lang="en-US" sz="1400"/>
+          </a:p>
+          <a:p>
+            <a:r>
+              <a:rPr lang="en-US" sz="1400"/>
+              <a:t>There is a 32% chance of G grade loans getting defaulted. </a:t>
+            </a:r>
+            <a:endParaRPr lang="en-US" sz="1400"/>
+          </a:p>
+          <a:p>
+            <a:r>
+              <a:rPr lang="en-US" sz="1400"/>
+              <a:t> </a:t>
+            </a:r>
+            <a:r>
+              <a:rPr lang="en-US" sz="1400" b="1"/>
+              <a:t>Higher the grade, higher is the interest rate, higher chance of getting defaulted</a:t>
+            </a:r>
+            <a:endParaRPr lang="en-US" sz="1400" b="1"/>
+          </a:p>
+        </p:txBody>
+      </p:sp>
+      <p:sp>
+        <p:nvSpPr>
+          <p:cNvPr id="10" name="Rectangles 9"/>
+          <p:cNvSpPr/>
+          <p:nvPr/>
+        </p:nvSpPr>
+        <p:spPr>
+          <a:xfrm>
+            <a:off x="4286250" y="3798570"/>
+            <a:ext cx="457200" cy="809625"/>
+          </a:xfrm>
+          <a:prstGeom prst="rect">
+            <a:avLst/>
+          </a:prstGeom>
+          <a:noFill/>
+          <a:ln w="19050" cap="flat" cmpd="sng" algn="ctr">
+            <a:solidFill>
+              <a:srgbClr val="FF0000"/>
+            </a:solidFill>
+            <a:prstDash val="solid"/>
+            <a:round/>
+            <a:headEnd type="none" w="med" len="med"/>
+            <a:tailEnd type="none" w="med" len="med"/>
+          </a:ln>
+          <a:extLst>
+            <a:ext uri="{909E8E84-426E-40DD-AFC4-6F175D3DCCD1}">
+              <a14:hiddenFill xmlns:a14="http://schemas.microsoft.com/office/drawing/2010/main">
+                <a:gradFill rotWithShape="0">
+                  <a:gsLst>
+                    <a:gs pos="0">
+                      <a:schemeClr val="accent1"/>
+                    </a:gs>
+                    <a:gs pos="100000">
+                      <a:schemeClr val="accent2"/>
+                    </a:gs>
+                  </a:gsLst>
+                  <a:lin ang="5400000" scaled="1"/>
+                </a:gradFill>
+              </a14:hiddenFill>
+            </a:ext>
+          </a:extLst>
+        </p:spPr>
+        <p:txBody>
+          <a:bodyPr vert="horz" wrap="none" lIns="91440" tIns="45720" rIns="91440" bIns="45720" numCol="1" anchor="ctr" anchorCtr="0" compatLnSpc="1"/>
+          <a:p>
+            <a:pPr marL="0" marR="0" indent="0" algn="l" defTabSz="914400" rtl="0" eaLnBrk="1" fontAlgn="base" latinLnBrk="0" hangingPunct="1">
+              <a:lnSpc>
+                <a:spcPct val="100000"/>
+              </a:lnSpc>
+              <a:spcBef>
+                <a:spcPct val="0"/>
+              </a:spcBef>
+              <a:spcAft>
+                <a:spcPct val="0"/>
+              </a:spcAft>
+              <a:buClrTx/>
+              <a:buSzTx/>
+              <a:buFontTx/>
+              <a:buNone/>
+            </a:pPr>
+            <a:endParaRPr kumimoji="0" lang="zh-CN" altLang="en-US" sz="1800" b="0" i="0" u="none" strike="noStrike" cap="none" normalizeH="0" baseline="0" smtClean="0">
+              <a:ln>
+                <a:noFill/>
+              </a:ln>
+              <a:solidFill>
+                <a:schemeClr val="tx1"/>
+              </a:solidFill>
+              <a:effectLst/>
+              <a:latin typeface="Arial" panose="02080604020202020204" pitchFamily="34" charset="0"/>
+              <a:ea typeface="SimSun" pitchFamily="2" charset="-122"/>
+            </a:endParaRPr>
+          </a:p>
+        </p:txBody>
+      </p:sp>
+      <p:sp>
+        <p:nvSpPr>
+          <p:cNvPr id="11" name="Rectangles 10"/>
+          <p:cNvSpPr/>
+          <p:nvPr/>
+        </p:nvSpPr>
+        <p:spPr>
+          <a:xfrm>
+            <a:off x="10709910" y="1729105"/>
+            <a:ext cx="822325" cy="1605915"/>
+          </a:xfrm>
+          <a:prstGeom prst="rect">
+            <a:avLst/>
+          </a:prstGeom>
+          <a:noFill/>
+          <a:ln w="19050" cap="flat" cmpd="sng" algn="ctr">
+            <a:solidFill>
+              <a:srgbClr val="FF0000"/>
+            </a:solidFill>
+            <a:prstDash val="solid"/>
+            <a:round/>
+            <a:headEnd type="none" w="med" len="med"/>
+            <a:tailEnd type="none" w="med" len="med"/>
+          </a:ln>
+          <a:extLst>
+            <a:ext uri="{909E8E84-426E-40DD-AFC4-6F175D3DCCD1}">
+              <a14:hiddenFill xmlns:a14="http://schemas.microsoft.com/office/drawing/2010/main">
+                <a:gradFill rotWithShape="0">
+                  <a:gsLst>
+                    <a:gs pos="0">
+                      <a:schemeClr val="accent1"/>
+                    </a:gs>
+                    <a:gs pos="100000">
+                      <a:schemeClr val="accent2"/>
+                    </a:gs>
+                  </a:gsLst>
+                  <a:lin ang="5400000" scaled="1"/>
+                </a:gradFill>
+              </a14:hiddenFill>
+            </a:ext>
+          </a:extLst>
+        </p:spPr>
+        <p:txBody>
+          <a:bodyPr vert="horz" wrap="none" lIns="91440" tIns="45720" rIns="91440" bIns="45720" numCol="1" anchor="ctr" anchorCtr="0" compatLnSpc="1"/>
+          <a:p>
+            <a:pPr marL="0" marR="0" indent="0" algn="l" defTabSz="914400" rtl="0" eaLnBrk="1" fontAlgn="base" latinLnBrk="0" hangingPunct="1">
+              <a:lnSpc>
+                <a:spcPct val="100000"/>
+              </a:lnSpc>
+              <a:spcBef>
+                <a:spcPct val="0"/>
+              </a:spcBef>
+              <a:spcAft>
+                <a:spcPct val="0"/>
+              </a:spcAft>
+              <a:buClrTx/>
+              <a:buSzTx/>
+              <a:buFontTx/>
+              <a:buNone/>
+            </a:pPr>
+            <a:endParaRPr kumimoji="0" lang="zh-CN" altLang="en-US" sz="1800" b="0" i="0" u="none" strike="noStrike" cap="none" normalizeH="0" baseline="0" smtClean="0">
+              <a:ln>
+                <a:noFill/>
+              </a:ln>
+              <a:solidFill>
+                <a:schemeClr val="tx1"/>
+              </a:solidFill>
+              <a:effectLst/>
+              <a:latin typeface="Arial" panose="02080604020202020204" pitchFamily="34" charset="0"/>
+              <a:ea typeface="SimSun" pitchFamily="2" charset="-122"/>
+            </a:endParaRPr>
+          </a:p>
+        </p:txBody>
+      </p:sp>
+      <p:pic>
+        <p:nvPicPr>
+          <p:cNvPr id="4" name="Picture 3"/>
+          <p:cNvPicPr>
+            <a:picLocks noChangeAspect="1"/>
+          </p:cNvPicPr>
+          <p:nvPr/>
+        </p:nvPicPr>
+        <p:blipFill>
+          <a:blip r:embed="rId3">
+            <a:clrChange>
+              <a:clrFrom>
+                <a:srgbClr val="FFFFFF">
+                  <a:alpha val="100000"/>
+                </a:srgbClr>
+              </a:clrFrom>
+              <a:clrTo>
+                <a:srgbClr val="FFFFFF">
+                  <a:alpha val="100000"/>
+                  <a:alpha val="0"/>
+                </a:srgbClr>
+              </a:clrTo>
+            </a:clrChange>
+          </a:blip>
+          <a:stretch>
+            <a:fillRect/>
+          </a:stretch>
+        </p:blipFill>
+        <p:spPr>
+          <a:xfrm>
+            <a:off x="1078865" y="1153795"/>
+            <a:ext cx="3664585" cy="2087245"/>
+          </a:xfrm>
+          <a:prstGeom prst="rect">
+            <a:avLst/>
+          </a:prstGeom>
+        </p:spPr>
+      </p:pic>
+    </p:spTree>
+  </p:cSld>
+  <p:clrMapOvr>
+    <a:masterClrMapping/>
+  </p:clrMapOvr>
+</p:sld>
+</file>
+
+<file path=ppt/slides/slide8.xml><?xml version="1.0" encoding="utf-8"?>
+<p:sld xmlns:a="http://schemas.openxmlformats.org/drawingml/2006/main" xmlns:r="http://schemas.openxmlformats.org/officeDocument/2006/relationships" xmlns:p="http://schemas.openxmlformats.org/presentationml/2006/main">
+  <p:cSld>
+    <p:spTree>
+      <p:nvGrpSpPr>
+        <p:cNvPr id="1" name=""/>
+        <p:cNvGrpSpPr/>
+        <p:nvPr/>
+      </p:nvGrpSpPr>
+      <p:grpSpPr/>
+      <p:sp>
+        <p:nvSpPr>
+          <p:cNvPr id="2" name="Title 1"/>
+          <p:cNvSpPr>
+            <a:spLocks noGrp="1"/>
+          </p:cNvSpPr>
+          <p:nvPr>
+            <p:ph type="title"/>
+          </p:nvPr>
+        </p:nvSpPr>
+        <p:spPr/>
+        <p:txBody>
+          <a:bodyPr/>
+          <a:p>
+            <a:r>
+              <a:rPr lang="en-US" sz="2800"/>
+              <a:t>Loan amount, Grade &amp; Revolving line utilization rate</a:t>
+            </a:r>
+            <a:endParaRPr lang="en-US" sz="2800"/>
+          </a:p>
+        </p:txBody>
+      </p:sp>
+      <p:pic>
+        <p:nvPicPr>
+          <p:cNvPr id="4" name="Content Placeholder 3"/>
+          <p:cNvPicPr>
+            <a:picLocks noChangeAspect="1"/>
+          </p:cNvPicPr>
+          <p:nvPr>
+            <p:ph idx="1"/>
+          </p:nvPr>
+        </p:nvPicPr>
+        <p:blipFill>
+          <a:blip r:embed="rId1">
+            <a:clrChange>
+              <a:clrFrom>
+                <a:srgbClr val="FFFFFF">
+                  <a:alpha val="100000"/>
+                </a:srgbClr>
+              </a:clrFrom>
+              <a:clrTo>
+                <a:srgbClr val="FFFFFF">
+                  <a:alpha val="100000"/>
+                  <a:alpha val="0"/>
+                </a:srgbClr>
+              </a:clrTo>
+            </a:clrChange>
+          </a:blip>
+          <a:stretch>
+            <a:fillRect/>
+          </a:stretch>
+        </p:blipFill>
+        <p:spPr>
+          <a:xfrm>
+            <a:off x="523240" y="1089025"/>
+            <a:ext cx="4882515" cy="2771775"/>
+          </a:xfrm>
+          <a:prstGeom prst="rect">
+            <a:avLst/>
+          </a:prstGeom>
+        </p:spPr>
+      </p:pic>
+      <p:pic>
+        <p:nvPicPr>
+          <p:cNvPr id="7" name="Picture 6"/>
+          <p:cNvPicPr>
+            <a:picLocks noChangeAspect="1"/>
+          </p:cNvPicPr>
+          <p:nvPr/>
+        </p:nvPicPr>
+        <p:blipFill>
+          <a:blip r:embed="rId2">
+            <a:clrChange>
+              <a:clrFrom>
+                <a:srgbClr val="FFFFFF">
+                  <a:alpha val="100000"/>
+                </a:srgbClr>
+              </a:clrFrom>
+              <a:clrTo>
+                <a:srgbClr val="FFFFFF">
+                  <a:alpha val="100000"/>
+                  <a:alpha val="0"/>
+                </a:srgbClr>
+              </a:clrTo>
+            </a:clrChange>
+          </a:blip>
+          <a:stretch>
+            <a:fillRect/>
+          </a:stretch>
+        </p:blipFill>
+        <p:spPr>
+          <a:xfrm>
+            <a:off x="523240" y="4033520"/>
+            <a:ext cx="4883150" cy="2459990"/>
+          </a:xfrm>
+          <a:prstGeom prst="rect">
+            <a:avLst/>
+          </a:prstGeom>
+        </p:spPr>
+      </p:pic>
+      <p:sp>
+        <p:nvSpPr>
+          <p:cNvPr id="9" name="Text Box 8"/>
+          <p:cNvSpPr txBox="1"/>
+          <p:nvPr/>
+        </p:nvSpPr>
+        <p:spPr>
+          <a:xfrm>
+            <a:off x="5861050" y="1909445"/>
+            <a:ext cx="5231765" cy="2245360"/>
+          </a:xfrm>
+          <a:prstGeom prst="rect">
+            <a:avLst/>
+          </a:prstGeom>
+          <a:noFill/>
+        </p:spPr>
+        <p:txBody>
+          <a:bodyPr wrap="square" rtlCol="0">
+            <a:spAutoFit/>
+          </a:bodyPr>
+          <a:p>
+            <a:pPr marL="285750" indent="-285750">
+              <a:buFont typeface="Arial" panose="02080604020202020204" pitchFamily="34" charset="0"/>
+              <a:buChar char="•"/>
+            </a:pPr>
+            <a:r>
+              <a:rPr lang="en-US" sz="1400"/>
+              <a:t>Loan amount applied by the borrower for G grade loans is highest where as for A grade Loans is lowest.</a:t>
+            </a:r>
+            <a:endParaRPr lang="en-US" sz="1400"/>
+          </a:p>
+          <a:p>
+            <a:pPr marL="285750" indent="-285750">
+              <a:buFont typeface="Arial" panose="02080604020202020204" pitchFamily="34" charset="0"/>
+              <a:buChar char="•"/>
+            </a:pPr>
+            <a:endParaRPr lang="en-US" sz="1400" b="1">
+              <a:sym typeface="+mn-ea"/>
+            </a:endParaRPr>
+          </a:p>
+          <a:p>
+            <a:pPr marL="285750" indent="-285750">
+              <a:buFont typeface="Arial" panose="02080604020202020204" pitchFamily="34" charset="0"/>
+              <a:buChar char="•"/>
+            </a:pPr>
             <a:r>
               <a:rPr lang="en-US" sz="1400">
                 <a:sym typeface="+mn-ea"/>
               </a:rPr>
-              <a:t> </a:t>
-            </a:r>
-            <a:r>
-              <a:rPr lang="en-US" sz="1400" b="1"/>
-              <a:t>high risky</a:t>
-            </a:r>
-            <a:r>
-              <a:rPr lang="en-US" sz="1400"/>
-              <a:t> because high R</a:t>
-            </a:r>
-            <a:r>
-              <a:rPr lang="en-US" sz="1400">
-                <a:sym typeface="+mn-ea"/>
-              </a:rPr>
-              <a:t>evoliving Line Utilization Rate</a:t>
-            </a:r>
-            <a:r>
-              <a:rPr lang="en-US" sz="1400"/>
-              <a:t> - </a:t>
-            </a:r>
-            <a:r>
-              <a:rPr lang="en-US" sz="1400" b="1"/>
-              <a:t>high interest rate</a:t>
-            </a:r>
-            <a:r>
-              <a:rPr lang="en-US" sz="1400"/>
-              <a:t>  - </a:t>
-            </a:r>
-            <a:r>
-              <a:rPr lang="en-US" sz="1400" b="1"/>
-              <a:t>high chance of Default loan </a:t>
-            </a:r>
-            <a:r>
-              <a:rPr lang="en-US" sz="1400">
-                <a:sym typeface="+mn-ea"/>
-              </a:rPr>
-              <a:t>- Also </a:t>
+              <a:t>For upper grade loans possess </a:t>
             </a:r>
             <a:r>
               <a:rPr lang="en-US" sz="1400" b="1">
@@ -9802,13 +10857,30 @@
               </a:rPr>
               <a:t>if a loan is defaulted</a:t>
             </a:r>
-            <a:endParaRPr lang="en-US" sz="1400" b="1"/>
+            <a:endParaRPr lang="en-US" sz="1400">
+              <a:sym typeface="+mn-ea"/>
+            </a:endParaRPr>
           </a:p>
           <a:p>
             <a:pPr marL="285750" indent="-285750">
               <a:buFont typeface="Arial" panose="02080604020202020204" pitchFamily="34" charset="0"/>
               <a:buChar char="•"/>
             </a:pPr>
+            <a:endParaRPr lang="en-US" sz="1400" b="1">
+              <a:sym typeface="+mn-ea"/>
+            </a:endParaRPr>
+          </a:p>
+          <a:p>
+            <a:pPr marL="285750" indent="-285750">
+              <a:buFont typeface="Arial" panose="02080604020202020204" pitchFamily="34" charset="0"/>
+              <a:buChar char="•"/>
+            </a:pPr>
+            <a:r>
+              <a:rPr lang="en-US" sz="1400">
+                <a:sym typeface="+mn-ea"/>
+              </a:rPr>
+              <a:t>Upper grade loans have higher line utilization rate and that correlates with higher % of defaults</a:t>
+            </a:r>
             <a:endParaRPr lang="en-US" sz="1400"/>
           </a:p>
           <a:p>
@@ -9914,6 +10986,474 @@
               <a:srgbClr val="FF0000"/>
             </a:solidFill>
             <a:prstDash val="sysDot"/>
+            <a:round/>
+            <a:headEnd type="none" w="med" len="med"/>
+            <a:tailEnd type="none" w="med" len="med"/>
+          </a:ln>
+          <a:extLst>
+            <a:ext uri="{909E8E84-426E-40DD-AFC4-6F175D3DCCD1}">
+              <a14:hiddenFill xmlns:a14="http://schemas.microsoft.com/office/drawing/2010/main">
+                <a:gradFill rotWithShape="0">
+                  <a:gsLst>
+                    <a:gs pos="0">
+                      <a:schemeClr val="accent1"/>
+                    </a:gs>
+                    <a:gs pos="100000">
+                      <a:schemeClr val="accent2"/>
+                    </a:gs>
+                  </a:gsLst>
+                  <a:lin ang="5400000" scaled="1"/>
+                </a:gradFill>
+              </a14:hiddenFill>
+            </a:ext>
+          </a:extLst>
+        </p:spPr>
+        <p:txBody>
+          <a:bodyPr vert="horz" wrap="none" lIns="91440" tIns="45720" rIns="91440" bIns="45720" numCol="1" anchor="ctr" anchorCtr="0" compatLnSpc="1"/>
+          <a:p>
+            <a:pPr marL="0" marR="0" indent="0" algn="l" defTabSz="914400" rtl="0" eaLnBrk="1" fontAlgn="base" latinLnBrk="0" hangingPunct="1">
+              <a:lnSpc>
+                <a:spcPct val="100000"/>
+              </a:lnSpc>
+              <a:spcBef>
+                <a:spcPct val="0"/>
+              </a:spcBef>
+              <a:spcAft>
+                <a:spcPct val="0"/>
+              </a:spcAft>
+              <a:buClrTx/>
+              <a:buSzTx/>
+              <a:buFontTx/>
+              <a:buNone/>
+            </a:pPr>
+            <a:endParaRPr kumimoji="0" lang="zh-CN" altLang="en-US" sz="1800" b="0" i="0" u="none" strike="noStrike" cap="none" normalizeH="0" baseline="0" smtClean="0">
+              <a:ln>
+                <a:noFill/>
+              </a:ln>
+              <a:solidFill>
+                <a:schemeClr val="tx1"/>
+              </a:solidFill>
+              <a:effectLst/>
+              <a:latin typeface="Arial" panose="02080604020202020204" pitchFamily="34" charset="0"/>
+              <a:ea typeface="SimSun" pitchFamily="2" charset="-122"/>
+            </a:endParaRPr>
+          </a:p>
+        </p:txBody>
+      </p:sp>
+    </p:spTree>
+  </p:cSld>
+  <p:clrMapOvr>
+    <a:masterClrMapping/>
+  </p:clrMapOvr>
+</p:sld>
+</file>
+
+<file path=ppt/slides/slide9.xml><?xml version="1.0" encoding="utf-8"?>
+<p:sld xmlns:a="http://schemas.openxmlformats.org/drawingml/2006/main" xmlns:r="http://schemas.openxmlformats.org/officeDocument/2006/relationships" xmlns:p="http://schemas.openxmlformats.org/presentationml/2006/main">
+  <p:cSld>
+    <p:spTree>
+      <p:nvGrpSpPr>
+        <p:cNvPr id="1" name=""/>
+        <p:cNvGrpSpPr/>
+        <p:nvPr/>
+      </p:nvGrpSpPr>
+      <p:grpSpPr/>
+      <p:sp>
+        <p:nvSpPr>
+          <p:cNvPr id="2" name="Title 1"/>
+          <p:cNvSpPr>
+            <a:spLocks noGrp="1"/>
+          </p:cNvSpPr>
+          <p:nvPr>
+            <p:ph type="title"/>
+          </p:nvPr>
+        </p:nvSpPr>
+        <p:spPr/>
+        <p:txBody>
+          <a:bodyPr/>
+          <a:p>
+            <a:r>
+              <a:rPr lang="en-US"/>
+              <a:t>Home Ownership</a:t>
+            </a:r>
+            <a:endParaRPr lang="en-US"/>
+          </a:p>
+        </p:txBody>
+      </p:sp>
+      <p:pic>
+        <p:nvPicPr>
+          <p:cNvPr id="4" name="Content Placeholder 3"/>
+          <p:cNvPicPr>
+            <a:picLocks noChangeAspect="1"/>
+          </p:cNvPicPr>
+          <p:nvPr>
+            <p:ph idx="1"/>
+          </p:nvPr>
+        </p:nvPicPr>
+        <p:blipFill>
+          <a:blip r:embed="rId1">
+            <a:clrChange>
+              <a:clrFrom>
+                <a:srgbClr val="FFFFFF">
+                  <a:alpha val="100000"/>
+                </a:srgbClr>
+              </a:clrFrom>
+              <a:clrTo>
+                <a:srgbClr val="FFFFFF">
+                  <a:alpha val="100000"/>
+                  <a:alpha val="0"/>
+                </a:srgbClr>
+              </a:clrTo>
+            </a:clrChange>
+          </a:blip>
+          <a:stretch>
+            <a:fillRect/>
+          </a:stretch>
+        </p:blipFill>
+        <p:spPr>
+          <a:xfrm>
+            <a:off x="490855" y="1000760"/>
+            <a:ext cx="3744595" cy="1991360"/>
+          </a:xfrm>
+          <a:prstGeom prst="rect">
+            <a:avLst/>
+          </a:prstGeom>
+        </p:spPr>
+      </p:pic>
+      <p:sp>
+        <p:nvSpPr>
+          <p:cNvPr id="8" name="Text Box 7"/>
+          <p:cNvSpPr txBox="1"/>
+          <p:nvPr/>
+        </p:nvSpPr>
+        <p:spPr>
+          <a:xfrm>
+            <a:off x="5104130" y="1347470"/>
+            <a:ext cx="6478270" cy="1383665"/>
+          </a:xfrm>
+          <a:prstGeom prst="rect">
+            <a:avLst/>
+          </a:prstGeom>
+          <a:noFill/>
+        </p:spPr>
+        <p:txBody>
+          <a:bodyPr wrap="square" rtlCol="0">
+            <a:spAutoFit/>
+          </a:bodyPr>
+          <a:p>
+            <a:pPr marL="285750" indent="-285750">
+              <a:buFont typeface="Arial" panose="02080604020202020204" pitchFamily="34" charset="0"/>
+              <a:buChar char="•"/>
+            </a:pPr>
+            <a:r>
+              <a:rPr lang="en-US" sz="1400"/>
+              <a:t>47% of the borrowers don’t have house (paying rent) but only 1% of loans are home loans. </a:t>
+            </a:r>
+            <a:endParaRPr lang="en-US" sz="1400"/>
+          </a:p>
+          <a:p>
+            <a:pPr marL="285750" indent="-285750">
+              <a:buFont typeface="Arial" panose="02080604020202020204" pitchFamily="34" charset="0"/>
+              <a:buChar char="•"/>
+            </a:pPr>
+            <a:r>
+              <a:rPr lang="en-US" sz="1400">
+                <a:sym typeface="+mn-ea"/>
+              </a:rPr>
+              <a:t>home loans are not getting sold effectively. maybe because of higher interest rate</a:t>
+            </a:r>
+            <a:endParaRPr lang="en-US" sz="1400"/>
+          </a:p>
+          <a:p>
+            <a:pPr marL="285750" indent="-285750">
+              <a:buFont typeface="Arial" panose="02080604020202020204" pitchFamily="34" charset="0"/>
+              <a:buChar char="•"/>
+            </a:pPr>
+            <a:r>
+              <a:rPr lang="en-US" sz="1400">
+                <a:sym typeface="+mn-ea"/>
+              </a:rPr>
+              <a:t>And </a:t>
+            </a:r>
+            <a:r>
+              <a:rPr lang="en-US" sz="1400" b="1">
+                <a:sym typeface="+mn-ea"/>
+              </a:rPr>
+              <a:t>47%</a:t>
+            </a:r>
+            <a:r>
+              <a:rPr lang="en-US" sz="1400">
+                <a:sym typeface="+mn-ea"/>
+              </a:rPr>
+              <a:t> borrowers' purpose is </a:t>
+            </a:r>
+            <a:r>
+              <a:rPr lang="en-US" sz="1400" b="1">
+                <a:sym typeface="+mn-ea"/>
+              </a:rPr>
+              <a:t>'debt_consolidation'</a:t>
+            </a:r>
+            <a:r>
+              <a:rPr lang="en-US" sz="1400">
+                <a:sym typeface="+mn-ea"/>
+              </a:rPr>
+              <a:t>. </a:t>
+            </a:r>
+            <a:endParaRPr lang="en-US" sz="1400"/>
+          </a:p>
+          <a:p>
+            <a:pPr marL="285750" indent="-285750">
+              <a:buFont typeface="Arial" panose="02080604020202020204" pitchFamily="34" charset="0"/>
+              <a:buChar char="•"/>
+            </a:pPr>
+            <a:endParaRPr lang="en-US" sz="1400"/>
+          </a:p>
+        </p:txBody>
+      </p:sp>
+      <p:pic>
+        <p:nvPicPr>
+          <p:cNvPr id="9" name="Picture 8"/>
+          <p:cNvPicPr>
+            <a:picLocks noChangeAspect="1"/>
+          </p:cNvPicPr>
+          <p:nvPr/>
+        </p:nvPicPr>
+        <p:blipFill>
+          <a:blip r:embed="rId2">
+            <a:clrChange>
+              <a:clrFrom>
+                <a:srgbClr val="FFFFFF">
+                  <a:alpha val="100000"/>
+                </a:srgbClr>
+              </a:clrFrom>
+              <a:clrTo>
+                <a:srgbClr val="FFFFFF">
+                  <a:alpha val="100000"/>
+                  <a:alpha val="0"/>
+                </a:srgbClr>
+              </a:clrTo>
+            </a:clrChange>
+          </a:blip>
+          <a:stretch>
+            <a:fillRect/>
+          </a:stretch>
+        </p:blipFill>
+        <p:spPr>
+          <a:xfrm>
+            <a:off x="540385" y="3522345"/>
+            <a:ext cx="4875530" cy="3035300"/>
+          </a:xfrm>
+          <a:prstGeom prst="rect">
+            <a:avLst/>
+          </a:prstGeom>
+        </p:spPr>
+      </p:pic>
+      <p:sp>
+        <p:nvSpPr>
+          <p:cNvPr id="10" name="Rectangles 9"/>
+          <p:cNvSpPr/>
+          <p:nvPr/>
+        </p:nvSpPr>
+        <p:spPr>
+          <a:xfrm>
+            <a:off x="2574925" y="3745865"/>
+            <a:ext cx="216535" cy="2306955"/>
+          </a:xfrm>
+          <a:prstGeom prst="rect">
+            <a:avLst/>
+          </a:prstGeom>
+          <a:noFill/>
+          <a:ln w="9525" cap="flat" cmpd="sng" algn="ctr">
+            <a:solidFill>
+              <a:srgbClr val="C00000"/>
+            </a:solidFill>
+            <a:prstDash val="solid"/>
+            <a:round/>
+            <a:headEnd type="none" w="med" len="med"/>
+            <a:tailEnd type="none" w="med" len="med"/>
+          </a:ln>
+          <a:extLst>
+            <a:ext uri="{909E8E84-426E-40DD-AFC4-6F175D3DCCD1}">
+              <a14:hiddenFill xmlns:a14="http://schemas.microsoft.com/office/drawing/2010/main">
+                <a:gradFill rotWithShape="0">
+                  <a:gsLst>
+                    <a:gs pos="0">
+                      <a:schemeClr val="accent1"/>
+                    </a:gs>
+                    <a:gs pos="100000">
+                      <a:schemeClr val="accent2"/>
+                    </a:gs>
+                  </a:gsLst>
+                  <a:lin ang="5400000" scaled="1"/>
+                </a:gradFill>
+              </a14:hiddenFill>
+            </a:ext>
+          </a:extLst>
+        </p:spPr>
+        <p:txBody>
+          <a:bodyPr vert="horz" wrap="none" lIns="91440" tIns="45720" rIns="91440" bIns="45720" numCol="1" anchor="ctr" anchorCtr="0" compatLnSpc="1"/>
+          <a:p>
+            <a:pPr marL="0" marR="0" indent="0" algn="l" defTabSz="914400" rtl="0" eaLnBrk="1" fontAlgn="base" latinLnBrk="0" hangingPunct="1">
+              <a:lnSpc>
+                <a:spcPct val="100000"/>
+              </a:lnSpc>
+              <a:spcBef>
+                <a:spcPct val="0"/>
+              </a:spcBef>
+              <a:spcAft>
+                <a:spcPct val="0"/>
+              </a:spcAft>
+              <a:buClrTx/>
+              <a:buSzTx/>
+              <a:buFontTx/>
+              <a:buNone/>
+            </a:pPr>
+            <a:endParaRPr kumimoji="0" lang="zh-CN" altLang="en-US" sz="1800" b="0" i="0" u="none" strike="noStrike" cap="none" normalizeH="0" baseline="0" smtClean="0">
+              <a:ln>
+                <a:noFill/>
+              </a:ln>
+              <a:solidFill>
+                <a:schemeClr val="tx1"/>
+              </a:solidFill>
+              <a:effectLst/>
+              <a:latin typeface="Arial" panose="02080604020202020204" pitchFamily="34" charset="0"/>
+              <a:ea typeface="SimSun" pitchFamily="2" charset="-122"/>
+            </a:endParaRPr>
+          </a:p>
+        </p:txBody>
+      </p:sp>
+      <p:sp>
+        <p:nvSpPr>
+          <p:cNvPr id="11" name="Rectangles 10"/>
+          <p:cNvSpPr/>
+          <p:nvPr/>
+        </p:nvSpPr>
+        <p:spPr>
+          <a:xfrm>
+            <a:off x="1644650" y="3746500"/>
+            <a:ext cx="234950" cy="2730500"/>
+          </a:xfrm>
+          <a:prstGeom prst="rect">
+            <a:avLst/>
+          </a:prstGeom>
+          <a:noFill/>
+          <a:ln w="9525" cap="flat" cmpd="sng" algn="ctr">
+            <a:solidFill>
+              <a:srgbClr val="C00000"/>
+            </a:solidFill>
+            <a:prstDash val="solid"/>
+            <a:round/>
+            <a:headEnd type="none" w="med" len="med"/>
+            <a:tailEnd type="none" w="med" len="med"/>
+          </a:ln>
+          <a:extLst>
+            <a:ext uri="{909E8E84-426E-40DD-AFC4-6F175D3DCCD1}">
+              <a14:hiddenFill xmlns:a14="http://schemas.microsoft.com/office/drawing/2010/main">
+                <a:gradFill rotWithShape="0">
+                  <a:gsLst>
+                    <a:gs pos="0">
+                      <a:schemeClr val="accent1"/>
+                    </a:gs>
+                    <a:gs pos="100000">
+                      <a:schemeClr val="accent2"/>
+                    </a:gs>
+                  </a:gsLst>
+                  <a:lin ang="5400000" scaled="1"/>
+                </a:gradFill>
+              </a14:hiddenFill>
+            </a:ext>
+          </a:extLst>
+        </p:spPr>
+        <p:txBody>
+          <a:bodyPr vert="horz" wrap="none" lIns="91440" tIns="45720" rIns="91440" bIns="45720" numCol="1" anchor="ctr" anchorCtr="0" compatLnSpc="1"/>
+          <a:p>
+            <a:pPr marL="0" marR="0" indent="0" algn="l" defTabSz="914400" rtl="0" eaLnBrk="1" fontAlgn="base" latinLnBrk="0" hangingPunct="1">
+              <a:lnSpc>
+                <a:spcPct val="100000"/>
+              </a:lnSpc>
+              <a:spcBef>
+                <a:spcPct val="0"/>
+              </a:spcBef>
+              <a:spcAft>
+                <a:spcPct val="0"/>
+              </a:spcAft>
+              <a:buClrTx/>
+              <a:buSzTx/>
+              <a:buFontTx/>
+              <a:buNone/>
+            </a:pPr>
+            <a:endParaRPr kumimoji="0" lang="zh-CN" altLang="en-US" sz="1800" b="0" i="0" u="none" strike="noStrike" cap="none" normalizeH="0" baseline="0" smtClean="0">
+              <a:ln>
+                <a:noFill/>
+              </a:ln>
+              <a:solidFill>
+                <a:schemeClr val="tx1"/>
+              </a:solidFill>
+              <a:effectLst/>
+              <a:latin typeface="Arial" panose="02080604020202020204" pitchFamily="34" charset="0"/>
+              <a:ea typeface="SimSun" pitchFamily="2" charset="-122"/>
+            </a:endParaRPr>
+          </a:p>
+        </p:txBody>
+      </p:sp>
+      <p:pic>
+        <p:nvPicPr>
+          <p:cNvPr id="12" name="Picture 11"/>
+          <p:cNvPicPr>
+            <a:picLocks noChangeAspect="1"/>
+          </p:cNvPicPr>
+          <p:nvPr/>
+        </p:nvPicPr>
+        <p:blipFill>
+          <a:blip r:embed="rId3">
+            <a:clrChange>
+              <a:clrFrom>
+                <a:srgbClr val="FFFFFF">
+                  <a:alpha val="100000"/>
+                </a:srgbClr>
+              </a:clrFrom>
+              <a:clrTo>
+                <a:srgbClr val="FFFFFF">
+                  <a:alpha val="100000"/>
+                  <a:alpha val="0"/>
+                </a:srgbClr>
+              </a:clrTo>
+            </a:clrChange>
+          </a:blip>
+          <a:stretch>
+            <a:fillRect/>
+          </a:stretch>
+        </p:blipFill>
+        <p:spPr>
+          <a:xfrm>
+            <a:off x="6414135" y="3522345"/>
+            <a:ext cx="5010785" cy="2954655"/>
+          </a:xfrm>
+          <a:prstGeom prst="rect">
+            <a:avLst/>
+          </a:prstGeom>
+        </p:spPr>
+      </p:pic>
+      <p:sp>
+        <p:nvSpPr>
+          <p:cNvPr id="13" name="Rectangles 12"/>
+          <p:cNvSpPr/>
+          <p:nvPr/>
+        </p:nvSpPr>
+        <p:spPr>
+          <a:xfrm>
+            <a:off x="10321925" y="3964305"/>
+            <a:ext cx="292100" cy="2395220"/>
+          </a:xfrm>
+          <a:prstGeom prst="rect">
+            <a:avLst/>
+          </a:prstGeom>
+          <a:noFill/>
+          <a:ln w="28575" cap="flat" cmpd="sng" algn="ctr">
+            <a:solidFill>
+              <a:srgbClr val="C00000"/>
+            </a:solidFill>
+            <a:prstDash val="solid"/>
             <a:round/>
             <a:headEnd type="none" w="med" len="med"/>
             <a:tailEnd type="none" w="med" len="med"/>

--- a/lending_club_case_study.pptx
+++ b/lending_club_case_study.pptx
@@ -8,7 +8,7 @@
     <p:notesMasterId r:id="rId12"/>
   </p:notesMasterIdLst>
   <p:handoutMasterIdLst>
-    <p:handoutMasterId r:id="rId25"/>
+    <p:handoutMasterId r:id="rId24"/>
   </p:handoutMasterIdLst>
   <p:sldIdLst>
     <p:sldId id="256" r:id="rId3"/>
@@ -26,12 +26,11 @@
     <p:sldId id="267" r:id="rId16"/>
     <p:sldId id="268" r:id="rId17"/>
     <p:sldId id="279" r:id="rId18"/>
-    <p:sldId id="280" r:id="rId19"/>
-    <p:sldId id="273" r:id="rId20"/>
-    <p:sldId id="274" r:id="rId21"/>
-    <p:sldId id="275" r:id="rId22"/>
-    <p:sldId id="287" r:id="rId23"/>
-    <p:sldId id="277" r:id="rId24"/>
+    <p:sldId id="273" r:id="rId19"/>
+    <p:sldId id="274" r:id="rId20"/>
+    <p:sldId id="275" r:id="rId21"/>
+    <p:sldId id="287" r:id="rId22"/>
+    <p:sldId id="277" r:id="rId23"/>
   </p:sldIdLst>
   <p:sldSz cx="12192000" cy="6858000"/>
   <p:notesSz cx="7103745" cy="10234295"/>
@@ -5981,13 +5980,56 @@
           </a:p>
         </p:txBody>
       </p:sp>
+      <p:sp>
+        <p:nvSpPr>
+          <p:cNvPr id="6" name="Text Box 5"/>
+          <p:cNvSpPr txBox="1"/>
+          <p:nvPr/>
+        </p:nvSpPr>
+        <p:spPr>
+          <a:xfrm>
+            <a:off x="704850" y="4171950"/>
+            <a:ext cx="4410710" cy="737235"/>
+          </a:xfrm>
+          <a:prstGeom prst="rect">
+            <a:avLst/>
+          </a:prstGeom>
+          <a:noFill/>
+        </p:spPr>
+        <p:txBody>
+          <a:bodyPr wrap="square" rtlCol="0">
+            <a:spAutoFit/>
+          </a:bodyPr>
+          <a:p>
+            <a:pPr marL="171450" indent="-171450">
+              <a:buFont typeface="Arial" panose="02080604020202020204" pitchFamily="34" charset="0"/>
+              <a:buChar char="•"/>
+            </a:pPr>
+            <a:r>
+              <a:rPr lang="en-US" sz="1400">
+                <a:sym typeface="+mn-ea"/>
+              </a:rPr>
+              <a:t>Funded amount by the company is always less than or equal to loan amount </a:t>
+            </a:r>
+            <a:r>
+              <a:rPr lang="en-US" sz="1400">
+                <a:sym typeface="+mn-ea"/>
+              </a:rPr>
+              <a:t>applied by borrower.</a:t>
+            </a:r>
+            <a:endParaRPr lang="en-US" sz="1400"/>
+          </a:p>
+        </p:txBody>
+      </p:sp>
       <p:pic>
         <p:nvPicPr>
-          <p:cNvPr id="5" name="Picture 4"/>
+          <p:cNvPr id="10" name="Content Placeholder 9"/>
           <p:cNvPicPr>
             <a:picLocks noChangeAspect="1"/>
           </p:cNvPicPr>
-          <p:nvPr/>
+          <p:nvPr>
+            <p:ph idx="1"/>
+          </p:nvPr>
         </p:nvPicPr>
         <p:blipFill>
           <a:blip r:embed="rId1">
@@ -6011,8 +6053,8 @@
         </p:blipFill>
         <p:spPr>
           <a:xfrm>
-            <a:off x="7024370" y="1102995"/>
-            <a:ext cx="3610610" cy="2751455"/>
+            <a:off x="1028700" y="1096645"/>
+            <a:ext cx="3619500" cy="2757805"/>
           </a:xfrm>
           <a:prstGeom prst="rect">
             <a:avLst/>
@@ -6021,13 +6063,13 @@
       </p:pic>
       <p:sp>
         <p:nvSpPr>
-          <p:cNvPr id="6" name="Text Box 5"/>
+          <p:cNvPr id="11" name="Text Box 10"/>
           <p:cNvSpPr txBox="1"/>
           <p:nvPr/>
         </p:nvSpPr>
         <p:spPr>
           <a:xfrm>
-            <a:off x="704850" y="4171950"/>
+            <a:off x="6624320" y="4184015"/>
             <a:ext cx="4410710" cy="737235"/>
           </a:xfrm>
           <a:prstGeom prst="rect">
@@ -6048,27 +6090,60 @@
               <a:rPr lang="en-US" sz="1400">
                 <a:sym typeface="+mn-ea"/>
               </a:rPr>
-              <a:t>Funded amount by the company is always less than or equal to loan amount </a:t>
-            </a:r>
-            <a:r>
-              <a:rPr lang="en-US" sz="1400">
-                <a:sym typeface="+mn-ea"/>
-              </a:rPr>
-              <a:t>applied by borrower.</a:t>
+              <a:t>Funded amount by the company is highly correlated with monthly installment paid by the borrower.</a:t>
             </a:r>
             <a:endParaRPr lang="en-US" sz="1400"/>
+          </a:p>
+        </p:txBody>
+      </p:sp>
+      <p:sp>
+        <p:nvSpPr>
+          <p:cNvPr id="12" name="Text Box 11"/>
+          <p:cNvSpPr txBox="1"/>
+          <p:nvPr/>
+        </p:nvSpPr>
+        <p:spPr>
+          <a:xfrm>
+            <a:off x="548640" y="5375910"/>
+            <a:ext cx="9943465" cy="368300"/>
+          </a:xfrm>
+          <a:prstGeom prst="rect">
+            <a:avLst/>
+          </a:prstGeom>
+          <a:noFill/>
+        </p:spPr>
+        <p:txBody>
+          <a:bodyPr wrap="square" rtlCol="0">
+            <a:spAutoFit/>
+          </a:bodyPr>
+          <a:p>
+            <a:pPr marL="285750" indent="-285750">
+              <a:buFont typeface="Arial" panose="02080604020202020204" pitchFamily="34" charset="0"/>
+              <a:buChar char="•"/>
+            </a:pPr>
+            <a:r>
+              <a:rPr lang="en-US"/>
+              <a:t>There is a </a:t>
+            </a:r>
+            <a:r>
+              <a:rPr lang="en-US" b="1"/>
+              <a:t>high </a:t>
+            </a:r>
+            <a:r>
+              <a:rPr lang="en-US"/>
+              <a:t>correltion between loan amount, funded amount and installment</a:t>
+            </a:r>
+            <a:endParaRPr lang="en-US"/>
           </a:p>
         </p:txBody>
       </p:sp>
       <p:pic>
         <p:nvPicPr>
-          <p:cNvPr id="10" name="Content Placeholder 9"/>
+          <p:cNvPr id="3" name="Picture 2"/>
           <p:cNvPicPr>
             <a:picLocks noChangeAspect="1"/>
           </p:cNvPicPr>
-          <p:nvPr>
-            <p:ph idx="1"/>
-          </p:nvPr>
+          <p:nvPr/>
         </p:nvPicPr>
         <p:blipFill>
           <a:blip r:embed="rId2">
@@ -6092,90 +6167,14 @@
         </p:blipFill>
         <p:spPr>
           <a:xfrm>
-            <a:off x="1028700" y="1096645"/>
-            <a:ext cx="3619500" cy="2757805"/>
+            <a:off x="6771640" y="1099185"/>
+            <a:ext cx="3637280" cy="2755265"/>
           </a:xfrm>
           <a:prstGeom prst="rect">
             <a:avLst/>
           </a:prstGeom>
         </p:spPr>
       </p:pic>
-      <p:sp>
-        <p:nvSpPr>
-          <p:cNvPr id="11" name="Text Box 10"/>
-          <p:cNvSpPr txBox="1"/>
-          <p:nvPr/>
-        </p:nvSpPr>
-        <p:spPr>
-          <a:xfrm>
-            <a:off x="6624320" y="4184015"/>
-            <a:ext cx="4410710" cy="737235"/>
-          </a:xfrm>
-          <a:prstGeom prst="rect">
-            <a:avLst/>
-          </a:prstGeom>
-          <a:noFill/>
-        </p:spPr>
-        <p:txBody>
-          <a:bodyPr wrap="square" rtlCol="0">
-            <a:spAutoFit/>
-          </a:bodyPr>
-          <a:p>
-            <a:pPr marL="171450" indent="-171450">
-              <a:buFont typeface="Arial" panose="02080604020202020204" pitchFamily="34" charset="0"/>
-              <a:buChar char="•"/>
-            </a:pPr>
-            <a:r>
-              <a:rPr lang="en-US" sz="1400">
-                <a:sym typeface="+mn-ea"/>
-              </a:rPr>
-              <a:t>Funded amount by the company is highly correlated with monthly installment paid by the borrower.</a:t>
-            </a:r>
-            <a:endParaRPr lang="en-US" sz="1400"/>
-          </a:p>
-        </p:txBody>
-      </p:sp>
-      <p:sp>
-        <p:nvSpPr>
-          <p:cNvPr id="12" name="Text Box 11"/>
-          <p:cNvSpPr txBox="1"/>
-          <p:nvPr/>
-        </p:nvSpPr>
-        <p:spPr>
-          <a:xfrm>
-            <a:off x="548640" y="5375910"/>
-            <a:ext cx="9943465" cy="368300"/>
-          </a:xfrm>
-          <a:prstGeom prst="rect">
-            <a:avLst/>
-          </a:prstGeom>
-          <a:noFill/>
-        </p:spPr>
-        <p:txBody>
-          <a:bodyPr wrap="square" rtlCol="0">
-            <a:spAutoFit/>
-          </a:bodyPr>
-          <a:p>
-            <a:pPr marL="285750" indent="-285750">
-              <a:buFont typeface="Arial" panose="02080604020202020204" pitchFamily="34" charset="0"/>
-              <a:buChar char="•"/>
-            </a:pPr>
-            <a:r>
-              <a:rPr lang="en-US"/>
-              <a:t>There is a </a:t>
-            </a:r>
-            <a:r>
-              <a:rPr lang="en-US" b="1"/>
-              <a:t>high </a:t>
-            </a:r>
-            <a:r>
-              <a:rPr lang="en-US"/>
-              <a:t>correltion between loan amount, funded amount and installment</a:t>
-            </a:r>
-            <a:endParaRPr lang="en-US"/>
-          </a:p>
-        </p:txBody>
-      </p:sp>
     </p:spTree>
   </p:cSld>
   <p:clrMapOvr>
@@ -6350,10 +6349,6 @@
               <a:buFont typeface="Arial" panose="02080604020202020204" pitchFamily="34" charset="0"/>
               <a:buChar char="•"/>
             </a:pPr>
-            <a:r>
-              <a:rPr lang="en-US" sz="1400"/>
-              <a:t>Company is making profit.</a:t>
-            </a:r>
             <a:endParaRPr lang="en-US" sz="1400"/>
           </a:p>
           <a:p>
@@ -6549,7 +6544,7 @@
           <a:p>
             <a:r>
               <a:rPr lang="en-US"/>
-              <a:t>total_acc &amp; open_acc</a:t>
+              <a:t>Impact of Term and Grade - Loan Status</a:t>
             </a:r>
             <a:endParaRPr lang="en-US"/>
           </a:p>
@@ -6587,8 +6582,8 @@
         </p:blipFill>
         <p:spPr>
           <a:xfrm>
-            <a:off x="609600" y="1202690"/>
-            <a:ext cx="1781175" cy="2933700"/>
+            <a:off x="5767070" y="3090545"/>
+            <a:ext cx="5267325" cy="3228975"/>
           </a:xfrm>
           <a:prstGeom prst="rect">
             <a:avLst/>
@@ -6625,8 +6620,8 @@
         </p:blipFill>
         <p:spPr>
           <a:xfrm>
-            <a:off x="3300095" y="1202690"/>
-            <a:ext cx="1781175" cy="2933700"/>
+            <a:off x="323850" y="3090545"/>
+            <a:ext cx="5276850" cy="3133725"/>
           </a:xfrm>
           <a:prstGeom prst="rect">
             <a:avLst/>
@@ -6635,14 +6630,14 @@
       </p:pic>
       <p:sp>
         <p:nvSpPr>
-          <p:cNvPr id="7" name="Text Box 6"/>
+          <p:cNvPr id="6" name="Text Box 5"/>
           <p:cNvSpPr txBox="1"/>
           <p:nvPr/>
         </p:nvSpPr>
         <p:spPr>
           <a:xfrm>
-            <a:off x="619125" y="4514850"/>
-            <a:ext cx="10934700" cy="1198880"/>
+            <a:off x="450850" y="1004570"/>
+            <a:ext cx="11020425" cy="953135"/>
           </a:xfrm>
           <a:prstGeom prst="rect">
             <a:avLst/>
@@ -6659,10 +6654,10 @@
               <a:buChar char="•"/>
             </a:pPr>
             <a:r>
-              <a:rPr lang="en-US"/>
-              <a:t>Avg total number of credit lines in borrowers credit file is 22</a:t>
-            </a:r>
-            <a:endParaRPr lang="en-US"/>
+              <a:rPr lang="en-US" sz="1400"/>
+              <a:t>Highest number of loans (24%) have 36 months tenure with grade A and have lowest default rate (5.9%). This is very good for company.</a:t>
+            </a:r>
+            <a:endParaRPr lang="en-US" sz="1400"/>
           </a:p>
           <a:p>
             <a:pPr marL="285750" indent="-285750">
@@ -6670,69 +6665,309 @@
               <a:buChar char="•"/>
             </a:pPr>
             <a:r>
-              <a:rPr lang="en-US"/>
-              <a:t>Out of that on an avg total number of open credit lines is 9</a:t>
-            </a:r>
-            <a:endParaRPr lang="en-US"/>
-          </a:p>
-          <a:p>
-            <a:pPr marL="285750" indent="-285750">
-              <a:buFont typeface="Arial" panose="02080604020202020204" pitchFamily="34" charset="0"/>
-              <a:buChar char="•"/>
-            </a:pPr>
-            <a:r>
-              <a:rPr lang="en-US"/>
-              <a:t>total_acc and open_acc is moderately high correlated.</a:t>
-            </a:r>
-            <a:endParaRPr lang="en-US"/>
-          </a:p>
-          <a:p>
-            <a:pPr indent="0">
-              <a:buFont typeface="Arial" panose="02080604020202020204" pitchFamily="34" charset="0"/>
+              <a:rPr lang="en-US" sz="1400"/>
+              <a:t>The company has only 0.1% of total loans with 36 months tenure and G grade. And these loans have highest risk of 37.5% of default rate. </a:t>
+            </a:r>
+            <a:endParaRPr lang="en-US" sz="1400"/>
+          </a:p>
+        </p:txBody>
+      </p:sp>
+      <p:sp>
+        <p:nvSpPr>
+          <p:cNvPr id="7" name="Rectangles 6"/>
+          <p:cNvSpPr/>
+          <p:nvPr/>
+        </p:nvSpPr>
+        <p:spPr>
+          <a:xfrm>
+            <a:off x="898525" y="3757295"/>
+            <a:ext cx="466725" cy="714375"/>
+          </a:xfrm>
+          <a:prstGeom prst="rect">
+            <a:avLst/>
+          </a:prstGeom>
+          <a:noFill/>
+          <a:ln w="19050" cap="flat" cmpd="sng" algn="ctr">
+            <a:solidFill>
+              <a:srgbClr val="FF0000"/>
+            </a:solidFill>
+            <a:prstDash val="solid"/>
+            <a:round/>
+            <a:headEnd type="none" w="med" len="med"/>
+            <a:tailEnd type="none" w="med" len="med"/>
+          </a:ln>
+          <a:extLst>
+            <a:ext uri="{909E8E84-426E-40DD-AFC4-6F175D3DCCD1}">
+              <a14:hiddenFill xmlns:a14="http://schemas.microsoft.com/office/drawing/2010/main">
+                <a:gradFill rotWithShape="0">
+                  <a:gsLst>
+                    <a:gs pos="0">
+                      <a:schemeClr val="accent1"/>
+                    </a:gs>
+                    <a:gs pos="100000">
+                      <a:schemeClr val="accent2"/>
+                    </a:gs>
+                  </a:gsLst>
+                  <a:lin ang="5400000" scaled="1"/>
+                </a:gradFill>
+              </a14:hiddenFill>
+            </a:ext>
+          </a:extLst>
+        </p:spPr>
+        <p:txBody>
+          <a:bodyPr vert="horz" wrap="none" lIns="91440" tIns="45720" rIns="91440" bIns="45720" numCol="1" anchor="ctr" anchorCtr="0" compatLnSpc="1"/>
+          <a:p>
+            <a:pPr marL="0" marR="0" indent="0" algn="l" defTabSz="914400" rtl="0" eaLnBrk="1" fontAlgn="base" latinLnBrk="0" hangingPunct="1">
+              <a:lnSpc>
+                <a:spcPct val="100000"/>
+              </a:lnSpc>
+              <a:spcBef>
+                <a:spcPct val="0"/>
+              </a:spcBef>
+              <a:spcAft>
+                <a:spcPct val="0"/>
+              </a:spcAft>
+              <a:buClrTx/>
+              <a:buSzTx/>
+              <a:buFontTx/>
               <a:buNone/>
             </a:pPr>
-            <a:endParaRPr lang="en-US"/>
-          </a:p>
-        </p:txBody>
-      </p:sp>
-      <p:pic>
-        <p:nvPicPr>
-          <p:cNvPr id="8" name="Picture 7"/>
-          <p:cNvPicPr>
-            <a:picLocks noChangeAspect="1"/>
-          </p:cNvPicPr>
+            <a:endParaRPr kumimoji="0" lang="zh-CN" altLang="en-US" sz="1800" b="0" i="0" u="none" strike="noStrike" cap="none" normalizeH="0" baseline="0" smtClean="0">
+              <a:ln>
+                <a:noFill/>
+              </a:ln>
+              <a:solidFill>
+                <a:schemeClr val="tx1"/>
+              </a:solidFill>
+              <a:effectLst/>
+              <a:latin typeface="Arial" panose="02080604020202020204" pitchFamily="34" charset="0"/>
+              <a:ea typeface="SimSun" pitchFamily="2" charset="-122"/>
+            </a:endParaRPr>
+          </a:p>
+        </p:txBody>
+      </p:sp>
+      <p:sp>
+        <p:nvSpPr>
+          <p:cNvPr id="8" name="Rectangles 7"/>
+          <p:cNvSpPr/>
           <p:nvPr/>
-        </p:nvPicPr>
-        <p:blipFill>
-          <a:blip r:embed="rId3">
-            <a:clrChange>
-              <a:clrFrom>
-                <a:srgbClr val="FFFFFF">
-                  <a:alpha val="100000"/>
-                </a:srgbClr>
-              </a:clrFrom>
-              <a:clrTo>
-                <a:srgbClr val="FFFFFF">
-                  <a:alpha val="100000"/>
-                  <a:alpha val="0"/>
-                </a:srgbClr>
-              </a:clrTo>
-            </a:clrChange>
-          </a:blip>
-          <a:stretch>
-            <a:fillRect/>
-          </a:stretch>
-        </p:blipFill>
-        <p:spPr>
-          <a:xfrm>
-            <a:off x="5990590" y="1202690"/>
-            <a:ext cx="3762375" cy="2960370"/>
+        </p:nvSpPr>
+        <p:spPr>
+          <a:xfrm>
+            <a:off x="6292850" y="3757295"/>
+            <a:ext cx="466725" cy="714375"/>
           </a:xfrm>
           <a:prstGeom prst="rect">
             <a:avLst/>
           </a:prstGeom>
-        </p:spPr>
-      </p:pic>
+          <a:noFill/>
+          <a:ln w="19050" cap="flat" cmpd="sng" algn="ctr">
+            <a:solidFill>
+              <a:srgbClr val="FF0000"/>
+            </a:solidFill>
+            <a:prstDash val="solid"/>
+            <a:round/>
+            <a:headEnd type="none" w="med" len="med"/>
+            <a:tailEnd type="none" w="med" len="med"/>
+          </a:ln>
+          <a:extLst>
+            <a:ext uri="{909E8E84-426E-40DD-AFC4-6F175D3DCCD1}">
+              <a14:hiddenFill xmlns:a14="http://schemas.microsoft.com/office/drawing/2010/main">
+                <a:gradFill rotWithShape="0">
+                  <a:gsLst>
+                    <a:gs pos="0">
+                      <a:schemeClr val="accent1"/>
+                    </a:gs>
+                    <a:gs pos="100000">
+                      <a:schemeClr val="accent2"/>
+                    </a:gs>
+                  </a:gsLst>
+                  <a:lin ang="5400000" scaled="1"/>
+                </a:gradFill>
+              </a14:hiddenFill>
+            </a:ext>
+          </a:extLst>
+        </p:spPr>
+        <p:txBody>
+          <a:bodyPr vert="horz" wrap="none" lIns="91440" tIns="45720" rIns="91440" bIns="45720" numCol="1" anchor="ctr" anchorCtr="0" compatLnSpc="1"/>
+          <a:p>
+            <a:pPr marL="0" marR="0" indent="0" algn="l" defTabSz="914400" rtl="0" eaLnBrk="1" fontAlgn="base" latinLnBrk="0" hangingPunct="1">
+              <a:lnSpc>
+                <a:spcPct val="100000"/>
+              </a:lnSpc>
+              <a:spcBef>
+                <a:spcPct val="0"/>
+              </a:spcBef>
+              <a:spcAft>
+                <a:spcPct val="0"/>
+              </a:spcAft>
+              <a:buClrTx/>
+              <a:buSzTx/>
+              <a:buFontTx/>
+              <a:buNone/>
+            </a:pPr>
+            <a:endParaRPr kumimoji="0" lang="zh-CN" altLang="en-US" sz="1800" b="0" i="0" u="none" strike="noStrike" cap="none" normalizeH="0" baseline="0" smtClean="0">
+              <a:ln>
+                <a:noFill/>
+              </a:ln>
+              <a:solidFill>
+                <a:schemeClr val="tx1"/>
+              </a:solidFill>
+              <a:effectLst/>
+              <a:latin typeface="Arial" panose="02080604020202020204" pitchFamily="34" charset="0"/>
+              <a:ea typeface="SimSun" pitchFamily="2" charset="-122"/>
+            </a:endParaRPr>
+          </a:p>
+        </p:txBody>
+      </p:sp>
+      <p:sp>
+        <p:nvSpPr>
+          <p:cNvPr id="9" name="Rectangles 8"/>
+          <p:cNvSpPr/>
+          <p:nvPr/>
+        </p:nvSpPr>
+        <p:spPr>
+          <a:xfrm>
+            <a:off x="4921250" y="3757295"/>
+            <a:ext cx="466725" cy="714375"/>
+          </a:xfrm>
+          <a:prstGeom prst="rect">
+            <a:avLst/>
+          </a:prstGeom>
+          <a:noFill/>
+          <a:ln w="19050" cap="flat" cmpd="sng" algn="ctr">
+            <a:solidFill>
+              <a:srgbClr val="00B0F0"/>
+            </a:solidFill>
+            <a:prstDash val="solid"/>
+            <a:round/>
+            <a:headEnd type="none" w="med" len="med"/>
+            <a:tailEnd type="none" w="med" len="med"/>
+          </a:ln>
+          <a:extLst>
+            <a:ext uri="{909E8E84-426E-40DD-AFC4-6F175D3DCCD1}">
+              <a14:hiddenFill xmlns:a14="http://schemas.microsoft.com/office/drawing/2010/main">
+                <a:gradFill rotWithShape="0">
+                  <a:gsLst>
+                    <a:gs pos="0">
+                      <a:schemeClr val="accent1"/>
+                    </a:gs>
+                    <a:gs pos="100000">
+                      <a:schemeClr val="accent2"/>
+                    </a:gs>
+                  </a:gsLst>
+                  <a:lin ang="5400000" scaled="1"/>
+                </a:gradFill>
+              </a14:hiddenFill>
+            </a:ext>
+          </a:extLst>
+        </p:spPr>
+        <p:txBody>
+          <a:bodyPr vert="horz" wrap="none" lIns="91440" tIns="45720" rIns="91440" bIns="45720" numCol="1" anchor="ctr" anchorCtr="0" compatLnSpc="1"/>
+          <a:p>
+            <a:pPr marL="0" marR="0" indent="0" algn="l" defTabSz="914400" rtl="0" eaLnBrk="1" fontAlgn="base" latinLnBrk="0" hangingPunct="1">
+              <a:lnSpc>
+                <a:spcPct val="100000"/>
+              </a:lnSpc>
+              <a:spcBef>
+                <a:spcPct val="0"/>
+              </a:spcBef>
+              <a:spcAft>
+                <a:spcPct val="0"/>
+              </a:spcAft>
+              <a:buClrTx/>
+              <a:buSzTx/>
+              <a:buFontTx/>
+              <a:buNone/>
+            </a:pPr>
+            <a:endParaRPr kumimoji="0" lang="zh-CN" altLang="en-US" sz="1800" b="0" i="0" u="none" strike="noStrike" cap="none" normalizeH="0" baseline="0" smtClean="0">
+              <a:ln>
+                <a:noFill/>
+              </a:ln>
+              <a:solidFill>
+                <a:schemeClr val="tx1"/>
+              </a:solidFill>
+              <a:effectLst/>
+              <a:latin typeface="Arial" panose="02080604020202020204" pitchFamily="34" charset="0"/>
+              <a:ea typeface="SimSun" pitchFamily="2" charset="-122"/>
+            </a:endParaRPr>
+          </a:p>
+        </p:txBody>
+      </p:sp>
+      <p:sp>
+        <p:nvSpPr>
+          <p:cNvPr id="10" name="Rectangles 9"/>
+          <p:cNvSpPr/>
+          <p:nvPr/>
+        </p:nvSpPr>
+        <p:spPr>
+          <a:xfrm>
+            <a:off x="10382250" y="3757295"/>
+            <a:ext cx="466725" cy="714375"/>
+          </a:xfrm>
+          <a:prstGeom prst="rect">
+            <a:avLst/>
+          </a:prstGeom>
+          <a:noFill/>
+          <a:ln w="19050" cap="flat" cmpd="sng" algn="ctr">
+            <a:solidFill>
+              <a:srgbClr val="00B0F0"/>
+            </a:solidFill>
+            <a:prstDash val="solid"/>
+            <a:round/>
+            <a:headEnd type="none" w="med" len="med"/>
+            <a:tailEnd type="none" w="med" len="med"/>
+          </a:ln>
+          <a:extLst>
+            <a:ext uri="{909E8E84-426E-40DD-AFC4-6F175D3DCCD1}">
+              <a14:hiddenFill xmlns:a14="http://schemas.microsoft.com/office/drawing/2010/main">
+                <a:gradFill rotWithShape="0">
+                  <a:gsLst>
+                    <a:gs pos="0">
+                      <a:schemeClr val="accent1"/>
+                    </a:gs>
+                    <a:gs pos="100000">
+                      <a:schemeClr val="accent2"/>
+                    </a:gs>
+                  </a:gsLst>
+                  <a:lin ang="5400000" scaled="1"/>
+                </a:gradFill>
+              </a14:hiddenFill>
+            </a:ext>
+          </a:extLst>
+        </p:spPr>
+        <p:txBody>
+          <a:bodyPr vert="horz" wrap="none" lIns="91440" tIns="45720" rIns="91440" bIns="45720" numCol="1" anchor="ctr" anchorCtr="0" compatLnSpc="1"/>
+          <a:p>
+            <a:pPr marL="0" marR="0" indent="0" algn="l" defTabSz="914400" rtl="0" eaLnBrk="1" fontAlgn="base" latinLnBrk="0" hangingPunct="1">
+              <a:lnSpc>
+                <a:spcPct val="100000"/>
+              </a:lnSpc>
+              <a:spcBef>
+                <a:spcPct val="0"/>
+              </a:spcBef>
+              <a:spcAft>
+                <a:spcPct val="0"/>
+              </a:spcAft>
+              <a:buClrTx/>
+              <a:buSzTx/>
+              <a:buFontTx/>
+              <a:buNone/>
+            </a:pPr>
+            <a:endParaRPr kumimoji="0" lang="zh-CN" altLang="en-US" sz="1800" b="0" i="0" u="none" strike="noStrike" cap="none" normalizeH="0" baseline="0" smtClean="0">
+              <a:ln>
+                <a:noFill/>
+              </a:ln>
+              <a:solidFill>
+                <a:schemeClr val="tx1"/>
+              </a:solidFill>
+              <a:effectLst/>
+              <a:latin typeface="Arial" panose="02080604020202020204" pitchFamily="34" charset="0"/>
+              <a:ea typeface="SimSun" pitchFamily="2" charset="-122"/>
+            </a:endParaRPr>
+          </a:p>
+        </p:txBody>
+      </p:sp>
     </p:spTree>
   </p:cSld>
   <p:clrMapOvr>
@@ -6766,10 +7001,12 @@
           <a:bodyPr/>
           <a:p>
             <a:r>
-              <a:rPr lang="en-US"/>
-              <a:t>Term and Grade - Loan Status</a:t>
-            </a:r>
-            <a:endParaRPr lang="en-US"/>
+              <a:rPr lang="en-US" sz="2800">
+                <a:sym typeface="+mn-ea"/>
+              </a:rPr>
+              <a:t>Impact of Emp_length and Verification Status - Loan Status</a:t>
+            </a:r>
+            <a:endParaRPr lang="en-US" sz="2800"/>
           </a:p>
         </p:txBody>
       </p:sp>
@@ -6805,8 +7042,8 @@
         </p:blipFill>
         <p:spPr>
           <a:xfrm>
-            <a:off x="5767070" y="3090545"/>
-            <a:ext cx="5267325" cy="3228975"/>
+            <a:off x="6060440" y="2569210"/>
+            <a:ext cx="5753100" cy="3219450"/>
           </a:xfrm>
           <a:prstGeom prst="rect">
             <a:avLst/>
@@ -6843,8 +7080,8 @@
         </p:blipFill>
         <p:spPr>
           <a:xfrm>
-            <a:off x="323850" y="3090545"/>
-            <a:ext cx="5276850" cy="3133725"/>
+            <a:off x="345440" y="2569210"/>
+            <a:ext cx="5715000" cy="3219450"/>
           </a:xfrm>
           <a:prstGeom prst="rect">
             <a:avLst/>
@@ -6853,14 +7090,14 @@
       </p:pic>
       <p:sp>
         <p:nvSpPr>
-          <p:cNvPr id="6" name="Text Box 5"/>
+          <p:cNvPr id="7" name="Text Box 6"/>
           <p:cNvSpPr txBox="1"/>
           <p:nvPr/>
         </p:nvSpPr>
         <p:spPr>
           <a:xfrm>
-            <a:off x="450850" y="1004570"/>
-            <a:ext cx="11020425" cy="953135"/>
+            <a:off x="610235" y="956310"/>
+            <a:ext cx="11203305" cy="1168400"/>
           </a:xfrm>
           <a:prstGeom prst="rect">
             <a:avLst/>
@@ -6868,7 +7105,7 @@
           <a:noFill/>
         </p:spPr>
         <p:txBody>
-          <a:bodyPr wrap="square" rtlCol="0">
+          <a:bodyPr wrap="square" rtlCol="0" anchor="t">
             <a:spAutoFit/>
           </a:bodyPr>
           <a:p>
@@ -6876,11 +7113,12 @@
               <a:buFont typeface="Arial" panose="02080604020202020204" pitchFamily="34" charset="0"/>
               <a:buChar char="•"/>
             </a:pPr>
-            <a:r>
-              <a:rPr lang="en-US" sz="1400"/>
-              <a:t>Highest number of loans (24%) have 36 months tenure with grade A and have lowest default rate (5.9%). This is very good for company.</a:t>
-            </a:r>
-            <a:endParaRPr lang="en-US" sz="1400"/>
+            <a:endParaRPr lang="en-US" sz="1400">
+              <a:solidFill>
+                <a:schemeClr val="tx1"/>
+              </a:solidFill>
+              <a:sym typeface="+mn-ea"/>
+            </a:endParaRPr>
           </a:p>
           <a:p>
             <a:pPr marL="285750" indent="-285750">
@@ -6888,29 +7126,75 @@
               <a:buChar char="•"/>
             </a:pPr>
             <a:r>
-              <a:rPr lang="en-US" sz="1400"/>
-              <a:t>The company has only 0.1% of total loans with 36 months tenure and G grade. And these loans have highest risk of 37.5% of default rate. </a:t>
-            </a:r>
-            <a:endParaRPr lang="en-US" sz="1400"/>
-          </a:p>
-        </p:txBody>
-      </p:sp>
-      <p:sp>
-        <p:nvSpPr>
-          <p:cNvPr id="7" name="Rectangles 6"/>
+              <a:rPr lang="en-US" sz="1400">
+                <a:solidFill>
+                  <a:schemeClr val="tx1"/>
+                </a:solidFill>
+                <a:sym typeface="+mn-ea"/>
+              </a:rPr>
+              <a:t>Borrowers who have 10+ years of employment years and whose income is verified by lending company are highest 9%. And thier default rate is maximum i.e. 17.2%. </a:t>
+            </a:r>
+            <a:endParaRPr lang="en-US" sz="1400">
+              <a:solidFill>
+                <a:schemeClr val="tx1"/>
+              </a:solidFill>
+              <a:sym typeface="+mn-ea"/>
+            </a:endParaRPr>
+          </a:p>
+          <a:p>
+            <a:pPr marL="285750" indent="-285750">
+              <a:buFont typeface="Arial" panose="02080604020202020204" pitchFamily="34" charset="0"/>
+              <a:buChar char="•"/>
+            </a:pPr>
+            <a:r>
+              <a:rPr lang="en-US" sz="1400">
+                <a:solidFill>
+                  <a:schemeClr val="tx1"/>
+                </a:solidFill>
+                <a:sym typeface="+mn-ea"/>
+              </a:rPr>
+              <a:t>This is not a good situation for the company.</a:t>
+            </a:r>
+            <a:endParaRPr lang="en-US" sz="1400">
+              <a:solidFill>
+                <a:schemeClr val="tx1"/>
+              </a:solidFill>
+              <a:sym typeface="+mn-ea"/>
+            </a:endParaRPr>
+          </a:p>
+          <a:p>
+            <a:pPr marL="285750" indent="-285750">
+              <a:buFont typeface="Arial" panose="02080604020202020204" pitchFamily="34" charset="0"/>
+              <a:buChar char="•"/>
+            </a:pPr>
+            <a:r>
+              <a:rPr lang="en-US" sz="1400">
+                <a:sym typeface="+mn-ea"/>
+              </a:rPr>
+              <a:t>This is the criteria where company should look into it. </a:t>
+            </a:r>
+            <a:endParaRPr lang="en-US" sz="1400">
+              <a:sym typeface="+mn-ea"/>
+            </a:endParaRPr>
+          </a:p>
+        </p:txBody>
+      </p:sp>
+      <p:sp>
+        <p:nvSpPr>
+          <p:cNvPr id="8" name="Rectangles 7"/>
           <p:cNvSpPr/>
           <p:nvPr/>
         </p:nvSpPr>
         <p:spPr>
           <a:xfrm>
-            <a:off x="898525" y="3757295"/>
-            <a:ext cx="466725" cy="714375"/>
+            <a:off x="4749165" y="3295015"/>
+            <a:ext cx="685800" cy="228600"/>
           </a:xfrm>
           <a:prstGeom prst="rect">
             <a:avLst/>
           </a:prstGeom>
           <a:noFill/>
-          <a:ln w="19050" cap="flat" cmpd="sng" algn="ctr">
+          <a:ln w="28575" cap="flat" cmpd="sng" algn="ctr">
             <a:solidFill>
               <a:srgbClr val="FF0000"/>
             </a:solidFill>
@@ -6971,20 +7255,20 @@
       </p:sp>
       <p:sp>
         <p:nvSpPr>
-          <p:cNvPr id="8" name="Rectangles 7"/>
+          <p:cNvPr id="9" name="Rectangles 8"/>
           <p:cNvSpPr/>
           <p:nvPr/>
         </p:nvSpPr>
         <p:spPr>
           <a:xfrm>
-            <a:off x="6292850" y="3757295"/>
-            <a:ext cx="466725" cy="714375"/>
+            <a:off x="10524490" y="3295015"/>
+            <a:ext cx="685800" cy="228600"/>
           </a:xfrm>
           <a:prstGeom prst="rect">
             <a:avLst/>
           </a:prstGeom>
           <a:noFill/>
-          <a:ln w="19050" cap="flat" cmpd="sng" algn="ctr">
+          <a:ln w="28575" cap="flat" cmpd="sng" algn="ctr">
             <a:solidFill>
               <a:srgbClr val="FF0000"/>
             </a:solidFill>
@@ -7043,154 +7327,6 @@
           </a:p>
         </p:txBody>
       </p:sp>
-      <p:sp>
-        <p:nvSpPr>
-          <p:cNvPr id="9" name="Rectangles 8"/>
-          <p:cNvSpPr/>
-          <p:nvPr/>
-        </p:nvSpPr>
-        <p:spPr>
-          <a:xfrm>
-            <a:off x="4921250" y="3757295"/>
-            <a:ext cx="466725" cy="714375"/>
-          </a:xfrm>
-          <a:prstGeom prst="rect">
-            <a:avLst/>
-          </a:prstGeom>
-          <a:noFill/>
-          <a:ln w="19050" cap="flat" cmpd="sng" algn="ctr">
-            <a:solidFill>
-              <a:srgbClr val="00B0F0"/>
-            </a:solidFill>
-            <a:prstDash val="solid"/>
-            <a:round/>
-            <a:headEnd type="none" w="med" len="med"/>
-            <a:tailEnd type="none" w="med" len="med"/>
-          </a:ln>
-          <a:extLst>
-            <a:ext uri="{909E8E84-426E-40DD-AFC4-6F175D3DCCD1}">
-              <a14:hiddenFill xmlns:a14="http://schemas.microsoft.com/office/drawing/2010/main">
-                <a:gradFill rotWithShape="0">
-                  <a:gsLst>
-                    <a:gs pos="0">
-                      <a:schemeClr val="accent1"/>
-                    </a:gs>
-                    <a:gs pos="100000">
-                      <a:schemeClr val="accent2"/>
-                    </a:gs>
-                  </a:gsLst>
-                  <a:lin ang="5400000" scaled="1"/>
-                </a:gradFill>
-              </a14:hiddenFill>
-            </a:ext>
-          </a:extLst>
-        </p:spPr>
-        <p:txBody>
-          <a:bodyPr vert="horz" wrap="none" lIns="91440" tIns="45720" rIns="91440" bIns="45720" numCol="1" anchor="ctr" anchorCtr="0" compatLnSpc="1"/>
-          <a:p>
-            <a:pPr marL="0" marR="0" indent="0" algn="l" defTabSz="914400" rtl="0" eaLnBrk="1" fontAlgn="base" latinLnBrk="0" hangingPunct="1">
-              <a:lnSpc>
-                <a:spcPct val="100000"/>
-              </a:lnSpc>
-              <a:spcBef>
-                <a:spcPct val="0"/>
-              </a:spcBef>
-              <a:spcAft>
-                <a:spcPct val="0"/>
-              </a:spcAft>
-              <a:buClrTx/>
-              <a:buSzTx/>
-              <a:buFontTx/>
-              <a:buNone/>
-            </a:pPr>
-            <a:endParaRPr kumimoji="0" lang="zh-CN" altLang="en-US" sz="1800" b="0" i="0" u="none" strike="noStrike" cap="none" normalizeH="0" baseline="0" smtClean="0">
-              <a:ln>
-                <a:noFill/>
-              </a:ln>
-              <a:solidFill>
-                <a:schemeClr val="tx1"/>
-              </a:solidFill>
-              <a:effectLst/>
-              <a:latin typeface="Arial" panose="02080604020202020204" pitchFamily="34" charset="0"/>
-              <a:ea typeface="SimSun" pitchFamily="2" charset="-122"/>
-            </a:endParaRPr>
-          </a:p>
-        </p:txBody>
-      </p:sp>
-      <p:sp>
-        <p:nvSpPr>
-          <p:cNvPr id="10" name="Rectangles 9"/>
-          <p:cNvSpPr/>
-          <p:nvPr/>
-        </p:nvSpPr>
-        <p:spPr>
-          <a:xfrm>
-            <a:off x="10382250" y="3757295"/>
-            <a:ext cx="466725" cy="714375"/>
-          </a:xfrm>
-          <a:prstGeom prst="rect">
-            <a:avLst/>
-          </a:prstGeom>
-          <a:noFill/>
-          <a:ln w="19050" cap="flat" cmpd="sng" algn="ctr">
-            <a:solidFill>
-              <a:srgbClr val="00B0F0"/>
-            </a:solidFill>
-            <a:prstDash val="solid"/>
-            <a:round/>
-            <a:headEnd type="none" w="med" len="med"/>
-            <a:tailEnd type="none" w="med" len="med"/>
-          </a:ln>
-          <a:extLst>
-            <a:ext uri="{909E8E84-426E-40DD-AFC4-6F175D3DCCD1}">
-              <a14:hiddenFill xmlns:a14="http://schemas.microsoft.com/office/drawing/2010/main">
-                <a:gradFill rotWithShape="0">
-                  <a:gsLst>
-                    <a:gs pos="0">
-                      <a:schemeClr val="accent1"/>
-                    </a:gs>
-                    <a:gs pos="100000">
-                      <a:schemeClr val="accent2"/>
-                    </a:gs>
-                  </a:gsLst>
-                  <a:lin ang="5400000" scaled="1"/>
-                </a:gradFill>
-              </a14:hiddenFill>
-            </a:ext>
-          </a:extLst>
-        </p:spPr>
-        <p:txBody>
-          <a:bodyPr vert="horz" wrap="none" lIns="91440" tIns="45720" rIns="91440" bIns="45720" numCol="1" anchor="ctr" anchorCtr="0" compatLnSpc="1"/>
-          <a:p>
-            <a:pPr marL="0" marR="0" indent="0" algn="l" defTabSz="914400" rtl="0" eaLnBrk="1" fontAlgn="base" latinLnBrk="0" hangingPunct="1">
-              <a:lnSpc>
-                <a:spcPct val="100000"/>
-              </a:lnSpc>
-              <a:spcBef>
-                <a:spcPct val="0"/>
-              </a:spcBef>
-              <a:spcAft>
-                <a:spcPct val="0"/>
-              </a:spcAft>
-              <a:buClrTx/>
-              <a:buSzTx/>
-              <a:buFontTx/>
-              <a:buNone/>
-            </a:pPr>
-            <a:endParaRPr kumimoji="0" lang="zh-CN" altLang="en-US" sz="1800" b="0" i="0" u="none" strike="noStrike" cap="none" normalizeH="0" baseline="0" smtClean="0">
-              <a:ln>
-                <a:noFill/>
-              </a:ln>
-              <a:solidFill>
-                <a:schemeClr val="tx1"/>
-              </a:solidFill>
-              <a:effectLst/>
-              <a:latin typeface="Arial" panose="02080604020202020204" pitchFamily="34" charset="0"/>
-              <a:ea typeface="SimSun" pitchFamily="2" charset="-122"/>
-            </a:endParaRPr>
-          </a:p>
-        </p:txBody>
-      </p:sp>
     </p:spTree>
   </p:cSld>
   <p:clrMapOvr>
@@ -7224,12 +7360,10 @@
           <a:bodyPr/>
           <a:p>
             <a:r>
-              <a:rPr lang="en-US" sz="2800">
-                <a:sym typeface="+mn-ea"/>
-              </a:rPr>
-              <a:t>Emp_length and Verification Status - Loan Status</a:t>
-            </a:r>
-            <a:endParaRPr lang="en-US" sz="2800"/>
+              <a:rPr lang="en-US" sz="3200"/>
+              <a:t>Impact of Home_ownership &amp; Purpose - Loan Status</a:t>
+            </a:r>
+            <a:endParaRPr lang="en-US" sz="3200"/>
           </a:p>
         </p:txBody>
       </p:sp>
@@ -7265,8 +7399,8 @@
         </p:blipFill>
         <p:spPr>
           <a:xfrm>
-            <a:off x="6060440" y="2569210"/>
-            <a:ext cx="5753100" cy="3219450"/>
+            <a:off x="266065" y="3241040"/>
+            <a:ext cx="5372100" cy="3486150"/>
           </a:xfrm>
           <a:prstGeom prst="rect">
             <a:avLst/>
@@ -7303,8 +7437,8 @@
         </p:blipFill>
         <p:spPr>
           <a:xfrm>
-            <a:off x="345440" y="2569210"/>
-            <a:ext cx="5715000" cy="3219450"/>
+            <a:off x="5871210" y="3241040"/>
+            <a:ext cx="5372100" cy="3486150"/>
           </a:xfrm>
           <a:prstGeom prst="rect">
             <a:avLst/>
@@ -7313,14 +7447,14 @@
       </p:pic>
       <p:sp>
         <p:nvSpPr>
-          <p:cNvPr id="7" name="Text Box 6"/>
+          <p:cNvPr id="6" name="Text Box 5"/>
           <p:cNvSpPr txBox="1"/>
           <p:nvPr/>
         </p:nvSpPr>
         <p:spPr>
           <a:xfrm>
-            <a:off x="610235" y="956310"/>
-            <a:ext cx="11203305" cy="1168400"/>
+            <a:off x="574675" y="1280795"/>
+            <a:ext cx="10858500" cy="737235"/>
           </a:xfrm>
           <a:prstGeom prst="rect">
             <a:avLst/>
@@ -7328,7 +7462,7 @@
           <a:noFill/>
         </p:spPr>
         <p:txBody>
-          <a:bodyPr wrap="square" rtlCol="0" anchor="t">
+          <a:bodyPr wrap="square" rtlCol="0">
             <a:spAutoFit/>
           </a:bodyPr>
           <a:p>
@@ -7336,12 +7470,19 @@
               <a:buFont typeface="Arial" panose="02080604020202020204" pitchFamily="34" charset="0"/>
               <a:buChar char="•"/>
             </a:pPr>
-            <a:endParaRPr lang="en-US" sz="1400">
-              <a:solidFill>
-                <a:schemeClr val="tx1"/>
-              </a:solidFill>
-              <a:sym typeface="+mn-ea"/>
-            </a:endParaRPr>
+            <a:r>
+              <a:rPr lang="en-US" sz="1400"/>
+              <a:t>High chunk of loans (23.9% + 19.6% = </a:t>
+            </a:r>
+            <a:r>
+              <a:rPr lang="en-US" sz="1400" b="1"/>
+              <a:t>43.5%</a:t>
+            </a:r>
+            <a:r>
+              <a:rPr lang="en-US" sz="1400"/>
+              <a:t>) are taken for debt_consolidation purpose and the borrowers of these loans stay in rented house or Mortgaged their house.</a:t>
+            </a:r>
+            <a:endParaRPr lang="en-US" sz="1400"/>
           </a:p>
           <a:p>
             <a:pPr marL="285750" indent="-285750">
@@ -7349,75 +7490,29 @@
               <a:buChar char="•"/>
             </a:pPr>
             <a:r>
-              <a:rPr lang="en-US" sz="1400">
-                <a:solidFill>
-                  <a:schemeClr val="tx1"/>
-                </a:solidFill>
-                <a:sym typeface="+mn-ea"/>
-              </a:rPr>
-              <a:t>Borrowers who have 10+ years of employment years and whose income is verified by lending company are highest 9%. And thier default rate is maximum i.e. 17.2%. </a:t>
-            </a:r>
-            <a:endParaRPr lang="en-US" sz="1400">
-              <a:solidFill>
-                <a:schemeClr val="tx1"/>
-              </a:solidFill>
-              <a:sym typeface="+mn-ea"/>
-            </a:endParaRPr>
-          </a:p>
-          <a:p>
-            <a:pPr marL="285750" indent="-285750">
-              <a:buFont typeface="Arial" panose="02080604020202020204" pitchFamily="34" charset="0"/>
-              <a:buChar char="•"/>
-            </a:pPr>
-            <a:r>
-              <a:rPr lang="en-US" sz="1400">
-                <a:solidFill>
-                  <a:schemeClr val="tx1"/>
-                </a:solidFill>
-                <a:sym typeface="+mn-ea"/>
-              </a:rPr>
-              <a:t>This is not a good situation for the company.</a:t>
-            </a:r>
-            <a:endParaRPr lang="en-US" sz="1400">
-              <a:solidFill>
-                <a:schemeClr val="tx1"/>
-              </a:solidFill>
-              <a:sym typeface="+mn-ea"/>
-            </a:endParaRPr>
-          </a:p>
-          <a:p>
-            <a:pPr marL="285750" indent="-285750">
-              <a:buFont typeface="Arial" panose="02080604020202020204" pitchFamily="34" charset="0"/>
-              <a:buChar char="•"/>
-            </a:pPr>
-            <a:r>
-              <a:rPr lang="en-US" sz="1400">
-                <a:sym typeface="+mn-ea"/>
-              </a:rPr>
-              <a:t>This is the criteria where company should look into it. </a:t>
-            </a:r>
-            <a:endParaRPr lang="en-US" sz="1400">
-              <a:sym typeface="+mn-ea"/>
-            </a:endParaRPr>
-          </a:p>
-        </p:txBody>
-      </p:sp>
-      <p:sp>
-        <p:nvSpPr>
-          <p:cNvPr id="8" name="Rectangles 7"/>
+              <a:rPr lang="en-US" sz="1400"/>
+              <a:t>And there is almost 15% chance of loan getting defaulted which is high and serious.</a:t>
+            </a:r>
+            <a:endParaRPr lang="en-US" sz="1400"/>
+          </a:p>
+        </p:txBody>
+      </p:sp>
+      <p:sp>
+        <p:nvSpPr>
+          <p:cNvPr id="7" name="Rectangles 6"/>
           <p:cNvSpPr/>
           <p:nvPr/>
         </p:nvSpPr>
         <p:spPr>
           <a:xfrm>
-            <a:off x="4749165" y="3295015"/>
-            <a:ext cx="685800" cy="228600"/>
+            <a:off x="1374775" y="3814445"/>
+            <a:ext cx="285750" cy="266700"/>
           </a:xfrm>
           <a:prstGeom prst="rect">
             <a:avLst/>
           </a:prstGeom>
           <a:noFill/>
-          <a:ln w="28575" cap="flat" cmpd="sng" algn="ctr">
+          <a:ln w="19050" cap="flat" cmpd="sng" algn="ctr">
             <a:solidFill>
               <a:srgbClr val="FF0000"/>
             </a:solidFill>
@@ -7478,20 +7573,20 @@
       </p:sp>
       <p:sp>
         <p:nvSpPr>
-          <p:cNvPr id="9" name="Rectangles 8"/>
+          <p:cNvPr id="8" name="Rectangles 7"/>
           <p:cNvSpPr/>
           <p:nvPr/>
         </p:nvSpPr>
         <p:spPr>
           <a:xfrm>
-            <a:off x="10524490" y="3295015"/>
-            <a:ext cx="685800" cy="228600"/>
+            <a:off x="1374775" y="5303520"/>
+            <a:ext cx="285750" cy="266700"/>
           </a:xfrm>
           <a:prstGeom prst="rect">
             <a:avLst/>
           </a:prstGeom>
           <a:noFill/>
-          <a:ln w="28575" cap="flat" cmpd="sng" algn="ctr">
+          <a:ln w="19050" cap="flat" cmpd="sng" algn="ctr">
             <a:solidFill>
               <a:srgbClr val="FF0000"/>
             </a:solidFill>
@@ -7550,6 +7645,154 @@
           </a:p>
         </p:txBody>
       </p:sp>
+      <p:sp>
+        <p:nvSpPr>
+          <p:cNvPr id="9" name="Rectangles 8"/>
+          <p:cNvSpPr/>
+          <p:nvPr/>
+        </p:nvSpPr>
+        <p:spPr>
+          <a:xfrm>
+            <a:off x="7031355" y="3748405"/>
+            <a:ext cx="285750" cy="266700"/>
+          </a:xfrm>
+          <a:prstGeom prst="rect">
+            <a:avLst/>
+          </a:prstGeom>
+          <a:noFill/>
+          <a:ln w="19050" cap="flat" cmpd="sng" algn="ctr">
+            <a:solidFill>
+              <a:srgbClr val="FF0000"/>
+            </a:solidFill>
+            <a:prstDash val="solid"/>
+            <a:round/>
+            <a:headEnd type="none" w="med" len="med"/>
+            <a:tailEnd type="none" w="med" len="med"/>
+          </a:ln>
+          <a:extLst>
+            <a:ext uri="{909E8E84-426E-40DD-AFC4-6F175D3DCCD1}">
+              <a14:hiddenFill xmlns:a14="http://schemas.microsoft.com/office/drawing/2010/main">
+                <a:gradFill rotWithShape="0">
+                  <a:gsLst>
+                    <a:gs pos="0">
+                      <a:schemeClr val="accent1"/>
+                    </a:gs>
+                    <a:gs pos="100000">
+                      <a:schemeClr val="accent2"/>
+                    </a:gs>
+                  </a:gsLst>
+                  <a:lin ang="5400000" scaled="1"/>
+                </a:gradFill>
+              </a14:hiddenFill>
+            </a:ext>
+          </a:extLst>
+        </p:spPr>
+        <p:txBody>
+          <a:bodyPr vert="horz" wrap="none" lIns="91440" tIns="45720" rIns="91440" bIns="45720" numCol="1" anchor="ctr" anchorCtr="0" compatLnSpc="1"/>
+          <a:p>
+            <a:pPr marL="0" marR="0" indent="0" algn="l" defTabSz="914400" rtl="0" eaLnBrk="1" fontAlgn="base" latinLnBrk="0" hangingPunct="1">
+              <a:lnSpc>
+                <a:spcPct val="100000"/>
+              </a:lnSpc>
+              <a:spcBef>
+                <a:spcPct val="0"/>
+              </a:spcBef>
+              <a:spcAft>
+                <a:spcPct val="0"/>
+              </a:spcAft>
+              <a:buClrTx/>
+              <a:buSzTx/>
+              <a:buFontTx/>
+              <a:buNone/>
+            </a:pPr>
+            <a:endParaRPr kumimoji="0" lang="zh-CN" altLang="en-US" sz="1800" b="0" i="0" u="none" strike="noStrike" cap="none" normalizeH="0" baseline="0" smtClean="0">
+              <a:ln>
+                <a:noFill/>
+              </a:ln>
+              <a:solidFill>
+                <a:schemeClr val="tx1"/>
+              </a:solidFill>
+              <a:effectLst/>
+              <a:latin typeface="Arial" panose="02080604020202020204" pitchFamily="34" charset="0"/>
+              <a:ea typeface="SimSun" pitchFamily="2" charset="-122"/>
+            </a:endParaRPr>
+          </a:p>
+        </p:txBody>
+      </p:sp>
+      <p:sp>
+        <p:nvSpPr>
+          <p:cNvPr id="10" name="Rectangles 9"/>
+          <p:cNvSpPr/>
+          <p:nvPr/>
+        </p:nvSpPr>
+        <p:spPr>
+          <a:xfrm>
+            <a:off x="7031355" y="5303520"/>
+            <a:ext cx="285750" cy="266700"/>
+          </a:xfrm>
+          <a:prstGeom prst="rect">
+            <a:avLst/>
+          </a:prstGeom>
+          <a:noFill/>
+          <a:ln w="19050" cap="flat" cmpd="sng" algn="ctr">
+            <a:solidFill>
+              <a:srgbClr val="FF0000"/>
+            </a:solidFill>
+            <a:prstDash val="solid"/>
+            <a:round/>
+            <a:headEnd type="none" w="med" len="med"/>
+            <a:tailEnd type="none" w="med" len="med"/>
+          </a:ln>
+          <a:extLst>
+            <a:ext uri="{909E8E84-426E-40DD-AFC4-6F175D3DCCD1}">
+              <a14:hiddenFill xmlns:a14="http://schemas.microsoft.com/office/drawing/2010/main">
+                <a:gradFill rotWithShape="0">
+                  <a:gsLst>
+                    <a:gs pos="0">
+                      <a:schemeClr val="accent1"/>
+                    </a:gs>
+                    <a:gs pos="100000">
+                      <a:schemeClr val="accent2"/>
+                    </a:gs>
+                  </a:gsLst>
+                  <a:lin ang="5400000" scaled="1"/>
+                </a:gradFill>
+              </a14:hiddenFill>
+            </a:ext>
+          </a:extLst>
+        </p:spPr>
+        <p:txBody>
+          <a:bodyPr vert="horz" wrap="none" lIns="91440" tIns="45720" rIns="91440" bIns="45720" numCol="1" anchor="ctr" anchorCtr="0" compatLnSpc="1"/>
+          <a:p>
+            <a:pPr marL="0" marR="0" indent="0" algn="l" defTabSz="914400" rtl="0" eaLnBrk="1" fontAlgn="base" latinLnBrk="0" hangingPunct="1">
+              <a:lnSpc>
+                <a:spcPct val="100000"/>
+              </a:lnSpc>
+              <a:spcBef>
+                <a:spcPct val="0"/>
+              </a:spcBef>
+              <a:spcAft>
+                <a:spcPct val="0"/>
+              </a:spcAft>
+              <a:buClrTx/>
+              <a:buSzTx/>
+              <a:buFontTx/>
+              <a:buNone/>
+            </a:pPr>
+            <a:endParaRPr kumimoji="0" lang="zh-CN" altLang="en-US" sz="1800" b="0" i="0" u="none" strike="noStrike" cap="none" normalizeH="0" baseline="0" smtClean="0">
+              <a:ln>
+                <a:noFill/>
+              </a:ln>
+              <a:solidFill>
+                <a:schemeClr val="tx1"/>
+              </a:solidFill>
+              <a:effectLst/>
+              <a:latin typeface="Arial" panose="02080604020202020204" pitchFamily="34" charset="0"/>
+              <a:ea typeface="SimSun" pitchFamily="2" charset="-122"/>
+            </a:endParaRPr>
+          </a:p>
+        </p:txBody>
+      </p:sp>
     </p:spTree>
   </p:cSld>
   <p:clrMapOvr>
@@ -7583,8 +7826,12 @@
           <a:bodyPr/>
           <a:p>
             <a:r>
+              <a:rPr lang="en-US" b="1"/>
+              <a:t>Loan Amount</a:t>
+            </a:r>
+            <a:r>
               <a:rPr lang="en-US"/>
-              <a:t>Home_ownership &amp; Purpose - Loan Status</a:t>
+              <a:t> for different types of loans</a:t>
             </a:r>
             <a:endParaRPr lang="en-US"/>
           </a:p>
@@ -7622,8 +7869,8 @@
         </p:blipFill>
         <p:spPr>
           <a:xfrm>
-            <a:off x="266065" y="3241040"/>
-            <a:ext cx="5372100" cy="3486150"/>
+            <a:off x="325120" y="1366520"/>
+            <a:ext cx="2868295" cy="2025650"/>
           </a:xfrm>
           <a:prstGeom prst="rect">
             <a:avLst/>
@@ -7660,590 +7907,6 @@
         </p:blipFill>
         <p:spPr>
           <a:xfrm>
-            <a:off x="5871210" y="3241040"/>
-            <a:ext cx="5372100" cy="3486150"/>
-          </a:xfrm>
-          <a:prstGeom prst="rect">
-            <a:avLst/>
-          </a:prstGeom>
-        </p:spPr>
-      </p:pic>
-      <p:sp>
-        <p:nvSpPr>
-          <p:cNvPr id="6" name="Text Box 5"/>
-          <p:cNvSpPr txBox="1"/>
-          <p:nvPr/>
-        </p:nvSpPr>
-        <p:spPr>
-          <a:xfrm>
-            <a:off x="574675" y="1280795"/>
-            <a:ext cx="10858500" cy="737235"/>
-          </a:xfrm>
-          <a:prstGeom prst="rect">
-            <a:avLst/>
-          </a:prstGeom>
-          <a:noFill/>
-        </p:spPr>
-        <p:txBody>
-          <a:bodyPr wrap="square" rtlCol="0">
-            <a:spAutoFit/>
-          </a:bodyPr>
-          <a:p>
-            <a:pPr marL="285750" indent="-285750">
-              <a:buFont typeface="Arial" panose="02080604020202020204" pitchFamily="34" charset="0"/>
-              <a:buChar char="•"/>
-            </a:pPr>
-            <a:r>
-              <a:rPr lang="en-US" sz="1400"/>
-              <a:t>High chunk of loans (23.9% + 19.6% = </a:t>
-            </a:r>
-            <a:r>
-              <a:rPr lang="en-US" sz="1400" b="1"/>
-              <a:t>43.5%</a:t>
-            </a:r>
-            <a:r>
-              <a:rPr lang="en-US" sz="1400"/>
-              <a:t>) are taken for debt_consolidation purpose and the borrowers of these loans stays in rented house or Mortgaged thier house.</a:t>
-            </a:r>
-            <a:endParaRPr lang="en-US" sz="1400"/>
-          </a:p>
-          <a:p>
-            <a:pPr marL="285750" indent="-285750">
-              <a:buFont typeface="Arial" panose="02080604020202020204" pitchFamily="34" charset="0"/>
-              <a:buChar char="•"/>
-            </a:pPr>
-            <a:r>
-              <a:rPr lang="en-US" sz="1400"/>
-              <a:t>And there is almost 15% chance of loan getting defaulted which is high and serious.</a:t>
-            </a:r>
-            <a:endParaRPr lang="en-US" sz="1400"/>
-          </a:p>
-        </p:txBody>
-      </p:sp>
-      <p:sp>
-        <p:nvSpPr>
-          <p:cNvPr id="7" name="Rectangles 6"/>
-          <p:cNvSpPr/>
-          <p:nvPr/>
-        </p:nvSpPr>
-        <p:spPr>
-          <a:xfrm>
-            <a:off x="1374775" y="3814445"/>
-            <a:ext cx="285750" cy="266700"/>
-          </a:xfrm>
-          <a:prstGeom prst="rect">
-            <a:avLst/>
-          </a:prstGeom>
-          <a:noFill/>
-          <a:ln w="19050" cap="flat" cmpd="sng" algn="ctr">
-            <a:solidFill>
-              <a:srgbClr val="FF0000"/>
-            </a:solidFill>
-            <a:prstDash val="solid"/>
-            <a:round/>
-            <a:headEnd type="none" w="med" len="med"/>
-            <a:tailEnd type="none" w="med" len="med"/>
-          </a:ln>
-          <a:extLst>
-            <a:ext uri="{909E8E84-426E-40DD-AFC4-6F175D3DCCD1}">
-              <a14:hiddenFill xmlns:a14="http://schemas.microsoft.com/office/drawing/2010/main">
-                <a:gradFill rotWithShape="0">
-                  <a:gsLst>
-                    <a:gs pos="0">
-                      <a:schemeClr val="accent1"/>
-                    </a:gs>
-                    <a:gs pos="100000">
-                      <a:schemeClr val="accent2"/>
-                    </a:gs>
-                  </a:gsLst>
-                  <a:lin ang="5400000" scaled="1"/>
-                </a:gradFill>
-              </a14:hiddenFill>
-            </a:ext>
-          </a:extLst>
-        </p:spPr>
-        <p:txBody>
-          <a:bodyPr vert="horz" wrap="none" lIns="91440" tIns="45720" rIns="91440" bIns="45720" numCol="1" anchor="ctr" anchorCtr="0" compatLnSpc="1"/>
-          <a:p>
-            <a:pPr marL="0" marR="0" indent="0" algn="l" defTabSz="914400" rtl="0" eaLnBrk="1" fontAlgn="base" latinLnBrk="0" hangingPunct="1">
-              <a:lnSpc>
-                <a:spcPct val="100000"/>
-              </a:lnSpc>
-              <a:spcBef>
-                <a:spcPct val="0"/>
-              </a:spcBef>
-              <a:spcAft>
-                <a:spcPct val="0"/>
-              </a:spcAft>
-              <a:buClrTx/>
-              <a:buSzTx/>
-              <a:buFontTx/>
-              <a:buNone/>
-            </a:pPr>
-            <a:endParaRPr kumimoji="0" lang="zh-CN" altLang="en-US" sz="1800" b="0" i="0" u="none" strike="noStrike" cap="none" normalizeH="0" baseline="0" smtClean="0">
-              <a:ln>
-                <a:noFill/>
-              </a:ln>
-              <a:solidFill>
-                <a:schemeClr val="tx1"/>
-              </a:solidFill>
-              <a:effectLst/>
-              <a:latin typeface="Arial" panose="02080604020202020204" pitchFamily="34" charset="0"/>
-              <a:ea typeface="SimSun" pitchFamily="2" charset="-122"/>
-            </a:endParaRPr>
-          </a:p>
-        </p:txBody>
-      </p:sp>
-      <p:sp>
-        <p:nvSpPr>
-          <p:cNvPr id="8" name="Rectangles 7"/>
-          <p:cNvSpPr/>
-          <p:nvPr/>
-        </p:nvSpPr>
-        <p:spPr>
-          <a:xfrm>
-            <a:off x="1374775" y="5303520"/>
-            <a:ext cx="285750" cy="266700"/>
-          </a:xfrm>
-          <a:prstGeom prst="rect">
-            <a:avLst/>
-          </a:prstGeom>
-          <a:noFill/>
-          <a:ln w="19050" cap="flat" cmpd="sng" algn="ctr">
-            <a:solidFill>
-              <a:srgbClr val="FF0000"/>
-            </a:solidFill>
-            <a:prstDash val="solid"/>
-            <a:round/>
-            <a:headEnd type="none" w="med" len="med"/>
-            <a:tailEnd type="none" w="med" len="med"/>
-          </a:ln>
-          <a:extLst>
-            <a:ext uri="{909E8E84-426E-40DD-AFC4-6F175D3DCCD1}">
-              <a14:hiddenFill xmlns:a14="http://schemas.microsoft.com/office/drawing/2010/main">
-                <a:gradFill rotWithShape="0">
-                  <a:gsLst>
-                    <a:gs pos="0">
-                      <a:schemeClr val="accent1"/>
-                    </a:gs>
-                    <a:gs pos="100000">
-                      <a:schemeClr val="accent2"/>
-                    </a:gs>
-                  </a:gsLst>
-                  <a:lin ang="5400000" scaled="1"/>
-                </a:gradFill>
-              </a14:hiddenFill>
-            </a:ext>
-          </a:extLst>
-        </p:spPr>
-        <p:txBody>
-          <a:bodyPr vert="horz" wrap="none" lIns="91440" tIns="45720" rIns="91440" bIns="45720" numCol="1" anchor="ctr" anchorCtr="0" compatLnSpc="1"/>
-          <a:p>
-            <a:pPr marL="0" marR="0" indent="0" algn="l" defTabSz="914400" rtl="0" eaLnBrk="1" fontAlgn="base" latinLnBrk="0" hangingPunct="1">
-              <a:lnSpc>
-                <a:spcPct val="100000"/>
-              </a:lnSpc>
-              <a:spcBef>
-                <a:spcPct val="0"/>
-              </a:spcBef>
-              <a:spcAft>
-                <a:spcPct val="0"/>
-              </a:spcAft>
-              <a:buClrTx/>
-              <a:buSzTx/>
-              <a:buFontTx/>
-              <a:buNone/>
-            </a:pPr>
-            <a:endParaRPr kumimoji="0" lang="zh-CN" altLang="en-US" sz="1800" b="0" i="0" u="none" strike="noStrike" cap="none" normalizeH="0" baseline="0" smtClean="0">
-              <a:ln>
-                <a:noFill/>
-              </a:ln>
-              <a:solidFill>
-                <a:schemeClr val="tx1"/>
-              </a:solidFill>
-              <a:effectLst/>
-              <a:latin typeface="Arial" panose="02080604020202020204" pitchFamily="34" charset="0"/>
-              <a:ea typeface="SimSun" pitchFamily="2" charset="-122"/>
-            </a:endParaRPr>
-          </a:p>
-        </p:txBody>
-      </p:sp>
-      <p:sp>
-        <p:nvSpPr>
-          <p:cNvPr id="9" name="Rectangles 8"/>
-          <p:cNvSpPr/>
-          <p:nvPr/>
-        </p:nvSpPr>
-        <p:spPr>
-          <a:xfrm>
-            <a:off x="7031355" y="3748405"/>
-            <a:ext cx="285750" cy="266700"/>
-          </a:xfrm>
-          <a:prstGeom prst="rect">
-            <a:avLst/>
-          </a:prstGeom>
-          <a:noFill/>
-          <a:ln w="19050" cap="flat" cmpd="sng" algn="ctr">
-            <a:solidFill>
-              <a:srgbClr val="FF0000"/>
-            </a:solidFill>
-            <a:prstDash val="solid"/>
-            <a:round/>
-            <a:headEnd type="none" w="med" len="med"/>
-            <a:tailEnd type="none" w="med" len="med"/>
-          </a:ln>
-          <a:extLst>
-            <a:ext uri="{909E8E84-426E-40DD-AFC4-6F175D3DCCD1}">
-              <a14:hiddenFill xmlns:a14="http://schemas.microsoft.com/office/drawing/2010/main">
-                <a:gradFill rotWithShape="0">
-                  <a:gsLst>
-                    <a:gs pos="0">
-                      <a:schemeClr val="accent1"/>
-                    </a:gs>
-                    <a:gs pos="100000">
-                      <a:schemeClr val="accent2"/>
-                    </a:gs>
-                  </a:gsLst>
-                  <a:lin ang="5400000" scaled="1"/>
-                </a:gradFill>
-              </a14:hiddenFill>
-            </a:ext>
-          </a:extLst>
-        </p:spPr>
-        <p:txBody>
-          <a:bodyPr vert="horz" wrap="none" lIns="91440" tIns="45720" rIns="91440" bIns="45720" numCol="1" anchor="ctr" anchorCtr="0" compatLnSpc="1"/>
-          <a:p>
-            <a:pPr marL="0" marR="0" indent="0" algn="l" defTabSz="914400" rtl="0" eaLnBrk="1" fontAlgn="base" latinLnBrk="0" hangingPunct="1">
-              <a:lnSpc>
-                <a:spcPct val="100000"/>
-              </a:lnSpc>
-              <a:spcBef>
-                <a:spcPct val="0"/>
-              </a:spcBef>
-              <a:spcAft>
-                <a:spcPct val="0"/>
-              </a:spcAft>
-              <a:buClrTx/>
-              <a:buSzTx/>
-              <a:buFontTx/>
-              <a:buNone/>
-            </a:pPr>
-            <a:endParaRPr kumimoji="0" lang="zh-CN" altLang="en-US" sz="1800" b="0" i="0" u="none" strike="noStrike" cap="none" normalizeH="0" baseline="0" smtClean="0">
-              <a:ln>
-                <a:noFill/>
-              </a:ln>
-              <a:solidFill>
-                <a:schemeClr val="tx1"/>
-              </a:solidFill>
-              <a:effectLst/>
-              <a:latin typeface="Arial" panose="02080604020202020204" pitchFamily="34" charset="0"/>
-              <a:ea typeface="SimSun" pitchFamily="2" charset="-122"/>
-            </a:endParaRPr>
-          </a:p>
-        </p:txBody>
-      </p:sp>
-      <p:sp>
-        <p:nvSpPr>
-          <p:cNvPr id="10" name="Rectangles 9"/>
-          <p:cNvSpPr/>
-          <p:nvPr/>
-        </p:nvSpPr>
-        <p:spPr>
-          <a:xfrm>
-            <a:off x="7031355" y="5303520"/>
-            <a:ext cx="285750" cy="266700"/>
-          </a:xfrm>
-          <a:prstGeom prst="rect">
-            <a:avLst/>
-          </a:prstGeom>
-          <a:noFill/>
-          <a:ln w="19050" cap="flat" cmpd="sng" algn="ctr">
-            <a:solidFill>
-              <a:srgbClr val="FF0000"/>
-            </a:solidFill>
-            <a:prstDash val="solid"/>
-            <a:round/>
-            <a:headEnd type="none" w="med" len="med"/>
-            <a:tailEnd type="none" w="med" len="med"/>
-          </a:ln>
-          <a:extLst>
-            <a:ext uri="{909E8E84-426E-40DD-AFC4-6F175D3DCCD1}">
-              <a14:hiddenFill xmlns:a14="http://schemas.microsoft.com/office/drawing/2010/main">
-                <a:gradFill rotWithShape="0">
-                  <a:gsLst>
-                    <a:gs pos="0">
-                      <a:schemeClr val="accent1"/>
-                    </a:gs>
-                    <a:gs pos="100000">
-                      <a:schemeClr val="accent2"/>
-                    </a:gs>
-                  </a:gsLst>
-                  <a:lin ang="5400000" scaled="1"/>
-                </a:gradFill>
-              </a14:hiddenFill>
-            </a:ext>
-          </a:extLst>
-        </p:spPr>
-        <p:txBody>
-          <a:bodyPr vert="horz" wrap="none" lIns="91440" tIns="45720" rIns="91440" bIns="45720" numCol="1" anchor="ctr" anchorCtr="0" compatLnSpc="1"/>
-          <a:p>
-            <a:pPr marL="0" marR="0" indent="0" algn="l" defTabSz="914400" rtl="0" eaLnBrk="1" fontAlgn="base" latinLnBrk="0" hangingPunct="1">
-              <a:lnSpc>
-                <a:spcPct val="100000"/>
-              </a:lnSpc>
-              <a:spcBef>
-                <a:spcPct val="0"/>
-              </a:spcBef>
-              <a:spcAft>
-                <a:spcPct val="0"/>
-              </a:spcAft>
-              <a:buClrTx/>
-              <a:buSzTx/>
-              <a:buFontTx/>
-              <a:buNone/>
-            </a:pPr>
-            <a:endParaRPr kumimoji="0" lang="zh-CN" altLang="en-US" sz="1800" b="0" i="0" u="none" strike="noStrike" cap="none" normalizeH="0" baseline="0" smtClean="0">
-              <a:ln>
-                <a:noFill/>
-              </a:ln>
-              <a:solidFill>
-                <a:schemeClr val="tx1"/>
-              </a:solidFill>
-              <a:effectLst/>
-              <a:latin typeface="Arial" panose="02080604020202020204" pitchFamily="34" charset="0"/>
-              <a:ea typeface="SimSun" pitchFamily="2" charset="-122"/>
-            </a:endParaRPr>
-          </a:p>
-        </p:txBody>
-      </p:sp>
-    </p:spTree>
-  </p:cSld>
-  <p:clrMapOvr>
-    <a:masterClrMapping/>
-  </p:clrMapOvr>
-</p:sld>
-</file>
-
-<file path=ppt/slides/slide2.xml><?xml version="1.0" encoding="utf-8"?>
-<p:sld xmlns:a="http://schemas.openxmlformats.org/drawingml/2006/main" xmlns:r="http://schemas.openxmlformats.org/officeDocument/2006/relationships" xmlns:p="http://schemas.openxmlformats.org/presentationml/2006/main">
-  <p:cSld>
-    <p:spTree>
-      <p:nvGrpSpPr>
-        <p:cNvPr id="1" name=""/>
-        <p:cNvGrpSpPr/>
-        <p:nvPr/>
-      </p:nvGrpSpPr>
-      <p:grpSpPr/>
-      <p:sp>
-        <p:nvSpPr>
-          <p:cNvPr id="2" name="Title 1"/>
-          <p:cNvSpPr>
-            <a:spLocks noGrp="1"/>
-          </p:cNvSpPr>
-          <p:nvPr>
-            <p:ph type="title"/>
-          </p:nvPr>
-        </p:nvSpPr>
-        <p:spPr/>
-        <p:txBody>
-          <a:bodyPr/>
-          <a:p>
-            <a:r>
-              <a:rPr lang="en-US"/>
-              <a:t>Business Objective</a:t>
-            </a:r>
-            <a:endParaRPr lang="en-US"/>
-          </a:p>
-        </p:txBody>
-      </p:sp>
-      <p:sp>
-        <p:nvSpPr>
-          <p:cNvPr id="3" name="Content Placeholder 2"/>
-          <p:cNvSpPr>
-            <a:spLocks noGrp="1"/>
-          </p:cNvSpPr>
-          <p:nvPr>
-            <p:ph idx="1"/>
-          </p:nvPr>
-        </p:nvSpPr>
-        <p:spPr/>
-        <p:txBody>
-          <a:bodyPr/>
-          <a:p>
-            <a:r>
-              <a:rPr lang="en-US" sz="2000"/>
-              <a:t>The company wants to understand the driving factors behind loan default</a:t>
-            </a:r>
-            <a:endParaRPr lang="en-US" sz="2000"/>
-          </a:p>
-          <a:p>
-            <a:r>
-              <a:rPr lang="en-US" sz="2000"/>
-              <a:t>The variables which are strong indicators of default. </a:t>
-            </a:r>
-            <a:endParaRPr lang="en-US" sz="2000"/>
-          </a:p>
-          <a:p>
-            <a:r>
-              <a:rPr lang="en-US" sz="2000"/>
-              <a:t>The company can utilise this knowledge for its portfolio and risk assessment.</a:t>
-            </a:r>
-            <a:endParaRPr lang="en-US" sz="2000"/>
-          </a:p>
-        </p:txBody>
-      </p:sp>
-      <p:pic>
-        <p:nvPicPr>
-          <p:cNvPr id="5" name="Picture 4"/>
-          <p:cNvPicPr>
-            <a:picLocks noChangeAspect="1"/>
-          </p:cNvPicPr>
-          <p:nvPr/>
-        </p:nvPicPr>
-        <p:blipFill>
-          <a:blip r:embed="rId1">
-            <a:clrChange>
-              <a:clrFrom>
-                <a:srgbClr val="FFFFFF">
-                  <a:alpha val="100000"/>
-                </a:srgbClr>
-              </a:clrFrom>
-              <a:clrTo>
-                <a:srgbClr val="FFFFFF">
-                  <a:alpha val="100000"/>
-                  <a:alpha val="0"/>
-                </a:srgbClr>
-              </a:clrTo>
-            </a:clrChange>
-          </a:blip>
-          <a:stretch>
-            <a:fillRect/>
-          </a:stretch>
-        </p:blipFill>
-        <p:spPr>
-          <a:xfrm>
-            <a:off x="950595" y="3295650"/>
-            <a:ext cx="2621280" cy="2533650"/>
-          </a:xfrm>
-          <a:prstGeom prst="rect">
-            <a:avLst/>
-          </a:prstGeom>
-        </p:spPr>
-      </p:pic>
-    </p:spTree>
-  </p:cSld>
-  <p:clrMapOvr>
-    <a:masterClrMapping/>
-  </p:clrMapOvr>
-</p:sld>
-</file>
-
-<file path=ppt/slides/slide20.xml><?xml version="1.0" encoding="utf-8"?>
-<p:sld xmlns:a="http://schemas.openxmlformats.org/drawingml/2006/main" xmlns:r="http://schemas.openxmlformats.org/officeDocument/2006/relationships" xmlns:p="http://schemas.openxmlformats.org/presentationml/2006/main">
-  <p:cSld>
-    <p:spTree>
-      <p:nvGrpSpPr>
-        <p:cNvPr id="1" name=""/>
-        <p:cNvGrpSpPr/>
-        <p:nvPr/>
-      </p:nvGrpSpPr>
-      <p:grpSpPr/>
-      <p:sp>
-        <p:nvSpPr>
-          <p:cNvPr id="2" name="Title 1"/>
-          <p:cNvSpPr>
-            <a:spLocks noGrp="1"/>
-          </p:cNvSpPr>
-          <p:nvPr>
-            <p:ph type="title"/>
-          </p:nvPr>
-        </p:nvSpPr>
-        <p:spPr/>
-        <p:txBody>
-          <a:bodyPr/>
-          <a:p>
-            <a:r>
-              <a:rPr lang="en-US" b="1"/>
-              <a:t>Loan Amount</a:t>
-            </a:r>
-            <a:r>
-              <a:rPr lang="en-US"/>
-              <a:t> for different types of loans</a:t>
-            </a:r>
-            <a:endParaRPr lang="en-US"/>
-          </a:p>
-        </p:txBody>
-      </p:sp>
-      <p:pic>
-        <p:nvPicPr>
-          <p:cNvPr id="4" name="Content Placeholder 3"/>
-          <p:cNvPicPr>
-            <a:picLocks noChangeAspect="1"/>
-          </p:cNvPicPr>
-          <p:nvPr>
-            <p:ph idx="1"/>
-          </p:nvPr>
-        </p:nvPicPr>
-        <p:blipFill>
-          <a:blip r:embed="rId1">
-            <a:clrChange>
-              <a:clrFrom>
-                <a:srgbClr val="FFFFFF">
-                  <a:alpha val="100000"/>
-                </a:srgbClr>
-              </a:clrFrom>
-              <a:clrTo>
-                <a:srgbClr val="FFFFFF">
-                  <a:alpha val="100000"/>
-                  <a:alpha val="0"/>
-                </a:srgbClr>
-              </a:clrTo>
-            </a:clrChange>
-          </a:blip>
-          <a:stretch>
-            <a:fillRect/>
-          </a:stretch>
-        </p:blipFill>
-        <p:spPr>
-          <a:xfrm>
-            <a:off x="325120" y="1366520"/>
-            <a:ext cx="2868295" cy="2025650"/>
-          </a:xfrm>
-          <a:prstGeom prst="rect">
-            <a:avLst/>
-          </a:prstGeom>
-        </p:spPr>
-      </p:pic>
-      <p:pic>
-        <p:nvPicPr>
-          <p:cNvPr id="5" name="Picture 4"/>
-          <p:cNvPicPr>
-            <a:picLocks noChangeAspect="1"/>
-          </p:cNvPicPr>
-          <p:nvPr/>
-        </p:nvPicPr>
-        <p:blipFill>
-          <a:blip r:embed="rId2">
-            <a:clrChange>
-              <a:clrFrom>
-                <a:srgbClr val="FFFFFF">
-                  <a:alpha val="100000"/>
-                </a:srgbClr>
-              </a:clrFrom>
-              <a:clrTo>
-                <a:srgbClr val="FFFFFF">
-                  <a:alpha val="100000"/>
-                  <a:alpha val="0"/>
-                </a:srgbClr>
-              </a:clrTo>
-            </a:clrChange>
-          </a:blip>
-          <a:stretch>
-            <a:fillRect/>
-          </a:stretch>
-        </p:blipFill>
-        <p:spPr>
-          <a:xfrm>
             <a:off x="7531735" y="4226560"/>
             <a:ext cx="4486910" cy="2370455"/>
           </a:xfrm>
@@ -9071,7 +8734,7 @@
 </p:sld>
 </file>
 
-<file path=ppt/slides/slide21.xml><?xml version="1.0" encoding="utf-8"?>
+<file path=ppt/slides/slide2.xml><?xml version="1.0" encoding="utf-8"?>
 <p:sld xmlns:a="http://schemas.openxmlformats.org/drawingml/2006/main" xmlns:r="http://schemas.openxmlformats.org/officeDocument/2006/relationships" xmlns:p="http://schemas.openxmlformats.org/presentationml/2006/main">
   <p:cSld>
     <p:spTree>
@@ -9097,7 +8760,7 @@
           <a:p>
             <a:r>
               <a:rPr lang="en-US"/>
-              <a:t>Conclusion</a:t>
+              <a:t>Business Objective</a:t>
             </a:r>
             <a:endParaRPr lang="en-US"/>
           </a:p>
@@ -9113,6 +8776,120 @@
             <p:ph idx="1"/>
           </p:nvPr>
         </p:nvSpPr>
+        <p:spPr/>
+        <p:txBody>
+          <a:bodyPr/>
+          <a:p>
+            <a:r>
+              <a:rPr lang="en-US" sz="2000"/>
+              <a:t>The company wants to understand the driving factors behind loan default</a:t>
+            </a:r>
+            <a:endParaRPr lang="en-US" sz="2000"/>
+          </a:p>
+          <a:p>
+            <a:r>
+              <a:rPr lang="en-US" sz="2000"/>
+              <a:t>The variables which are strong indicators of default. </a:t>
+            </a:r>
+            <a:endParaRPr lang="en-US" sz="2000"/>
+          </a:p>
+          <a:p>
+            <a:r>
+              <a:rPr lang="en-US" sz="2000"/>
+              <a:t>The company can utilise this knowledge for its portfolio and risk assessment.</a:t>
+            </a:r>
+            <a:endParaRPr lang="en-US" sz="2000"/>
+          </a:p>
+        </p:txBody>
+      </p:sp>
+      <p:pic>
+        <p:nvPicPr>
+          <p:cNvPr id="5" name="Picture 4"/>
+          <p:cNvPicPr>
+            <a:picLocks noChangeAspect="1"/>
+          </p:cNvPicPr>
+          <p:nvPr/>
+        </p:nvPicPr>
+        <p:blipFill>
+          <a:blip r:embed="rId1">
+            <a:clrChange>
+              <a:clrFrom>
+                <a:srgbClr val="FFFFFF">
+                  <a:alpha val="100000"/>
+                </a:srgbClr>
+              </a:clrFrom>
+              <a:clrTo>
+                <a:srgbClr val="FFFFFF">
+                  <a:alpha val="100000"/>
+                  <a:alpha val="0"/>
+                </a:srgbClr>
+              </a:clrTo>
+            </a:clrChange>
+          </a:blip>
+          <a:stretch>
+            <a:fillRect/>
+          </a:stretch>
+        </p:blipFill>
+        <p:spPr>
+          <a:xfrm>
+            <a:off x="950595" y="3295650"/>
+            <a:ext cx="2621280" cy="2533650"/>
+          </a:xfrm>
+          <a:prstGeom prst="rect">
+            <a:avLst/>
+          </a:prstGeom>
+        </p:spPr>
+      </p:pic>
+    </p:spTree>
+  </p:cSld>
+  <p:clrMapOvr>
+    <a:masterClrMapping/>
+  </p:clrMapOvr>
+</p:sld>
+</file>
+
+<file path=ppt/slides/slide20.xml><?xml version="1.0" encoding="utf-8"?>
+<p:sld xmlns:a="http://schemas.openxmlformats.org/drawingml/2006/main" xmlns:r="http://schemas.openxmlformats.org/officeDocument/2006/relationships" xmlns:p="http://schemas.openxmlformats.org/presentationml/2006/main">
+  <p:cSld>
+    <p:spTree>
+      <p:nvGrpSpPr>
+        <p:cNvPr id="1" name=""/>
+        <p:cNvGrpSpPr/>
+        <p:nvPr/>
+      </p:nvGrpSpPr>
+      <p:grpSpPr/>
+      <p:sp>
+        <p:nvSpPr>
+          <p:cNvPr id="2" name="Title 1"/>
+          <p:cNvSpPr>
+            <a:spLocks noGrp="1"/>
+          </p:cNvSpPr>
+          <p:nvPr>
+            <p:ph type="title"/>
+          </p:nvPr>
+        </p:nvSpPr>
+        <p:spPr/>
+        <p:txBody>
+          <a:bodyPr/>
+          <a:p>
+            <a:r>
+              <a:rPr lang="en-US"/>
+              <a:t>Conclusion</a:t>
+            </a:r>
+            <a:endParaRPr lang="en-US"/>
+          </a:p>
+        </p:txBody>
+      </p:sp>
+      <p:sp>
+        <p:nvSpPr>
+          <p:cNvPr id="3" name="Content Placeholder 2"/>
+          <p:cNvSpPr>
+            <a:spLocks noGrp="1"/>
+          </p:cNvSpPr>
+          <p:nvPr>
+            <p:ph idx="1"/>
+          </p:nvPr>
+        </p:nvSpPr>
         <p:spPr>
           <a:xfrm>
             <a:off x="609600" y="1174750"/>
@@ -9190,24 +8967,27 @@
               <a:rPr lang="en-US" sz="1400">
                 <a:sym typeface="+mn-ea"/>
               </a:rPr>
-              <a:t>High Interest rates - Interest rate for 60 months tenure loans is higher than that of 36 months loan. </a:t>
+              <a:t>High Revol_util - Higher the amount of credit the borrower is using, higher is the risk of loan repayment.</a:t>
             </a:r>
             <a:endParaRPr lang="en-US" sz="1400">
               <a:sym typeface="+mn-ea"/>
             </a:endParaRPr>
           </a:p>
           <a:p>
-            <a:r>
-              <a:rPr lang="en-US" sz="1400">
+            <a:endParaRPr lang="en-US" sz="1400" b="1">
+              <a:sym typeface="+mn-ea"/>
+            </a:endParaRPr>
+          </a:p>
+          <a:p>
+            <a:pPr marL="0" indent="0">
+              <a:buNone/>
+            </a:pPr>
+            <a:r>
+              <a:rPr lang="en-US" sz="1400" b="1">
                 <a:sym typeface="+mn-ea"/>
               </a:rPr>
-              <a:t>High Revol_util - Higher the amount of credit the borrower is using, higher is the risk of loan repayment.</a:t>
-            </a:r>
-            <a:endParaRPr lang="en-US" sz="1400">
-              <a:sym typeface="+mn-ea"/>
-            </a:endParaRPr>
-          </a:p>
-          <a:p>
+              <a:t>Inferences :</a:t>
+            </a:r>
             <a:endParaRPr lang="en-US" sz="1400">
               <a:sym typeface="+mn-ea"/>
             </a:endParaRPr>
@@ -9227,6 +9007,50 @@
               <a:t>Default rate for the borrowers, who have 10+ years of employment years and their income is also verified, is high</a:t>
             </a:r>
             <a:endParaRPr lang="en-US" sz="1400"/>
+          </a:p>
+          <a:p>
+            <a:r>
+              <a:rPr lang="en-US" sz="1400">
+                <a:sym typeface="+mn-ea"/>
+              </a:rPr>
+              <a:t>For upper grade loans possess </a:t>
+            </a:r>
+            <a:r>
+              <a:rPr lang="en-US" sz="1400" b="1">
+                <a:sym typeface="+mn-ea"/>
+              </a:rPr>
+              <a:t>high loan amount</a:t>
+            </a:r>
+            <a:r>
+              <a:rPr lang="en-US" sz="1400">
+                <a:sym typeface="+mn-ea"/>
+              </a:rPr>
+              <a:t> applied by borrowers - </a:t>
+            </a:r>
+            <a:r>
+              <a:rPr lang="en-US" sz="1400" b="1">
+                <a:sym typeface="+mn-ea"/>
+              </a:rPr>
+              <a:t>loss is high </a:t>
+            </a:r>
+            <a:r>
+              <a:rPr lang="en-US" sz="1400">
+                <a:sym typeface="+mn-ea"/>
+              </a:rPr>
+              <a:t>if a loan is defaulted</a:t>
+            </a:r>
+            <a:endParaRPr lang="en-US" sz="1400"/>
+          </a:p>
+          <a:p>
+            <a:r>
+              <a:rPr lang="en-US" sz="1400">
+                <a:sym typeface="+mn-ea"/>
+              </a:rPr>
+              <a:t>High Interest rates - Interest rate for 60 months tenure loans is higher than that of 36 months loan. </a:t>
+            </a:r>
+            <a:endParaRPr lang="en-US" sz="1400">
+              <a:sym typeface="+mn-ea"/>
+            </a:endParaRPr>
           </a:p>
           <a:p>
             <a:endParaRPr lang="en-US" sz="1400"/>
